--- a/slides/intro-programming.pptx
+++ b/slides/intro-programming.pptx
@@ -5,10 +5,10 @@
     <p:sldMasterId id="2147483672" r:id="rId1"/>
   </p:sldMasterIdLst>
   <p:notesMasterIdLst>
-    <p:notesMasterId r:id="rId8"/>
+    <p:notesMasterId r:id="rId9"/>
   </p:notesMasterIdLst>
   <p:handoutMasterIdLst>
-    <p:handoutMasterId r:id="rId9"/>
+    <p:handoutMasterId r:id="rId10"/>
   </p:handoutMasterIdLst>
   <p:sldIdLst>
     <p:sldId id="256" r:id="rId2"/>
@@ -16,7 +16,8 @@
     <p:sldId id="291" r:id="rId4"/>
     <p:sldId id="292" r:id="rId5"/>
     <p:sldId id="289" r:id="rId6"/>
-    <p:sldId id="288" r:id="rId7"/>
+    <p:sldId id="293" r:id="rId7"/>
+    <p:sldId id="288" r:id="rId8"/>
   </p:sldIdLst>
   <p:sldSz cx="12192000" cy="6858000"/>
   <p:notesSz cx="9144000" cy="6858000"/>
@@ -4486,7 +4487,7 @@
           <a:p>
             <a:r>
               <a:rPr lang="en-US" dirty="0"/>
-              <a:t>Programming is more about design, rather than coding details, but it's much easier to learn programming by actually speaking Python (e.g., we begin learning foreign languages by memorizing a few key phrases like "</a:t>
+              <a:t>Programming is more about design, rather than coding details, but it's much easier to learn programming by actually speaking Python (e.g., we begin learning a foreign language by memorizing a few key phrases like "</a:t>
             </a:r>
             <a:r>
               <a:rPr lang="en-US" i="1" dirty="0"/>
@@ -4499,10 +4500,9 @@
           </a:p>
           <a:p>
             <a:r>
-              <a:rPr lang="en-US"/>
+              <a:rPr lang="en-US" dirty="0"/>
               <a:t>Let's get started by looking at the key pieces we have at our disposal and then we can learn some basic Python and write some simple programs</a:t>
             </a:r>
-            <a:endParaRPr lang="en-US" dirty="0"/>
           </a:p>
         </p:txBody>
       </p:sp>
@@ -4763,6 +4763,86 @@
 </file>
 
 <file path=ppt/slides/slide6.xml><?xml version="1.0" encoding="utf-8"?>
+<p:sld xmlns:a="http://schemas.openxmlformats.org/drawingml/2006/main" xmlns:r="http://schemas.openxmlformats.org/officeDocument/2006/relationships" xmlns:p="http://schemas.openxmlformats.org/presentationml/2006/main">
+  <p:cSld>
+    <p:spTree>
+      <p:nvGrpSpPr>
+        <p:cNvPr id="1" name=""/>
+        <p:cNvGrpSpPr/>
+        <p:nvPr/>
+      </p:nvGrpSpPr>
+      <p:grpSpPr>
+        <a:xfrm>
+          <a:off x="0" y="0"/>
+          <a:ext cx="0" cy="0"/>
+          <a:chOff x="0" y="0"/>
+          <a:chExt cx="0" cy="0"/>
+        </a:xfrm>
+      </p:grpSpPr>
+      <p:sp>
+        <p:nvSpPr>
+          <p:cNvPr id="2" name="Title 1">
+            <a:extLst>
+              <a:ext uri="{FF2B5EF4-FFF2-40B4-BE49-F238E27FC236}">
+                <a16:creationId xmlns:a16="http://schemas.microsoft.com/office/drawing/2014/main" id="{AC37E157-FF48-664F-8B7B-8E803BC1811A}"/>
+              </a:ext>
+            </a:extLst>
+          </p:cNvPr>
+          <p:cNvSpPr>
+            <a:spLocks noGrp="1"/>
+          </p:cNvSpPr>
+          <p:nvPr>
+            <p:ph type="title"/>
+          </p:nvPr>
+        </p:nvSpPr>
+        <p:spPr/>
+        <p:txBody>
+          <a:bodyPr/>
+          <a:lstStyle/>
+          <a:p>
+            <a:endParaRPr lang="en-US"/>
+          </a:p>
+        </p:txBody>
+      </p:sp>
+      <p:sp>
+        <p:nvSpPr>
+          <p:cNvPr id="3" name="Content Placeholder 2">
+            <a:extLst>
+              <a:ext uri="{FF2B5EF4-FFF2-40B4-BE49-F238E27FC236}">
+                <a16:creationId xmlns:a16="http://schemas.microsoft.com/office/drawing/2014/main" id="{680845E7-1C2E-8E49-9D64-9729770EE19D}"/>
+              </a:ext>
+            </a:extLst>
+          </p:cNvPr>
+          <p:cNvSpPr>
+            <a:spLocks noGrp="1"/>
+          </p:cNvSpPr>
+          <p:nvPr>
+            <p:ph idx="1"/>
+          </p:nvPr>
+        </p:nvSpPr>
+        <p:spPr/>
+        <p:txBody>
+          <a:bodyPr/>
+          <a:lstStyle/>
+          <a:p>
+            <a:endParaRPr lang="en-US"/>
+          </a:p>
+        </p:txBody>
+      </p:sp>
+    </p:spTree>
+    <p:extLst>
+      <p:ext uri="{BB962C8B-B14F-4D97-AF65-F5344CB8AC3E}">
+        <p14:creationId xmlns:p14="http://schemas.microsoft.com/office/powerpoint/2010/main" val="941945484"/>
+      </p:ext>
+    </p:extLst>
+  </p:cSld>
+  <p:clrMapOvr>
+    <a:masterClrMapping/>
+  </p:clrMapOvr>
+</p:sld>
+</file>
+
+<file path=ppt/slides/slide7.xml><?xml version="1.0" encoding="utf-8"?>
 <p:sld xmlns:a="http://schemas.openxmlformats.org/drawingml/2006/main" xmlns:r="http://schemas.openxmlformats.org/officeDocument/2006/relationships" xmlns:p="http://schemas.openxmlformats.org/presentationml/2006/main">
   <p:cSld>
     <p:spTree>

--- a/slides/intro-programming.pptx
+++ b/slides/intro-programming.pptx
@@ -5,10 +5,10 @@
     <p:sldMasterId id="2147483672" r:id="rId1"/>
   </p:sldMasterIdLst>
   <p:notesMasterIdLst>
-    <p:notesMasterId r:id="rId9"/>
+    <p:notesMasterId r:id="rId20"/>
   </p:notesMasterIdLst>
   <p:handoutMasterIdLst>
-    <p:handoutMasterId r:id="rId10"/>
+    <p:handoutMasterId r:id="rId21"/>
   </p:handoutMasterIdLst>
   <p:sldIdLst>
     <p:sldId id="256" r:id="rId2"/>
@@ -16,8 +16,19 @@
     <p:sldId id="291" r:id="rId4"/>
     <p:sldId id="292" r:id="rId5"/>
     <p:sldId id="289" r:id="rId6"/>
-    <p:sldId id="293" r:id="rId7"/>
-    <p:sldId id="288" r:id="rId8"/>
+    <p:sldId id="294" r:id="rId7"/>
+    <p:sldId id="296" r:id="rId8"/>
+    <p:sldId id="297" r:id="rId9"/>
+    <p:sldId id="298" r:id="rId10"/>
+    <p:sldId id="299" r:id="rId11"/>
+    <p:sldId id="300" r:id="rId12"/>
+    <p:sldId id="301" r:id="rId13"/>
+    <p:sldId id="302" r:id="rId14"/>
+    <p:sldId id="303" r:id="rId15"/>
+    <p:sldId id="304" r:id="rId16"/>
+    <p:sldId id="305" r:id="rId17"/>
+    <p:sldId id="306" r:id="rId18"/>
+    <p:sldId id="307" r:id="rId19"/>
   </p:sldIdLst>
   <p:sldSz cx="12192000" cy="6858000"/>
   <p:notesSz cx="9144000" cy="6858000"/>
@@ -4017,6 +4028,2102 @@
 </p:sld>
 </file>
 
+<file path=ppt/slides/slide10.xml><?xml version="1.0" encoding="utf-8"?>
+<p:sld xmlns:a="http://schemas.openxmlformats.org/drawingml/2006/main" xmlns:r="http://schemas.openxmlformats.org/officeDocument/2006/relationships" xmlns:p="http://schemas.openxmlformats.org/presentationml/2006/main">
+  <p:cSld>
+    <p:spTree>
+      <p:nvGrpSpPr>
+        <p:cNvPr id="1" name=""/>
+        <p:cNvGrpSpPr/>
+        <p:nvPr/>
+      </p:nvGrpSpPr>
+      <p:grpSpPr>
+        <a:xfrm>
+          <a:off x="0" y="0"/>
+          <a:ext cx="0" cy="0"/>
+          <a:chOff x="0" y="0"/>
+          <a:chExt cx="0" cy="0"/>
+        </a:xfrm>
+      </p:grpSpPr>
+      <p:sp>
+        <p:nvSpPr>
+          <p:cNvPr id="2" name="Title 1">
+            <a:extLst>
+              <a:ext uri="{FF2B5EF4-FFF2-40B4-BE49-F238E27FC236}">
+                <a16:creationId xmlns:a16="http://schemas.microsoft.com/office/drawing/2014/main" id="{798830FE-33B5-8D47-9458-384B38DE602A}"/>
+              </a:ext>
+            </a:extLst>
+          </p:cNvPr>
+          <p:cNvSpPr>
+            <a:spLocks noGrp="1"/>
+          </p:cNvSpPr>
+          <p:nvPr>
+            <p:ph type="title"/>
+          </p:nvPr>
+        </p:nvSpPr>
+        <p:spPr/>
+        <p:txBody>
+          <a:bodyPr/>
+          <a:lstStyle/>
+          <a:p>
+            <a:r>
+              <a:rPr lang="en-US" dirty="0"/>
+              <a:t>Programming language view of memory</a:t>
+            </a:r>
+          </a:p>
+        </p:txBody>
+      </p:sp>
+      <p:sp>
+        <p:nvSpPr>
+          <p:cNvPr id="3" name="Content Placeholder 2">
+            <a:extLst>
+              <a:ext uri="{FF2B5EF4-FFF2-40B4-BE49-F238E27FC236}">
+                <a16:creationId xmlns:a16="http://schemas.microsoft.com/office/drawing/2014/main" id="{5F9979E1-8F9B-D940-84C2-9C4BD71AA369}"/>
+              </a:ext>
+            </a:extLst>
+          </p:cNvPr>
+          <p:cNvSpPr>
+            <a:spLocks noGrp="1"/>
+          </p:cNvSpPr>
+          <p:nvPr>
+            <p:ph idx="1"/>
+          </p:nvPr>
+        </p:nvSpPr>
+        <p:spPr/>
+        <p:txBody>
+          <a:bodyPr/>
+          <a:lstStyle/>
+          <a:p>
+            <a:r>
+              <a:rPr lang="en-US" dirty="0"/>
+              <a:t>Dealing with bytes is tedious; we prefer to group bytes into higher-level values, such as numbers and strings</a:t>
+            </a:r>
+          </a:p>
+          <a:p>
+            <a:endParaRPr lang="en-US" dirty="0"/>
+          </a:p>
+        </p:txBody>
+      </p:sp>
+      <p:pic>
+        <p:nvPicPr>
+          <p:cNvPr id="9" name="Picture 8">
+            <a:extLst>
+              <a:ext uri="{FF2B5EF4-FFF2-40B4-BE49-F238E27FC236}">
+                <a16:creationId xmlns:a16="http://schemas.microsoft.com/office/drawing/2014/main" id="{25BDCD72-5606-C44B-99AF-C4C9074CF068}"/>
+              </a:ext>
+            </a:extLst>
+          </p:cNvPr>
+          <p:cNvPicPr>
+            <a:picLocks noChangeAspect="1"/>
+          </p:cNvPicPr>
+          <p:nvPr/>
+        </p:nvPicPr>
+        <p:blipFill>
+          <a:blip r:embed="rId2"/>
+          <a:stretch>
+            <a:fillRect/>
+          </a:stretch>
+        </p:blipFill>
+        <p:spPr>
+          <a:xfrm>
+            <a:off x="7533642" y="4924393"/>
+            <a:ext cx="3238500" cy="1092200"/>
+          </a:xfrm>
+          <a:prstGeom prst="rect">
+            <a:avLst/>
+          </a:prstGeom>
+        </p:spPr>
+      </p:pic>
+      <p:pic>
+        <p:nvPicPr>
+          <p:cNvPr id="11" name="Picture 10">
+            <a:extLst>
+              <a:ext uri="{FF2B5EF4-FFF2-40B4-BE49-F238E27FC236}">
+                <a16:creationId xmlns:a16="http://schemas.microsoft.com/office/drawing/2014/main" id="{C591DE96-01B2-624C-94F2-1837B3B7A19D}"/>
+              </a:ext>
+            </a:extLst>
+          </p:cNvPr>
+          <p:cNvPicPr>
+            <a:picLocks noChangeAspect="1"/>
+          </p:cNvPicPr>
+          <p:nvPr/>
+        </p:nvPicPr>
+        <p:blipFill>
+          <a:blip r:embed="rId3"/>
+          <a:stretch>
+            <a:fillRect/>
+          </a:stretch>
+        </p:blipFill>
+        <p:spPr>
+          <a:xfrm>
+            <a:off x="1207515" y="3125723"/>
+            <a:ext cx="2833915" cy="1337129"/>
+          </a:xfrm>
+          <a:prstGeom prst="rect">
+            <a:avLst/>
+          </a:prstGeom>
+        </p:spPr>
+      </p:pic>
+      <p:pic>
+        <p:nvPicPr>
+          <p:cNvPr id="13" name="Picture 12">
+            <a:extLst>
+              <a:ext uri="{FF2B5EF4-FFF2-40B4-BE49-F238E27FC236}">
+                <a16:creationId xmlns:a16="http://schemas.microsoft.com/office/drawing/2014/main" id="{6324F51F-0644-9F48-85D6-CBFD038321F1}"/>
+              </a:ext>
+            </a:extLst>
+          </p:cNvPr>
+          <p:cNvPicPr>
+            <a:picLocks noChangeAspect="1"/>
+          </p:cNvPicPr>
+          <p:nvPr/>
+        </p:nvPicPr>
+        <p:blipFill>
+          <a:blip r:embed="rId4"/>
+          <a:stretch>
+            <a:fillRect/>
+          </a:stretch>
+        </p:blipFill>
+        <p:spPr>
+          <a:xfrm>
+            <a:off x="5568950" y="3125724"/>
+            <a:ext cx="1473200" cy="1244600"/>
+          </a:xfrm>
+          <a:prstGeom prst="rect">
+            <a:avLst/>
+          </a:prstGeom>
+        </p:spPr>
+      </p:pic>
+      <p:pic>
+        <p:nvPicPr>
+          <p:cNvPr id="15" name="Picture 14">
+            <a:extLst>
+              <a:ext uri="{FF2B5EF4-FFF2-40B4-BE49-F238E27FC236}">
+                <a16:creationId xmlns:a16="http://schemas.microsoft.com/office/drawing/2014/main" id="{8C659597-EC57-F64D-9853-ACECBF76705A}"/>
+              </a:ext>
+            </a:extLst>
+          </p:cNvPr>
+          <p:cNvPicPr>
+            <a:picLocks noChangeAspect="1"/>
+          </p:cNvPicPr>
+          <p:nvPr/>
+        </p:nvPicPr>
+        <p:blipFill>
+          <a:blip r:embed="rId5"/>
+          <a:stretch>
+            <a:fillRect/>
+          </a:stretch>
+        </p:blipFill>
+        <p:spPr>
+          <a:xfrm>
+            <a:off x="1219708" y="4823587"/>
+            <a:ext cx="3113314" cy="977900"/>
+          </a:xfrm>
+          <a:prstGeom prst="rect">
+            <a:avLst/>
+          </a:prstGeom>
+        </p:spPr>
+      </p:pic>
+      <p:pic>
+        <p:nvPicPr>
+          <p:cNvPr id="17" name="Picture 16">
+            <a:extLst>
+              <a:ext uri="{FF2B5EF4-FFF2-40B4-BE49-F238E27FC236}">
+                <a16:creationId xmlns:a16="http://schemas.microsoft.com/office/drawing/2014/main" id="{E2BC623C-C63C-0E47-B4AC-779CAF7855E4}"/>
+              </a:ext>
+            </a:extLst>
+          </p:cNvPr>
+          <p:cNvPicPr>
+            <a:picLocks noChangeAspect="1"/>
+          </p:cNvPicPr>
+          <p:nvPr/>
+        </p:nvPicPr>
+        <p:blipFill>
+          <a:blip r:embed="rId6"/>
+          <a:stretch>
+            <a:fillRect/>
+          </a:stretch>
+        </p:blipFill>
+        <p:spPr>
+          <a:xfrm>
+            <a:off x="5581142" y="4950587"/>
+            <a:ext cx="1676400" cy="850900"/>
+          </a:xfrm>
+          <a:prstGeom prst="rect">
+            <a:avLst/>
+          </a:prstGeom>
+        </p:spPr>
+      </p:pic>
+      <p:sp>
+        <p:nvSpPr>
+          <p:cNvPr id="18" name="TextBox 17">
+            <a:extLst>
+              <a:ext uri="{FF2B5EF4-FFF2-40B4-BE49-F238E27FC236}">
+                <a16:creationId xmlns:a16="http://schemas.microsoft.com/office/drawing/2014/main" id="{CE62E8F1-CF26-304B-96FB-08DB3391168E}"/>
+              </a:ext>
+            </a:extLst>
+          </p:cNvPr>
+          <p:cNvSpPr txBox="1"/>
+          <p:nvPr/>
+        </p:nvSpPr>
+        <p:spPr>
+          <a:xfrm>
+            <a:off x="8569670" y="2821011"/>
+            <a:ext cx="2443298" cy="461665"/>
+          </a:xfrm>
+          <a:prstGeom prst="rect">
+            <a:avLst/>
+          </a:prstGeom>
+          <a:noFill/>
+        </p:spPr>
+        <p:txBody>
+          <a:bodyPr wrap="none" rtlCol="0">
+            <a:spAutoFit/>
+          </a:bodyPr>
+          <a:lstStyle/>
+          <a:p>
+            <a:r>
+              <a:rPr lang="en-US" sz="2400" dirty="0"/>
+              <a:t>Might be 4 bytes</a:t>
+            </a:r>
+          </a:p>
+        </p:txBody>
+      </p:sp>
+      <p:cxnSp>
+        <p:nvCxnSpPr>
+          <p:cNvPr id="20" name="Straight Arrow Connector 19">
+            <a:extLst>
+              <a:ext uri="{FF2B5EF4-FFF2-40B4-BE49-F238E27FC236}">
+                <a16:creationId xmlns:a16="http://schemas.microsoft.com/office/drawing/2014/main" id="{B0500480-DF40-C34E-8ECF-B2FD7B0BA5C3}"/>
+              </a:ext>
+            </a:extLst>
+          </p:cNvPr>
+          <p:cNvCxnSpPr>
+            <a:cxnSpLocks/>
+            <a:stCxn id="18" idx="1"/>
+          </p:cNvCxnSpPr>
+          <p:nvPr/>
+        </p:nvCxnSpPr>
+        <p:spPr>
+          <a:xfrm flipH="1">
+            <a:off x="7042150" y="3051844"/>
+            <a:ext cx="1527520" cy="594490"/>
+          </a:xfrm>
+          <a:prstGeom prst="straightConnector1">
+            <a:avLst/>
+          </a:prstGeom>
+          <a:ln>
+            <a:tailEnd type="triangle"/>
+          </a:ln>
+        </p:spPr>
+        <p:style>
+          <a:lnRef idx="1">
+            <a:schemeClr val="accent1"/>
+          </a:lnRef>
+          <a:fillRef idx="0">
+            <a:schemeClr val="accent1"/>
+          </a:fillRef>
+          <a:effectRef idx="0">
+            <a:schemeClr val="accent1"/>
+          </a:effectRef>
+          <a:fontRef idx="minor">
+            <a:schemeClr val="tx1"/>
+          </a:fontRef>
+        </p:style>
+      </p:cxnSp>
+      <p:cxnSp>
+        <p:nvCxnSpPr>
+          <p:cNvPr id="22" name="Straight Arrow Connector 21">
+            <a:extLst>
+              <a:ext uri="{FF2B5EF4-FFF2-40B4-BE49-F238E27FC236}">
+                <a16:creationId xmlns:a16="http://schemas.microsoft.com/office/drawing/2014/main" id="{4437DA76-B346-6C40-A9BB-C9EBF55D2137}"/>
+              </a:ext>
+            </a:extLst>
+          </p:cNvPr>
+          <p:cNvCxnSpPr>
+            <a:cxnSpLocks/>
+            <a:stCxn id="18" idx="1"/>
+          </p:cNvCxnSpPr>
+          <p:nvPr/>
+        </p:nvCxnSpPr>
+        <p:spPr>
+          <a:xfrm flipH="1">
+            <a:off x="7042150" y="3051844"/>
+            <a:ext cx="1527520" cy="1056860"/>
+          </a:xfrm>
+          <a:prstGeom prst="straightConnector1">
+            <a:avLst/>
+          </a:prstGeom>
+          <a:ln>
+            <a:tailEnd type="triangle"/>
+          </a:ln>
+        </p:spPr>
+        <p:style>
+          <a:lnRef idx="1">
+            <a:schemeClr val="accent1"/>
+          </a:lnRef>
+          <a:fillRef idx="0">
+            <a:schemeClr val="accent1"/>
+          </a:fillRef>
+          <a:effectRef idx="0">
+            <a:schemeClr val="accent1"/>
+          </a:effectRef>
+          <a:fontRef idx="minor">
+            <a:schemeClr val="tx1"/>
+          </a:fontRef>
+        </p:style>
+      </p:cxnSp>
+      <p:sp>
+        <p:nvSpPr>
+          <p:cNvPr id="25" name="TextBox 24">
+            <a:extLst>
+              <a:ext uri="{FF2B5EF4-FFF2-40B4-BE49-F238E27FC236}">
+                <a16:creationId xmlns:a16="http://schemas.microsoft.com/office/drawing/2014/main" id="{8EE529F3-391F-3F4B-8A47-F44BB9ABEB79}"/>
+              </a:ext>
+            </a:extLst>
+          </p:cNvPr>
+          <p:cNvSpPr txBox="1"/>
+          <p:nvPr/>
+        </p:nvSpPr>
+        <p:spPr>
+          <a:xfrm>
+            <a:off x="8569670" y="3637426"/>
+            <a:ext cx="3198311" cy="461665"/>
+          </a:xfrm>
+          <a:prstGeom prst="rect">
+            <a:avLst/>
+          </a:prstGeom>
+          <a:noFill/>
+        </p:spPr>
+        <p:txBody>
+          <a:bodyPr wrap="none" rtlCol="0">
+            <a:spAutoFit/>
+          </a:bodyPr>
+          <a:lstStyle/>
+          <a:p>
+            <a:r>
+              <a:rPr lang="en-US" sz="2400" dirty="0"/>
+              <a:t>5 bytes plus overhead</a:t>
+            </a:r>
+          </a:p>
+        </p:txBody>
+      </p:sp>
+      <p:cxnSp>
+        <p:nvCxnSpPr>
+          <p:cNvPr id="26" name="Straight Arrow Connector 25">
+            <a:extLst>
+              <a:ext uri="{FF2B5EF4-FFF2-40B4-BE49-F238E27FC236}">
+                <a16:creationId xmlns:a16="http://schemas.microsoft.com/office/drawing/2014/main" id="{C7F12E8F-64B3-784D-B96E-4C3CDEB7A021}"/>
+              </a:ext>
+            </a:extLst>
+          </p:cNvPr>
+          <p:cNvCxnSpPr>
+            <a:cxnSpLocks/>
+          </p:cNvCxnSpPr>
+          <p:nvPr/>
+        </p:nvCxnSpPr>
+        <p:spPr>
+          <a:xfrm>
+            <a:off x="9826280" y="4050062"/>
+            <a:ext cx="0" cy="1056860"/>
+          </a:xfrm>
+          <a:prstGeom prst="straightConnector1">
+            <a:avLst/>
+          </a:prstGeom>
+          <a:ln>
+            <a:tailEnd type="triangle"/>
+          </a:ln>
+        </p:spPr>
+        <p:style>
+          <a:lnRef idx="1">
+            <a:schemeClr val="accent1"/>
+          </a:lnRef>
+          <a:fillRef idx="0">
+            <a:schemeClr val="accent1"/>
+          </a:fillRef>
+          <a:effectRef idx="0">
+            <a:schemeClr val="accent1"/>
+          </a:effectRef>
+          <a:fontRef idx="minor">
+            <a:schemeClr val="tx1"/>
+          </a:fontRef>
+        </p:style>
+      </p:cxnSp>
+    </p:spTree>
+    <p:extLst>
+      <p:ext uri="{BB962C8B-B14F-4D97-AF65-F5344CB8AC3E}">
+        <p14:creationId xmlns:p14="http://schemas.microsoft.com/office/powerpoint/2010/main" val="2018532064"/>
+      </p:ext>
+    </p:extLst>
+  </p:cSld>
+  <p:clrMapOvr>
+    <a:masterClrMapping/>
+  </p:clrMapOvr>
+</p:sld>
+</file>
+
+<file path=ppt/slides/slide11.xml><?xml version="1.0" encoding="utf-8"?>
+<p:sld xmlns:a="http://schemas.openxmlformats.org/drawingml/2006/main" xmlns:r="http://schemas.openxmlformats.org/officeDocument/2006/relationships" xmlns:p="http://schemas.openxmlformats.org/presentationml/2006/main">
+  <p:cSld>
+    <p:spTree>
+      <p:nvGrpSpPr>
+        <p:cNvPr id="1" name=""/>
+        <p:cNvGrpSpPr/>
+        <p:nvPr/>
+      </p:nvGrpSpPr>
+      <p:grpSpPr>
+        <a:xfrm>
+          <a:off x="0" y="0"/>
+          <a:ext cx="0" cy="0"/>
+          <a:chOff x="0" y="0"/>
+          <a:chExt cx="0" cy="0"/>
+        </a:xfrm>
+      </p:grpSpPr>
+      <p:sp>
+        <p:nvSpPr>
+          <p:cNvPr id="2" name="Title 1">
+            <a:extLst>
+              <a:ext uri="{FF2B5EF4-FFF2-40B4-BE49-F238E27FC236}">
+                <a16:creationId xmlns:a16="http://schemas.microsoft.com/office/drawing/2014/main" id="{81E0659B-1A34-C94C-B2E9-82C82B5C4508}"/>
+              </a:ext>
+            </a:extLst>
+          </p:cNvPr>
+          <p:cNvSpPr>
+            <a:spLocks noGrp="1"/>
+          </p:cNvSpPr>
+          <p:nvPr>
+            <p:ph type="title"/>
+          </p:nvPr>
+        </p:nvSpPr>
+        <p:spPr>
+          <a:xfrm>
+            <a:off x="838200" y="365125"/>
+            <a:ext cx="10515600" cy="902843"/>
+          </a:xfrm>
+        </p:spPr>
+        <p:txBody>
+          <a:bodyPr/>
+          <a:lstStyle/>
+          <a:p>
+            <a:r>
+              <a:rPr lang="en-US" dirty="0"/>
+              <a:t>Lists of data elements</a:t>
+            </a:r>
+          </a:p>
+        </p:txBody>
+      </p:sp>
+      <p:sp>
+        <p:nvSpPr>
+          <p:cNvPr id="3" name="Content Placeholder 2">
+            <a:extLst>
+              <a:ext uri="{FF2B5EF4-FFF2-40B4-BE49-F238E27FC236}">
+                <a16:creationId xmlns:a16="http://schemas.microsoft.com/office/drawing/2014/main" id="{BEA1144E-D9E0-F74C-A64A-0D7C7BEB1AE4}"/>
+              </a:ext>
+            </a:extLst>
+          </p:cNvPr>
+          <p:cNvSpPr>
+            <a:spLocks noGrp="1"/>
+          </p:cNvSpPr>
+          <p:nvPr>
+            <p:ph idx="1"/>
+          </p:nvPr>
+        </p:nvSpPr>
+        <p:spPr>
+          <a:xfrm>
+            <a:off x="838200" y="1267968"/>
+            <a:ext cx="10515600" cy="4908995"/>
+          </a:xfrm>
+        </p:spPr>
+        <p:txBody>
+          <a:bodyPr>
+            <a:normAutofit lnSpcReduction="10000"/>
+          </a:bodyPr>
+          <a:lstStyle/>
+          <a:p>
+            <a:r>
+              <a:rPr lang="en-US" sz="2400" dirty="0"/>
+              <a:t>Most common </a:t>
+            </a:r>
+            <a:r>
+              <a:rPr lang="en-US" sz="2400" i="1" dirty="0"/>
+              <a:t>data structure</a:t>
+            </a:r>
+            <a:r>
+              <a:rPr lang="en-US" sz="2400" dirty="0"/>
+              <a:t> is the </a:t>
+            </a:r>
+            <a:r>
+              <a:rPr lang="en-US" sz="2400" b="1" dirty="0"/>
+              <a:t>list</a:t>
+            </a:r>
+            <a:r>
+              <a:rPr lang="en-US" sz="2400" dirty="0"/>
+              <a:t>, which is just a sequence of data elements or other data structures</a:t>
+            </a:r>
+            <a:br>
+              <a:rPr lang="en-US" sz="2400" dirty="0"/>
+            </a:br>
+            <a:br>
+              <a:rPr lang="en-US" sz="2400" dirty="0"/>
+            </a:br>
+            <a:br>
+              <a:rPr lang="en-US" sz="2400" dirty="0"/>
+            </a:br>
+            <a:br>
+              <a:rPr lang="en-US" sz="2400" dirty="0"/>
+            </a:br>
+            <a:br>
+              <a:rPr lang="en-US" sz="2400" dirty="0"/>
+            </a:br>
+            <a:br>
+              <a:rPr lang="en-US" sz="2400" dirty="0"/>
+            </a:br>
+            <a:br>
+              <a:rPr lang="en-US" sz="2400" dirty="0"/>
+            </a:br>
+            <a:br>
+              <a:rPr lang="en-US" sz="2400" dirty="0"/>
+            </a:br>
+            <a:endParaRPr lang="en-US" sz="2400" dirty="0"/>
+          </a:p>
+          <a:p>
+            <a:r>
+              <a:rPr lang="en-US" sz="2400" dirty="0"/>
+              <a:t>Indexed from 0 not 1 and list vars point at a chunk of memory holding the list elements contiguously (preserving the sequence order)</a:t>
+            </a:r>
+          </a:p>
+          <a:p>
+            <a:r>
+              <a:rPr lang="en-US" sz="2400" dirty="0"/>
+              <a:t>Access elements with index operator; e.g., </a:t>
+            </a:r>
+            <a:r>
+              <a:rPr lang="en-US" sz="2400" b="1" dirty="0"/>
+              <a:t>Names[0]</a:t>
+            </a:r>
+            <a:r>
+              <a:rPr lang="en-US" sz="2400" dirty="0"/>
+              <a:t> is '</a:t>
+            </a:r>
+            <a:r>
+              <a:rPr lang="en-US" sz="2400" b="1" dirty="0"/>
+              <a:t>Mary</a:t>
+            </a:r>
+            <a:r>
+              <a:rPr lang="en-US" sz="2400" dirty="0"/>
+              <a:t>' and</a:t>
+            </a:r>
+            <a:br>
+              <a:rPr lang="en-US" sz="2400" dirty="0"/>
+            </a:br>
+            <a:r>
+              <a:rPr lang="en-US" sz="2400" b="1" dirty="0"/>
+              <a:t>Quantity[4]</a:t>
+            </a:r>
+            <a:r>
+              <a:rPr lang="en-US" sz="2400" dirty="0"/>
+              <a:t> is 19</a:t>
+            </a:r>
+          </a:p>
+        </p:txBody>
+      </p:sp>
+      <p:pic>
+        <p:nvPicPr>
+          <p:cNvPr id="2056" name="Picture 8">
+            <a:extLst>
+              <a:ext uri="{FF2B5EF4-FFF2-40B4-BE49-F238E27FC236}">
+                <a16:creationId xmlns:a16="http://schemas.microsoft.com/office/drawing/2014/main" id="{B81272ED-006C-9A48-BEE6-BEEB9626223B}"/>
+              </a:ext>
+            </a:extLst>
+          </p:cNvPr>
+          <p:cNvPicPr>
+            <a:picLocks noChangeAspect="1" noChangeArrowheads="1"/>
+          </p:cNvPicPr>
+          <p:nvPr/>
+        </p:nvPicPr>
+        <p:blipFill>
+          <a:blip r:embed="rId2">
+            <a:extLst>
+              <a:ext uri="{28A0092B-C50C-407E-A947-70E740481C1C}">
+                <a14:useLocalDpi xmlns:a14="http://schemas.microsoft.com/office/drawing/2010/main" val="0"/>
+              </a:ext>
+            </a:extLst>
+          </a:blip>
+          <a:srcRect/>
+          <a:stretch>
+            <a:fillRect/>
+          </a:stretch>
+        </p:blipFill>
+        <p:spPr bwMode="auto">
+          <a:xfrm>
+            <a:off x="11105242" y="1642872"/>
+            <a:ext cx="947057" cy="3314700"/>
+          </a:xfrm>
+          <a:prstGeom prst="rect">
+            <a:avLst/>
+          </a:prstGeom>
+          <a:noFill/>
+          <a:extLst>
+            <a:ext uri="{909E8E84-426E-40DD-AFC4-6F175D3DCCD1}">
+              <a14:hiddenFill xmlns:a14="http://schemas.microsoft.com/office/drawing/2010/main">
+                <a:solidFill>
+                  <a:srgbClr val="FFFFFF"/>
+                </a:solidFill>
+              </a14:hiddenFill>
+            </a:ext>
+          </a:extLst>
+        </p:spPr>
+      </p:pic>
+      <p:pic>
+        <p:nvPicPr>
+          <p:cNvPr id="7" name="Picture 6">
+            <a:extLst>
+              <a:ext uri="{FF2B5EF4-FFF2-40B4-BE49-F238E27FC236}">
+                <a16:creationId xmlns:a16="http://schemas.microsoft.com/office/drawing/2014/main" id="{53E9ABC4-879B-384C-BB44-7C756560B7B5}"/>
+              </a:ext>
+            </a:extLst>
+          </p:cNvPr>
+          <p:cNvPicPr>
+            <a:picLocks noChangeAspect="1"/>
+          </p:cNvPicPr>
+          <p:nvPr/>
+        </p:nvPicPr>
+        <p:blipFill>
+          <a:blip r:embed="rId3"/>
+          <a:stretch>
+            <a:fillRect/>
+          </a:stretch>
+        </p:blipFill>
+        <p:spPr>
+          <a:xfrm>
+            <a:off x="1687467" y="1972118"/>
+            <a:ext cx="8568509" cy="2383220"/>
+          </a:xfrm>
+          <a:prstGeom prst="rect">
+            <a:avLst/>
+          </a:prstGeom>
+        </p:spPr>
+      </p:pic>
+    </p:spTree>
+    <p:extLst>
+      <p:ext uri="{BB962C8B-B14F-4D97-AF65-F5344CB8AC3E}">
+        <p14:creationId xmlns:p14="http://schemas.microsoft.com/office/powerpoint/2010/main" val="1161438443"/>
+      </p:ext>
+    </p:extLst>
+  </p:cSld>
+  <p:clrMapOvr>
+    <a:masterClrMapping/>
+  </p:clrMapOvr>
+</p:sld>
+</file>
+
+<file path=ppt/slides/slide12.xml><?xml version="1.0" encoding="utf-8"?>
+<p:sld xmlns:a="http://schemas.openxmlformats.org/drawingml/2006/main" xmlns:r="http://schemas.openxmlformats.org/officeDocument/2006/relationships" xmlns:p="http://schemas.openxmlformats.org/presentationml/2006/main">
+  <p:cSld>
+    <p:spTree>
+      <p:nvGrpSpPr>
+        <p:cNvPr id="1" name=""/>
+        <p:cNvGrpSpPr/>
+        <p:nvPr/>
+      </p:nvGrpSpPr>
+      <p:grpSpPr>
+        <a:xfrm>
+          <a:off x="0" y="0"/>
+          <a:ext cx="0" cy="0"/>
+          <a:chOff x="0" y="0"/>
+          <a:chExt cx="0" cy="0"/>
+        </a:xfrm>
+      </p:grpSpPr>
+      <p:sp>
+        <p:nvSpPr>
+          <p:cNvPr id="2" name="Title 1">
+            <a:extLst>
+              <a:ext uri="{FF2B5EF4-FFF2-40B4-BE49-F238E27FC236}">
+                <a16:creationId xmlns:a16="http://schemas.microsoft.com/office/drawing/2014/main" id="{77C4F36A-FFD1-4741-A43D-9A6F79FAE144}"/>
+              </a:ext>
+            </a:extLst>
+          </p:cNvPr>
+          <p:cNvSpPr>
+            <a:spLocks noGrp="1"/>
+          </p:cNvSpPr>
+          <p:nvPr>
+            <p:ph type="title"/>
+          </p:nvPr>
+        </p:nvSpPr>
+        <p:spPr/>
+        <p:txBody>
+          <a:bodyPr/>
+          <a:lstStyle/>
+          <a:p>
+            <a:r>
+              <a:rPr lang="en-US" dirty="0" err="1"/>
+              <a:t>Hetergeneous</a:t>
+            </a:r>
+            <a:r>
+              <a:rPr lang="en-US" dirty="0"/>
+              <a:t> lists</a:t>
+            </a:r>
+          </a:p>
+        </p:txBody>
+      </p:sp>
+      <p:sp>
+        <p:nvSpPr>
+          <p:cNvPr id="7" name="Content Placeholder 6">
+            <a:extLst>
+              <a:ext uri="{FF2B5EF4-FFF2-40B4-BE49-F238E27FC236}">
+                <a16:creationId xmlns:a16="http://schemas.microsoft.com/office/drawing/2014/main" id="{C49A08E7-54B3-B149-977B-23712119B5D5}"/>
+              </a:ext>
+            </a:extLst>
+          </p:cNvPr>
+          <p:cNvSpPr>
+            <a:spLocks noGrp="1"/>
+          </p:cNvSpPr>
+          <p:nvPr>
+            <p:ph idx="1"/>
+          </p:nvPr>
+        </p:nvSpPr>
+        <p:spPr/>
+        <p:txBody>
+          <a:bodyPr/>
+          <a:lstStyle/>
+          <a:p>
+            <a:r>
+              <a:rPr lang="en-US" dirty="0"/>
+              <a:t>Elements can have different types:</a:t>
+            </a:r>
+          </a:p>
+          <a:p>
+            <a:endParaRPr lang="en-US" dirty="0"/>
+          </a:p>
+          <a:p>
+            <a:endParaRPr lang="en-US" dirty="0"/>
+          </a:p>
+          <a:p>
+            <a:endParaRPr lang="en-US" dirty="0"/>
+          </a:p>
+          <a:p>
+            <a:endParaRPr lang="en-US" dirty="0"/>
+          </a:p>
+          <a:p>
+            <a:endParaRPr lang="en-US" dirty="0"/>
+          </a:p>
+          <a:p>
+            <a:r>
+              <a:rPr lang="en-US" dirty="0"/>
+              <a:t>Heterogeneous lists used to group bits of information about a particular entity or observation</a:t>
+            </a:r>
+          </a:p>
+        </p:txBody>
+      </p:sp>
+      <p:pic>
+        <p:nvPicPr>
+          <p:cNvPr id="8" name="Content Placeholder 4">
+            <a:extLst>
+              <a:ext uri="{FF2B5EF4-FFF2-40B4-BE49-F238E27FC236}">
+                <a16:creationId xmlns:a16="http://schemas.microsoft.com/office/drawing/2014/main" id="{4B9C5DA9-9FD9-EB4C-ACED-0B5B62330BBA}"/>
+              </a:ext>
+            </a:extLst>
+          </p:cNvPr>
+          <p:cNvPicPr>
+            <a:picLocks noChangeAspect="1"/>
+          </p:cNvPicPr>
+          <p:nvPr/>
+        </p:nvPicPr>
+        <p:blipFill>
+          <a:blip r:embed="rId2"/>
+          <a:stretch>
+            <a:fillRect/>
+          </a:stretch>
+        </p:blipFill>
+        <p:spPr>
+          <a:xfrm>
+            <a:off x="1671005" y="2609088"/>
+            <a:ext cx="8263189" cy="2054384"/>
+          </a:xfrm>
+          <a:prstGeom prst="rect">
+            <a:avLst/>
+          </a:prstGeom>
+        </p:spPr>
+      </p:pic>
+    </p:spTree>
+    <p:extLst>
+      <p:ext uri="{BB962C8B-B14F-4D97-AF65-F5344CB8AC3E}">
+        <p14:creationId xmlns:p14="http://schemas.microsoft.com/office/powerpoint/2010/main" val="1831219805"/>
+      </p:ext>
+    </p:extLst>
+  </p:cSld>
+  <p:clrMapOvr>
+    <a:masterClrMapping/>
+  </p:clrMapOvr>
+</p:sld>
+</file>
+
+<file path=ppt/slides/slide13.xml><?xml version="1.0" encoding="utf-8"?>
+<p:sld xmlns:a="http://schemas.openxmlformats.org/drawingml/2006/main" xmlns:r="http://schemas.openxmlformats.org/officeDocument/2006/relationships" xmlns:p="http://schemas.openxmlformats.org/presentationml/2006/main">
+  <p:cSld>
+    <p:spTree>
+      <p:nvGrpSpPr>
+        <p:cNvPr id="1" name=""/>
+        <p:cNvGrpSpPr/>
+        <p:nvPr/>
+      </p:nvGrpSpPr>
+      <p:grpSpPr>
+        <a:xfrm>
+          <a:off x="0" y="0"/>
+          <a:ext cx="0" cy="0"/>
+          <a:chOff x="0" y="0"/>
+          <a:chExt cx="0" cy="0"/>
+        </a:xfrm>
+      </p:grpSpPr>
+      <p:sp>
+        <p:nvSpPr>
+          <p:cNvPr id="2" name="Title 1">
+            <a:extLst>
+              <a:ext uri="{FF2B5EF4-FFF2-40B4-BE49-F238E27FC236}">
+                <a16:creationId xmlns:a16="http://schemas.microsoft.com/office/drawing/2014/main" id="{C4F380A3-EAB5-574C-A8AF-B625CADD6C6B}"/>
+              </a:ext>
+            </a:extLst>
+          </p:cNvPr>
+          <p:cNvSpPr>
+            <a:spLocks noGrp="1"/>
+          </p:cNvSpPr>
+          <p:nvPr>
+            <p:ph type="title"/>
+          </p:nvPr>
+        </p:nvSpPr>
+        <p:spPr/>
+        <p:txBody>
+          <a:bodyPr/>
+          <a:lstStyle/>
+          <a:p>
+            <a:r>
+              <a:rPr lang="en-US" dirty="0"/>
+              <a:t>List of lists</a:t>
+            </a:r>
+          </a:p>
+        </p:txBody>
+      </p:sp>
+      <p:sp>
+        <p:nvSpPr>
+          <p:cNvPr id="7" name="Content Placeholder 6">
+            <a:extLst>
+              <a:ext uri="{FF2B5EF4-FFF2-40B4-BE49-F238E27FC236}">
+                <a16:creationId xmlns:a16="http://schemas.microsoft.com/office/drawing/2014/main" id="{D7F14C5A-DC4D-2C4A-88B4-AD839821BB04}"/>
+              </a:ext>
+            </a:extLst>
+          </p:cNvPr>
+          <p:cNvSpPr>
+            <a:spLocks noGrp="1"/>
+          </p:cNvSpPr>
+          <p:nvPr>
+            <p:ph idx="1"/>
+          </p:nvPr>
+        </p:nvSpPr>
+        <p:spPr/>
+        <p:txBody>
+          <a:bodyPr/>
+          <a:lstStyle/>
+          <a:p>
+            <a:r>
+              <a:rPr lang="en-US" dirty="0"/>
+              <a:t>In this case, records points at a list of</a:t>
+            </a:r>
+            <a:br>
+              <a:rPr lang="en-US" dirty="0"/>
+            </a:br>
+            <a:r>
+              <a:rPr lang="en-US" dirty="0"/>
+              <a:t>three items that happen to be lists also</a:t>
+            </a:r>
+          </a:p>
+          <a:p>
+            <a:r>
+              <a:rPr lang="en-US" dirty="0">
+                <a:hlinkClick r:id="rId2"/>
+              </a:rPr>
+              <a:t>experiment via </a:t>
+            </a:r>
+            <a:r>
+              <a:rPr lang="en-US" dirty="0" err="1">
+                <a:hlinkClick r:id="rId2"/>
+              </a:rPr>
+              <a:t>pythontutor</a:t>
+            </a:r>
+            <a:endParaRPr lang="en-US" dirty="0"/>
+          </a:p>
+        </p:txBody>
+      </p:sp>
+      <p:pic>
+        <p:nvPicPr>
+          <p:cNvPr id="8" name="Content Placeholder 4">
+            <a:extLst>
+              <a:ext uri="{FF2B5EF4-FFF2-40B4-BE49-F238E27FC236}">
+                <a16:creationId xmlns:a16="http://schemas.microsoft.com/office/drawing/2014/main" id="{CD70073D-D8CC-D742-B4C2-DC044C3C894D}"/>
+              </a:ext>
+            </a:extLst>
+          </p:cNvPr>
+          <p:cNvPicPr>
+            <a:picLocks noChangeAspect="1"/>
+          </p:cNvPicPr>
+          <p:nvPr/>
+        </p:nvPicPr>
+        <p:blipFill>
+          <a:blip r:embed="rId3"/>
+          <a:stretch>
+            <a:fillRect/>
+          </a:stretch>
+        </p:blipFill>
+        <p:spPr>
+          <a:xfrm>
+            <a:off x="7574788" y="1423289"/>
+            <a:ext cx="3479800" cy="3822700"/>
+          </a:xfrm>
+          <a:prstGeom prst="rect">
+            <a:avLst/>
+          </a:prstGeom>
+        </p:spPr>
+      </p:pic>
+    </p:spTree>
+    <p:extLst>
+      <p:ext uri="{BB962C8B-B14F-4D97-AF65-F5344CB8AC3E}">
+        <p14:creationId xmlns:p14="http://schemas.microsoft.com/office/powerpoint/2010/main" val="2621948127"/>
+      </p:ext>
+    </p:extLst>
+  </p:cSld>
+  <p:clrMapOvr>
+    <a:masterClrMapping/>
+  </p:clrMapOvr>
+</p:sld>
+</file>
+
+<file path=ppt/slides/slide14.xml><?xml version="1.0" encoding="utf-8"?>
+<p:sld xmlns:a="http://schemas.openxmlformats.org/drawingml/2006/main" xmlns:r="http://schemas.openxmlformats.org/officeDocument/2006/relationships" xmlns:p="http://schemas.openxmlformats.org/presentationml/2006/main">
+  <p:cSld>
+    <p:spTree>
+      <p:nvGrpSpPr>
+        <p:cNvPr id="1" name=""/>
+        <p:cNvGrpSpPr/>
+        <p:nvPr/>
+      </p:nvGrpSpPr>
+      <p:grpSpPr>
+        <a:xfrm>
+          <a:off x="0" y="0"/>
+          <a:ext cx="0" cy="0"/>
+          <a:chOff x="0" y="0"/>
+          <a:chExt cx="0" cy="0"/>
+        </a:xfrm>
+      </p:grpSpPr>
+      <p:sp>
+        <p:nvSpPr>
+          <p:cNvPr id="2" name="Title 1">
+            <a:extLst>
+              <a:ext uri="{FF2B5EF4-FFF2-40B4-BE49-F238E27FC236}">
+                <a16:creationId xmlns:a16="http://schemas.microsoft.com/office/drawing/2014/main" id="{AE916A3A-C17A-9E42-B44B-C42FB5B9E890}"/>
+              </a:ext>
+            </a:extLst>
+          </p:cNvPr>
+          <p:cNvSpPr>
+            <a:spLocks noGrp="1"/>
+          </p:cNvSpPr>
+          <p:nvPr>
+            <p:ph type="title"/>
+          </p:nvPr>
+        </p:nvSpPr>
+        <p:spPr/>
+        <p:txBody>
+          <a:bodyPr/>
+          <a:lstStyle/>
+          <a:p>
+            <a:r>
+              <a:rPr lang="en-US" dirty="0"/>
+              <a:t>Matrices as lists of lists</a:t>
+            </a:r>
+          </a:p>
+        </p:txBody>
+      </p:sp>
+      <p:sp>
+        <p:nvSpPr>
+          <p:cNvPr id="7" name="Content Placeholder 6">
+            <a:extLst>
+              <a:ext uri="{FF2B5EF4-FFF2-40B4-BE49-F238E27FC236}">
+                <a16:creationId xmlns:a16="http://schemas.microsoft.com/office/drawing/2014/main" id="{B7FEFCF2-E9AE-9245-BF10-EC0BA1DE7BF8}"/>
+              </a:ext>
+            </a:extLst>
+          </p:cNvPr>
+          <p:cNvSpPr>
+            <a:spLocks noGrp="1"/>
+          </p:cNvSpPr>
+          <p:nvPr>
+            <p:ph idx="1"/>
+          </p:nvPr>
+        </p:nvSpPr>
+        <p:spPr/>
+        <p:txBody>
+          <a:bodyPr/>
+          <a:lstStyle/>
+          <a:p>
+            <a:r>
+              <a:rPr lang="en-US" dirty="0"/>
+              <a:t>A matrix is a list of rows; a row is a list of numbers</a:t>
+            </a:r>
+          </a:p>
+          <a:p>
+            <a:r>
+              <a:rPr lang="en-US" dirty="0"/>
+              <a:t>We think of it like this:</a:t>
+            </a:r>
+          </a:p>
+        </p:txBody>
+      </p:sp>
+      <p:pic>
+        <p:nvPicPr>
+          <p:cNvPr id="8" name="Content Placeholder 4">
+            <a:extLst>
+              <a:ext uri="{FF2B5EF4-FFF2-40B4-BE49-F238E27FC236}">
+                <a16:creationId xmlns:a16="http://schemas.microsoft.com/office/drawing/2014/main" id="{8A31F7A1-EA7A-264A-AB05-EF72FEE9CA7D}"/>
+              </a:ext>
+            </a:extLst>
+          </p:cNvPr>
+          <p:cNvPicPr>
+            <a:picLocks noChangeAspect="1"/>
+          </p:cNvPicPr>
+          <p:nvPr/>
+        </p:nvPicPr>
+        <p:blipFill>
+          <a:blip r:embed="rId2"/>
+          <a:stretch>
+            <a:fillRect/>
+          </a:stretch>
+        </p:blipFill>
+        <p:spPr>
+          <a:xfrm>
+            <a:off x="1440942" y="3156744"/>
+            <a:ext cx="2057400" cy="1689100"/>
+          </a:xfrm>
+          <a:prstGeom prst="rect">
+            <a:avLst/>
+          </a:prstGeom>
+        </p:spPr>
+      </p:pic>
+      <p:pic>
+        <p:nvPicPr>
+          <p:cNvPr id="10" name="Picture 9">
+            <a:extLst>
+              <a:ext uri="{FF2B5EF4-FFF2-40B4-BE49-F238E27FC236}">
+                <a16:creationId xmlns:a16="http://schemas.microsoft.com/office/drawing/2014/main" id="{FEFBEC24-F7B0-D74B-926C-A9194FE304A3}"/>
+              </a:ext>
+            </a:extLst>
+          </p:cNvPr>
+          <p:cNvPicPr>
+            <a:picLocks noChangeAspect="1"/>
+          </p:cNvPicPr>
+          <p:nvPr/>
+        </p:nvPicPr>
+        <p:blipFill>
+          <a:blip r:embed="rId3"/>
+          <a:stretch>
+            <a:fillRect/>
+          </a:stretch>
+        </p:blipFill>
+        <p:spPr>
+          <a:xfrm>
+            <a:off x="4038600" y="2972594"/>
+            <a:ext cx="2057400" cy="2057400"/>
+          </a:xfrm>
+          <a:prstGeom prst="rect">
+            <a:avLst/>
+          </a:prstGeom>
+        </p:spPr>
+      </p:pic>
+      <p:sp>
+        <p:nvSpPr>
+          <p:cNvPr id="13" name="Rectangle 12">
+            <a:extLst>
+              <a:ext uri="{FF2B5EF4-FFF2-40B4-BE49-F238E27FC236}">
+                <a16:creationId xmlns:a16="http://schemas.microsoft.com/office/drawing/2014/main" id="{00CBE827-D7A9-AF4A-BC19-6BCA537A2FD1}"/>
+              </a:ext>
+            </a:extLst>
+          </p:cNvPr>
+          <p:cNvSpPr/>
+          <p:nvPr/>
+        </p:nvSpPr>
+        <p:spPr>
+          <a:xfrm>
+            <a:off x="7216561" y="3354876"/>
+            <a:ext cx="2505797" cy="830997"/>
+          </a:xfrm>
+          <a:prstGeom prst="rect">
+            <a:avLst/>
+          </a:prstGeom>
+        </p:spPr>
+        <p:txBody>
+          <a:bodyPr wrap="square">
+            <a:spAutoFit/>
+          </a:bodyPr>
+          <a:lstStyle/>
+          <a:p>
+            <a:r>
+              <a:rPr lang="en-US" sz="2400" dirty="0"/>
+              <a:t>But, it's actually represented like:</a:t>
+            </a:r>
+          </a:p>
+        </p:txBody>
+      </p:sp>
+      <p:pic>
+        <p:nvPicPr>
+          <p:cNvPr id="15" name="Picture 14">
+            <a:extLst>
+              <a:ext uri="{FF2B5EF4-FFF2-40B4-BE49-F238E27FC236}">
+                <a16:creationId xmlns:a16="http://schemas.microsoft.com/office/drawing/2014/main" id="{A09C0465-895F-7D4C-B7F9-7600E2B8B08C}"/>
+              </a:ext>
+            </a:extLst>
+          </p:cNvPr>
+          <p:cNvPicPr>
+            <a:picLocks noChangeAspect="1"/>
+          </p:cNvPicPr>
+          <p:nvPr/>
+        </p:nvPicPr>
+        <p:blipFill>
+          <a:blip r:embed="rId4"/>
+          <a:stretch>
+            <a:fillRect/>
+          </a:stretch>
+        </p:blipFill>
+        <p:spPr>
+          <a:xfrm>
+            <a:off x="9722358" y="1617725"/>
+            <a:ext cx="1981200" cy="4305300"/>
+          </a:xfrm>
+          <a:prstGeom prst="rect">
+            <a:avLst/>
+          </a:prstGeom>
+        </p:spPr>
+      </p:pic>
+      <p:sp>
+        <p:nvSpPr>
+          <p:cNvPr id="16" name="TextBox 15">
+            <a:extLst>
+              <a:ext uri="{FF2B5EF4-FFF2-40B4-BE49-F238E27FC236}">
+                <a16:creationId xmlns:a16="http://schemas.microsoft.com/office/drawing/2014/main" id="{A66F9F3A-0540-2C4B-A529-2F510C09C8EA}"/>
+              </a:ext>
+            </a:extLst>
+          </p:cNvPr>
+          <p:cNvSpPr txBox="1"/>
+          <p:nvPr/>
+        </p:nvSpPr>
+        <p:spPr>
+          <a:xfrm>
+            <a:off x="3570391" y="5715298"/>
+            <a:ext cx="1980670" cy="461665"/>
+          </a:xfrm>
+          <a:prstGeom prst="rect">
+            <a:avLst/>
+          </a:prstGeom>
+          <a:noFill/>
+        </p:spPr>
+        <p:txBody>
+          <a:bodyPr wrap="none" rtlCol="0">
+            <a:spAutoFit/>
+          </a:bodyPr>
+          <a:lstStyle/>
+          <a:p>
+            <a:r>
+              <a:rPr lang="en-US" sz="2400" dirty="0"/>
+              <a:t>Row 4 is A[3]</a:t>
+            </a:r>
+          </a:p>
+        </p:txBody>
+      </p:sp>
+      <p:sp>
+        <p:nvSpPr>
+          <p:cNvPr id="17" name="Rectangle 16">
+            <a:extLst>
+              <a:ext uri="{FF2B5EF4-FFF2-40B4-BE49-F238E27FC236}">
+                <a16:creationId xmlns:a16="http://schemas.microsoft.com/office/drawing/2014/main" id="{88A68743-9D54-D84E-A21F-3459BEF7997F}"/>
+              </a:ext>
+            </a:extLst>
+          </p:cNvPr>
+          <p:cNvSpPr/>
+          <p:nvPr/>
+        </p:nvSpPr>
+        <p:spPr>
+          <a:xfrm>
+            <a:off x="5042916" y="4185873"/>
+            <a:ext cx="1114044" cy="361743"/>
+          </a:xfrm>
+          <a:prstGeom prst="rect">
+            <a:avLst/>
+          </a:prstGeom>
+          <a:noFill/>
+          <a:ln w="6350"/>
+        </p:spPr>
+        <p:style>
+          <a:lnRef idx="2">
+            <a:schemeClr val="accent1">
+              <a:shade val="50000"/>
+            </a:schemeClr>
+          </a:lnRef>
+          <a:fillRef idx="1">
+            <a:schemeClr val="accent1"/>
+          </a:fillRef>
+          <a:effectRef idx="0">
+            <a:schemeClr val="accent1"/>
+          </a:effectRef>
+          <a:fontRef idx="minor">
+            <a:schemeClr val="lt1"/>
+          </a:fontRef>
+        </p:style>
+        <p:txBody>
+          <a:bodyPr rtlCol="0" anchor="ctr"/>
+          <a:lstStyle/>
+          <a:p>
+            <a:pPr algn="ctr"/>
+            <a:endParaRPr lang="en-US"/>
+          </a:p>
+        </p:txBody>
+      </p:sp>
+      <p:cxnSp>
+        <p:nvCxnSpPr>
+          <p:cNvPr id="19" name="Straight Arrow Connector 18">
+            <a:extLst>
+              <a:ext uri="{FF2B5EF4-FFF2-40B4-BE49-F238E27FC236}">
+                <a16:creationId xmlns:a16="http://schemas.microsoft.com/office/drawing/2014/main" id="{041095AE-863D-724C-802D-251C9F946907}"/>
+              </a:ext>
+            </a:extLst>
+          </p:cNvPr>
+          <p:cNvCxnSpPr>
+            <a:cxnSpLocks/>
+          </p:cNvCxnSpPr>
+          <p:nvPr/>
+        </p:nvCxnSpPr>
+        <p:spPr>
+          <a:xfrm flipV="1">
+            <a:off x="4535424" y="4547616"/>
+            <a:ext cx="507492" cy="1213279"/>
+          </a:xfrm>
+          <a:prstGeom prst="straightConnector1">
+            <a:avLst/>
+          </a:prstGeom>
+          <a:ln>
+            <a:tailEnd type="triangle"/>
+          </a:ln>
+        </p:spPr>
+        <p:style>
+          <a:lnRef idx="1">
+            <a:schemeClr val="accent1"/>
+          </a:lnRef>
+          <a:fillRef idx="0">
+            <a:schemeClr val="accent1"/>
+          </a:fillRef>
+          <a:effectRef idx="0">
+            <a:schemeClr val="accent1"/>
+          </a:effectRef>
+          <a:fontRef idx="minor">
+            <a:schemeClr val="tx1"/>
+          </a:fontRef>
+        </p:style>
+      </p:cxnSp>
+      <p:sp>
+        <p:nvSpPr>
+          <p:cNvPr id="21" name="TextBox 20">
+            <a:extLst>
+              <a:ext uri="{FF2B5EF4-FFF2-40B4-BE49-F238E27FC236}">
+                <a16:creationId xmlns:a16="http://schemas.microsoft.com/office/drawing/2014/main" id="{508B0705-BAAC-6747-8768-8D3926CDE4F9}"/>
+              </a:ext>
+            </a:extLst>
+          </p:cNvPr>
+          <p:cNvSpPr txBox="1"/>
+          <p:nvPr/>
+        </p:nvSpPr>
+        <p:spPr>
+          <a:xfrm>
+            <a:off x="8191866" y="160602"/>
+            <a:ext cx="3847528" cy="461665"/>
+          </a:xfrm>
+          <a:prstGeom prst="rect">
+            <a:avLst/>
+          </a:prstGeom>
+          <a:noFill/>
+        </p:spPr>
+        <p:txBody>
+          <a:bodyPr wrap="none" rtlCol="0">
+            <a:spAutoFit/>
+          </a:bodyPr>
+          <a:lstStyle/>
+          <a:p>
+            <a:r>
+              <a:rPr lang="en-US" sz="2400" dirty="0">
+                <a:hlinkClick r:id="rId5"/>
+              </a:rPr>
+              <a:t>Experiment via </a:t>
+            </a:r>
+            <a:r>
+              <a:rPr lang="en-US" sz="2400" dirty="0" err="1">
+                <a:hlinkClick r:id="rId5"/>
+              </a:rPr>
+              <a:t>pythontutor</a:t>
+            </a:r>
+            <a:endParaRPr lang="en-US" sz="2400" dirty="0"/>
+          </a:p>
+        </p:txBody>
+      </p:sp>
+    </p:spTree>
+    <p:extLst>
+      <p:ext uri="{BB962C8B-B14F-4D97-AF65-F5344CB8AC3E}">
+        <p14:creationId xmlns:p14="http://schemas.microsoft.com/office/powerpoint/2010/main" val="4144923256"/>
+      </p:ext>
+    </p:extLst>
+  </p:cSld>
+  <p:clrMapOvr>
+    <a:masterClrMapping/>
+  </p:clrMapOvr>
+</p:sld>
+</file>
+
+<file path=ppt/slides/slide15.xml><?xml version="1.0" encoding="utf-8"?>
+<p:sld xmlns:a="http://schemas.openxmlformats.org/drawingml/2006/main" xmlns:r="http://schemas.openxmlformats.org/officeDocument/2006/relationships" xmlns:p="http://schemas.openxmlformats.org/presentationml/2006/main">
+  <p:cSld>
+    <p:spTree>
+      <p:nvGrpSpPr>
+        <p:cNvPr id="1" name=""/>
+        <p:cNvGrpSpPr/>
+        <p:nvPr/>
+      </p:nvGrpSpPr>
+      <p:grpSpPr>
+        <a:xfrm>
+          <a:off x="0" y="0"/>
+          <a:ext cx="0" cy="0"/>
+          <a:chOff x="0" y="0"/>
+          <a:chExt cx="0" cy="0"/>
+        </a:xfrm>
+      </p:grpSpPr>
+      <p:sp>
+        <p:nvSpPr>
+          <p:cNvPr id="2" name="Title 1">
+            <a:extLst>
+              <a:ext uri="{FF2B5EF4-FFF2-40B4-BE49-F238E27FC236}">
+                <a16:creationId xmlns:a16="http://schemas.microsoft.com/office/drawing/2014/main" id="{E74290A9-8CE1-944F-A79A-0A9893D50374}"/>
+              </a:ext>
+            </a:extLst>
+          </p:cNvPr>
+          <p:cNvSpPr>
+            <a:spLocks noGrp="1"/>
+          </p:cNvSpPr>
+          <p:nvPr>
+            <p:ph type="title"/>
+          </p:nvPr>
+        </p:nvSpPr>
+        <p:spPr/>
+        <p:txBody>
+          <a:bodyPr/>
+          <a:lstStyle/>
+          <a:p>
+            <a:r>
+              <a:rPr lang="en-US" dirty="0"/>
+              <a:t>Combined conditional / loop</a:t>
+            </a:r>
+          </a:p>
+        </p:txBody>
+      </p:sp>
+      <p:sp>
+        <p:nvSpPr>
+          <p:cNvPr id="3" name="Content Placeholder 2">
+            <a:extLst>
+              <a:ext uri="{FF2B5EF4-FFF2-40B4-BE49-F238E27FC236}">
+                <a16:creationId xmlns:a16="http://schemas.microsoft.com/office/drawing/2014/main" id="{EE351ED9-5BDF-7541-95C8-1AFF67BD8FC4}"/>
+              </a:ext>
+            </a:extLst>
+          </p:cNvPr>
+          <p:cNvSpPr>
+            <a:spLocks noGrp="1"/>
+          </p:cNvSpPr>
+          <p:nvPr>
+            <p:ph idx="1"/>
+          </p:nvPr>
+        </p:nvSpPr>
+        <p:spPr>
+          <a:xfrm>
+            <a:off x="838200" y="1581374"/>
+            <a:ext cx="10515600" cy="4595589"/>
+          </a:xfrm>
+        </p:spPr>
+        <p:txBody>
+          <a:bodyPr/>
+          <a:lstStyle/>
+          <a:p>
+            <a:r>
+              <a:rPr lang="en-US" dirty="0"/>
+              <a:t>Now that we have some basic Python skills, let's look at more complicated loops starting with a combination:</a:t>
+            </a:r>
+          </a:p>
+        </p:txBody>
+      </p:sp>
+      <p:sp>
+        <p:nvSpPr>
+          <p:cNvPr id="4" name="TextBox 3">
+            <a:extLst>
+              <a:ext uri="{FF2B5EF4-FFF2-40B4-BE49-F238E27FC236}">
+                <a16:creationId xmlns:a16="http://schemas.microsoft.com/office/drawing/2014/main" id="{C5DC87D9-EA28-1740-B6C9-EF4F3930095D}"/>
+              </a:ext>
+            </a:extLst>
+          </p:cNvPr>
+          <p:cNvSpPr txBox="1"/>
+          <p:nvPr/>
+        </p:nvSpPr>
+        <p:spPr>
+          <a:xfrm>
+            <a:off x="5042233" y="3098308"/>
+            <a:ext cx="4432624" cy="1938992"/>
+          </a:xfrm>
+          <a:prstGeom prst="rect">
+            <a:avLst/>
+          </a:prstGeom>
+          <a:noFill/>
+          <a:ln>
+            <a:solidFill>
+              <a:schemeClr val="accent1"/>
+            </a:solidFill>
+          </a:ln>
+        </p:spPr>
+        <p:txBody>
+          <a:bodyPr wrap="none" rtlCol="0">
+            <a:spAutoFit/>
+          </a:bodyPr>
+          <a:lstStyle/>
+          <a:p>
+            <a:r>
+              <a:rPr lang="en-US" sz="2400" dirty="0" err="1">
+                <a:latin typeface="Consolas" panose="020B0609020204030204" pitchFamily="49" charset="0"/>
+                <a:cs typeface="Consolas" panose="020B0609020204030204" pitchFamily="49" charset="0"/>
+              </a:rPr>
+              <a:t>i</a:t>
+            </a:r>
+            <a:r>
+              <a:rPr lang="en-US" sz="2400" dirty="0">
+                <a:latin typeface="Consolas" panose="020B0609020204030204" pitchFamily="49" charset="0"/>
+                <a:cs typeface="Consolas" panose="020B0609020204030204" pitchFamily="49" charset="0"/>
+              </a:rPr>
+              <a:t> = 1</a:t>
+            </a:r>
+          </a:p>
+          <a:p>
+            <a:r>
+              <a:rPr lang="en-US" sz="2400" dirty="0">
+                <a:latin typeface="Consolas" panose="020B0609020204030204" pitchFamily="49" charset="0"/>
+                <a:cs typeface="Consolas" panose="020B0609020204030204" pitchFamily="49" charset="0"/>
+              </a:rPr>
+              <a:t>while </a:t>
+            </a:r>
+            <a:r>
+              <a:rPr lang="en-US" sz="2400" dirty="0" err="1">
+                <a:latin typeface="Consolas" panose="020B0609020204030204" pitchFamily="49" charset="0"/>
+                <a:cs typeface="Consolas" panose="020B0609020204030204" pitchFamily="49" charset="0"/>
+              </a:rPr>
+              <a:t>i</a:t>
+            </a:r>
+            <a:r>
+              <a:rPr lang="en-US" sz="2400" dirty="0">
+                <a:latin typeface="Consolas" panose="020B0609020204030204" pitchFamily="49" charset="0"/>
+                <a:cs typeface="Consolas" panose="020B0609020204030204" pitchFamily="49" charset="0"/>
+              </a:rPr>
+              <a:t> &lt;= 6:</a:t>
+            </a:r>
+          </a:p>
+          <a:p>
+            <a:r>
+              <a:rPr lang="en-US" sz="2400" dirty="0">
+                <a:latin typeface="Consolas" panose="020B0609020204030204" pitchFamily="49" charset="0"/>
+                <a:cs typeface="Consolas" panose="020B0609020204030204" pitchFamily="49" charset="0"/>
+              </a:rPr>
+              <a:t>    if </a:t>
+            </a:r>
+            <a:r>
+              <a:rPr lang="en-US" sz="2400" dirty="0" err="1">
+                <a:latin typeface="Consolas" panose="020B0609020204030204" pitchFamily="49" charset="0"/>
+                <a:cs typeface="Consolas" panose="020B0609020204030204" pitchFamily="49" charset="0"/>
+              </a:rPr>
+              <a:t>i</a:t>
+            </a:r>
+            <a:r>
+              <a:rPr lang="en-US" sz="2400" dirty="0">
+                <a:latin typeface="Consolas" panose="020B0609020204030204" pitchFamily="49" charset="0"/>
+                <a:cs typeface="Consolas" panose="020B0609020204030204" pitchFamily="49" charset="0"/>
+              </a:rPr>
+              <a:t>==3:</a:t>
+            </a:r>
+          </a:p>
+          <a:p>
+            <a:r>
+              <a:rPr lang="en-US" sz="2400" dirty="0">
+                <a:latin typeface="Consolas" panose="020B0609020204030204" pitchFamily="49" charset="0"/>
+                <a:cs typeface="Consolas" panose="020B0609020204030204" pitchFamily="49" charset="0"/>
+              </a:rPr>
+              <a:t>        print("Halfway!")</a:t>
+            </a:r>
+          </a:p>
+          <a:p>
+            <a:r>
+              <a:rPr lang="en-US" sz="2400" dirty="0">
+                <a:latin typeface="Consolas" panose="020B0609020204030204" pitchFamily="49" charset="0"/>
+                <a:cs typeface="Consolas" panose="020B0609020204030204" pitchFamily="49" charset="0"/>
+              </a:rPr>
+              <a:t>    </a:t>
+            </a:r>
+            <a:r>
+              <a:rPr lang="en-US" sz="2400" dirty="0" err="1">
+                <a:latin typeface="Consolas" panose="020B0609020204030204" pitchFamily="49" charset="0"/>
+                <a:cs typeface="Consolas" panose="020B0609020204030204" pitchFamily="49" charset="0"/>
+              </a:rPr>
+              <a:t>i</a:t>
+            </a:r>
+            <a:r>
+              <a:rPr lang="en-US" sz="2400" dirty="0">
+                <a:latin typeface="Consolas" panose="020B0609020204030204" pitchFamily="49" charset="0"/>
+                <a:cs typeface="Consolas" panose="020B0609020204030204" pitchFamily="49" charset="0"/>
+              </a:rPr>
+              <a:t> = </a:t>
+            </a:r>
+            <a:r>
+              <a:rPr lang="en-US" sz="2400" dirty="0" err="1">
+                <a:latin typeface="Consolas" panose="020B0609020204030204" pitchFamily="49" charset="0"/>
+                <a:cs typeface="Consolas" panose="020B0609020204030204" pitchFamily="49" charset="0"/>
+              </a:rPr>
+              <a:t>i</a:t>
+            </a:r>
+            <a:r>
+              <a:rPr lang="en-US" sz="2400" dirty="0">
+                <a:latin typeface="Consolas" panose="020B0609020204030204" pitchFamily="49" charset="0"/>
+                <a:cs typeface="Consolas" panose="020B0609020204030204" pitchFamily="49" charset="0"/>
+              </a:rPr>
+              <a:t> + 1</a:t>
+            </a:r>
+          </a:p>
+        </p:txBody>
+      </p:sp>
+      <p:pic>
+        <p:nvPicPr>
+          <p:cNvPr id="5" name="Picture 4">
+            <a:extLst>
+              <a:ext uri="{FF2B5EF4-FFF2-40B4-BE49-F238E27FC236}">
+                <a16:creationId xmlns:a16="http://schemas.microsoft.com/office/drawing/2014/main" id="{B53BD7BC-660F-8542-9391-4E49F182D313}"/>
+              </a:ext>
+            </a:extLst>
+          </p:cNvPr>
+          <p:cNvPicPr>
+            <a:picLocks noChangeAspect="1"/>
+          </p:cNvPicPr>
+          <p:nvPr/>
+        </p:nvPicPr>
+        <p:blipFill>
+          <a:blip r:embed="rId2"/>
+          <a:stretch>
+            <a:fillRect/>
+          </a:stretch>
+        </p:blipFill>
+        <p:spPr>
+          <a:xfrm>
+            <a:off x="1998526" y="2846854"/>
+            <a:ext cx="1164763" cy="3551107"/>
+          </a:xfrm>
+          <a:prstGeom prst="rect">
+            <a:avLst/>
+          </a:prstGeom>
+        </p:spPr>
+      </p:pic>
+      <p:sp>
+        <p:nvSpPr>
+          <p:cNvPr id="6" name="TextBox 5">
+            <a:extLst>
+              <a:ext uri="{FF2B5EF4-FFF2-40B4-BE49-F238E27FC236}">
+                <a16:creationId xmlns:a16="http://schemas.microsoft.com/office/drawing/2014/main" id="{F5182221-8D99-1D4E-9482-C2502B515596}"/>
+              </a:ext>
+            </a:extLst>
+          </p:cNvPr>
+          <p:cNvSpPr txBox="1"/>
+          <p:nvPr/>
+        </p:nvSpPr>
+        <p:spPr>
+          <a:xfrm>
+            <a:off x="4599483" y="5353475"/>
+            <a:ext cx="5318123" cy="461665"/>
+          </a:xfrm>
+          <a:prstGeom prst="rect">
+            <a:avLst/>
+          </a:prstGeom>
+          <a:noFill/>
+        </p:spPr>
+        <p:txBody>
+          <a:bodyPr wrap="none" rtlCol="0">
+            <a:spAutoFit/>
+          </a:bodyPr>
+          <a:lstStyle/>
+          <a:p>
+            <a:r>
+              <a:rPr lang="en-US" sz="2400" dirty="0">
+                <a:hlinkClick r:id="rId3"/>
+              </a:rPr>
+              <a:t>Step through code at </a:t>
+            </a:r>
+            <a:r>
+              <a:rPr lang="en-US" sz="2400" dirty="0" err="1">
+                <a:hlinkClick r:id="rId3"/>
+              </a:rPr>
+              <a:t>pythontutor.com</a:t>
+            </a:r>
+            <a:endParaRPr lang="en-US" sz="2400" dirty="0"/>
+          </a:p>
+        </p:txBody>
+      </p:sp>
+    </p:spTree>
+    <p:extLst>
+      <p:ext uri="{BB962C8B-B14F-4D97-AF65-F5344CB8AC3E}">
+        <p14:creationId xmlns:p14="http://schemas.microsoft.com/office/powerpoint/2010/main" val="3404399592"/>
+      </p:ext>
+    </p:extLst>
+  </p:cSld>
+  <p:clrMapOvr>
+    <a:masterClrMapping/>
+  </p:clrMapOvr>
+</p:sld>
+</file>
+
+<file path=ppt/slides/slide16.xml><?xml version="1.0" encoding="utf-8"?>
+<p:sld xmlns:a="http://schemas.openxmlformats.org/drawingml/2006/main" xmlns:r="http://schemas.openxmlformats.org/officeDocument/2006/relationships" xmlns:p="http://schemas.openxmlformats.org/presentationml/2006/main">
+  <p:cSld>
+    <p:spTree>
+      <p:nvGrpSpPr>
+        <p:cNvPr id="1" name=""/>
+        <p:cNvGrpSpPr/>
+        <p:nvPr/>
+      </p:nvGrpSpPr>
+      <p:grpSpPr>
+        <a:xfrm>
+          <a:off x="0" y="0"/>
+          <a:ext cx="0" cy="0"/>
+          <a:chOff x="0" y="0"/>
+          <a:chExt cx="0" cy="0"/>
+        </a:xfrm>
+      </p:grpSpPr>
+      <p:sp>
+        <p:nvSpPr>
+          <p:cNvPr id="2" name="Title 1">
+            <a:extLst>
+              <a:ext uri="{FF2B5EF4-FFF2-40B4-BE49-F238E27FC236}">
+                <a16:creationId xmlns:a16="http://schemas.microsoft.com/office/drawing/2014/main" id="{E9982582-411C-8C46-A787-7E357E5B229E}"/>
+              </a:ext>
+            </a:extLst>
+          </p:cNvPr>
+          <p:cNvSpPr>
+            <a:spLocks noGrp="1"/>
+          </p:cNvSpPr>
+          <p:nvPr>
+            <p:ph type="title"/>
+          </p:nvPr>
+        </p:nvSpPr>
+        <p:spPr/>
+        <p:txBody>
+          <a:bodyPr/>
+          <a:lstStyle/>
+          <a:p>
+            <a:r>
+              <a:rPr lang="en-US" dirty="0"/>
+              <a:t>For-loops</a:t>
+            </a:r>
+          </a:p>
+        </p:txBody>
+      </p:sp>
+      <p:sp>
+        <p:nvSpPr>
+          <p:cNvPr id="3" name="Content Placeholder 2">
+            <a:extLst>
+              <a:ext uri="{FF2B5EF4-FFF2-40B4-BE49-F238E27FC236}">
+                <a16:creationId xmlns:a16="http://schemas.microsoft.com/office/drawing/2014/main" id="{79CDB372-1D0F-1142-A023-EB0236A7732C}"/>
+              </a:ext>
+            </a:extLst>
+          </p:cNvPr>
+          <p:cNvSpPr>
+            <a:spLocks noGrp="1"/>
+          </p:cNvSpPr>
+          <p:nvPr>
+            <p:ph idx="1"/>
+          </p:nvPr>
+        </p:nvSpPr>
+        <p:spPr/>
+        <p:txBody>
+          <a:bodyPr>
+            <a:normAutofit/>
+          </a:bodyPr>
+          <a:lstStyle/>
+          <a:p>
+            <a:r>
+              <a:rPr lang="en-US" dirty="0">
+                <a:hlinkClick r:id="rId2"/>
+              </a:rPr>
+              <a:t>range loops</a:t>
+            </a:r>
+            <a:endParaRPr lang="en-US" dirty="0"/>
+          </a:p>
+          <a:p>
+            <a:r>
+              <a:rPr lang="en-US" dirty="0">
+                <a:hlinkClick r:id="rId3"/>
+              </a:rPr>
+              <a:t>for-each loops</a:t>
+            </a:r>
+            <a:endParaRPr lang="en-US" dirty="0"/>
+          </a:p>
+          <a:p>
+            <a:r>
+              <a:rPr lang="en-US" dirty="0">
+                <a:hlinkClick r:id="rId4"/>
+              </a:rPr>
+              <a:t>loop with enumerate()</a:t>
+            </a:r>
+            <a:endParaRPr lang="en-US" dirty="0"/>
+          </a:p>
+          <a:p>
+            <a:r>
+              <a:rPr lang="en-US" dirty="0">
+                <a:hlinkClick r:id="rId5"/>
+              </a:rPr>
+              <a:t>watch row var iterate through list-of-list rows</a:t>
+            </a:r>
+            <a:endParaRPr lang="en-US" dirty="0"/>
+          </a:p>
+          <a:p>
+            <a:r>
+              <a:rPr lang="en-US" dirty="0">
+                <a:hlinkClick r:id="rId6"/>
+              </a:rPr>
+              <a:t>indexed loop using range</a:t>
+            </a:r>
+            <a:endParaRPr lang="en-US" dirty="0"/>
+          </a:p>
+          <a:p>
+            <a:r>
+              <a:rPr lang="en-US" dirty="0">
+                <a:hlinkClick r:id="rId7"/>
+              </a:rPr>
+              <a:t>zip'd loop</a:t>
+            </a:r>
+            <a:endParaRPr lang="en-US" dirty="0"/>
+          </a:p>
+        </p:txBody>
+      </p:sp>
+      <p:pic>
+        <p:nvPicPr>
+          <p:cNvPr id="5" name="Picture 4">
+            <a:extLst>
+              <a:ext uri="{FF2B5EF4-FFF2-40B4-BE49-F238E27FC236}">
+                <a16:creationId xmlns:a16="http://schemas.microsoft.com/office/drawing/2014/main" id="{4778C563-7430-2044-A619-4F98E8738B7A}"/>
+              </a:ext>
+            </a:extLst>
+          </p:cNvPr>
+          <p:cNvPicPr>
+            <a:picLocks noChangeAspect="1"/>
+          </p:cNvPicPr>
+          <p:nvPr/>
+        </p:nvPicPr>
+        <p:blipFill>
+          <a:blip r:embed="rId8"/>
+          <a:stretch>
+            <a:fillRect/>
+          </a:stretch>
+        </p:blipFill>
+        <p:spPr>
+          <a:xfrm>
+            <a:off x="5888945" y="495254"/>
+            <a:ext cx="5044410" cy="1671694"/>
+          </a:xfrm>
+          <a:prstGeom prst="rect">
+            <a:avLst/>
+          </a:prstGeom>
+        </p:spPr>
+      </p:pic>
+    </p:spTree>
+    <p:extLst>
+      <p:ext uri="{BB962C8B-B14F-4D97-AF65-F5344CB8AC3E}">
+        <p14:creationId xmlns:p14="http://schemas.microsoft.com/office/powerpoint/2010/main" val="2685847471"/>
+      </p:ext>
+    </p:extLst>
+  </p:cSld>
+  <p:clrMapOvr>
+    <a:masterClrMapping/>
+  </p:clrMapOvr>
+</p:sld>
+</file>
+
+<file path=ppt/slides/slide17.xml><?xml version="1.0" encoding="utf-8"?>
+<p:sld xmlns:a="http://schemas.openxmlformats.org/drawingml/2006/main" xmlns:r="http://schemas.openxmlformats.org/officeDocument/2006/relationships" xmlns:p="http://schemas.openxmlformats.org/presentationml/2006/main">
+  <p:cSld>
+    <p:spTree>
+      <p:nvGrpSpPr>
+        <p:cNvPr id="1" name=""/>
+        <p:cNvGrpSpPr/>
+        <p:nvPr/>
+      </p:nvGrpSpPr>
+      <p:grpSpPr>
+        <a:xfrm>
+          <a:off x="0" y="0"/>
+          <a:ext cx="0" cy="0"/>
+          <a:chOff x="0" y="0"/>
+          <a:chExt cx="0" cy="0"/>
+        </a:xfrm>
+      </p:grpSpPr>
+      <p:sp>
+        <p:nvSpPr>
+          <p:cNvPr id="2" name="Title 1">
+            <a:extLst>
+              <a:ext uri="{FF2B5EF4-FFF2-40B4-BE49-F238E27FC236}">
+                <a16:creationId xmlns:a16="http://schemas.microsoft.com/office/drawing/2014/main" id="{8D22FD87-A4FE-BA41-9EEE-1497E63CE681}"/>
+              </a:ext>
+            </a:extLst>
+          </p:cNvPr>
+          <p:cNvSpPr>
+            <a:spLocks noGrp="1"/>
+          </p:cNvSpPr>
+          <p:nvPr>
+            <p:ph type="title"/>
+          </p:nvPr>
+        </p:nvSpPr>
+        <p:spPr/>
+        <p:txBody>
+          <a:bodyPr/>
+          <a:lstStyle/>
+          <a:p>
+            <a:r>
+              <a:rPr lang="en-US" dirty="0"/>
+              <a:t>Translating formulas</a:t>
+            </a:r>
+          </a:p>
+        </p:txBody>
+      </p:sp>
+      <p:sp>
+        <p:nvSpPr>
+          <p:cNvPr id="3" name="Content Placeholder 2">
+            <a:extLst>
+              <a:ext uri="{FF2B5EF4-FFF2-40B4-BE49-F238E27FC236}">
+                <a16:creationId xmlns:a16="http://schemas.microsoft.com/office/drawing/2014/main" id="{8EE0DC49-65FF-2D41-9676-A82D6B646B1D}"/>
+              </a:ext>
+            </a:extLst>
+          </p:cNvPr>
+          <p:cNvSpPr>
+            <a:spLocks noGrp="1"/>
+          </p:cNvSpPr>
+          <p:nvPr>
+            <p:ph idx="1"/>
+          </p:nvPr>
+        </p:nvSpPr>
+        <p:spPr>
+          <a:xfrm>
+            <a:off x="838199" y="1825625"/>
+            <a:ext cx="10780059" cy="4351338"/>
+          </a:xfrm>
+        </p:spPr>
+        <p:txBody>
+          <a:bodyPr/>
+          <a:lstStyle/>
+          <a:p>
+            <a:r>
+              <a:rPr lang="en-US" dirty="0" err="1"/>
+              <a:t>Sigmas</a:t>
+            </a:r>
+            <a:r>
+              <a:rPr lang="en-US" dirty="0"/>
+              <a:t> become accumulator range-loops (recall indexed from 0)</a:t>
+            </a:r>
+          </a:p>
+        </p:txBody>
+      </p:sp>
+      <p:pic>
+        <p:nvPicPr>
+          <p:cNvPr id="5" name="Picture 4">
+            <a:extLst>
+              <a:ext uri="{FF2B5EF4-FFF2-40B4-BE49-F238E27FC236}">
+                <a16:creationId xmlns:a16="http://schemas.microsoft.com/office/drawing/2014/main" id="{C6615E9B-A256-5A49-B59A-80C51E6A7FF3}"/>
+              </a:ext>
+            </a:extLst>
+          </p:cNvPr>
+          <p:cNvPicPr>
+            <a:picLocks noChangeAspect="1"/>
+          </p:cNvPicPr>
+          <p:nvPr/>
+        </p:nvPicPr>
+        <p:blipFill>
+          <a:blip r:embed="rId2"/>
+          <a:stretch>
+            <a:fillRect/>
+          </a:stretch>
+        </p:blipFill>
+        <p:spPr>
+          <a:xfrm>
+            <a:off x="1877956" y="2591594"/>
+            <a:ext cx="8166102" cy="3260566"/>
+          </a:xfrm>
+          <a:prstGeom prst="rect">
+            <a:avLst/>
+          </a:prstGeom>
+        </p:spPr>
+      </p:pic>
+    </p:spTree>
+    <p:extLst>
+      <p:ext uri="{BB962C8B-B14F-4D97-AF65-F5344CB8AC3E}">
+        <p14:creationId xmlns:p14="http://schemas.microsoft.com/office/powerpoint/2010/main" val="2861621939"/>
+      </p:ext>
+    </p:extLst>
+  </p:cSld>
+  <p:clrMapOvr>
+    <a:masterClrMapping/>
+  </p:clrMapOvr>
+</p:sld>
+</file>
+
+<file path=ppt/slides/slide18.xml><?xml version="1.0" encoding="utf-8"?>
+<p:sld xmlns:a="http://schemas.openxmlformats.org/drawingml/2006/main" xmlns:r="http://schemas.openxmlformats.org/officeDocument/2006/relationships" xmlns:p="http://schemas.openxmlformats.org/presentationml/2006/main">
+  <p:cSld>
+    <p:spTree>
+      <p:nvGrpSpPr>
+        <p:cNvPr id="1" name=""/>
+        <p:cNvGrpSpPr/>
+        <p:nvPr/>
+      </p:nvGrpSpPr>
+      <p:grpSpPr>
+        <a:xfrm>
+          <a:off x="0" y="0"/>
+          <a:ext cx="0" cy="0"/>
+          <a:chOff x="0" y="0"/>
+          <a:chExt cx="0" cy="0"/>
+        </a:xfrm>
+      </p:grpSpPr>
+      <p:sp>
+        <p:nvSpPr>
+          <p:cNvPr id="2" name="Title 1">
+            <a:extLst>
+              <a:ext uri="{FF2B5EF4-FFF2-40B4-BE49-F238E27FC236}">
+                <a16:creationId xmlns:a16="http://schemas.microsoft.com/office/drawing/2014/main" id="{5DAD642D-99D8-9D42-A3DE-3A433F9EDFE1}"/>
+              </a:ext>
+            </a:extLst>
+          </p:cNvPr>
+          <p:cNvSpPr>
+            <a:spLocks noGrp="1"/>
+          </p:cNvSpPr>
+          <p:nvPr>
+            <p:ph type="title"/>
+          </p:nvPr>
+        </p:nvSpPr>
+        <p:spPr/>
+        <p:txBody>
+          <a:bodyPr/>
+          <a:lstStyle/>
+          <a:p>
+            <a:r>
+              <a:rPr lang="en-US" dirty="0"/>
+              <a:t>List comprehensions</a:t>
+            </a:r>
+          </a:p>
+        </p:txBody>
+      </p:sp>
+      <p:sp>
+        <p:nvSpPr>
+          <p:cNvPr id="3" name="Content Placeholder 2">
+            <a:extLst>
+              <a:ext uri="{FF2B5EF4-FFF2-40B4-BE49-F238E27FC236}">
+                <a16:creationId xmlns:a16="http://schemas.microsoft.com/office/drawing/2014/main" id="{FF68C38E-A905-3B48-A237-408DDDC925B1}"/>
+              </a:ext>
+            </a:extLst>
+          </p:cNvPr>
+          <p:cNvSpPr>
+            <a:spLocks noGrp="1"/>
+          </p:cNvSpPr>
+          <p:nvPr>
+            <p:ph idx="1"/>
+          </p:nvPr>
+        </p:nvSpPr>
+        <p:spPr/>
+        <p:txBody>
+          <a:bodyPr/>
+          <a:lstStyle/>
+          <a:p>
+            <a:r>
+              <a:rPr lang="en-US" dirty="0"/>
+              <a:t>Making new lists from (optionally filtered) sequences, elements</a:t>
+            </a:r>
+          </a:p>
+          <a:p>
+            <a:endParaRPr lang="en-US" dirty="0"/>
+          </a:p>
+          <a:p>
+            <a:endParaRPr lang="en-US" dirty="0"/>
+          </a:p>
+          <a:p>
+            <a:endParaRPr lang="en-US" dirty="0"/>
+          </a:p>
+          <a:p>
+            <a:endParaRPr lang="en-US" dirty="0"/>
+          </a:p>
+          <a:p>
+            <a:r>
+              <a:rPr lang="en-US" dirty="0">
+                <a:hlinkClick r:id="rId2"/>
+              </a:rPr>
+              <a:t>comprehensions on lists of strings</a:t>
+            </a:r>
+            <a:endParaRPr lang="en-US" dirty="0"/>
+          </a:p>
+          <a:p>
+            <a:r>
+              <a:rPr lang="en-US" dirty="0">
+                <a:hlinkClick r:id="rId3"/>
+              </a:rPr>
+              <a:t>comprehensions on lists of numbers</a:t>
+            </a:r>
+            <a:endParaRPr lang="en-US" dirty="0"/>
+          </a:p>
+        </p:txBody>
+      </p:sp>
+      <p:pic>
+        <p:nvPicPr>
+          <p:cNvPr id="4" name="Picture 3">
+            <a:extLst>
+              <a:ext uri="{FF2B5EF4-FFF2-40B4-BE49-F238E27FC236}">
+                <a16:creationId xmlns:a16="http://schemas.microsoft.com/office/drawing/2014/main" id="{35A660DC-0A84-F04B-BBC8-FDE3C8B41264}"/>
+              </a:ext>
+            </a:extLst>
+          </p:cNvPr>
+          <p:cNvPicPr>
+            <a:picLocks noChangeAspect="1"/>
+          </p:cNvPicPr>
+          <p:nvPr/>
+        </p:nvPicPr>
+        <p:blipFill>
+          <a:blip r:embed="rId4"/>
+          <a:stretch>
+            <a:fillRect/>
+          </a:stretch>
+        </p:blipFill>
+        <p:spPr>
+          <a:xfrm>
+            <a:off x="2039620" y="2457852"/>
+            <a:ext cx="7646708" cy="1662328"/>
+          </a:xfrm>
+          <a:prstGeom prst="rect">
+            <a:avLst/>
+          </a:prstGeom>
+        </p:spPr>
+      </p:pic>
+    </p:spTree>
+    <p:extLst>
+      <p:ext uri="{BB962C8B-B14F-4D97-AF65-F5344CB8AC3E}">
+        <p14:creationId xmlns:p14="http://schemas.microsoft.com/office/powerpoint/2010/main" val="793289995"/>
+      </p:ext>
+    </p:extLst>
+  </p:cSld>
+  <p:clrMapOvr>
+    <a:masterClrMapping/>
+  </p:clrMapOvr>
+</p:sld>
+</file>
+
 <file path=ppt/slides/slide2.xml><?xml version="1.0" encoding="utf-8"?>
 <p:sld xmlns:a="http://schemas.openxmlformats.org/drawingml/2006/main" xmlns:r="http://schemas.openxmlformats.org/officeDocument/2006/relationships" xmlns:p="http://schemas.openxmlformats.org/presentationml/2006/main">
   <p:cSld>
@@ -4559,7 +6666,7 @@
           <a:p>
             <a:r>
               <a:rPr lang="en-US" dirty="0"/>
-              <a:t>Common programming concepts</a:t>
+              <a:t>Most important programming concepts</a:t>
             </a:r>
           </a:p>
         </p:txBody>
@@ -4588,77 +6695,45 @@
         </p:spPr>
         <p:txBody>
           <a:bodyPr>
-            <a:normAutofit lnSpcReduction="10000"/>
+            <a:normAutofit/>
           </a:bodyPr>
           <a:lstStyle/>
           <a:p>
             <a:r>
               <a:rPr lang="en-US" dirty="0"/>
-              <a:t>Individual instructions, such as assignments and arithmetic</a:t>
-            </a:r>
-          </a:p>
-          <a:p>
+              <a:t>Order of operations (</a:t>
+            </a:r>
+            <a:r>
+              <a:rPr lang="en-US" i="1" dirty="0"/>
+              <a:t>control-flow</a:t>
+            </a:r>
             <a:r>
               <a:rPr lang="en-US" dirty="0"/>
-              <a:t>Sequences of instructions, </a:t>
-            </a:r>
-            <a:r>
-              <a:rPr lang="en-US" i="1" dirty="0"/>
-              <a:t>do this then that</a:t>
+              <a:t>)</a:t>
             </a:r>
           </a:p>
           <a:p>
             <a:r>
               <a:rPr lang="en-US" dirty="0"/>
-              <a:t>Repeated sequences (</a:t>
-            </a:r>
-            <a:r>
-              <a:rPr lang="en-US" i="1" dirty="0"/>
-              <a:t>loops</a:t>
-            </a:r>
+              <a:t>Representing data in memory</a:t>
+            </a:r>
+          </a:p>
+          <a:p>
             <a:r>
               <a:rPr lang="en-US" dirty="0"/>
-              <a:t>), </a:t>
-            </a:r>
-            <a:r>
-              <a:rPr lang="en-US" i="1" dirty="0"/>
-              <a:t>do this to each element of a list</a:t>
+              <a:t>Batch execution vs interactive execution</a:t>
             </a:r>
           </a:p>
           <a:p>
             <a:r>
               <a:rPr lang="en-US" dirty="0"/>
-              <a:t>Conditional execution of sequences, </a:t>
-            </a:r>
-            <a:r>
-              <a:rPr lang="en-US" i="1" dirty="0"/>
-              <a:t>if negative make it positive</a:t>
+              <a:t>Aggregating instructions into reusable methods</a:t>
             </a:r>
           </a:p>
           <a:p>
             <a:r>
               <a:rPr lang="en-US" dirty="0"/>
-              <a:t>Aggregating instructions into reusable</a:t>
-            </a:r>
-            <a:br>
-              <a:rPr lang="en-US" dirty="0"/>
-            </a:br>
-            <a:r>
-              <a:rPr lang="en-US" dirty="0"/>
-              <a:t>methods</a:t>
-            </a:r>
-          </a:p>
-          <a:p>
-            <a:r>
-              <a:rPr lang="en-US" dirty="0"/>
-              <a:t>Aggregating instructions and methods</a:t>
-            </a:r>
-            <a:br>
-              <a:rPr lang="en-US" dirty="0"/>
-            </a:br>
-            <a:r>
-              <a:rPr lang="en-US" dirty="0"/>
-              <a:t>into modules (.</a:t>
+              <a:t>Aggregating instructions and methods into modules (.</a:t>
             </a:r>
             <a:r>
               <a:rPr lang="en-US" dirty="0" err="1"/>
@@ -4672,80 +6747,11 @@
           <a:p>
             <a:r>
               <a:rPr lang="en-US" dirty="0"/>
-              <a:t>Object-oriented (OO) programming</a:t>
-            </a:r>
-            <a:br>
-              <a:rPr lang="en-US" dirty="0"/>
-            </a:br>
-            <a:r>
-              <a:rPr lang="en-US" dirty="0"/>
-              <a:t>(aggregating data &amp; methods)</a:t>
-            </a:r>
-          </a:p>
-        </p:txBody>
-      </p:sp>
-      <p:pic>
-        <p:nvPicPr>
-          <p:cNvPr id="6" name="Picture 5">
-            <a:extLst>
-              <a:ext uri="{FF2B5EF4-FFF2-40B4-BE49-F238E27FC236}">
-                <a16:creationId xmlns:a16="http://schemas.microsoft.com/office/drawing/2014/main" id="{DAD06C8A-736D-B243-AA34-BDB70CAFD228}"/>
-              </a:ext>
-            </a:extLst>
-          </p:cNvPr>
-          <p:cNvPicPr>
-            <a:picLocks noChangeAspect="1"/>
-          </p:cNvPicPr>
-          <p:nvPr/>
-        </p:nvPicPr>
-        <p:blipFill>
-          <a:blip r:embed="rId2"/>
-          <a:stretch>
-            <a:fillRect/>
-          </a:stretch>
-        </p:blipFill>
-        <p:spPr>
-          <a:xfrm>
-            <a:off x="7968343" y="3810894"/>
-            <a:ext cx="4223657" cy="3047106"/>
-          </a:xfrm>
-          <a:prstGeom prst="rect">
-            <a:avLst/>
-          </a:prstGeom>
-        </p:spPr>
-      </p:pic>
-      <p:sp>
-        <p:nvSpPr>
-          <p:cNvPr id="7" name="TextBox 6">
-            <a:extLst>
-              <a:ext uri="{FF2B5EF4-FFF2-40B4-BE49-F238E27FC236}">
-                <a16:creationId xmlns:a16="http://schemas.microsoft.com/office/drawing/2014/main" id="{735A2250-0ACB-0E4A-93A2-6939423A0FFA}"/>
-              </a:ext>
-            </a:extLst>
-          </p:cNvPr>
-          <p:cNvSpPr txBox="1"/>
-          <p:nvPr/>
-        </p:nvSpPr>
-        <p:spPr>
-          <a:xfrm>
-            <a:off x="8052084" y="3485449"/>
-            <a:ext cx="4139916" cy="369332"/>
-          </a:xfrm>
-          <a:prstGeom prst="rect">
-            <a:avLst/>
-          </a:prstGeom>
-          <a:noFill/>
-        </p:spPr>
-        <p:txBody>
-          <a:bodyPr wrap="none" rtlCol="0">
-            <a:spAutoFit/>
-          </a:bodyPr>
-          <a:lstStyle/>
-          <a:p>
-            <a:r>
-              <a:rPr lang="en-US" dirty="0"/>
-              <a:t>Big Bang Theory "friendship algorithm"</a:t>
-            </a:r>
+              <a:t>Object-oriented (OO) programming (aggregating data, methods)</a:t>
+            </a:r>
+          </a:p>
+          <a:p>
+            <a:endParaRPr lang="en-US" dirty="0"/>
           </a:p>
         </p:txBody>
       </p:sp>
@@ -4784,7 +6790,7 @@
           <p:cNvPr id="2" name="Title 1">
             <a:extLst>
               <a:ext uri="{FF2B5EF4-FFF2-40B4-BE49-F238E27FC236}">
-                <a16:creationId xmlns:a16="http://schemas.microsoft.com/office/drawing/2014/main" id="{AC37E157-FF48-664F-8B7B-8E803BC1811A}"/>
+                <a16:creationId xmlns:a16="http://schemas.microsoft.com/office/drawing/2014/main" id="{45B6CC00-2EC0-F24C-A8B4-DCBE915E41E0}"/>
               </a:ext>
             </a:extLst>
           </p:cNvPr>
@@ -4795,12 +6801,20 @@
             <p:ph type="title"/>
           </p:nvPr>
         </p:nvSpPr>
-        <p:spPr/>
+        <p:spPr>
+          <a:xfrm>
+            <a:off x="536448" y="365125"/>
+            <a:ext cx="10817352" cy="1049147"/>
+          </a:xfrm>
+        </p:spPr>
         <p:txBody>
           <a:bodyPr/>
           <a:lstStyle/>
           <a:p>
-            <a:endParaRPr lang="en-US"/>
+            <a:r>
+              <a:rPr lang="en-US" dirty="0"/>
+              <a:t>Key concept: order of operations</a:t>
+            </a:r>
           </a:p>
         </p:txBody>
       </p:sp>
@@ -4809,7 +6823,7 @@
           <p:cNvPr id="3" name="Content Placeholder 2">
             <a:extLst>
               <a:ext uri="{FF2B5EF4-FFF2-40B4-BE49-F238E27FC236}">
-                <a16:creationId xmlns:a16="http://schemas.microsoft.com/office/drawing/2014/main" id="{680845E7-1C2E-8E49-9D64-9729770EE19D}"/>
+                <a16:creationId xmlns:a16="http://schemas.microsoft.com/office/drawing/2014/main" id="{C1D61198-ADE4-9841-A732-BAA0B5486BF1}"/>
               </a:ext>
             </a:extLst>
           </p:cNvPr>
@@ -4820,19 +6834,184 @@
             <p:ph idx="1"/>
           </p:nvPr>
         </p:nvSpPr>
-        <p:spPr/>
+        <p:spPr>
+          <a:xfrm>
+            <a:off x="838200" y="1499616"/>
+            <a:ext cx="10515600" cy="4677347"/>
+          </a:xfrm>
+        </p:spPr>
         <p:txBody>
           <a:bodyPr/>
           <a:lstStyle/>
           <a:p>
-            <a:endParaRPr lang="en-US"/>
-          </a:p>
-        </p:txBody>
-      </p:sp>
+            <a:r>
+              <a:rPr lang="en-US" dirty="0"/>
+              <a:t>Order is critical</a:t>
+            </a:r>
+            <a:br>
+              <a:rPr lang="en-US" dirty="0"/>
+            </a:br>
+            <a:r>
+              <a:rPr lang="en-US" dirty="0"/>
+              <a:t>Example: get license, buy car, drive car</a:t>
+            </a:r>
+          </a:p>
+        </p:txBody>
+      </p:sp>
+      <p:pic>
+        <p:nvPicPr>
+          <p:cNvPr id="14" name="Picture 13">
+            <a:extLst>
+              <a:ext uri="{FF2B5EF4-FFF2-40B4-BE49-F238E27FC236}">
+                <a16:creationId xmlns:a16="http://schemas.microsoft.com/office/drawing/2014/main" id="{F0B15AFE-3F19-0544-860C-29069F9F6DDE}"/>
+              </a:ext>
+            </a:extLst>
+          </p:cNvPr>
+          <p:cNvPicPr>
+            <a:picLocks noChangeAspect="1"/>
+          </p:cNvPicPr>
+          <p:nvPr/>
+        </p:nvPicPr>
+        <p:blipFill>
+          <a:blip r:embed="rId2"/>
+          <a:stretch>
+            <a:fillRect/>
+          </a:stretch>
+        </p:blipFill>
+        <p:spPr>
+          <a:xfrm>
+            <a:off x="9101265" y="9017"/>
+            <a:ext cx="3090735" cy="2229773"/>
+          </a:xfrm>
+          <a:prstGeom prst="rect">
+            <a:avLst/>
+          </a:prstGeom>
+        </p:spPr>
+      </p:pic>
+      <p:pic>
+        <p:nvPicPr>
+          <p:cNvPr id="15" name="Picture 14">
+            <a:extLst>
+              <a:ext uri="{FF2B5EF4-FFF2-40B4-BE49-F238E27FC236}">
+                <a16:creationId xmlns:a16="http://schemas.microsoft.com/office/drawing/2014/main" id="{FD5EBD3A-5D74-4040-A814-03DB6C7D513A}"/>
+              </a:ext>
+            </a:extLst>
+          </p:cNvPr>
+          <p:cNvPicPr>
+            <a:picLocks noChangeAspect="1"/>
+          </p:cNvPicPr>
+          <p:nvPr/>
+        </p:nvPicPr>
+        <p:blipFill>
+          <a:blip r:embed="rId3"/>
+          <a:stretch>
+            <a:fillRect/>
+          </a:stretch>
+        </p:blipFill>
+        <p:spPr>
+          <a:xfrm>
+            <a:off x="1525763" y="2324134"/>
+            <a:ext cx="1858324" cy="4048492"/>
+          </a:xfrm>
+          <a:prstGeom prst="rect">
+            <a:avLst/>
+          </a:prstGeom>
+        </p:spPr>
+      </p:pic>
+      <p:pic>
+        <p:nvPicPr>
+          <p:cNvPr id="16" name="Picture 15">
+            <a:extLst>
+              <a:ext uri="{FF2B5EF4-FFF2-40B4-BE49-F238E27FC236}">
+                <a16:creationId xmlns:a16="http://schemas.microsoft.com/office/drawing/2014/main" id="{8C0ADFA2-6AFE-1B42-B593-7735F33BB2E0}"/>
+              </a:ext>
+            </a:extLst>
+          </p:cNvPr>
+          <p:cNvPicPr>
+            <a:picLocks noChangeAspect="1"/>
+          </p:cNvPicPr>
+          <p:nvPr/>
+        </p:nvPicPr>
+        <p:blipFill>
+          <a:blip r:embed="rId4"/>
+          <a:stretch>
+            <a:fillRect/>
+          </a:stretch>
+        </p:blipFill>
+        <p:spPr>
+          <a:xfrm>
+            <a:off x="6142871" y="2321944"/>
+            <a:ext cx="2455642" cy="4048491"/>
+          </a:xfrm>
+          <a:prstGeom prst="rect">
+            <a:avLst/>
+          </a:prstGeom>
+        </p:spPr>
+      </p:pic>
+      <p:pic>
+        <p:nvPicPr>
+          <p:cNvPr id="17" name="Picture 16">
+            <a:extLst>
+              <a:ext uri="{FF2B5EF4-FFF2-40B4-BE49-F238E27FC236}">
+                <a16:creationId xmlns:a16="http://schemas.microsoft.com/office/drawing/2014/main" id="{10178AC4-0EAD-8647-A657-7FBA1DDC09FA}"/>
+              </a:ext>
+            </a:extLst>
+          </p:cNvPr>
+          <p:cNvPicPr>
+            <a:picLocks noChangeAspect="1"/>
+          </p:cNvPicPr>
+          <p:nvPr/>
+        </p:nvPicPr>
+        <p:blipFill>
+          <a:blip r:embed="rId5"/>
+          <a:stretch>
+            <a:fillRect/>
+          </a:stretch>
+        </p:blipFill>
+        <p:spPr>
+          <a:xfrm>
+            <a:off x="9219744" y="2321944"/>
+            <a:ext cx="1128268" cy="4048491"/>
+          </a:xfrm>
+          <a:prstGeom prst="rect">
+            <a:avLst/>
+          </a:prstGeom>
+        </p:spPr>
+      </p:pic>
+      <p:pic>
+        <p:nvPicPr>
+          <p:cNvPr id="18" name="Picture 17">
+            <a:extLst>
+              <a:ext uri="{FF2B5EF4-FFF2-40B4-BE49-F238E27FC236}">
+                <a16:creationId xmlns:a16="http://schemas.microsoft.com/office/drawing/2014/main" id="{3C08D0BC-C3F1-9947-8564-619D7F3580A2}"/>
+              </a:ext>
+            </a:extLst>
+          </p:cNvPr>
+          <p:cNvPicPr>
+            <a:picLocks noChangeAspect="1"/>
+          </p:cNvPicPr>
+          <p:nvPr/>
+        </p:nvPicPr>
+        <p:blipFill>
+          <a:blip r:embed="rId6"/>
+          <a:stretch>
+            <a:fillRect/>
+          </a:stretch>
+        </p:blipFill>
+        <p:spPr>
+          <a:xfrm>
+            <a:off x="3557032" y="2324134"/>
+            <a:ext cx="2057430" cy="4048491"/>
+          </a:xfrm>
+          <a:prstGeom prst="rect">
+            <a:avLst/>
+          </a:prstGeom>
+        </p:spPr>
+      </p:pic>
     </p:spTree>
     <p:extLst>
       <p:ext uri="{BB962C8B-B14F-4D97-AF65-F5344CB8AC3E}">
-        <p14:creationId xmlns:p14="http://schemas.microsoft.com/office/powerpoint/2010/main" val="941945484"/>
+        <p14:creationId xmlns:p14="http://schemas.microsoft.com/office/powerpoint/2010/main" val="4199238156"/>
       </p:ext>
     </p:extLst>
   </p:cSld>
@@ -4864,7 +7043,7 @@
           <p:cNvPr id="2" name="Title 1">
             <a:extLst>
               <a:ext uri="{FF2B5EF4-FFF2-40B4-BE49-F238E27FC236}">
-                <a16:creationId xmlns:a16="http://schemas.microsoft.com/office/drawing/2014/main" id="{28E269BC-FCD0-3641-BD6D-5B96C2417018}"/>
+                <a16:creationId xmlns:a16="http://schemas.microsoft.com/office/drawing/2014/main" id="{CA294642-0D43-E349-855E-216E5D5C3E05}"/>
               </a:ext>
             </a:extLst>
           </p:cNvPr>
@@ -4882,11 +7061,11 @@
           <a:p>
             <a:r>
               <a:rPr lang="en-US" dirty="0"/>
-              <a:t>Most</a:t>
-            </a:r>
-            <a:r>
-              <a:rPr lang="mr-IN" dirty="0"/>
-              <a:t>…</a:t>
+              <a:t>Interactive demos via </a:t>
+            </a:r>
+            <a:r>
+              <a:rPr lang="en-US" dirty="0" err="1"/>
+              <a:t>pythontutor.com</a:t>
             </a:r>
             <a:endParaRPr lang="en-US" dirty="0"/>
           </a:p>
@@ -4897,7 +7076,7 @@
           <p:cNvPr id="3" name="Content Placeholder 2">
             <a:extLst>
               <a:ext uri="{FF2B5EF4-FFF2-40B4-BE49-F238E27FC236}">
-                <a16:creationId xmlns:a16="http://schemas.microsoft.com/office/drawing/2014/main" id="{011453FF-9B1C-204B-BAC3-7506D02A781A}"/>
+                <a16:creationId xmlns:a16="http://schemas.microsoft.com/office/drawing/2014/main" id="{BE8CBFB3-BD9F-7B47-9CF6-0EA2D9F7E701}"/>
               </a:ext>
             </a:extLst>
           </p:cNvPr>
@@ -4915,169 +7094,784 @@
           <a:p>
             <a:r>
               <a:rPr lang="en-US" dirty="0"/>
-              <a:t>That means we need to know</a:t>
-            </a:r>
-          </a:p>
-        </p:txBody>
-      </p:sp>
-      <p:sp>
-        <p:nvSpPr>
-          <p:cNvPr id="4" name="TextBox 3">
-            <a:extLst>
-              <a:ext uri="{FF2B5EF4-FFF2-40B4-BE49-F238E27FC236}">
-                <a16:creationId xmlns:a16="http://schemas.microsoft.com/office/drawing/2014/main" id="{7EA51DEE-4B36-8844-9444-48364D4297AC}"/>
-              </a:ext>
-            </a:extLst>
-          </p:cNvPr>
-          <p:cNvSpPr txBox="1"/>
+              <a:t>Let's observe the sequence of operations and their effects:</a:t>
+            </a:r>
+          </a:p>
+          <a:p>
+            <a:pPr lvl="1"/>
+            <a:r>
+              <a:rPr lang="en-US" dirty="0">
+                <a:hlinkClick r:id="rId2"/>
+              </a:rPr>
+              <a:t>generate some output</a:t>
+            </a:r>
+            <a:endParaRPr lang="en-US" dirty="0">
+              <a:hlinkClick r:id="rId3"/>
+            </a:endParaRPr>
+          </a:p>
+          <a:p>
+            <a:pPr lvl="1"/>
+            <a:r>
+              <a:rPr lang="en-US" dirty="0">
+                <a:hlinkClick r:id="rId3"/>
+              </a:rPr>
+              <a:t>assignment creates and alters variables</a:t>
+            </a:r>
+            <a:endParaRPr lang="en-US" dirty="0"/>
+          </a:p>
+          <a:p>
+            <a:pPr lvl="1"/>
+            <a:r>
+              <a:rPr lang="en-US" dirty="0">
+                <a:hlinkClick r:id="rId4"/>
+              </a:rPr>
+              <a:t>types matter, operators are overloaded</a:t>
+            </a:r>
+            <a:endParaRPr lang="en-US" dirty="0"/>
+          </a:p>
+          <a:p>
+            <a:pPr lvl="1"/>
+            <a:r>
+              <a:rPr lang="en-US" dirty="0">
+                <a:hlinkClick r:id="rId5"/>
+              </a:rPr>
+              <a:t>simple conditional execution</a:t>
+            </a:r>
+            <a:r>
+              <a:rPr lang="en-US" dirty="0"/>
+              <a:t> </a:t>
+            </a:r>
+          </a:p>
+          <a:p>
+            <a:pPr lvl="1"/>
+            <a:r>
+              <a:rPr lang="en-US" dirty="0">
+                <a:hlinkClick r:id="rId6"/>
+              </a:rPr>
+              <a:t>else-clause</a:t>
+            </a:r>
+            <a:endParaRPr lang="en-US" dirty="0"/>
+          </a:p>
+          <a:p>
+            <a:pPr lvl="1"/>
+            <a:r>
+              <a:rPr lang="en-US" dirty="0">
+                <a:hlinkClick r:id="rId7"/>
+              </a:rPr>
+              <a:t>simple loop that updates variable</a:t>
+            </a:r>
+            <a:endParaRPr lang="en-US" dirty="0"/>
+          </a:p>
+          <a:p>
+            <a:pPr lvl="1"/>
+            <a:r>
+              <a:rPr lang="en-US" dirty="0">
+                <a:hlinkClick r:id="rId8"/>
+              </a:rPr>
+              <a:t>demo loop for powers of two</a:t>
+            </a:r>
+            <a:endParaRPr lang="en-US" dirty="0"/>
+          </a:p>
+        </p:txBody>
+      </p:sp>
+    </p:spTree>
+    <p:extLst>
+      <p:ext uri="{BB962C8B-B14F-4D97-AF65-F5344CB8AC3E}">
+        <p14:creationId xmlns:p14="http://schemas.microsoft.com/office/powerpoint/2010/main" val="3135406178"/>
+      </p:ext>
+    </p:extLst>
+  </p:cSld>
+  <p:clrMapOvr>
+    <a:masterClrMapping/>
+  </p:clrMapOvr>
+</p:sld>
+</file>
+
+<file path=ppt/slides/slide8.xml><?xml version="1.0" encoding="utf-8"?>
+<p:sld xmlns:a="http://schemas.openxmlformats.org/drawingml/2006/main" xmlns:r="http://schemas.openxmlformats.org/officeDocument/2006/relationships" xmlns:p="http://schemas.openxmlformats.org/presentationml/2006/main">
+  <p:cSld>
+    <p:spTree>
+      <p:nvGrpSpPr>
+        <p:cNvPr id="1" name=""/>
+        <p:cNvGrpSpPr/>
+        <p:nvPr/>
+      </p:nvGrpSpPr>
+      <p:grpSpPr>
+        <a:xfrm>
+          <a:off x="0" y="0"/>
+          <a:ext cx="0" cy="0"/>
+          <a:chOff x="0" y="0"/>
+          <a:chExt cx="0" cy="0"/>
+        </a:xfrm>
+      </p:grpSpPr>
+      <p:sp>
+        <p:nvSpPr>
+          <p:cNvPr id="2" name="Title 1">
+            <a:extLst>
+              <a:ext uri="{FF2B5EF4-FFF2-40B4-BE49-F238E27FC236}">
+                <a16:creationId xmlns:a16="http://schemas.microsoft.com/office/drawing/2014/main" id="{6D9D6EBD-320C-4A4B-AD52-D59620EC18B5}"/>
+              </a:ext>
+            </a:extLst>
+          </p:cNvPr>
+          <p:cNvSpPr>
+            <a:spLocks noGrp="1"/>
+          </p:cNvSpPr>
+          <p:nvPr>
+            <p:ph type="title"/>
+          </p:nvPr>
+        </p:nvSpPr>
+        <p:spPr/>
+        <p:txBody>
+          <a:bodyPr/>
+          <a:lstStyle/>
+          <a:p>
+            <a:r>
+              <a:rPr lang="en-US" dirty="0"/>
+              <a:t>Representing data in memory</a:t>
+            </a:r>
+          </a:p>
+        </p:txBody>
+      </p:sp>
+      <mc:AlternateContent xmlns:mc="http://schemas.openxmlformats.org/markup-compatibility/2006">
+        <mc:Choice xmlns:a14="http://schemas.microsoft.com/office/drawing/2010/main" Requires="a14">
+          <p:sp>
+            <p:nvSpPr>
+              <p:cNvPr id="3" name="Content Placeholder 2">
+                <a:extLst>
+                  <a:ext uri="{FF2B5EF4-FFF2-40B4-BE49-F238E27FC236}">
+                    <a16:creationId xmlns:a16="http://schemas.microsoft.com/office/drawing/2014/main" id="{FCE79966-8E7E-3F4B-904A-D25B04BFFC66}"/>
+                  </a:ext>
+                </a:extLst>
+              </p:cNvPr>
+              <p:cNvSpPr>
+                <a:spLocks noGrp="1"/>
+              </p:cNvSpPr>
+              <p:nvPr>
+                <p:ph idx="1"/>
+              </p:nvPr>
+            </p:nvSpPr>
+            <p:spPr>
+              <a:xfrm>
+                <a:off x="838200" y="1511808"/>
+                <a:ext cx="10658856" cy="4791456"/>
+              </a:xfrm>
+            </p:spPr>
+            <p:txBody>
+              <a:bodyPr>
+                <a:normAutofit fontScale="92500" lnSpcReduction="10000"/>
+              </a:bodyPr>
+              <a:lstStyle/>
+              <a:p>
+                <a:r>
+                  <a:rPr lang="en-US" dirty="0"/>
+                  <a:t>RAM is a sequence of discrete slots where we can stick</a:t>
+                </a:r>
+                <a:br>
+                  <a:rPr lang="en-US" dirty="0"/>
+                </a:br>
+                <a:r>
+                  <a:rPr lang="en-US" dirty="0"/>
+                  <a:t>values 0..255 called bytes; made up of 8 bits as </a:t>
+                </a:r>
+                <a14:m>
+                  <m:oMath xmlns:m="http://schemas.openxmlformats.org/officeDocument/2006/math">
+                    <m:sSup>
+                      <m:sSupPr>
+                        <m:ctrlPr>
+                          <a:rPr lang="en-US" b="0" i="1" smtClean="0">
+                            <a:latin typeface="Cambria Math" panose="02040503050406030204" pitchFamily="18" charset="0"/>
+                          </a:rPr>
+                        </m:ctrlPr>
+                      </m:sSupPr>
+                      <m:e>
+                        <m:r>
+                          <a:rPr lang="en-US" b="0" i="1" smtClean="0">
+                            <a:latin typeface="Cambria Math" panose="02040503050406030204" pitchFamily="18" charset="0"/>
+                          </a:rPr>
+                          <m:t>2</m:t>
+                        </m:r>
+                      </m:e>
+                      <m:sup>
+                        <m:r>
+                          <a:rPr lang="en-US" b="0" i="1" smtClean="0">
+                            <a:latin typeface="Cambria Math" panose="02040503050406030204" pitchFamily="18" charset="0"/>
+                          </a:rPr>
+                          <m:t>8</m:t>
+                        </m:r>
+                      </m:sup>
+                    </m:sSup>
+                  </m:oMath>
+                </a14:m>
+                <a:r>
+                  <a:rPr lang="en-US" dirty="0"/>
+                  <a:t>=256</a:t>
+                </a:r>
+              </a:p>
+              <a:p>
+                <a:r>
+                  <a:rPr lang="en-US" dirty="0"/>
+                  <a:t>Numbers, music, videos, text are all decomposed into one</a:t>
+                </a:r>
+                <a:br>
+                  <a:rPr lang="en-US" dirty="0"/>
+                </a:br>
+                <a:r>
+                  <a:rPr lang="en-US" dirty="0"/>
+                  <a:t>or more of these discrete bytes</a:t>
+                </a:r>
+              </a:p>
+              <a:p>
+                <a:r>
+                  <a:rPr lang="en-US" dirty="0"/>
+                  <a:t>Data elements have </a:t>
+                </a:r>
+                <a:r>
+                  <a:rPr lang="en-US" i="1" dirty="0"/>
+                  <a:t>values</a:t>
+                </a:r>
+                <a:r>
+                  <a:rPr lang="en-US" dirty="0"/>
+                  <a:t> and </a:t>
+                </a:r>
+                <a:r>
+                  <a:rPr lang="en-US" i="1" dirty="0"/>
+                  <a:t>types</a:t>
+                </a:r>
+              </a:p>
+              <a:p>
+                <a:pPr lvl="1"/>
+                <a:r>
+                  <a:rPr lang="en-US" dirty="0"/>
+                  <a:t>integer 32</a:t>
+                </a:r>
+              </a:p>
+              <a:p>
+                <a:pPr lvl="1"/>
+                <a:r>
+                  <a:rPr lang="en-US" dirty="0"/>
+                  <a:t>string "hello"</a:t>
+                </a:r>
+              </a:p>
+              <a:p>
+                <a:pPr lvl="1"/>
+                <a:r>
+                  <a:rPr lang="en-US" dirty="0"/>
+                  <a:t>floating point real number 3.14159</a:t>
+                </a:r>
+              </a:p>
+              <a:p>
+                <a:r>
+                  <a:rPr lang="en-US" dirty="0"/>
+                  <a:t>A special element called a </a:t>
+                </a:r>
+                <a:r>
+                  <a:rPr lang="en-US" i="1" dirty="0"/>
+                  <a:t>pointer</a:t>
+                </a:r>
+                <a:r>
+                  <a:rPr lang="en-US" dirty="0"/>
+                  <a:t> or </a:t>
+                </a:r>
+                <a:r>
+                  <a:rPr lang="en-US" i="1" dirty="0"/>
+                  <a:t>reference</a:t>
+                </a:r>
+                <a:r>
+                  <a:rPr lang="en-US" dirty="0"/>
+                  <a:t> refers to another element; like a phone number "points at" a person but isn't a person</a:t>
+                </a:r>
+              </a:p>
+              <a:p>
+                <a:r>
+                  <a:rPr lang="en-US" dirty="0"/>
+                  <a:t>We build data structures by combining and organizing data elements with references</a:t>
+                </a:r>
+              </a:p>
+            </p:txBody>
+          </p:sp>
+        </mc:Choice>
+        <mc:Fallback>
+          <p:sp>
+            <p:nvSpPr>
+              <p:cNvPr id="3" name="Content Placeholder 2">
+                <a:extLst>
+                  <a:ext uri="{FF2B5EF4-FFF2-40B4-BE49-F238E27FC236}">
+                    <a16:creationId xmlns:a16="http://schemas.microsoft.com/office/drawing/2014/main" id="{FCE79966-8E7E-3F4B-904A-D25B04BFFC66}"/>
+                  </a:ext>
+                </a:extLst>
+              </p:cNvPr>
+              <p:cNvSpPr>
+                <a:spLocks noGrp="1" noRot="1" noChangeAspect="1" noMove="1" noResize="1" noEditPoints="1" noAdjustHandles="1" noChangeArrowheads="1" noChangeShapeType="1" noTextEdit="1"/>
+              </p:cNvSpPr>
+              <p:nvPr>
+                <p:ph idx="1"/>
+              </p:nvPr>
+            </p:nvSpPr>
+            <p:spPr>
+              <a:xfrm>
+                <a:off x="838200" y="1511808"/>
+                <a:ext cx="10658856" cy="4791456"/>
+              </a:xfrm>
+              <a:blipFill>
+                <a:blip r:embed="rId2"/>
+                <a:stretch>
+                  <a:fillRect l="-952" t="-2910"/>
+                </a:stretch>
+              </a:blipFill>
+            </p:spPr>
+            <p:txBody>
+              <a:bodyPr/>
+              <a:lstStyle/>
+              <a:p>
+                <a:r>
+                  <a:rPr lang="en-US">
+                    <a:noFill/>
+                  </a:rPr>
+                  <a:t> </a:t>
+                </a:r>
+              </a:p>
+            </p:txBody>
+          </p:sp>
+        </mc:Fallback>
+      </mc:AlternateContent>
+      <p:pic>
+        <p:nvPicPr>
+          <p:cNvPr id="4" name="Picture 2">
+            <a:extLst>
+              <a:ext uri="{FF2B5EF4-FFF2-40B4-BE49-F238E27FC236}">
+                <a16:creationId xmlns:a16="http://schemas.microsoft.com/office/drawing/2014/main" id="{07173181-D384-3D44-8032-A0BDFCCF353D}"/>
+              </a:ext>
+            </a:extLst>
+          </p:cNvPr>
+          <p:cNvPicPr>
+            <a:picLocks noChangeAspect="1" noChangeArrowheads="1"/>
+          </p:cNvPicPr>
           <p:nvPr/>
-        </p:nvSpPr>
-        <p:spPr>
+        </p:nvPicPr>
+        <p:blipFill>
+          <a:blip r:embed="rId3">
+            <a:extLst>
+              <a:ext uri="{28A0092B-C50C-407E-A947-70E740481C1C}">
+                <a14:useLocalDpi xmlns:a14="http://schemas.microsoft.com/office/drawing/2010/main" val="0"/>
+              </a:ext>
+            </a:extLst>
+          </a:blip>
+          <a:srcRect/>
+          <a:stretch>
+            <a:fillRect/>
+          </a:stretch>
+        </p:blipFill>
+        <p:spPr bwMode="auto">
           <a:xfrm>
-            <a:off x="966141" y="2438888"/>
-            <a:ext cx="5804310" cy="1569660"/>
+            <a:off x="11220266" y="828024"/>
+            <a:ext cx="832862" cy="2711350"/>
           </a:xfrm>
           <a:prstGeom prst="rect">
             <a:avLst/>
           </a:prstGeom>
           <a:noFill/>
-          <a:ln>
-            <a:solidFill>
-              <a:schemeClr val="accent1"/>
-            </a:solidFill>
-          </a:ln>
+          <a:extLst>
+            <a:ext uri="{909E8E84-426E-40DD-AFC4-6F175D3DCCD1}">
+              <a14:hiddenFill xmlns:a14="http://schemas.microsoft.com/office/drawing/2010/main">
+                <a:solidFill>
+                  <a:srgbClr val="FFFFFF"/>
+                </a:solidFill>
+              </a14:hiddenFill>
+            </a:ext>
+          </a:extLst>
         </p:spPr>
-        <p:txBody>
-          <a:bodyPr wrap="square" rtlCol="0">
-            <a:spAutoFit/>
-          </a:bodyPr>
-          <a:lstStyle/>
-          <a:p>
-            <a:r>
-              <a:rPr lang="en-US" sz="2400" dirty="0">
-                <a:latin typeface="Monaco" charset="0"/>
-                <a:ea typeface="Monaco" charset="0"/>
-                <a:cs typeface="Monaco" charset="0"/>
-              </a:rPr>
-              <a:t>def walk(</a:t>
-            </a:r>
-            <a:r>
-              <a:rPr lang="en-US" sz="2400" dirty="0" err="1">
-                <a:latin typeface="Monaco" charset="0"/>
-                <a:ea typeface="Monaco" charset="0"/>
-                <a:cs typeface="Monaco" charset="0"/>
-              </a:rPr>
-              <a:t>A,nrows,ncols</a:t>
-            </a:r>
-            <a:r>
-              <a:rPr lang="en-US" sz="2400" dirty="0">
-                <a:latin typeface="Monaco" charset="0"/>
-                <a:ea typeface="Monaco" charset="0"/>
-                <a:cs typeface="Monaco" charset="0"/>
-              </a:rPr>
-              <a:t>):</a:t>
-            </a:r>
-          </a:p>
-          <a:p>
-            <a:r>
-              <a:rPr lang="en-US" sz="2400" dirty="0">
-                <a:latin typeface="Monaco" charset="0"/>
-                <a:ea typeface="Monaco" charset="0"/>
-                <a:cs typeface="Monaco" charset="0"/>
-              </a:rPr>
-              <a:t>    for </a:t>
-            </a:r>
-            <a:r>
-              <a:rPr lang="en-US" sz="2400" dirty="0" err="1">
-                <a:latin typeface="Monaco" charset="0"/>
-                <a:ea typeface="Monaco" charset="0"/>
-                <a:cs typeface="Monaco" charset="0"/>
-              </a:rPr>
-              <a:t>i</a:t>
-            </a:r>
-            <a:r>
-              <a:rPr lang="en-US" sz="2400" dirty="0">
-                <a:latin typeface="Monaco" charset="0"/>
-                <a:ea typeface="Monaco" charset="0"/>
-                <a:cs typeface="Monaco" charset="0"/>
-              </a:rPr>
-              <a:t> in range(</a:t>
-            </a:r>
-            <a:r>
-              <a:rPr lang="en-US" sz="2400" dirty="0" err="1">
-                <a:latin typeface="Monaco" charset="0"/>
-                <a:ea typeface="Monaco" charset="0"/>
-                <a:cs typeface="Monaco" charset="0"/>
-              </a:rPr>
-              <a:t>nrows</a:t>
-            </a:r>
-            <a:r>
-              <a:rPr lang="en-US" sz="2400" dirty="0">
-                <a:latin typeface="Monaco" charset="0"/>
-                <a:ea typeface="Monaco" charset="0"/>
-                <a:cs typeface="Monaco" charset="0"/>
-              </a:rPr>
-              <a:t>):</a:t>
-            </a:r>
-          </a:p>
-          <a:p>
-            <a:r>
-              <a:rPr lang="en-US" sz="2400" dirty="0">
-                <a:latin typeface="Monaco" charset="0"/>
-                <a:ea typeface="Monaco" charset="0"/>
-                <a:cs typeface="Monaco" charset="0"/>
-              </a:rPr>
-              <a:t>        for j in range(</a:t>
-            </a:r>
-            <a:r>
-              <a:rPr lang="en-US" sz="2400" dirty="0" err="1">
-                <a:latin typeface="Monaco" charset="0"/>
-                <a:ea typeface="Monaco" charset="0"/>
-                <a:cs typeface="Monaco" charset="0"/>
-              </a:rPr>
-              <a:t>ncols</a:t>
-            </a:r>
-            <a:r>
-              <a:rPr lang="en-US" sz="2400" dirty="0">
-                <a:latin typeface="Monaco" charset="0"/>
-                <a:ea typeface="Monaco" charset="0"/>
-                <a:cs typeface="Monaco" charset="0"/>
-              </a:rPr>
-              <a:t>):</a:t>
-            </a:r>
-          </a:p>
-          <a:p>
-            <a:r>
-              <a:rPr lang="en-US" sz="2400" dirty="0">
-                <a:latin typeface="Monaco" charset="0"/>
-                <a:ea typeface="Monaco" charset="0"/>
-                <a:cs typeface="Monaco" charset="0"/>
-              </a:rPr>
-              <a:t>            # process A[</a:t>
-            </a:r>
-            <a:r>
-              <a:rPr lang="en-US" sz="2400" dirty="0" err="1">
-                <a:latin typeface="Monaco" charset="0"/>
-                <a:ea typeface="Monaco" charset="0"/>
-                <a:cs typeface="Monaco" charset="0"/>
-              </a:rPr>
-              <a:t>i</a:t>
-            </a:r>
-            <a:r>
-              <a:rPr lang="en-US" sz="2400" dirty="0">
-                <a:latin typeface="Monaco" charset="0"/>
-                <a:ea typeface="Monaco" charset="0"/>
-                <a:cs typeface="Monaco" charset="0"/>
-              </a:rPr>
-              <a:t>][j]</a:t>
-            </a:r>
-          </a:p>
-        </p:txBody>
-      </p:sp>
+      </p:pic>
+      <p:pic>
+        <p:nvPicPr>
+          <p:cNvPr id="5" name="Picture 4">
+            <a:extLst>
+              <a:ext uri="{FF2B5EF4-FFF2-40B4-BE49-F238E27FC236}">
+                <a16:creationId xmlns:a16="http://schemas.microsoft.com/office/drawing/2014/main" id="{D9FC42A6-0739-2E4C-93EF-F4CB1040881A}"/>
+              </a:ext>
+            </a:extLst>
+          </p:cNvPr>
+          <p:cNvPicPr>
+            <a:picLocks noChangeAspect="1" noChangeArrowheads="1"/>
+          </p:cNvPicPr>
+          <p:nvPr/>
+        </p:nvPicPr>
+        <p:blipFill>
+          <a:blip r:embed="rId4">
+            <a:extLst>
+              <a:ext uri="{28A0092B-C50C-407E-A947-70E740481C1C}">
+                <a14:useLocalDpi xmlns:a14="http://schemas.microsoft.com/office/drawing/2010/main" val="0"/>
+              </a:ext>
+            </a:extLst>
+          </a:blip>
+          <a:srcRect/>
+          <a:stretch>
+            <a:fillRect/>
+          </a:stretch>
+        </p:blipFill>
+        <p:spPr bwMode="auto">
+          <a:xfrm>
+            <a:off x="9838106" y="828024"/>
+            <a:ext cx="1301117" cy="2558314"/>
+          </a:xfrm>
+          <a:prstGeom prst="rect">
+            <a:avLst/>
+          </a:prstGeom>
+          <a:noFill/>
+          <a:extLst>
+            <a:ext uri="{909E8E84-426E-40DD-AFC4-6F175D3DCCD1}">
+              <a14:hiddenFill xmlns:a14="http://schemas.microsoft.com/office/drawing/2010/main">
+                <a:solidFill>
+                  <a:srgbClr val="FFFFFF"/>
+                </a:solidFill>
+              </a14:hiddenFill>
+            </a:ext>
+          </a:extLst>
+        </p:spPr>
+      </p:pic>
     </p:spTree>
     <p:extLst>
       <p:ext uri="{BB962C8B-B14F-4D97-AF65-F5344CB8AC3E}">
-        <p14:creationId xmlns:p14="http://schemas.microsoft.com/office/powerpoint/2010/main" val="3002228280"/>
+        <p14:creationId xmlns:p14="http://schemas.microsoft.com/office/powerpoint/2010/main" val="3048066078"/>
+      </p:ext>
+    </p:extLst>
+  </p:cSld>
+  <p:clrMapOvr>
+    <a:masterClrMapping/>
+  </p:clrMapOvr>
+</p:sld>
+</file>
+
+<file path=ppt/slides/slide9.xml><?xml version="1.0" encoding="utf-8"?>
+<p:sld xmlns:a="http://schemas.openxmlformats.org/drawingml/2006/main" xmlns:r="http://schemas.openxmlformats.org/officeDocument/2006/relationships" xmlns:p="http://schemas.openxmlformats.org/presentationml/2006/main">
+  <p:cSld>
+    <p:spTree>
+      <p:nvGrpSpPr>
+        <p:cNvPr id="1" name=""/>
+        <p:cNvGrpSpPr/>
+        <p:nvPr/>
+      </p:nvGrpSpPr>
+      <p:grpSpPr>
+        <a:xfrm>
+          <a:off x="0" y="0"/>
+          <a:ext cx="0" cy="0"/>
+          <a:chOff x="0" y="0"/>
+          <a:chExt cx="0" cy="0"/>
+        </a:xfrm>
+      </p:grpSpPr>
+      <p:sp>
+        <p:nvSpPr>
+          <p:cNvPr id="2" name="Title 1">
+            <a:extLst>
+              <a:ext uri="{FF2B5EF4-FFF2-40B4-BE49-F238E27FC236}">
+                <a16:creationId xmlns:a16="http://schemas.microsoft.com/office/drawing/2014/main" id="{C24DF1C8-725A-6348-B9F3-D50DA63C0281}"/>
+              </a:ext>
+            </a:extLst>
+          </p:cNvPr>
+          <p:cNvSpPr>
+            <a:spLocks noGrp="1"/>
+          </p:cNvSpPr>
+          <p:nvPr>
+            <p:ph type="title"/>
+          </p:nvPr>
+        </p:nvSpPr>
+        <p:spPr/>
+        <p:txBody>
+          <a:bodyPr/>
+          <a:lstStyle/>
+          <a:p>
+            <a:r>
+              <a:rPr lang="en-US" dirty="0"/>
+              <a:t>Key size metrics</a:t>
+            </a:r>
+          </a:p>
+        </p:txBody>
+      </p:sp>
+      <mc:AlternateContent xmlns:mc="http://schemas.openxmlformats.org/markup-compatibility/2006">
+        <mc:Choice xmlns:a14="http://schemas.microsoft.com/office/drawing/2010/main" Requires="a14">
+          <p:sp>
+            <p:nvSpPr>
+              <p:cNvPr id="3" name="Content Placeholder 2">
+                <a:extLst>
+                  <a:ext uri="{FF2B5EF4-FFF2-40B4-BE49-F238E27FC236}">
+                    <a16:creationId xmlns:a16="http://schemas.microsoft.com/office/drawing/2014/main" id="{41A6537C-CE1C-EE4E-A32C-6A6B28459468}"/>
+                  </a:ext>
+                </a:extLst>
+              </p:cNvPr>
+              <p:cNvSpPr>
+                <a:spLocks noGrp="1"/>
+              </p:cNvSpPr>
+              <p:nvPr>
+                <p:ph idx="1"/>
+              </p:nvPr>
+            </p:nvSpPr>
+            <p:spPr/>
+            <p:txBody>
+              <a:bodyPr/>
+              <a:lstStyle/>
+              <a:p>
+                <a:r>
+                  <a:rPr lang="en-US" dirty="0"/>
+                  <a:t>Know these units; as data scientists, you need to know whether a data set fits in memory or whether it fits on the disk or even how long it will take to transfer across the network</a:t>
+                </a:r>
+              </a:p>
+              <a:p>
+                <a:pPr lvl="1"/>
+                <a:r>
+                  <a:rPr lang="en-US" dirty="0"/>
+                  <a:t>Kilo. </a:t>
+                </a:r>
+                <a14:m>
+                  <m:oMath xmlns:m="http://schemas.openxmlformats.org/officeDocument/2006/math">
+                    <m:sSup>
+                      <m:sSupPr>
+                        <m:ctrlPr>
+                          <a:rPr lang="en-US" i="1" dirty="0" smtClean="0">
+                            <a:latin typeface="Cambria Math" panose="02040503050406030204" pitchFamily="18" charset="0"/>
+                          </a:rPr>
+                        </m:ctrlPr>
+                      </m:sSupPr>
+                      <m:e>
+                        <m:r>
+                          <a:rPr lang="en-US" i="1" dirty="0" smtClean="0">
+                            <a:latin typeface="Cambria Math" panose="02040503050406030204" pitchFamily="18" charset="0"/>
+                          </a:rPr>
+                          <m:t>10</m:t>
+                        </m:r>
+                      </m:e>
+                      <m:sup>
+                        <m:r>
+                          <a:rPr lang="en-US" i="1" dirty="0" smtClean="0">
+                            <a:latin typeface="Cambria Math" panose="02040503050406030204" pitchFamily="18" charset="0"/>
+                          </a:rPr>
+                          <m:t>3</m:t>
+                        </m:r>
+                      </m:sup>
+                    </m:sSup>
+                  </m:oMath>
+                </a14:m>
+                <a:r>
+                  <a:rPr lang="en-US" dirty="0"/>
+                  <a:t> = 1,000 or often </a:t>
+                </a:r>
+                <a14:m>
+                  <m:oMath xmlns:m="http://schemas.openxmlformats.org/officeDocument/2006/math">
+                    <m:sSup>
+                      <m:sSupPr>
+                        <m:ctrlPr>
+                          <a:rPr lang="en-US" i="1" dirty="0" smtClean="0">
+                            <a:latin typeface="Cambria Math" panose="02040503050406030204" pitchFamily="18" charset="0"/>
+                          </a:rPr>
+                        </m:ctrlPr>
+                      </m:sSupPr>
+                      <m:e>
+                        <m:r>
+                          <a:rPr lang="en-US" i="1" dirty="0" smtClean="0">
+                            <a:latin typeface="Cambria Math" panose="02040503050406030204" pitchFamily="18" charset="0"/>
+                          </a:rPr>
+                          <m:t>2</m:t>
+                        </m:r>
+                      </m:e>
+                      <m:sup>
+                        <m:r>
+                          <a:rPr lang="en-US" b="0" i="1" dirty="0" smtClean="0">
+                            <a:latin typeface="Cambria Math" panose="02040503050406030204" pitchFamily="18" charset="0"/>
+                          </a:rPr>
+                          <m:t>10</m:t>
+                        </m:r>
+                      </m:sup>
+                    </m:sSup>
+                  </m:oMath>
+                </a14:m>
+                <a:r>
+                  <a:rPr lang="en-US" dirty="0"/>
+                  <a:t> = 1024</a:t>
+                </a:r>
+              </a:p>
+              <a:p>
+                <a:pPr lvl="1"/>
+                <a:r>
+                  <a:rPr lang="en-US" dirty="0"/>
+                  <a:t>Mega. </a:t>
+                </a:r>
+                <a14:m>
+                  <m:oMath xmlns:m="http://schemas.openxmlformats.org/officeDocument/2006/math">
+                    <m:sSup>
+                      <m:sSupPr>
+                        <m:ctrlPr>
+                          <a:rPr lang="en-US" i="1" dirty="0" smtClean="0">
+                            <a:latin typeface="Cambria Math" panose="02040503050406030204" pitchFamily="18" charset="0"/>
+                          </a:rPr>
+                        </m:ctrlPr>
+                      </m:sSupPr>
+                      <m:e>
+                        <m:r>
+                          <a:rPr lang="en-US" i="1" dirty="0" smtClean="0">
+                            <a:latin typeface="Cambria Math" panose="02040503050406030204" pitchFamily="18" charset="0"/>
+                          </a:rPr>
+                          <m:t>10</m:t>
+                        </m:r>
+                      </m:e>
+                      <m:sup>
+                        <m:r>
+                          <a:rPr lang="en-US" i="1" dirty="0" smtClean="0">
+                            <a:latin typeface="Cambria Math" panose="02040503050406030204" pitchFamily="18" charset="0"/>
+                          </a:rPr>
+                          <m:t>6</m:t>
+                        </m:r>
+                      </m:sup>
+                    </m:sSup>
+                    <m:r>
+                      <a:rPr lang="en-US" i="1" dirty="0" smtClean="0">
+                        <a:latin typeface="Cambria Math" panose="02040503050406030204" pitchFamily="18" charset="0"/>
+                      </a:rPr>
+                      <m:t> </m:t>
+                    </m:r>
+                  </m:oMath>
+                </a14:m>
+                <a:r>
+                  <a:rPr lang="en-US" dirty="0"/>
+                  <a:t>= 1,000,000</a:t>
+                </a:r>
+              </a:p>
+              <a:p>
+                <a:pPr lvl="1"/>
+                <a:r>
+                  <a:rPr lang="en-US" dirty="0"/>
+                  <a:t>Giga. </a:t>
+                </a:r>
+                <a14:m>
+                  <m:oMath xmlns:m="http://schemas.openxmlformats.org/officeDocument/2006/math">
+                    <m:sSup>
+                      <m:sSupPr>
+                        <m:ctrlPr>
+                          <a:rPr lang="en-US" i="1" dirty="0" smtClean="0">
+                            <a:latin typeface="Cambria Math" panose="02040503050406030204" pitchFamily="18" charset="0"/>
+                          </a:rPr>
+                        </m:ctrlPr>
+                      </m:sSupPr>
+                      <m:e>
+                        <m:r>
+                          <a:rPr lang="en-US" i="1" dirty="0" smtClean="0">
+                            <a:latin typeface="Cambria Math" panose="02040503050406030204" pitchFamily="18" charset="0"/>
+                          </a:rPr>
+                          <m:t>10</m:t>
+                        </m:r>
+                      </m:e>
+                      <m:sup>
+                        <m:r>
+                          <a:rPr lang="en-US" i="1" dirty="0" smtClean="0">
+                            <a:latin typeface="Cambria Math" panose="02040503050406030204" pitchFamily="18" charset="0"/>
+                          </a:rPr>
+                          <m:t>9</m:t>
+                        </m:r>
+                      </m:sup>
+                    </m:sSup>
+                  </m:oMath>
+                </a14:m>
+                <a:r>
+                  <a:rPr lang="en-US" dirty="0"/>
+                  <a:t> = 1,000,000,000</a:t>
+                </a:r>
+              </a:p>
+              <a:p>
+                <a:pPr lvl="1"/>
+                <a:r>
+                  <a:rPr lang="en-US" dirty="0"/>
+                  <a:t>Tera. </a:t>
+                </a:r>
+                <a14:m>
+                  <m:oMath xmlns:m="http://schemas.openxmlformats.org/officeDocument/2006/math">
+                    <m:sSup>
+                      <m:sSupPr>
+                        <m:ctrlPr>
+                          <a:rPr lang="en-US" i="1" dirty="0" smtClean="0">
+                            <a:latin typeface="Cambria Math" panose="02040503050406030204" pitchFamily="18" charset="0"/>
+                          </a:rPr>
+                        </m:ctrlPr>
+                      </m:sSupPr>
+                      <m:e>
+                        <m:r>
+                          <a:rPr lang="en-US" i="1" dirty="0" smtClean="0">
+                            <a:latin typeface="Cambria Math" panose="02040503050406030204" pitchFamily="18" charset="0"/>
+                          </a:rPr>
+                          <m:t>10</m:t>
+                        </m:r>
+                      </m:e>
+                      <m:sup>
+                        <m:r>
+                          <a:rPr lang="en-US" i="1" dirty="0" smtClean="0">
+                            <a:latin typeface="Cambria Math" panose="02040503050406030204" pitchFamily="18" charset="0"/>
+                          </a:rPr>
+                          <m:t>12</m:t>
+                        </m:r>
+                      </m:sup>
+                    </m:sSup>
+                    <m:r>
+                      <a:rPr lang="en-US" i="1" dirty="0" smtClean="0">
+                        <a:latin typeface="Cambria Math" panose="02040503050406030204" pitchFamily="18" charset="0"/>
+                      </a:rPr>
+                      <m:t> </m:t>
+                    </m:r>
+                  </m:oMath>
+                </a14:m>
+                <a:r>
+                  <a:rPr lang="en-US" dirty="0"/>
+                  <a:t>= 1,000,000,000,000</a:t>
+                </a:r>
+              </a:p>
+              <a:p>
+                <a:r>
+                  <a:rPr lang="en-US" dirty="0"/>
+                  <a:t>On an 80 megabits/second network you can transfer 10 megabytes/second; 100M file transmits then in 10 seconds</a:t>
+                </a:r>
+              </a:p>
+            </p:txBody>
+          </p:sp>
+        </mc:Choice>
+        <mc:Fallback>
+          <p:sp>
+            <p:nvSpPr>
+              <p:cNvPr id="3" name="Content Placeholder 2">
+                <a:extLst>
+                  <a:ext uri="{FF2B5EF4-FFF2-40B4-BE49-F238E27FC236}">
+                    <a16:creationId xmlns:a16="http://schemas.microsoft.com/office/drawing/2014/main" id="{41A6537C-CE1C-EE4E-A32C-6A6B28459468}"/>
+                  </a:ext>
+                </a:extLst>
+              </p:cNvPr>
+              <p:cNvSpPr>
+                <a:spLocks noGrp="1" noRot="1" noChangeAspect="1" noMove="1" noResize="1" noEditPoints="1" noAdjustHandles="1" noChangeArrowheads="1" noChangeShapeType="1" noTextEdit="1"/>
+              </p:cNvSpPr>
+              <p:nvPr>
+                <p:ph idx="1"/>
+              </p:nvPr>
+            </p:nvSpPr>
+            <p:spPr>
+              <a:blipFill>
+                <a:blip r:embed="rId2"/>
+                <a:stretch>
+                  <a:fillRect l="-1086" t="-2326" r="-1086"/>
+                </a:stretch>
+              </a:blipFill>
+            </p:spPr>
+            <p:txBody>
+              <a:bodyPr/>
+              <a:lstStyle/>
+              <a:p>
+                <a:r>
+                  <a:rPr lang="en-US">
+                    <a:noFill/>
+                  </a:rPr>
+                  <a:t> </a:t>
+                </a:r>
+              </a:p>
+            </p:txBody>
+          </p:sp>
+        </mc:Fallback>
+      </mc:AlternateContent>
+    </p:spTree>
+    <p:extLst>
+      <p:ext uri="{BB962C8B-B14F-4D97-AF65-F5344CB8AC3E}">
+        <p14:creationId xmlns:p14="http://schemas.microsoft.com/office/powerpoint/2010/main" val="2485434514"/>
       </p:ext>
     </p:extLst>
   </p:cSld>

--- a/slides/intro-programming.pptx
+++ b/slides/intro-programming.pptx
@@ -5,10 +5,10 @@
     <p:sldMasterId id="2147483672" r:id="rId1"/>
   </p:sldMasterIdLst>
   <p:notesMasterIdLst>
-    <p:notesMasterId r:id="rId20"/>
+    <p:notesMasterId r:id="rId23"/>
   </p:notesMasterIdLst>
   <p:handoutMasterIdLst>
-    <p:handoutMasterId r:id="rId21"/>
+    <p:handoutMasterId r:id="rId24"/>
   </p:handoutMasterIdLst>
   <p:sldIdLst>
     <p:sldId id="256" r:id="rId2"/>
@@ -17,18 +17,21 @@
     <p:sldId id="292" r:id="rId5"/>
     <p:sldId id="289" r:id="rId6"/>
     <p:sldId id="294" r:id="rId7"/>
-    <p:sldId id="296" r:id="rId8"/>
-    <p:sldId id="297" r:id="rId9"/>
-    <p:sldId id="298" r:id="rId10"/>
-    <p:sldId id="299" r:id="rId11"/>
-    <p:sldId id="300" r:id="rId12"/>
-    <p:sldId id="301" r:id="rId13"/>
-    <p:sldId id="302" r:id="rId14"/>
-    <p:sldId id="303" r:id="rId15"/>
-    <p:sldId id="304" r:id="rId16"/>
-    <p:sldId id="305" r:id="rId17"/>
-    <p:sldId id="306" r:id="rId18"/>
-    <p:sldId id="307" r:id="rId19"/>
+    <p:sldId id="308" r:id="rId8"/>
+    <p:sldId id="296" r:id="rId9"/>
+    <p:sldId id="310" r:id="rId10"/>
+    <p:sldId id="297" r:id="rId11"/>
+    <p:sldId id="298" r:id="rId12"/>
+    <p:sldId id="299" r:id="rId13"/>
+    <p:sldId id="300" r:id="rId14"/>
+    <p:sldId id="301" r:id="rId15"/>
+    <p:sldId id="302" r:id="rId16"/>
+    <p:sldId id="303" r:id="rId17"/>
+    <p:sldId id="309" r:id="rId18"/>
+    <p:sldId id="304" r:id="rId19"/>
+    <p:sldId id="305" r:id="rId20"/>
+    <p:sldId id="306" r:id="rId21"/>
+    <p:sldId id="307" r:id="rId22"/>
   </p:sldIdLst>
   <p:sldSz cx="12192000" cy="6858000"/>
   <p:notesSz cx="9144000" cy="6858000"/>
@@ -223,7 +226,7 @@
           <a:p>
             <a:fld id="{8A1B613A-EFF1-404F-BEE8-EFAE84A4E5E2}" type="datetimeFigureOut">
               <a:rPr lang="en-US" smtClean="0"/>
-              <a:t>5/31/21</a:t>
+              <a:t>6/3/21</a:t>
             </a:fld>
             <a:endParaRPr lang="en-US"/>
           </a:p>
@@ -388,7 +391,7 @@
           <a:p>
             <a:fld id="{690847EA-AC25-3D4E-89E1-FD3F6A9702B6}" type="datetimeFigureOut">
               <a:rPr lang="en-US" smtClean="0"/>
-              <a:t>5/31/21</a:t>
+              <a:t>6/3/21</a:t>
             </a:fld>
             <a:endParaRPr lang="en-US"/>
           </a:p>
@@ -802,7 +805,7 @@
           <a:p>
             <a:fld id="{BE5295ED-3BAF-1140-8495-3D368771D6B1}" type="datetimeFigureOut">
               <a:rPr lang="en-US" smtClean="0"/>
-              <a:t>5/31/21</a:t>
+              <a:t>6/3/21</a:t>
             </a:fld>
             <a:endParaRPr lang="en-US"/>
           </a:p>
@@ -1000,7 +1003,7 @@
           <a:p>
             <a:fld id="{BE5295ED-3BAF-1140-8495-3D368771D6B1}" type="datetimeFigureOut">
               <a:rPr lang="en-US" smtClean="0"/>
-              <a:t>5/31/21</a:t>
+              <a:t>6/3/21</a:t>
             </a:fld>
             <a:endParaRPr lang="en-US"/>
           </a:p>
@@ -1208,7 +1211,7 @@
           <a:p>
             <a:fld id="{BE5295ED-3BAF-1140-8495-3D368771D6B1}" type="datetimeFigureOut">
               <a:rPr lang="en-US" smtClean="0"/>
-              <a:t>5/31/21</a:t>
+              <a:t>6/3/21</a:t>
             </a:fld>
             <a:endParaRPr lang="en-US"/>
           </a:p>
@@ -1406,7 +1409,7 @@
           <a:p>
             <a:fld id="{BE5295ED-3BAF-1140-8495-3D368771D6B1}" type="datetimeFigureOut">
               <a:rPr lang="en-US" smtClean="0"/>
-              <a:t>5/31/21</a:t>
+              <a:t>6/3/21</a:t>
             </a:fld>
             <a:endParaRPr lang="en-US"/>
           </a:p>
@@ -1681,7 +1684,7 @@
           <a:p>
             <a:fld id="{BE5295ED-3BAF-1140-8495-3D368771D6B1}" type="datetimeFigureOut">
               <a:rPr lang="en-US" smtClean="0"/>
-              <a:t>5/31/21</a:t>
+              <a:t>6/3/21</a:t>
             </a:fld>
             <a:endParaRPr lang="en-US"/>
           </a:p>
@@ -1946,7 +1949,7 @@
           <a:p>
             <a:fld id="{BE5295ED-3BAF-1140-8495-3D368771D6B1}" type="datetimeFigureOut">
               <a:rPr lang="en-US" smtClean="0"/>
-              <a:t>5/31/21</a:t>
+              <a:t>6/3/21</a:t>
             </a:fld>
             <a:endParaRPr lang="en-US"/>
           </a:p>
@@ -2358,7 +2361,7 @@
           <a:p>
             <a:fld id="{BE5295ED-3BAF-1140-8495-3D368771D6B1}" type="datetimeFigureOut">
               <a:rPr lang="en-US" smtClean="0"/>
-              <a:t>5/31/21</a:t>
+              <a:t>6/3/21</a:t>
             </a:fld>
             <a:endParaRPr lang="en-US"/>
           </a:p>
@@ -2499,7 +2502,7 @@
           <a:p>
             <a:fld id="{BE5295ED-3BAF-1140-8495-3D368771D6B1}" type="datetimeFigureOut">
               <a:rPr lang="en-US" smtClean="0"/>
-              <a:t>5/31/21</a:t>
+              <a:t>6/3/21</a:t>
             </a:fld>
             <a:endParaRPr lang="en-US"/>
           </a:p>
@@ -2612,7 +2615,7 @@
           <a:p>
             <a:fld id="{BE5295ED-3BAF-1140-8495-3D368771D6B1}" type="datetimeFigureOut">
               <a:rPr lang="en-US" smtClean="0"/>
-              <a:t>5/31/21</a:t>
+              <a:t>6/3/21</a:t>
             </a:fld>
             <a:endParaRPr lang="en-US"/>
           </a:p>
@@ -2923,7 +2926,7 @@
           <a:p>
             <a:fld id="{BE5295ED-3BAF-1140-8495-3D368771D6B1}" type="datetimeFigureOut">
               <a:rPr lang="en-US" smtClean="0"/>
-              <a:t>5/31/21</a:t>
+              <a:t>6/3/21</a:t>
             </a:fld>
             <a:endParaRPr lang="en-US"/>
           </a:p>
@@ -3214,7 +3217,7 @@
           <a:p>
             <a:fld id="{BE5295ED-3BAF-1140-8495-3D368771D6B1}" type="datetimeFigureOut">
               <a:rPr lang="en-US" smtClean="0"/>
-              <a:t>5/31/21</a:t>
+              <a:t>6/3/21</a:t>
             </a:fld>
             <a:endParaRPr lang="en-US"/>
           </a:p>
@@ -3455,7 +3458,7 @@
           <a:p>
             <a:fld id="{BE5295ED-3BAF-1140-8495-3D368771D6B1}" type="datetimeFigureOut">
               <a:rPr lang="en-US" smtClean="0"/>
-              <a:t>5/31/21</a:t>
+              <a:t>6/3/21</a:t>
             </a:fld>
             <a:endParaRPr lang="en-US"/>
           </a:p>
@@ -4050,7 +4053,7 @@
           <p:cNvPr id="2" name="Title 1">
             <a:extLst>
               <a:ext uri="{FF2B5EF4-FFF2-40B4-BE49-F238E27FC236}">
-                <a16:creationId xmlns:a16="http://schemas.microsoft.com/office/drawing/2014/main" id="{798830FE-33B5-8D47-9458-384B38DE602A}"/>
+                <a16:creationId xmlns:a16="http://schemas.microsoft.com/office/drawing/2014/main" id="{6D9D6EBD-320C-4A4B-AD52-D59620EC18B5}"/>
               </a:ext>
             </a:extLst>
           </p:cNvPr>
@@ -4065,3175 +4068,16 @@
         <p:txBody>
           <a:bodyPr/>
           <a:lstStyle/>
-          <a:p>
-            <a:r>
-              <a:rPr lang="en-US" dirty="0"/>
-              <a:t>Programming language view of memory</a:t>
-            </a:r>
-          </a:p>
-        </p:txBody>
-      </p:sp>
-      <p:sp>
-        <p:nvSpPr>
-          <p:cNvPr id="3" name="Content Placeholder 2">
-            <a:extLst>
-              <a:ext uri="{FF2B5EF4-FFF2-40B4-BE49-F238E27FC236}">
-                <a16:creationId xmlns:a16="http://schemas.microsoft.com/office/drawing/2014/main" id="{5F9979E1-8F9B-D940-84C2-9C4BD71AA369}"/>
-              </a:ext>
-            </a:extLst>
-          </p:cNvPr>
-          <p:cNvSpPr>
-            <a:spLocks noGrp="1"/>
-          </p:cNvSpPr>
-          <p:nvPr>
-            <p:ph idx="1"/>
-          </p:nvPr>
-        </p:nvSpPr>
-        <p:spPr/>
-        <p:txBody>
-          <a:bodyPr/>
-          <a:lstStyle/>
-          <a:p>
-            <a:r>
-              <a:rPr lang="en-US" dirty="0"/>
-              <a:t>Dealing with bytes is tedious; we prefer to group bytes into higher-level values, such as numbers and strings</a:t>
-            </a:r>
-          </a:p>
-          <a:p>
-            <a:endParaRPr lang="en-US" dirty="0"/>
-          </a:p>
-        </p:txBody>
-      </p:sp>
-      <p:pic>
-        <p:nvPicPr>
-          <p:cNvPr id="9" name="Picture 8">
-            <a:extLst>
-              <a:ext uri="{FF2B5EF4-FFF2-40B4-BE49-F238E27FC236}">
-                <a16:creationId xmlns:a16="http://schemas.microsoft.com/office/drawing/2014/main" id="{25BDCD72-5606-C44B-99AF-C4C9074CF068}"/>
-              </a:ext>
-            </a:extLst>
-          </p:cNvPr>
-          <p:cNvPicPr>
-            <a:picLocks noChangeAspect="1"/>
-          </p:cNvPicPr>
-          <p:nvPr/>
-        </p:nvPicPr>
-        <p:blipFill>
-          <a:blip r:embed="rId2"/>
-          <a:stretch>
-            <a:fillRect/>
-          </a:stretch>
-        </p:blipFill>
-        <p:spPr>
-          <a:xfrm>
-            <a:off x="7533642" y="4924393"/>
-            <a:ext cx="3238500" cy="1092200"/>
-          </a:xfrm>
-          <a:prstGeom prst="rect">
-            <a:avLst/>
-          </a:prstGeom>
-        </p:spPr>
-      </p:pic>
-      <p:pic>
-        <p:nvPicPr>
-          <p:cNvPr id="11" name="Picture 10">
-            <a:extLst>
-              <a:ext uri="{FF2B5EF4-FFF2-40B4-BE49-F238E27FC236}">
-                <a16:creationId xmlns:a16="http://schemas.microsoft.com/office/drawing/2014/main" id="{C591DE96-01B2-624C-94F2-1837B3B7A19D}"/>
-              </a:ext>
-            </a:extLst>
-          </p:cNvPr>
-          <p:cNvPicPr>
-            <a:picLocks noChangeAspect="1"/>
-          </p:cNvPicPr>
-          <p:nvPr/>
-        </p:nvPicPr>
-        <p:blipFill>
-          <a:blip r:embed="rId3"/>
-          <a:stretch>
-            <a:fillRect/>
-          </a:stretch>
-        </p:blipFill>
-        <p:spPr>
-          <a:xfrm>
-            <a:off x="1207515" y="3125723"/>
-            <a:ext cx="2833915" cy="1337129"/>
-          </a:xfrm>
-          <a:prstGeom prst="rect">
-            <a:avLst/>
-          </a:prstGeom>
-        </p:spPr>
-      </p:pic>
-      <p:pic>
-        <p:nvPicPr>
-          <p:cNvPr id="13" name="Picture 12">
-            <a:extLst>
-              <a:ext uri="{FF2B5EF4-FFF2-40B4-BE49-F238E27FC236}">
-                <a16:creationId xmlns:a16="http://schemas.microsoft.com/office/drawing/2014/main" id="{6324F51F-0644-9F48-85D6-CBFD038321F1}"/>
-              </a:ext>
-            </a:extLst>
-          </p:cNvPr>
-          <p:cNvPicPr>
-            <a:picLocks noChangeAspect="1"/>
-          </p:cNvPicPr>
-          <p:nvPr/>
-        </p:nvPicPr>
-        <p:blipFill>
-          <a:blip r:embed="rId4"/>
-          <a:stretch>
-            <a:fillRect/>
-          </a:stretch>
-        </p:blipFill>
-        <p:spPr>
-          <a:xfrm>
-            <a:off x="5568950" y="3125724"/>
-            <a:ext cx="1473200" cy="1244600"/>
-          </a:xfrm>
-          <a:prstGeom prst="rect">
-            <a:avLst/>
-          </a:prstGeom>
-        </p:spPr>
-      </p:pic>
-      <p:pic>
-        <p:nvPicPr>
-          <p:cNvPr id="15" name="Picture 14">
-            <a:extLst>
-              <a:ext uri="{FF2B5EF4-FFF2-40B4-BE49-F238E27FC236}">
-                <a16:creationId xmlns:a16="http://schemas.microsoft.com/office/drawing/2014/main" id="{8C659597-EC57-F64D-9853-ACECBF76705A}"/>
-              </a:ext>
-            </a:extLst>
-          </p:cNvPr>
-          <p:cNvPicPr>
-            <a:picLocks noChangeAspect="1"/>
-          </p:cNvPicPr>
-          <p:nvPr/>
-        </p:nvPicPr>
-        <p:blipFill>
-          <a:blip r:embed="rId5"/>
-          <a:stretch>
-            <a:fillRect/>
-          </a:stretch>
-        </p:blipFill>
-        <p:spPr>
-          <a:xfrm>
-            <a:off x="1219708" y="4823587"/>
-            <a:ext cx="3113314" cy="977900"/>
-          </a:xfrm>
-          <a:prstGeom prst="rect">
-            <a:avLst/>
-          </a:prstGeom>
-        </p:spPr>
-      </p:pic>
-      <p:pic>
-        <p:nvPicPr>
-          <p:cNvPr id="17" name="Picture 16">
-            <a:extLst>
-              <a:ext uri="{FF2B5EF4-FFF2-40B4-BE49-F238E27FC236}">
-                <a16:creationId xmlns:a16="http://schemas.microsoft.com/office/drawing/2014/main" id="{E2BC623C-C63C-0E47-B4AC-779CAF7855E4}"/>
-              </a:ext>
-            </a:extLst>
-          </p:cNvPr>
-          <p:cNvPicPr>
-            <a:picLocks noChangeAspect="1"/>
-          </p:cNvPicPr>
-          <p:nvPr/>
-        </p:nvPicPr>
-        <p:blipFill>
-          <a:blip r:embed="rId6"/>
-          <a:stretch>
-            <a:fillRect/>
-          </a:stretch>
-        </p:blipFill>
-        <p:spPr>
-          <a:xfrm>
-            <a:off x="5581142" y="4950587"/>
-            <a:ext cx="1676400" cy="850900"/>
-          </a:xfrm>
-          <a:prstGeom prst="rect">
-            <a:avLst/>
-          </a:prstGeom>
-        </p:spPr>
-      </p:pic>
-      <p:sp>
-        <p:nvSpPr>
-          <p:cNvPr id="18" name="TextBox 17">
-            <a:extLst>
-              <a:ext uri="{FF2B5EF4-FFF2-40B4-BE49-F238E27FC236}">
-                <a16:creationId xmlns:a16="http://schemas.microsoft.com/office/drawing/2014/main" id="{CE62E8F1-CF26-304B-96FB-08DB3391168E}"/>
-              </a:ext>
-            </a:extLst>
-          </p:cNvPr>
-          <p:cNvSpPr txBox="1"/>
-          <p:nvPr/>
-        </p:nvSpPr>
-        <p:spPr>
-          <a:xfrm>
-            <a:off x="8569670" y="2821011"/>
-            <a:ext cx="2443298" cy="461665"/>
-          </a:xfrm>
-          <a:prstGeom prst="rect">
-            <a:avLst/>
-          </a:prstGeom>
-          <a:noFill/>
-        </p:spPr>
-        <p:txBody>
-          <a:bodyPr wrap="none" rtlCol="0">
-            <a:spAutoFit/>
-          </a:bodyPr>
-          <a:lstStyle/>
-          <a:p>
-            <a:r>
-              <a:rPr lang="en-US" sz="2400" dirty="0"/>
-              <a:t>Might be 4 bytes</a:t>
-            </a:r>
-          </a:p>
-        </p:txBody>
-      </p:sp>
-      <p:cxnSp>
-        <p:nvCxnSpPr>
-          <p:cNvPr id="20" name="Straight Arrow Connector 19">
-            <a:extLst>
-              <a:ext uri="{FF2B5EF4-FFF2-40B4-BE49-F238E27FC236}">
-                <a16:creationId xmlns:a16="http://schemas.microsoft.com/office/drawing/2014/main" id="{B0500480-DF40-C34E-8ECF-B2FD7B0BA5C3}"/>
-              </a:ext>
-            </a:extLst>
-          </p:cNvPr>
-          <p:cNvCxnSpPr>
-            <a:cxnSpLocks/>
-            <a:stCxn id="18" idx="1"/>
-          </p:cNvCxnSpPr>
-          <p:nvPr/>
-        </p:nvCxnSpPr>
-        <p:spPr>
-          <a:xfrm flipH="1">
-            <a:off x="7042150" y="3051844"/>
-            <a:ext cx="1527520" cy="594490"/>
-          </a:xfrm>
-          <a:prstGeom prst="straightConnector1">
-            <a:avLst/>
-          </a:prstGeom>
-          <a:ln>
-            <a:tailEnd type="triangle"/>
-          </a:ln>
-        </p:spPr>
-        <p:style>
-          <a:lnRef idx="1">
-            <a:schemeClr val="accent1"/>
-          </a:lnRef>
-          <a:fillRef idx="0">
-            <a:schemeClr val="accent1"/>
-          </a:fillRef>
-          <a:effectRef idx="0">
-            <a:schemeClr val="accent1"/>
-          </a:effectRef>
-          <a:fontRef idx="minor">
-            <a:schemeClr val="tx1"/>
-          </a:fontRef>
-        </p:style>
-      </p:cxnSp>
-      <p:cxnSp>
-        <p:nvCxnSpPr>
-          <p:cNvPr id="22" name="Straight Arrow Connector 21">
-            <a:extLst>
-              <a:ext uri="{FF2B5EF4-FFF2-40B4-BE49-F238E27FC236}">
-                <a16:creationId xmlns:a16="http://schemas.microsoft.com/office/drawing/2014/main" id="{4437DA76-B346-6C40-A9BB-C9EBF55D2137}"/>
-              </a:ext>
-            </a:extLst>
-          </p:cNvPr>
-          <p:cNvCxnSpPr>
-            <a:cxnSpLocks/>
-            <a:stCxn id="18" idx="1"/>
-          </p:cNvCxnSpPr>
-          <p:nvPr/>
-        </p:nvCxnSpPr>
-        <p:spPr>
-          <a:xfrm flipH="1">
-            <a:off x="7042150" y="3051844"/>
-            <a:ext cx="1527520" cy="1056860"/>
-          </a:xfrm>
-          <a:prstGeom prst="straightConnector1">
-            <a:avLst/>
-          </a:prstGeom>
-          <a:ln>
-            <a:tailEnd type="triangle"/>
-          </a:ln>
-        </p:spPr>
-        <p:style>
-          <a:lnRef idx="1">
-            <a:schemeClr val="accent1"/>
-          </a:lnRef>
-          <a:fillRef idx="0">
-            <a:schemeClr val="accent1"/>
-          </a:fillRef>
-          <a:effectRef idx="0">
-            <a:schemeClr val="accent1"/>
-          </a:effectRef>
-          <a:fontRef idx="minor">
-            <a:schemeClr val="tx1"/>
-          </a:fontRef>
-        </p:style>
-      </p:cxnSp>
-      <p:sp>
-        <p:nvSpPr>
-          <p:cNvPr id="25" name="TextBox 24">
-            <a:extLst>
-              <a:ext uri="{FF2B5EF4-FFF2-40B4-BE49-F238E27FC236}">
-                <a16:creationId xmlns:a16="http://schemas.microsoft.com/office/drawing/2014/main" id="{8EE529F3-391F-3F4B-8A47-F44BB9ABEB79}"/>
-              </a:ext>
-            </a:extLst>
-          </p:cNvPr>
-          <p:cNvSpPr txBox="1"/>
-          <p:nvPr/>
-        </p:nvSpPr>
-        <p:spPr>
-          <a:xfrm>
-            <a:off x="8569670" y="3637426"/>
-            <a:ext cx="3198311" cy="461665"/>
-          </a:xfrm>
-          <a:prstGeom prst="rect">
-            <a:avLst/>
-          </a:prstGeom>
-          <a:noFill/>
-        </p:spPr>
-        <p:txBody>
-          <a:bodyPr wrap="none" rtlCol="0">
-            <a:spAutoFit/>
-          </a:bodyPr>
-          <a:lstStyle/>
-          <a:p>
-            <a:r>
-              <a:rPr lang="en-US" sz="2400" dirty="0"/>
-              <a:t>5 bytes plus overhead</a:t>
-            </a:r>
-          </a:p>
-        </p:txBody>
-      </p:sp>
-      <p:cxnSp>
-        <p:nvCxnSpPr>
-          <p:cNvPr id="26" name="Straight Arrow Connector 25">
-            <a:extLst>
-              <a:ext uri="{FF2B5EF4-FFF2-40B4-BE49-F238E27FC236}">
-                <a16:creationId xmlns:a16="http://schemas.microsoft.com/office/drawing/2014/main" id="{C7F12E8F-64B3-784D-B96E-4C3CDEB7A021}"/>
-              </a:ext>
-            </a:extLst>
-          </p:cNvPr>
-          <p:cNvCxnSpPr>
-            <a:cxnSpLocks/>
-          </p:cNvCxnSpPr>
-          <p:nvPr/>
-        </p:nvCxnSpPr>
-        <p:spPr>
-          <a:xfrm>
-            <a:off x="9826280" y="4050062"/>
-            <a:ext cx="0" cy="1056860"/>
-          </a:xfrm>
-          <a:prstGeom prst="straightConnector1">
-            <a:avLst/>
-          </a:prstGeom>
-          <a:ln>
-            <a:tailEnd type="triangle"/>
-          </a:ln>
-        </p:spPr>
-        <p:style>
-          <a:lnRef idx="1">
-            <a:schemeClr val="accent1"/>
-          </a:lnRef>
-          <a:fillRef idx="0">
-            <a:schemeClr val="accent1"/>
-          </a:fillRef>
-          <a:effectRef idx="0">
-            <a:schemeClr val="accent1"/>
-          </a:effectRef>
-          <a:fontRef idx="minor">
-            <a:schemeClr val="tx1"/>
-          </a:fontRef>
-        </p:style>
-      </p:cxnSp>
-    </p:spTree>
-    <p:extLst>
-      <p:ext uri="{BB962C8B-B14F-4D97-AF65-F5344CB8AC3E}">
-        <p14:creationId xmlns:p14="http://schemas.microsoft.com/office/powerpoint/2010/main" val="2018532064"/>
-      </p:ext>
-    </p:extLst>
-  </p:cSld>
-  <p:clrMapOvr>
-    <a:masterClrMapping/>
-  </p:clrMapOvr>
-</p:sld>
-</file>
-
-<file path=ppt/slides/slide11.xml><?xml version="1.0" encoding="utf-8"?>
-<p:sld xmlns:a="http://schemas.openxmlformats.org/drawingml/2006/main" xmlns:r="http://schemas.openxmlformats.org/officeDocument/2006/relationships" xmlns:p="http://schemas.openxmlformats.org/presentationml/2006/main">
-  <p:cSld>
-    <p:spTree>
-      <p:nvGrpSpPr>
-        <p:cNvPr id="1" name=""/>
-        <p:cNvGrpSpPr/>
-        <p:nvPr/>
-      </p:nvGrpSpPr>
-      <p:grpSpPr>
-        <a:xfrm>
-          <a:off x="0" y="0"/>
-          <a:ext cx="0" cy="0"/>
-          <a:chOff x="0" y="0"/>
-          <a:chExt cx="0" cy="0"/>
-        </a:xfrm>
-      </p:grpSpPr>
-      <p:sp>
-        <p:nvSpPr>
-          <p:cNvPr id="2" name="Title 1">
-            <a:extLst>
-              <a:ext uri="{FF2B5EF4-FFF2-40B4-BE49-F238E27FC236}">
-                <a16:creationId xmlns:a16="http://schemas.microsoft.com/office/drawing/2014/main" id="{81E0659B-1A34-C94C-B2E9-82C82B5C4508}"/>
-              </a:ext>
-            </a:extLst>
-          </p:cNvPr>
-          <p:cNvSpPr>
-            <a:spLocks noGrp="1"/>
-          </p:cNvSpPr>
-          <p:nvPr>
-            <p:ph type="title"/>
-          </p:nvPr>
-        </p:nvSpPr>
-        <p:spPr>
-          <a:xfrm>
-            <a:off x="838200" y="365125"/>
-            <a:ext cx="10515600" cy="902843"/>
-          </a:xfrm>
-        </p:spPr>
-        <p:txBody>
-          <a:bodyPr/>
-          <a:lstStyle/>
-          <a:p>
-            <a:r>
-              <a:rPr lang="en-US" dirty="0"/>
-              <a:t>Lists of data elements</a:t>
-            </a:r>
-          </a:p>
-        </p:txBody>
-      </p:sp>
-      <p:sp>
-        <p:nvSpPr>
-          <p:cNvPr id="3" name="Content Placeholder 2">
-            <a:extLst>
-              <a:ext uri="{FF2B5EF4-FFF2-40B4-BE49-F238E27FC236}">
-                <a16:creationId xmlns:a16="http://schemas.microsoft.com/office/drawing/2014/main" id="{BEA1144E-D9E0-F74C-A64A-0D7C7BEB1AE4}"/>
-              </a:ext>
-            </a:extLst>
-          </p:cNvPr>
-          <p:cNvSpPr>
-            <a:spLocks noGrp="1"/>
-          </p:cNvSpPr>
-          <p:nvPr>
-            <p:ph idx="1"/>
-          </p:nvPr>
-        </p:nvSpPr>
-        <p:spPr>
-          <a:xfrm>
-            <a:off x="838200" y="1267968"/>
-            <a:ext cx="10515600" cy="4908995"/>
-          </a:xfrm>
-        </p:spPr>
-        <p:txBody>
-          <a:bodyPr>
-            <a:normAutofit lnSpcReduction="10000"/>
-          </a:bodyPr>
-          <a:lstStyle/>
-          <a:p>
-            <a:r>
-              <a:rPr lang="en-US" sz="2400" dirty="0"/>
-              <a:t>Most common </a:t>
-            </a:r>
-            <a:r>
-              <a:rPr lang="en-US" sz="2400" i="1" dirty="0"/>
-              <a:t>data structure</a:t>
-            </a:r>
-            <a:r>
-              <a:rPr lang="en-US" sz="2400" dirty="0"/>
-              <a:t> is the </a:t>
-            </a:r>
-            <a:r>
-              <a:rPr lang="en-US" sz="2400" b="1" dirty="0"/>
-              <a:t>list</a:t>
-            </a:r>
-            <a:r>
-              <a:rPr lang="en-US" sz="2400" dirty="0"/>
-              <a:t>, which is just a sequence of data elements or other data structures</a:t>
-            </a:r>
-            <a:br>
-              <a:rPr lang="en-US" sz="2400" dirty="0"/>
-            </a:br>
-            <a:br>
-              <a:rPr lang="en-US" sz="2400" dirty="0"/>
-            </a:br>
-            <a:br>
-              <a:rPr lang="en-US" sz="2400" dirty="0"/>
-            </a:br>
-            <a:br>
-              <a:rPr lang="en-US" sz="2400" dirty="0"/>
-            </a:br>
-            <a:br>
-              <a:rPr lang="en-US" sz="2400" dirty="0"/>
-            </a:br>
-            <a:br>
-              <a:rPr lang="en-US" sz="2400" dirty="0"/>
-            </a:br>
-            <a:br>
-              <a:rPr lang="en-US" sz="2400" dirty="0"/>
-            </a:br>
-            <a:br>
-              <a:rPr lang="en-US" sz="2400" dirty="0"/>
-            </a:br>
-            <a:endParaRPr lang="en-US" sz="2400" dirty="0"/>
-          </a:p>
-          <a:p>
-            <a:r>
-              <a:rPr lang="en-US" sz="2400" dirty="0"/>
-              <a:t>Indexed from 0 not 1 and list vars point at a chunk of memory holding the list elements contiguously (preserving the sequence order)</a:t>
-            </a:r>
-          </a:p>
-          <a:p>
-            <a:r>
-              <a:rPr lang="en-US" sz="2400" dirty="0"/>
-              <a:t>Access elements with index operator; e.g., </a:t>
-            </a:r>
-            <a:r>
-              <a:rPr lang="en-US" sz="2400" b="1" dirty="0"/>
-              <a:t>Names[0]</a:t>
-            </a:r>
-            <a:r>
-              <a:rPr lang="en-US" sz="2400" dirty="0"/>
-              <a:t> is '</a:t>
-            </a:r>
-            <a:r>
-              <a:rPr lang="en-US" sz="2400" b="1" dirty="0"/>
-              <a:t>Mary</a:t>
-            </a:r>
-            <a:r>
-              <a:rPr lang="en-US" sz="2400" dirty="0"/>
-              <a:t>' and</a:t>
-            </a:r>
-            <a:br>
-              <a:rPr lang="en-US" sz="2400" dirty="0"/>
-            </a:br>
-            <a:r>
-              <a:rPr lang="en-US" sz="2400" b="1" dirty="0"/>
-              <a:t>Quantity[4]</a:t>
-            </a:r>
-            <a:r>
-              <a:rPr lang="en-US" sz="2400" dirty="0"/>
-              <a:t> is 19</a:t>
-            </a:r>
-          </a:p>
-        </p:txBody>
-      </p:sp>
-      <p:pic>
-        <p:nvPicPr>
-          <p:cNvPr id="2056" name="Picture 8">
-            <a:extLst>
-              <a:ext uri="{FF2B5EF4-FFF2-40B4-BE49-F238E27FC236}">
-                <a16:creationId xmlns:a16="http://schemas.microsoft.com/office/drawing/2014/main" id="{B81272ED-006C-9A48-BEE6-BEEB9626223B}"/>
-              </a:ext>
-            </a:extLst>
-          </p:cNvPr>
-          <p:cNvPicPr>
-            <a:picLocks noChangeAspect="1" noChangeArrowheads="1"/>
-          </p:cNvPicPr>
-          <p:nvPr/>
-        </p:nvPicPr>
-        <p:blipFill>
-          <a:blip r:embed="rId2">
-            <a:extLst>
-              <a:ext uri="{28A0092B-C50C-407E-A947-70E740481C1C}">
-                <a14:useLocalDpi xmlns:a14="http://schemas.microsoft.com/office/drawing/2010/main" val="0"/>
-              </a:ext>
-            </a:extLst>
-          </a:blip>
-          <a:srcRect/>
-          <a:stretch>
-            <a:fillRect/>
-          </a:stretch>
-        </p:blipFill>
-        <p:spPr bwMode="auto">
-          <a:xfrm>
-            <a:off x="11105242" y="1642872"/>
-            <a:ext cx="947057" cy="3314700"/>
-          </a:xfrm>
-          <a:prstGeom prst="rect">
-            <a:avLst/>
-          </a:prstGeom>
-          <a:noFill/>
-          <a:extLst>
-            <a:ext uri="{909E8E84-426E-40DD-AFC4-6F175D3DCCD1}">
-              <a14:hiddenFill xmlns:a14="http://schemas.microsoft.com/office/drawing/2010/main">
-                <a:solidFill>
-                  <a:srgbClr val="FFFFFF"/>
-                </a:solidFill>
-              </a14:hiddenFill>
-            </a:ext>
-          </a:extLst>
-        </p:spPr>
-      </p:pic>
-      <p:pic>
-        <p:nvPicPr>
-          <p:cNvPr id="7" name="Picture 6">
-            <a:extLst>
-              <a:ext uri="{FF2B5EF4-FFF2-40B4-BE49-F238E27FC236}">
-                <a16:creationId xmlns:a16="http://schemas.microsoft.com/office/drawing/2014/main" id="{53E9ABC4-879B-384C-BB44-7C756560B7B5}"/>
-              </a:ext>
-            </a:extLst>
-          </p:cNvPr>
-          <p:cNvPicPr>
-            <a:picLocks noChangeAspect="1"/>
-          </p:cNvPicPr>
-          <p:nvPr/>
-        </p:nvPicPr>
-        <p:blipFill>
-          <a:blip r:embed="rId3"/>
-          <a:stretch>
-            <a:fillRect/>
-          </a:stretch>
-        </p:blipFill>
-        <p:spPr>
-          <a:xfrm>
-            <a:off x="1687467" y="1972118"/>
-            <a:ext cx="8568509" cy="2383220"/>
-          </a:xfrm>
-          <a:prstGeom prst="rect">
-            <a:avLst/>
-          </a:prstGeom>
-        </p:spPr>
-      </p:pic>
-    </p:spTree>
-    <p:extLst>
-      <p:ext uri="{BB962C8B-B14F-4D97-AF65-F5344CB8AC3E}">
-        <p14:creationId xmlns:p14="http://schemas.microsoft.com/office/powerpoint/2010/main" val="1161438443"/>
-      </p:ext>
-    </p:extLst>
-  </p:cSld>
-  <p:clrMapOvr>
-    <a:masterClrMapping/>
-  </p:clrMapOvr>
-</p:sld>
-</file>
-
-<file path=ppt/slides/slide12.xml><?xml version="1.0" encoding="utf-8"?>
-<p:sld xmlns:a="http://schemas.openxmlformats.org/drawingml/2006/main" xmlns:r="http://schemas.openxmlformats.org/officeDocument/2006/relationships" xmlns:p="http://schemas.openxmlformats.org/presentationml/2006/main">
-  <p:cSld>
-    <p:spTree>
-      <p:nvGrpSpPr>
-        <p:cNvPr id="1" name=""/>
-        <p:cNvGrpSpPr/>
-        <p:nvPr/>
-      </p:nvGrpSpPr>
-      <p:grpSpPr>
-        <a:xfrm>
-          <a:off x="0" y="0"/>
-          <a:ext cx="0" cy="0"/>
-          <a:chOff x="0" y="0"/>
-          <a:chExt cx="0" cy="0"/>
-        </a:xfrm>
-      </p:grpSpPr>
-      <p:sp>
-        <p:nvSpPr>
-          <p:cNvPr id="2" name="Title 1">
-            <a:extLst>
-              <a:ext uri="{FF2B5EF4-FFF2-40B4-BE49-F238E27FC236}">
-                <a16:creationId xmlns:a16="http://schemas.microsoft.com/office/drawing/2014/main" id="{77C4F36A-FFD1-4741-A43D-9A6F79FAE144}"/>
-              </a:ext>
-            </a:extLst>
-          </p:cNvPr>
-          <p:cNvSpPr>
-            <a:spLocks noGrp="1"/>
-          </p:cNvSpPr>
-          <p:nvPr>
-            <p:ph type="title"/>
-          </p:nvPr>
-        </p:nvSpPr>
-        <p:spPr/>
-        <p:txBody>
-          <a:bodyPr/>
-          <a:lstStyle/>
-          <a:p>
-            <a:r>
-              <a:rPr lang="en-US" dirty="0" err="1"/>
-              <a:t>Hetergeneous</a:t>
-            </a:r>
-            <a:r>
-              <a:rPr lang="en-US" dirty="0"/>
-              <a:t> lists</a:t>
-            </a:r>
-          </a:p>
-        </p:txBody>
-      </p:sp>
-      <p:sp>
-        <p:nvSpPr>
-          <p:cNvPr id="7" name="Content Placeholder 6">
-            <a:extLst>
-              <a:ext uri="{FF2B5EF4-FFF2-40B4-BE49-F238E27FC236}">
-                <a16:creationId xmlns:a16="http://schemas.microsoft.com/office/drawing/2014/main" id="{C49A08E7-54B3-B149-977B-23712119B5D5}"/>
-              </a:ext>
-            </a:extLst>
-          </p:cNvPr>
-          <p:cNvSpPr>
-            <a:spLocks noGrp="1"/>
-          </p:cNvSpPr>
-          <p:nvPr>
-            <p:ph idx="1"/>
-          </p:nvPr>
-        </p:nvSpPr>
-        <p:spPr/>
-        <p:txBody>
-          <a:bodyPr/>
-          <a:lstStyle/>
-          <a:p>
-            <a:r>
-              <a:rPr lang="en-US" dirty="0"/>
-              <a:t>Elements can have different types:</a:t>
-            </a:r>
-          </a:p>
-          <a:p>
-            <a:endParaRPr lang="en-US" dirty="0"/>
-          </a:p>
-          <a:p>
-            <a:endParaRPr lang="en-US" dirty="0"/>
-          </a:p>
-          <a:p>
-            <a:endParaRPr lang="en-US" dirty="0"/>
-          </a:p>
-          <a:p>
-            <a:endParaRPr lang="en-US" dirty="0"/>
-          </a:p>
-          <a:p>
-            <a:endParaRPr lang="en-US" dirty="0"/>
-          </a:p>
-          <a:p>
-            <a:r>
-              <a:rPr lang="en-US" dirty="0"/>
-              <a:t>Heterogeneous lists used to group bits of information about a particular entity or observation</a:t>
-            </a:r>
-          </a:p>
-        </p:txBody>
-      </p:sp>
-      <p:pic>
-        <p:nvPicPr>
-          <p:cNvPr id="8" name="Content Placeholder 4">
-            <a:extLst>
-              <a:ext uri="{FF2B5EF4-FFF2-40B4-BE49-F238E27FC236}">
-                <a16:creationId xmlns:a16="http://schemas.microsoft.com/office/drawing/2014/main" id="{4B9C5DA9-9FD9-EB4C-ACED-0B5B62330BBA}"/>
-              </a:ext>
-            </a:extLst>
-          </p:cNvPr>
-          <p:cNvPicPr>
-            <a:picLocks noChangeAspect="1"/>
-          </p:cNvPicPr>
-          <p:nvPr/>
-        </p:nvPicPr>
-        <p:blipFill>
-          <a:blip r:embed="rId2"/>
-          <a:stretch>
-            <a:fillRect/>
-          </a:stretch>
-        </p:blipFill>
-        <p:spPr>
-          <a:xfrm>
-            <a:off x="1671005" y="2609088"/>
-            <a:ext cx="8263189" cy="2054384"/>
-          </a:xfrm>
-          <a:prstGeom prst="rect">
-            <a:avLst/>
-          </a:prstGeom>
-        </p:spPr>
-      </p:pic>
-    </p:spTree>
-    <p:extLst>
-      <p:ext uri="{BB962C8B-B14F-4D97-AF65-F5344CB8AC3E}">
-        <p14:creationId xmlns:p14="http://schemas.microsoft.com/office/powerpoint/2010/main" val="1831219805"/>
-      </p:ext>
-    </p:extLst>
-  </p:cSld>
-  <p:clrMapOvr>
-    <a:masterClrMapping/>
-  </p:clrMapOvr>
-</p:sld>
-</file>
-
-<file path=ppt/slides/slide13.xml><?xml version="1.0" encoding="utf-8"?>
-<p:sld xmlns:a="http://schemas.openxmlformats.org/drawingml/2006/main" xmlns:r="http://schemas.openxmlformats.org/officeDocument/2006/relationships" xmlns:p="http://schemas.openxmlformats.org/presentationml/2006/main">
-  <p:cSld>
-    <p:spTree>
-      <p:nvGrpSpPr>
-        <p:cNvPr id="1" name=""/>
-        <p:cNvGrpSpPr/>
-        <p:nvPr/>
-      </p:nvGrpSpPr>
-      <p:grpSpPr>
-        <a:xfrm>
-          <a:off x="0" y="0"/>
-          <a:ext cx="0" cy="0"/>
-          <a:chOff x="0" y="0"/>
-          <a:chExt cx="0" cy="0"/>
-        </a:xfrm>
-      </p:grpSpPr>
-      <p:sp>
-        <p:nvSpPr>
-          <p:cNvPr id="2" name="Title 1">
-            <a:extLst>
-              <a:ext uri="{FF2B5EF4-FFF2-40B4-BE49-F238E27FC236}">
-                <a16:creationId xmlns:a16="http://schemas.microsoft.com/office/drawing/2014/main" id="{C4F380A3-EAB5-574C-A8AF-B625CADD6C6B}"/>
-              </a:ext>
-            </a:extLst>
-          </p:cNvPr>
-          <p:cNvSpPr>
-            <a:spLocks noGrp="1"/>
-          </p:cNvSpPr>
-          <p:nvPr>
-            <p:ph type="title"/>
-          </p:nvPr>
-        </p:nvSpPr>
-        <p:spPr/>
-        <p:txBody>
-          <a:bodyPr/>
-          <a:lstStyle/>
-          <a:p>
-            <a:r>
-              <a:rPr lang="en-US" dirty="0"/>
-              <a:t>List of lists</a:t>
-            </a:r>
-          </a:p>
-        </p:txBody>
-      </p:sp>
-      <p:sp>
-        <p:nvSpPr>
-          <p:cNvPr id="7" name="Content Placeholder 6">
-            <a:extLst>
-              <a:ext uri="{FF2B5EF4-FFF2-40B4-BE49-F238E27FC236}">
-                <a16:creationId xmlns:a16="http://schemas.microsoft.com/office/drawing/2014/main" id="{D7F14C5A-DC4D-2C4A-88B4-AD839821BB04}"/>
-              </a:ext>
-            </a:extLst>
-          </p:cNvPr>
-          <p:cNvSpPr>
-            <a:spLocks noGrp="1"/>
-          </p:cNvSpPr>
-          <p:nvPr>
-            <p:ph idx="1"/>
-          </p:nvPr>
-        </p:nvSpPr>
-        <p:spPr/>
-        <p:txBody>
-          <a:bodyPr/>
-          <a:lstStyle/>
-          <a:p>
-            <a:r>
-              <a:rPr lang="en-US" dirty="0"/>
-              <a:t>In this case, records points at a list of</a:t>
-            </a:r>
-            <a:br>
-              <a:rPr lang="en-US" dirty="0"/>
-            </a:br>
-            <a:r>
-              <a:rPr lang="en-US" dirty="0"/>
-              <a:t>three items that happen to be lists also</a:t>
-            </a:r>
-          </a:p>
-          <a:p>
-            <a:r>
-              <a:rPr lang="en-US" dirty="0">
-                <a:hlinkClick r:id="rId2"/>
-              </a:rPr>
-              <a:t>experiment via </a:t>
-            </a:r>
-            <a:r>
-              <a:rPr lang="en-US" dirty="0" err="1">
-                <a:hlinkClick r:id="rId2"/>
-              </a:rPr>
-              <a:t>pythontutor</a:t>
-            </a:r>
-            <a:endParaRPr lang="en-US" dirty="0"/>
-          </a:p>
-        </p:txBody>
-      </p:sp>
-      <p:pic>
-        <p:nvPicPr>
-          <p:cNvPr id="8" name="Content Placeholder 4">
-            <a:extLst>
-              <a:ext uri="{FF2B5EF4-FFF2-40B4-BE49-F238E27FC236}">
-                <a16:creationId xmlns:a16="http://schemas.microsoft.com/office/drawing/2014/main" id="{CD70073D-D8CC-D742-B4C2-DC044C3C894D}"/>
-              </a:ext>
-            </a:extLst>
-          </p:cNvPr>
-          <p:cNvPicPr>
-            <a:picLocks noChangeAspect="1"/>
-          </p:cNvPicPr>
-          <p:nvPr/>
-        </p:nvPicPr>
-        <p:blipFill>
-          <a:blip r:embed="rId3"/>
-          <a:stretch>
-            <a:fillRect/>
-          </a:stretch>
-        </p:blipFill>
-        <p:spPr>
-          <a:xfrm>
-            <a:off x="7574788" y="1423289"/>
-            <a:ext cx="3479800" cy="3822700"/>
-          </a:xfrm>
-          <a:prstGeom prst="rect">
-            <a:avLst/>
-          </a:prstGeom>
-        </p:spPr>
-      </p:pic>
-    </p:spTree>
-    <p:extLst>
-      <p:ext uri="{BB962C8B-B14F-4D97-AF65-F5344CB8AC3E}">
-        <p14:creationId xmlns:p14="http://schemas.microsoft.com/office/powerpoint/2010/main" val="2621948127"/>
-      </p:ext>
-    </p:extLst>
-  </p:cSld>
-  <p:clrMapOvr>
-    <a:masterClrMapping/>
-  </p:clrMapOvr>
-</p:sld>
-</file>
-
-<file path=ppt/slides/slide14.xml><?xml version="1.0" encoding="utf-8"?>
-<p:sld xmlns:a="http://schemas.openxmlformats.org/drawingml/2006/main" xmlns:r="http://schemas.openxmlformats.org/officeDocument/2006/relationships" xmlns:p="http://schemas.openxmlformats.org/presentationml/2006/main">
-  <p:cSld>
-    <p:spTree>
-      <p:nvGrpSpPr>
-        <p:cNvPr id="1" name=""/>
-        <p:cNvGrpSpPr/>
-        <p:nvPr/>
-      </p:nvGrpSpPr>
-      <p:grpSpPr>
-        <a:xfrm>
-          <a:off x="0" y="0"/>
-          <a:ext cx="0" cy="0"/>
-          <a:chOff x="0" y="0"/>
-          <a:chExt cx="0" cy="0"/>
-        </a:xfrm>
-      </p:grpSpPr>
-      <p:sp>
-        <p:nvSpPr>
-          <p:cNvPr id="2" name="Title 1">
-            <a:extLst>
-              <a:ext uri="{FF2B5EF4-FFF2-40B4-BE49-F238E27FC236}">
-                <a16:creationId xmlns:a16="http://schemas.microsoft.com/office/drawing/2014/main" id="{AE916A3A-C17A-9E42-B44B-C42FB5B9E890}"/>
-              </a:ext>
-            </a:extLst>
-          </p:cNvPr>
-          <p:cNvSpPr>
-            <a:spLocks noGrp="1"/>
-          </p:cNvSpPr>
-          <p:nvPr>
-            <p:ph type="title"/>
-          </p:nvPr>
-        </p:nvSpPr>
-        <p:spPr/>
-        <p:txBody>
-          <a:bodyPr/>
-          <a:lstStyle/>
-          <a:p>
-            <a:r>
-              <a:rPr lang="en-US" dirty="0"/>
-              <a:t>Matrices as lists of lists</a:t>
-            </a:r>
-          </a:p>
-        </p:txBody>
-      </p:sp>
-      <p:sp>
-        <p:nvSpPr>
-          <p:cNvPr id="7" name="Content Placeholder 6">
-            <a:extLst>
-              <a:ext uri="{FF2B5EF4-FFF2-40B4-BE49-F238E27FC236}">
-                <a16:creationId xmlns:a16="http://schemas.microsoft.com/office/drawing/2014/main" id="{B7FEFCF2-E9AE-9245-BF10-EC0BA1DE7BF8}"/>
-              </a:ext>
-            </a:extLst>
-          </p:cNvPr>
-          <p:cNvSpPr>
-            <a:spLocks noGrp="1"/>
-          </p:cNvSpPr>
-          <p:nvPr>
-            <p:ph idx="1"/>
-          </p:nvPr>
-        </p:nvSpPr>
-        <p:spPr/>
-        <p:txBody>
-          <a:bodyPr/>
-          <a:lstStyle/>
-          <a:p>
-            <a:r>
-              <a:rPr lang="en-US" dirty="0"/>
-              <a:t>A matrix is a list of rows; a row is a list of numbers</a:t>
-            </a:r>
-          </a:p>
-          <a:p>
-            <a:r>
-              <a:rPr lang="en-US" dirty="0"/>
-              <a:t>We think of it like this:</a:t>
-            </a:r>
-          </a:p>
-        </p:txBody>
-      </p:sp>
-      <p:pic>
-        <p:nvPicPr>
-          <p:cNvPr id="8" name="Content Placeholder 4">
-            <a:extLst>
-              <a:ext uri="{FF2B5EF4-FFF2-40B4-BE49-F238E27FC236}">
-                <a16:creationId xmlns:a16="http://schemas.microsoft.com/office/drawing/2014/main" id="{8A31F7A1-EA7A-264A-AB05-EF72FEE9CA7D}"/>
-              </a:ext>
-            </a:extLst>
-          </p:cNvPr>
-          <p:cNvPicPr>
-            <a:picLocks noChangeAspect="1"/>
-          </p:cNvPicPr>
-          <p:nvPr/>
-        </p:nvPicPr>
-        <p:blipFill>
-          <a:blip r:embed="rId2"/>
-          <a:stretch>
-            <a:fillRect/>
-          </a:stretch>
-        </p:blipFill>
-        <p:spPr>
-          <a:xfrm>
-            <a:off x="1440942" y="3156744"/>
-            <a:ext cx="2057400" cy="1689100"/>
-          </a:xfrm>
-          <a:prstGeom prst="rect">
-            <a:avLst/>
-          </a:prstGeom>
-        </p:spPr>
-      </p:pic>
-      <p:pic>
-        <p:nvPicPr>
-          <p:cNvPr id="10" name="Picture 9">
-            <a:extLst>
-              <a:ext uri="{FF2B5EF4-FFF2-40B4-BE49-F238E27FC236}">
-                <a16:creationId xmlns:a16="http://schemas.microsoft.com/office/drawing/2014/main" id="{FEFBEC24-F7B0-D74B-926C-A9194FE304A3}"/>
-              </a:ext>
-            </a:extLst>
-          </p:cNvPr>
-          <p:cNvPicPr>
-            <a:picLocks noChangeAspect="1"/>
-          </p:cNvPicPr>
-          <p:nvPr/>
-        </p:nvPicPr>
-        <p:blipFill>
-          <a:blip r:embed="rId3"/>
-          <a:stretch>
-            <a:fillRect/>
-          </a:stretch>
-        </p:blipFill>
-        <p:spPr>
-          <a:xfrm>
-            <a:off x="4038600" y="2972594"/>
-            <a:ext cx="2057400" cy="2057400"/>
-          </a:xfrm>
-          <a:prstGeom prst="rect">
-            <a:avLst/>
-          </a:prstGeom>
-        </p:spPr>
-      </p:pic>
-      <p:sp>
-        <p:nvSpPr>
-          <p:cNvPr id="13" name="Rectangle 12">
-            <a:extLst>
-              <a:ext uri="{FF2B5EF4-FFF2-40B4-BE49-F238E27FC236}">
-                <a16:creationId xmlns:a16="http://schemas.microsoft.com/office/drawing/2014/main" id="{00CBE827-D7A9-AF4A-BC19-6BCA537A2FD1}"/>
-              </a:ext>
-            </a:extLst>
-          </p:cNvPr>
-          <p:cNvSpPr/>
-          <p:nvPr/>
-        </p:nvSpPr>
-        <p:spPr>
-          <a:xfrm>
-            <a:off x="7216561" y="3354876"/>
-            <a:ext cx="2505797" cy="830997"/>
-          </a:xfrm>
-          <a:prstGeom prst="rect">
-            <a:avLst/>
-          </a:prstGeom>
-        </p:spPr>
-        <p:txBody>
-          <a:bodyPr wrap="square">
-            <a:spAutoFit/>
-          </a:bodyPr>
-          <a:lstStyle/>
-          <a:p>
-            <a:r>
-              <a:rPr lang="en-US" sz="2400" dirty="0"/>
-              <a:t>But, it's actually represented like:</a:t>
-            </a:r>
-          </a:p>
-        </p:txBody>
-      </p:sp>
-      <p:pic>
-        <p:nvPicPr>
-          <p:cNvPr id="15" name="Picture 14">
-            <a:extLst>
-              <a:ext uri="{FF2B5EF4-FFF2-40B4-BE49-F238E27FC236}">
-                <a16:creationId xmlns:a16="http://schemas.microsoft.com/office/drawing/2014/main" id="{A09C0465-895F-7D4C-B7F9-7600E2B8B08C}"/>
-              </a:ext>
-            </a:extLst>
-          </p:cNvPr>
-          <p:cNvPicPr>
-            <a:picLocks noChangeAspect="1"/>
-          </p:cNvPicPr>
-          <p:nvPr/>
-        </p:nvPicPr>
-        <p:blipFill>
-          <a:blip r:embed="rId4"/>
-          <a:stretch>
-            <a:fillRect/>
-          </a:stretch>
-        </p:blipFill>
-        <p:spPr>
-          <a:xfrm>
-            <a:off x="9722358" y="1617725"/>
-            <a:ext cx="1981200" cy="4305300"/>
-          </a:xfrm>
-          <a:prstGeom prst="rect">
-            <a:avLst/>
-          </a:prstGeom>
-        </p:spPr>
-      </p:pic>
-      <p:sp>
-        <p:nvSpPr>
-          <p:cNvPr id="16" name="TextBox 15">
-            <a:extLst>
-              <a:ext uri="{FF2B5EF4-FFF2-40B4-BE49-F238E27FC236}">
-                <a16:creationId xmlns:a16="http://schemas.microsoft.com/office/drawing/2014/main" id="{A66F9F3A-0540-2C4B-A529-2F510C09C8EA}"/>
-              </a:ext>
-            </a:extLst>
-          </p:cNvPr>
-          <p:cNvSpPr txBox="1"/>
-          <p:nvPr/>
-        </p:nvSpPr>
-        <p:spPr>
-          <a:xfrm>
-            <a:off x="3570391" y="5715298"/>
-            <a:ext cx="1980670" cy="461665"/>
-          </a:xfrm>
-          <a:prstGeom prst="rect">
-            <a:avLst/>
-          </a:prstGeom>
-          <a:noFill/>
-        </p:spPr>
-        <p:txBody>
-          <a:bodyPr wrap="none" rtlCol="0">
-            <a:spAutoFit/>
-          </a:bodyPr>
-          <a:lstStyle/>
-          <a:p>
-            <a:r>
-              <a:rPr lang="en-US" sz="2400" dirty="0"/>
-              <a:t>Row 4 is A[3]</a:t>
-            </a:r>
-          </a:p>
-        </p:txBody>
-      </p:sp>
-      <p:sp>
-        <p:nvSpPr>
-          <p:cNvPr id="17" name="Rectangle 16">
-            <a:extLst>
-              <a:ext uri="{FF2B5EF4-FFF2-40B4-BE49-F238E27FC236}">
-                <a16:creationId xmlns:a16="http://schemas.microsoft.com/office/drawing/2014/main" id="{88A68743-9D54-D84E-A21F-3459BEF7997F}"/>
-              </a:ext>
-            </a:extLst>
-          </p:cNvPr>
-          <p:cNvSpPr/>
-          <p:nvPr/>
-        </p:nvSpPr>
-        <p:spPr>
-          <a:xfrm>
-            <a:off x="5042916" y="4185873"/>
-            <a:ext cx="1114044" cy="361743"/>
-          </a:xfrm>
-          <a:prstGeom prst="rect">
-            <a:avLst/>
-          </a:prstGeom>
-          <a:noFill/>
-          <a:ln w="6350"/>
-        </p:spPr>
-        <p:style>
-          <a:lnRef idx="2">
-            <a:schemeClr val="accent1">
-              <a:shade val="50000"/>
-            </a:schemeClr>
-          </a:lnRef>
-          <a:fillRef idx="1">
-            <a:schemeClr val="accent1"/>
-          </a:fillRef>
-          <a:effectRef idx="0">
-            <a:schemeClr val="accent1"/>
-          </a:effectRef>
-          <a:fontRef idx="minor">
-            <a:schemeClr val="lt1"/>
-          </a:fontRef>
-        </p:style>
-        <p:txBody>
-          <a:bodyPr rtlCol="0" anchor="ctr"/>
-          <a:lstStyle/>
-          <a:p>
-            <a:pPr algn="ctr"/>
-            <a:endParaRPr lang="en-US"/>
-          </a:p>
-        </p:txBody>
-      </p:sp>
-      <p:cxnSp>
-        <p:nvCxnSpPr>
-          <p:cNvPr id="19" name="Straight Arrow Connector 18">
-            <a:extLst>
-              <a:ext uri="{FF2B5EF4-FFF2-40B4-BE49-F238E27FC236}">
-                <a16:creationId xmlns:a16="http://schemas.microsoft.com/office/drawing/2014/main" id="{041095AE-863D-724C-802D-251C9F946907}"/>
-              </a:ext>
-            </a:extLst>
-          </p:cNvPr>
-          <p:cNvCxnSpPr>
-            <a:cxnSpLocks/>
-          </p:cNvCxnSpPr>
-          <p:nvPr/>
-        </p:nvCxnSpPr>
-        <p:spPr>
-          <a:xfrm flipV="1">
-            <a:off x="4535424" y="4547616"/>
-            <a:ext cx="507492" cy="1213279"/>
-          </a:xfrm>
-          <a:prstGeom prst="straightConnector1">
-            <a:avLst/>
-          </a:prstGeom>
-          <a:ln>
-            <a:tailEnd type="triangle"/>
-          </a:ln>
-        </p:spPr>
-        <p:style>
-          <a:lnRef idx="1">
-            <a:schemeClr val="accent1"/>
-          </a:lnRef>
-          <a:fillRef idx="0">
-            <a:schemeClr val="accent1"/>
-          </a:fillRef>
-          <a:effectRef idx="0">
-            <a:schemeClr val="accent1"/>
-          </a:effectRef>
-          <a:fontRef idx="minor">
-            <a:schemeClr val="tx1"/>
-          </a:fontRef>
-        </p:style>
-      </p:cxnSp>
-      <p:sp>
-        <p:nvSpPr>
-          <p:cNvPr id="21" name="TextBox 20">
-            <a:extLst>
-              <a:ext uri="{FF2B5EF4-FFF2-40B4-BE49-F238E27FC236}">
-                <a16:creationId xmlns:a16="http://schemas.microsoft.com/office/drawing/2014/main" id="{508B0705-BAAC-6747-8768-8D3926CDE4F9}"/>
-              </a:ext>
-            </a:extLst>
-          </p:cNvPr>
-          <p:cNvSpPr txBox="1"/>
-          <p:nvPr/>
-        </p:nvSpPr>
-        <p:spPr>
-          <a:xfrm>
-            <a:off x="8191866" y="160602"/>
-            <a:ext cx="3847528" cy="461665"/>
-          </a:xfrm>
-          <a:prstGeom prst="rect">
-            <a:avLst/>
-          </a:prstGeom>
-          <a:noFill/>
-        </p:spPr>
-        <p:txBody>
-          <a:bodyPr wrap="none" rtlCol="0">
-            <a:spAutoFit/>
-          </a:bodyPr>
-          <a:lstStyle/>
-          <a:p>
-            <a:r>
-              <a:rPr lang="en-US" sz="2400" dirty="0">
-                <a:hlinkClick r:id="rId5"/>
-              </a:rPr>
-              <a:t>Experiment via </a:t>
-            </a:r>
-            <a:r>
-              <a:rPr lang="en-US" sz="2400" dirty="0" err="1">
-                <a:hlinkClick r:id="rId5"/>
-              </a:rPr>
-              <a:t>pythontutor</a:t>
-            </a:r>
-            <a:endParaRPr lang="en-US" sz="2400" dirty="0"/>
-          </a:p>
-        </p:txBody>
-      </p:sp>
-    </p:spTree>
-    <p:extLst>
-      <p:ext uri="{BB962C8B-B14F-4D97-AF65-F5344CB8AC3E}">
-        <p14:creationId xmlns:p14="http://schemas.microsoft.com/office/powerpoint/2010/main" val="4144923256"/>
-      </p:ext>
-    </p:extLst>
-  </p:cSld>
-  <p:clrMapOvr>
-    <a:masterClrMapping/>
-  </p:clrMapOvr>
-</p:sld>
-</file>
-
-<file path=ppt/slides/slide15.xml><?xml version="1.0" encoding="utf-8"?>
-<p:sld xmlns:a="http://schemas.openxmlformats.org/drawingml/2006/main" xmlns:r="http://schemas.openxmlformats.org/officeDocument/2006/relationships" xmlns:p="http://schemas.openxmlformats.org/presentationml/2006/main">
-  <p:cSld>
-    <p:spTree>
-      <p:nvGrpSpPr>
-        <p:cNvPr id="1" name=""/>
-        <p:cNvGrpSpPr/>
-        <p:nvPr/>
-      </p:nvGrpSpPr>
-      <p:grpSpPr>
-        <a:xfrm>
-          <a:off x="0" y="0"/>
-          <a:ext cx="0" cy="0"/>
-          <a:chOff x="0" y="0"/>
-          <a:chExt cx="0" cy="0"/>
-        </a:xfrm>
-      </p:grpSpPr>
-      <p:sp>
-        <p:nvSpPr>
-          <p:cNvPr id="2" name="Title 1">
-            <a:extLst>
-              <a:ext uri="{FF2B5EF4-FFF2-40B4-BE49-F238E27FC236}">
-                <a16:creationId xmlns:a16="http://schemas.microsoft.com/office/drawing/2014/main" id="{E74290A9-8CE1-944F-A79A-0A9893D50374}"/>
-              </a:ext>
-            </a:extLst>
-          </p:cNvPr>
-          <p:cNvSpPr>
-            <a:spLocks noGrp="1"/>
-          </p:cNvSpPr>
-          <p:nvPr>
-            <p:ph type="title"/>
-          </p:nvPr>
-        </p:nvSpPr>
-        <p:spPr/>
-        <p:txBody>
-          <a:bodyPr/>
-          <a:lstStyle/>
-          <a:p>
-            <a:r>
-              <a:rPr lang="en-US" dirty="0"/>
-              <a:t>Combined conditional / loop</a:t>
-            </a:r>
-          </a:p>
-        </p:txBody>
-      </p:sp>
-      <p:sp>
-        <p:nvSpPr>
-          <p:cNvPr id="3" name="Content Placeholder 2">
-            <a:extLst>
-              <a:ext uri="{FF2B5EF4-FFF2-40B4-BE49-F238E27FC236}">
-                <a16:creationId xmlns:a16="http://schemas.microsoft.com/office/drawing/2014/main" id="{EE351ED9-5BDF-7541-95C8-1AFF67BD8FC4}"/>
-              </a:ext>
-            </a:extLst>
-          </p:cNvPr>
-          <p:cNvSpPr>
-            <a:spLocks noGrp="1"/>
-          </p:cNvSpPr>
-          <p:nvPr>
-            <p:ph idx="1"/>
-          </p:nvPr>
-        </p:nvSpPr>
-        <p:spPr>
-          <a:xfrm>
-            <a:off x="838200" y="1581374"/>
-            <a:ext cx="10515600" cy="4595589"/>
-          </a:xfrm>
-        </p:spPr>
-        <p:txBody>
-          <a:bodyPr/>
-          <a:lstStyle/>
-          <a:p>
-            <a:r>
-              <a:rPr lang="en-US" dirty="0"/>
-              <a:t>Now that we have some basic Python skills, let's look at more complicated loops starting with a combination:</a:t>
-            </a:r>
-          </a:p>
-        </p:txBody>
-      </p:sp>
-      <p:sp>
-        <p:nvSpPr>
-          <p:cNvPr id="4" name="TextBox 3">
-            <a:extLst>
-              <a:ext uri="{FF2B5EF4-FFF2-40B4-BE49-F238E27FC236}">
-                <a16:creationId xmlns:a16="http://schemas.microsoft.com/office/drawing/2014/main" id="{C5DC87D9-EA28-1740-B6C9-EF4F3930095D}"/>
-              </a:ext>
-            </a:extLst>
-          </p:cNvPr>
-          <p:cNvSpPr txBox="1"/>
-          <p:nvPr/>
-        </p:nvSpPr>
-        <p:spPr>
-          <a:xfrm>
-            <a:off x="5042233" y="3098308"/>
-            <a:ext cx="4432624" cy="1938992"/>
-          </a:xfrm>
-          <a:prstGeom prst="rect">
-            <a:avLst/>
-          </a:prstGeom>
-          <a:noFill/>
-          <a:ln>
-            <a:solidFill>
-              <a:schemeClr val="accent1"/>
-            </a:solidFill>
-          </a:ln>
-        </p:spPr>
-        <p:txBody>
-          <a:bodyPr wrap="none" rtlCol="0">
-            <a:spAutoFit/>
-          </a:bodyPr>
-          <a:lstStyle/>
-          <a:p>
-            <a:r>
-              <a:rPr lang="en-US" sz="2400" dirty="0" err="1">
-                <a:latin typeface="Consolas" panose="020B0609020204030204" pitchFamily="49" charset="0"/>
-                <a:cs typeface="Consolas" panose="020B0609020204030204" pitchFamily="49" charset="0"/>
-              </a:rPr>
-              <a:t>i</a:t>
-            </a:r>
-            <a:r>
-              <a:rPr lang="en-US" sz="2400" dirty="0">
-                <a:latin typeface="Consolas" panose="020B0609020204030204" pitchFamily="49" charset="0"/>
-                <a:cs typeface="Consolas" panose="020B0609020204030204" pitchFamily="49" charset="0"/>
-              </a:rPr>
-              <a:t> = 1</a:t>
-            </a:r>
-          </a:p>
-          <a:p>
-            <a:r>
-              <a:rPr lang="en-US" sz="2400" dirty="0">
-                <a:latin typeface="Consolas" panose="020B0609020204030204" pitchFamily="49" charset="0"/>
-                <a:cs typeface="Consolas" panose="020B0609020204030204" pitchFamily="49" charset="0"/>
-              </a:rPr>
-              <a:t>while </a:t>
-            </a:r>
-            <a:r>
-              <a:rPr lang="en-US" sz="2400" dirty="0" err="1">
-                <a:latin typeface="Consolas" panose="020B0609020204030204" pitchFamily="49" charset="0"/>
-                <a:cs typeface="Consolas" panose="020B0609020204030204" pitchFamily="49" charset="0"/>
-              </a:rPr>
-              <a:t>i</a:t>
-            </a:r>
-            <a:r>
-              <a:rPr lang="en-US" sz="2400" dirty="0">
-                <a:latin typeface="Consolas" panose="020B0609020204030204" pitchFamily="49" charset="0"/>
-                <a:cs typeface="Consolas" panose="020B0609020204030204" pitchFamily="49" charset="0"/>
-              </a:rPr>
-              <a:t> &lt;= 6:</a:t>
-            </a:r>
-          </a:p>
-          <a:p>
-            <a:r>
-              <a:rPr lang="en-US" sz="2400" dirty="0">
-                <a:latin typeface="Consolas" panose="020B0609020204030204" pitchFamily="49" charset="0"/>
-                <a:cs typeface="Consolas" panose="020B0609020204030204" pitchFamily="49" charset="0"/>
-              </a:rPr>
-              <a:t>    if </a:t>
-            </a:r>
-            <a:r>
-              <a:rPr lang="en-US" sz="2400" dirty="0" err="1">
-                <a:latin typeface="Consolas" panose="020B0609020204030204" pitchFamily="49" charset="0"/>
-                <a:cs typeface="Consolas" panose="020B0609020204030204" pitchFamily="49" charset="0"/>
-              </a:rPr>
-              <a:t>i</a:t>
-            </a:r>
-            <a:r>
-              <a:rPr lang="en-US" sz="2400" dirty="0">
-                <a:latin typeface="Consolas" panose="020B0609020204030204" pitchFamily="49" charset="0"/>
-                <a:cs typeface="Consolas" panose="020B0609020204030204" pitchFamily="49" charset="0"/>
-              </a:rPr>
-              <a:t>==3:</a:t>
-            </a:r>
-          </a:p>
-          <a:p>
-            <a:r>
-              <a:rPr lang="en-US" sz="2400" dirty="0">
-                <a:latin typeface="Consolas" panose="020B0609020204030204" pitchFamily="49" charset="0"/>
-                <a:cs typeface="Consolas" panose="020B0609020204030204" pitchFamily="49" charset="0"/>
-              </a:rPr>
-              <a:t>        print("Halfway!")</a:t>
-            </a:r>
-          </a:p>
-          <a:p>
-            <a:r>
-              <a:rPr lang="en-US" sz="2400" dirty="0">
-                <a:latin typeface="Consolas" panose="020B0609020204030204" pitchFamily="49" charset="0"/>
-                <a:cs typeface="Consolas" panose="020B0609020204030204" pitchFamily="49" charset="0"/>
-              </a:rPr>
-              <a:t>    </a:t>
-            </a:r>
-            <a:r>
-              <a:rPr lang="en-US" sz="2400" dirty="0" err="1">
-                <a:latin typeface="Consolas" panose="020B0609020204030204" pitchFamily="49" charset="0"/>
-                <a:cs typeface="Consolas" panose="020B0609020204030204" pitchFamily="49" charset="0"/>
-              </a:rPr>
-              <a:t>i</a:t>
-            </a:r>
-            <a:r>
-              <a:rPr lang="en-US" sz="2400" dirty="0">
-                <a:latin typeface="Consolas" panose="020B0609020204030204" pitchFamily="49" charset="0"/>
-                <a:cs typeface="Consolas" panose="020B0609020204030204" pitchFamily="49" charset="0"/>
-              </a:rPr>
-              <a:t> = </a:t>
-            </a:r>
-            <a:r>
-              <a:rPr lang="en-US" sz="2400" dirty="0" err="1">
-                <a:latin typeface="Consolas" panose="020B0609020204030204" pitchFamily="49" charset="0"/>
-                <a:cs typeface="Consolas" panose="020B0609020204030204" pitchFamily="49" charset="0"/>
-              </a:rPr>
-              <a:t>i</a:t>
-            </a:r>
-            <a:r>
-              <a:rPr lang="en-US" sz="2400" dirty="0">
-                <a:latin typeface="Consolas" panose="020B0609020204030204" pitchFamily="49" charset="0"/>
-                <a:cs typeface="Consolas" panose="020B0609020204030204" pitchFamily="49" charset="0"/>
-              </a:rPr>
-              <a:t> + 1</a:t>
-            </a:r>
-          </a:p>
-        </p:txBody>
-      </p:sp>
-      <p:pic>
-        <p:nvPicPr>
-          <p:cNvPr id="5" name="Picture 4">
-            <a:extLst>
-              <a:ext uri="{FF2B5EF4-FFF2-40B4-BE49-F238E27FC236}">
-                <a16:creationId xmlns:a16="http://schemas.microsoft.com/office/drawing/2014/main" id="{B53BD7BC-660F-8542-9391-4E49F182D313}"/>
-              </a:ext>
-            </a:extLst>
-          </p:cNvPr>
-          <p:cNvPicPr>
-            <a:picLocks noChangeAspect="1"/>
-          </p:cNvPicPr>
-          <p:nvPr/>
-        </p:nvPicPr>
-        <p:blipFill>
-          <a:blip r:embed="rId2"/>
-          <a:stretch>
-            <a:fillRect/>
-          </a:stretch>
-        </p:blipFill>
-        <p:spPr>
-          <a:xfrm>
-            <a:off x="1998526" y="2846854"/>
-            <a:ext cx="1164763" cy="3551107"/>
-          </a:xfrm>
-          <a:prstGeom prst="rect">
-            <a:avLst/>
-          </a:prstGeom>
-        </p:spPr>
-      </p:pic>
-      <p:sp>
-        <p:nvSpPr>
-          <p:cNvPr id="6" name="TextBox 5">
-            <a:extLst>
-              <a:ext uri="{FF2B5EF4-FFF2-40B4-BE49-F238E27FC236}">
-                <a16:creationId xmlns:a16="http://schemas.microsoft.com/office/drawing/2014/main" id="{F5182221-8D99-1D4E-9482-C2502B515596}"/>
-              </a:ext>
-            </a:extLst>
-          </p:cNvPr>
-          <p:cNvSpPr txBox="1"/>
-          <p:nvPr/>
-        </p:nvSpPr>
-        <p:spPr>
-          <a:xfrm>
-            <a:off x="4599483" y="5353475"/>
-            <a:ext cx="5318123" cy="461665"/>
-          </a:xfrm>
-          <a:prstGeom prst="rect">
-            <a:avLst/>
-          </a:prstGeom>
-          <a:noFill/>
-        </p:spPr>
-        <p:txBody>
-          <a:bodyPr wrap="none" rtlCol="0">
-            <a:spAutoFit/>
-          </a:bodyPr>
-          <a:lstStyle/>
-          <a:p>
-            <a:r>
-              <a:rPr lang="en-US" sz="2400" dirty="0">
-                <a:hlinkClick r:id="rId3"/>
-              </a:rPr>
-              <a:t>Step through code at </a:t>
-            </a:r>
-            <a:r>
-              <a:rPr lang="en-US" sz="2400" dirty="0" err="1">
-                <a:hlinkClick r:id="rId3"/>
-              </a:rPr>
-              <a:t>pythontutor.com</a:t>
-            </a:r>
-            <a:endParaRPr lang="en-US" sz="2400" dirty="0"/>
-          </a:p>
-        </p:txBody>
-      </p:sp>
-    </p:spTree>
-    <p:extLst>
-      <p:ext uri="{BB962C8B-B14F-4D97-AF65-F5344CB8AC3E}">
-        <p14:creationId xmlns:p14="http://schemas.microsoft.com/office/powerpoint/2010/main" val="3404399592"/>
-      </p:ext>
-    </p:extLst>
-  </p:cSld>
-  <p:clrMapOvr>
-    <a:masterClrMapping/>
-  </p:clrMapOvr>
-</p:sld>
-</file>
-
-<file path=ppt/slides/slide16.xml><?xml version="1.0" encoding="utf-8"?>
-<p:sld xmlns:a="http://schemas.openxmlformats.org/drawingml/2006/main" xmlns:r="http://schemas.openxmlformats.org/officeDocument/2006/relationships" xmlns:p="http://schemas.openxmlformats.org/presentationml/2006/main">
-  <p:cSld>
-    <p:spTree>
-      <p:nvGrpSpPr>
-        <p:cNvPr id="1" name=""/>
-        <p:cNvGrpSpPr/>
-        <p:nvPr/>
-      </p:nvGrpSpPr>
-      <p:grpSpPr>
-        <a:xfrm>
-          <a:off x="0" y="0"/>
-          <a:ext cx="0" cy="0"/>
-          <a:chOff x="0" y="0"/>
-          <a:chExt cx="0" cy="0"/>
-        </a:xfrm>
-      </p:grpSpPr>
-      <p:sp>
-        <p:nvSpPr>
-          <p:cNvPr id="2" name="Title 1">
-            <a:extLst>
-              <a:ext uri="{FF2B5EF4-FFF2-40B4-BE49-F238E27FC236}">
-                <a16:creationId xmlns:a16="http://schemas.microsoft.com/office/drawing/2014/main" id="{E9982582-411C-8C46-A787-7E357E5B229E}"/>
-              </a:ext>
-            </a:extLst>
-          </p:cNvPr>
-          <p:cNvSpPr>
-            <a:spLocks noGrp="1"/>
-          </p:cNvSpPr>
-          <p:nvPr>
-            <p:ph type="title"/>
-          </p:nvPr>
-        </p:nvSpPr>
-        <p:spPr/>
-        <p:txBody>
-          <a:bodyPr/>
-          <a:lstStyle/>
-          <a:p>
-            <a:r>
-              <a:rPr lang="en-US" dirty="0"/>
-              <a:t>For-loops</a:t>
-            </a:r>
-          </a:p>
-        </p:txBody>
-      </p:sp>
-      <p:sp>
-        <p:nvSpPr>
-          <p:cNvPr id="3" name="Content Placeholder 2">
-            <a:extLst>
-              <a:ext uri="{FF2B5EF4-FFF2-40B4-BE49-F238E27FC236}">
-                <a16:creationId xmlns:a16="http://schemas.microsoft.com/office/drawing/2014/main" id="{79CDB372-1D0F-1142-A023-EB0236A7732C}"/>
-              </a:ext>
-            </a:extLst>
-          </p:cNvPr>
-          <p:cNvSpPr>
-            <a:spLocks noGrp="1"/>
-          </p:cNvSpPr>
-          <p:nvPr>
-            <p:ph idx="1"/>
-          </p:nvPr>
-        </p:nvSpPr>
-        <p:spPr/>
-        <p:txBody>
-          <a:bodyPr>
-            <a:normAutofit/>
-          </a:bodyPr>
-          <a:lstStyle/>
-          <a:p>
-            <a:r>
-              <a:rPr lang="en-US" dirty="0">
-                <a:hlinkClick r:id="rId2"/>
-              </a:rPr>
-              <a:t>range loops</a:t>
-            </a:r>
-            <a:endParaRPr lang="en-US" dirty="0"/>
-          </a:p>
-          <a:p>
-            <a:r>
-              <a:rPr lang="en-US" dirty="0">
-                <a:hlinkClick r:id="rId3"/>
-              </a:rPr>
-              <a:t>for-each loops</a:t>
-            </a:r>
-            <a:endParaRPr lang="en-US" dirty="0"/>
-          </a:p>
-          <a:p>
-            <a:r>
-              <a:rPr lang="en-US" dirty="0">
-                <a:hlinkClick r:id="rId4"/>
-              </a:rPr>
-              <a:t>loop with enumerate()</a:t>
-            </a:r>
-            <a:endParaRPr lang="en-US" dirty="0"/>
-          </a:p>
-          <a:p>
-            <a:r>
-              <a:rPr lang="en-US" dirty="0">
-                <a:hlinkClick r:id="rId5"/>
-              </a:rPr>
-              <a:t>watch row var iterate through list-of-list rows</a:t>
-            </a:r>
-            <a:endParaRPr lang="en-US" dirty="0"/>
-          </a:p>
-          <a:p>
-            <a:r>
-              <a:rPr lang="en-US" dirty="0">
-                <a:hlinkClick r:id="rId6"/>
-              </a:rPr>
-              <a:t>indexed loop using range</a:t>
-            </a:r>
-            <a:endParaRPr lang="en-US" dirty="0"/>
-          </a:p>
-          <a:p>
-            <a:r>
-              <a:rPr lang="en-US" dirty="0">
-                <a:hlinkClick r:id="rId7"/>
-              </a:rPr>
-              <a:t>zip'd loop</a:t>
-            </a:r>
-            <a:endParaRPr lang="en-US" dirty="0"/>
-          </a:p>
-        </p:txBody>
-      </p:sp>
-      <p:pic>
-        <p:nvPicPr>
-          <p:cNvPr id="5" name="Picture 4">
-            <a:extLst>
-              <a:ext uri="{FF2B5EF4-FFF2-40B4-BE49-F238E27FC236}">
-                <a16:creationId xmlns:a16="http://schemas.microsoft.com/office/drawing/2014/main" id="{4778C563-7430-2044-A619-4F98E8738B7A}"/>
-              </a:ext>
-            </a:extLst>
-          </p:cNvPr>
-          <p:cNvPicPr>
-            <a:picLocks noChangeAspect="1"/>
-          </p:cNvPicPr>
-          <p:nvPr/>
-        </p:nvPicPr>
-        <p:blipFill>
-          <a:blip r:embed="rId8"/>
-          <a:stretch>
-            <a:fillRect/>
-          </a:stretch>
-        </p:blipFill>
-        <p:spPr>
-          <a:xfrm>
-            <a:off x="5888945" y="495254"/>
-            <a:ext cx="5044410" cy="1671694"/>
-          </a:xfrm>
-          <a:prstGeom prst="rect">
-            <a:avLst/>
-          </a:prstGeom>
-        </p:spPr>
-      </p:pic>
-    </p:spTree>
-    <p:extLst>
-      <p:ext uri="{BB962C8B-B14F-4D97-AF65-F5344CB8AC3E}">
-        <p14:creationId xmlns:p14="http://schemas.microsoft.com/office/powerpoint/2010/main" val="2685847471"/>
-      </p:ext>
-    </p:extLst>
-  </p:cSld>
-  <p:clrMapOvr>
-    <a:masterClrMapping/>
-  </p:clrMapOvr>
-</p:sld>
-</file>
-
-<file path=ppt/slides/slide17.xml><?xml version="1.0" encoding="utf-8"?>
-<p:sld xmlns:a="http://schemas.openxmlformats.org/drawingml/2006/main" xmlns:r="http://schemas.openxmlformats.org/officeDocument/2006/relationships" xmlns:p="http://schemas.openxmlformats.org/presentationml/2006/main">
-  <p:cSld>
-    <p:spTree>
-      <p:nvGrpSpPr>
-        <p:cNvPr id="1" name=""/>
-        <p:cNvGrpSpPr/>
-        <p:nvPr/>
-      </p:nvGrpSpPr>
-      <p:grpSpPr>
-        <a:xfrm>
-          <a:off x="0" y="0"/>
-          <a:ext cx="0" cy="0"/>
-          <a:chOff x="0" y="0"/>
-          <a:chExt cx="0" cy="0"/>
-        </a:xfrm>
-      </p:grpSpPr>
-      <p:sp>
-        <p:nvSpPr>
-          <p:cNvPr id="2" name="Title 1">
-            <a:extLst>
-              <a:ext uri="{FF2B5EF4-FFF2-40B4-BE49-F238E27FC236}">
-                <a16:creationId xmlns:a16="http://schemas.microsoft.com/office/drawing/2014/main" id="{8D22FD87-A4FE-BA41-9EEE-1497E63CE681}"/>
-              </a:ext>
-            </a:extLst>
-          </p:cNvPr>
-          <p:cNvSpPr>
-            <a:spLocks noGrp="1"/>
-          </p:cNvSpPr>
-          <p:nvPr>
-            <p:ph type="title"/>
-          </p:nvPr>
-        </p:nvSpPr>
-        <p:spPr/>
-        <p:txBody>
-          <a:bodyPr/>
-          <a:lstStyle/>
-          <a:p>
-            <a:r>
-              <a:rPr lang="en-US" dirty="0"/>
-              <a:t>Translating formulas</a:t>
-            </a:r>
-          </a:p>
-        </p:txBody>
-      </p:sp>
-      <p:sp>
-        <p:nvSpPr>
-          <p:cNvPr id="3" name="Content Placeholder 2">
-            <a:extLst>
-              <a:ext uri="{FF2B5EF4-FFF2-40B4-BE49-F238E27FC236}">
-                <a16:creationId xmlns:a16="http://schemas.microsoft.com/office/drawing/2014/main" id="{8EE0DC49-65FF-2D41-9676-A82D6B646B1D}"/>
-              </a:ext>
-            </a:extLst>
-          </p:cNvPr>
-          <p:cNvSpPr>
-            <a:spLocks noGrp="1"/>
-          </p:cNvSpPr>
-          <p:nvPr>
-            <p:ph idx="1"/>
-          </p:nvPr>
-        </p:nvSpPr>
-        <p:spPr>
-          <a:xfrm>
-            <a:off x="838199" y="1825625"/>
-            <a:ext cx="10780059" cy="4351338"/>
-          </a:xfrm>
-        </p:spPr>
-        <p:txBody>
-          <a:bodyPr/>
-          <a:lstStyle/>
-          <a:p>
-            <a:r>
-              <a:rPr lang="en-US" dirty="0" err="1"/>
-              <a:t>Sigmas</a:t>
-            </a:r>
-            <a:r>
-              <a:rPr lang="en-US" dirty="0"/>
-              <a:t> become accumulator range-loops (recall indexed from 0)</a:t>
-            </a:r>
-          </a:p>
-        </p:txBody>
-      </p:sp>
-      <p:pic>
-        <p:nvPicPr>
-          <p:cNvPr id="5" name="Picture 4">
-            <a:extLst>
-              <a:ext uri="{FF2B5EF4-FFF2-40B4-BE49-F238E27FC236}">
-                <a16:creationId xmlns:a16="http://schemas.microsoft.com/office/drawing/2014/main" id="{C6615E9B-A256-5A49-B59A-80C51E6A7FF3}"/>
-              </a:ext>
-            </a:extLst>
-          </p:cNvPr>
-          <p:cNvPicPr>
-            <a:picLocks noChangeAspect="1"/>
-          </p:cNvPicPr>
-          <p:nvPr/>
-        </p:nvPicPr>
-        <p:blipFill>
-          <a:blip r:embed="rId2"/>
-          <a:stretch>
-            <a:fillRect/>
-          </a:stretch>
-        </p:blipFill>
-        <p:spPr>
-          <a:xfrm>
-            <a:off x="1877956" y="2591594"/>
-            <a:ext cx="8166102" cy="3260566"/>
-          </a:xfrm>
-          <a:prstGeom prst="rect">
-            <a:avLst/>
-          </a:prstGeom>
-        </p:spPr>
-      </p:pic>
-    </p:spTree>
-    <p:extLst>
-      <p:ext uri="{BB962C8B-B14F-4D97-AF65-F5344CB8AC3E}">
-        <p14:creationId xmlns:p14="http://schemas.microsoft.com/office/powerpoint/2010/main" val="2861621939"/>
-      </p:ext>
-    </p:extLst>
-  </p:cSld>
-  <p:clrMapOvr>
-    <a:masterClrMapping/>
-  </p:clrMapOvr>
-</p:sld>
-</file>
-
-<file path=ppt/slides/slide18.xml><?xml version="1.0" encoding="utf-8"?>
-<p:sld xmlns:a="http://schemas.openxmlformats.org/drawingml/2006/main" xmlns:r="http://schemas.openxmlformats.org/officeDocument/2006/relationships" xmlns:p="http://schemas.openxmlformats.org/presentationml/2006/main">
-  <p:cSld>
-    <p:spTree>
-      <p:nvGrpSpPr>
-        <p:cNvPr id="1" name=""/>
-        <p:cNvGrpSpPr/>
-        <p:nvPr/>
-      </p:nvGrpSpPr>
-      <p:grpSpPr>
-        <a:xfrm>
-          <a:off x="0" y="0"/>
-          <a:ext cx="0" cy="0"/>
-          <a:chOff x="0" y="0"/>
-          <a:chExt cx="0" cy="0"/>
-        </a:xfrm>
-      </p:grpSpPr>
-      <p:sp>
-        <p:nvSpPr>
-          <p:cNvPr id="2" name="Title 1">
-            <a:extLst>
-              <a:ext uri="{FF2B5EF4-FFF2-40B4-BE49-F238E27FC236}">
-                <a16:creationId xmlns:a16="http://schemas.microsoft.com/office/drawing/2014/main" id="{5DAD642D-99D8-9D42-A3DE-3A433F9EDFE1}"/>
-              </a:ext>
-            </a:extLst>
-          </p:cNvPr>
-          <p:cNvSpPr>
-            <a:spLocks noGrp="1"/>
-          </p:cNvSpPr>
-          <p:nvPr>
-            <p:ph type="title"/>
-          </p:nvPr>
-        </p:nvSpPr>
-        <p:spPr/>
-        <p:txBody>
-          <a:bodyPr/>
-          <a:lstStyle/>
-          <a:p>
-            <a:r>
-              <a:rPr lang="en-US" dirty="0"/>
-              <a:t>List comprehensions</a:t>
-            </a:r>
-          </a:p>
-        </p:txBody>
-      </p:sp>
-      <p:sp>
-        <p:nvSpPr>
-          <p:cNvPr id="3" name="Content Placeholder 2">
-            <a:extLst>
-              <a:ext uri="{FF2B5EF4-FFF2-40B4-BE49-F238E27FC236}">
-                <a16:creationId xmlns:a16="http://schemas.microsoft.com/office/drawing/2014/main" id="{FF68C38E-A905-3B48-A237-408DDDC925B1}"/>
-              </a:ext>
-            </a:extLst>
-          </p:cNvPr>
-          <p:cNvSpPr>
-            <a:spLocks noGrp="1"/>
-          </p:cNvSpPr>
-          <p:nvPr>
-            <p:ph idx="1"/>
-          </p:nvPr>
-        </p:nvSpPr>
-        <p:spPr/>
-        <p:txBody>
-          <a:bodyPr/>
-          <a:lstStyle/>
-          <a:p>
-            <a:r>
-              <a:rPr lang="en-US" dirty="0"/>
-              <a:t>Making new lists from (optionally filtered) sequences, elements</a:t>
-            </a:r>
-          </a:p>
-          <a:p>
-            <a:endParaRPr lang="en-US" dirty="0"/>
-          </a:p>
-          <a:p>
-            <a:endParaRPr lang="en-US" dirty="0"/>
-          </a:p>
-          <a:p>
-            <a:endParaRPr lang="en-US" dirty="0"/>
-          </a:p>
-          <a:p>
-            <a:endParaRPr lang="en-US" dirty="0"/>
-          </a:p>
-          <a:p>
-            <a:r>
-              <a:rPr lang="en-US" dirty="0">
-                <a:hlinkClick r:id="rId2"/>
-              </a:rPr>
-              <a:t>comprehensions on lists of strings</a:t>
-            </a:r>
-            <a:endParaRPr lang="en-US" dirty="0"/>
-          </a:p>
-          <a:p>
-            <a:r>
-              <a:rPr lang="en-US" dirty="0">
-                <a:hlinkClick r:id="rId3"/>
-              </a:rPr>
-              <a:t>comprehensions on lists of numbers</a:t>
-            </a:r>
-            <a:endParaRPr lang="en-US" dirty="0"/>
-          </a:p>
-        </p:txBody>
-      </p:sp>
-      <p:pic>
-        <p:nvPicPr>
-          <p:cNvPr id="4" name="Picture 3">
-            <a:extLst>
-              <a:ext uri="{FF2B5EF4-FFF2-40B4-BE49-F238E27FC236}">
-                <a16:creationId xmlns:a16="http://schemas.microsoft.com/office/drawing/2014/main" id="{35A660DC-0A84-F04B-BBC8-FDE3C8B41264}"/>
-              </a:ext>
-            </a:extLst>
-          </p:cNvPr>
-          <p:cNvPicPr>
-            <a:picLocks noChangeAspect="1"/>
-          </p:cNvPicPr>
-          <p:nvPr/>
-        </p:nvPicPr>
-        <p:blipFill>
-          <a:blip r:embed="rId4"/>
-          <a:stretch>
-            <a:fillRect/>
-          </a:stretch>
-        </p:blipFill>
-        <p:spPr>
-          <a:xfrm>
-            <a:off x="2039620" y="2457852"/>
-            <a:ext cx="7646708" cy="1662328"/>
-          </a:xfrm>
-          <a:prstGeom prst="rect">
-            <a:avLst/>
-          </a:prstGeom>
-        </p:spPr>
-      </p:pic>
-    </p:spTree>
-    <p:extLst>
-      <p:ext uri="{BB962C8B-B14F-4D97-AF65-F5344CB8AC3E}">
-        <p14:creationId xmlns:p14="http://schemas.microsoft.com/office/powerpoint/2010/main" val="793289995"/>
-      </p:ext>
-    </p:extLst>
-  </p:cSld>
-  <p:clrMapOvr>
-    <a:masterClrMapping/>
-  </p:clrMapOvr>
-</p:sld>
-</file>
-
-<file path=ppt/slides/slide2.xml><?xml version="1.0" encoding="utf-8"?>
-<p:sld xmlns:a="http://schemas.openxmlformats.org/drawingml/2006/main" xmlns:r="http://schemas.openxmlformats.org/officeDocument/2006/relationships" xmlns:p="http://schemas.openxmlformats.org/presentationml/2006/main">
-  <p:cSld>
-    <p:spTree>
-      <p:nvGrpSpPr>
-        <p:cNvPr id="1" name=""/>
-        <p:cNvGrpSpPr/>
-        <p:nvPr/>
-      </p:nvGrpSpPr>
-      <p:grpSpPr>
-        <a:xfrm>
-          <a:off x="0" y="0"/>
-          <a:ext cx="0" cy="0"/>
-          <a:chOff x="0" y="0"/>
-          <a:chExt cx="0" cy="0"/>
-        </a:xfrm>
-      </p:grpSpPr>
-      <p:sp>
-        <p:nvSpPr>
-          <p:cNvPr id="2" name="Title 1">
-            <a:extLst>
-              <a:ext uri="{FF2B5EF4-FFF2-40B4-BE49-F238E27FC236}">
-                <a16:creationId xmlns:a16="http://schemas.microsoft.com/office/drawing/2014/main" id="{FAA0BDF3-3E03-814B-BC8D-805FC7CBDA96}"/>
-              </a:ext>
-            </a:extLst>
-          </p:cNvPr>
-          <p:cNvSpPr>
-            <a:spLocks noGrp="1"/>
-          </p:cNvSpPr>
-          <p:nvPr>
-            <p:ph type="title"/>
-          </p:nvPr>
-        </p:nvSpPr>
-        <p:spPr/>
-        <p:txBody>
-          <a:bodyPr/>
-          <a:lstStyle/>
-          <a:p>
-            <a:r>
-              <a:rPr lang="en-US" dirty="0"/>
-              <a:t>What is programming / coding?</a:t>
-            </a:r>
-          </a:p>
-        </p:txBody>
-      </p:sp>
-      <p:sp>
-        <p:nvSpPr>
-          <p:cNvPr id="3" name="Content Placeholder 2">
-            <a:extLst>
-              <a:ext uri="{FF2B5EF4-FFF2-40B4-BE49-F238E27FC236}">
-                <a16:creationId xmlns:a16="http://schemas.microsoft.com/office/drawing/2014/main" id="{DD49725C-B39B-D941-B689-6145A268E251}"/>
-              </a:ext>
-            </a:extLst>
-          </p:cNvPr>
-          <p:cNvSpPr>
-            <a:spLocks noGrp="1"/>
-          </p:cNvSpPr>
-          <p:nvPr>
-            <p:ph idx="1"/>
-          </p:nvPr>
-        </p:nvSpPr>
-        <p:spPr>
-          <a:xfrm>
-            <a:off x="838200" y="1690688"/>
-            <a:ext cx="10515600" cy="4486275"/>
-          </a:xfrm>
-        </p:spPr>
-        <p:txBody>
-          <a:bodyPr>
-            <a:normAutofit lnSpcReduction="10000"/>
-          </a:bodyPr>
-          <a:lstStyle/>
-          <a:p>
-            <a:r>
-              <a:rPr lang="en-US" dirty="0"/>
-              <a:t>Literally: Creating a set of instructions for a computer to execute</a:t>
-            </a:r>
-          </a:p>
-          <a:p>
-            <a:r>
-              <a:rPr lang="en-US" dirty="0"/>
-              <a:t>First we construct a sequence of abstract operations, sometimes called an </a:t>
-            </a:r>
-            <a:r>
-              <a:rPr lang="en-US" i="1" dirty="0"/>
-              <a:t>algorithm</a:t>
-            </a:r>
-            <a:r>
-              <a:rPr lang="en-US" dirty="0"/>
-              <a:t> or </a:t>
-            </a:r>
-            <a:r>
-              <a:rPr lang="en-US" i="1" dirty="0"/>
-              <a:t>workplan</a:t>
-            </a:r>
-            <a:r>
-              <a:rPr lang="en-US" dirty="0"/>
-              <a:t>, that performs the desired task </a:t>
-            </a:r>
-          </a:p>
-          <a:p>
-            <a:r>
-              <a:rPr lang="en-US" dirty="0"/>
-              <a:t>Then we translate these abstract operations to concrete and precise instructions</a:t>
-            </a:r>
-            <a:br>
-              <a:rPr lang="en-US" dirty="0"/>
-            </a:br>
-            <a:endParaRPr lang="en-US" dirty="0"/>
-          </a:p>
-          <a:p>
-            <a:r>
-              <a:rPr lang="en-US" dirty="0"/>
-              <a:t>These instructions must follow the grammatical structure of a programming language, such as Python</a:t>
-            </a:r>
-          </a:p>
-          <a:p>
-            <a:r>
-              <a:rPr lang="en-US" dirty="0"/>
-              <a:t>Each instruction typically solves a piece of the problem</a:t>
-            </a:r>
-          </a:p>
-          <a:p>
-            <a:r>
-              <a:rPr lang="en-US" dirty="0"/>
-              <a:t>The emergent behavior of the program solves our task</a:t>
-            </a:r>
-          </a:p>
-        </p:txBody>
-      </p:sp>
-      <p:sp>
-        <p:nvSpPr>
-          <p:cNvPr id="10" name="Rectangle 9">
-            <a:extLst>
-              <a:ext uri="{FF2B5EF4-FFF2-40B4-BE49-F238E27FC236}">
-                <a16:creationId xmlns:a16="http://schemas.microsoft.com/office/drawing/2014/main" id="{D3DDC63A-7686-5C4D-860C-369E025F7746}"/>
-              </a:ext>
-            </a:extLst>
-          </p:cNvPr>
-          <p:cNvSpPr/>
-          <p:nvPr/>
-        </p:nvSpPr>
-        <p:spPr>
-          <a:xfrm>
-            <a:off x="4793682" y="3780482"/>
-            <a:ext cx="1452642" cy="461665"/>
-          </a:xfrm>
-          <a:prstGeom prst="rect">
-            <a:avLst/>
-          </a:prstGeom>
-        </p:spPr>
-        <p:txBody>
-          <a:bodyPr wrap="none">
-            <a:spAutoFit/>
-          </a:bodyPr>
-          <a:lstStyle/>
-          <a:p>
-            <a:r>
-              <a:rPr lang="en-US" sz="2400" i="1" dirty="0"/>
-              <a:t>Say hello</a:t>
-            </a:r>
-          </a:p>
-        </p:txBody>
-      </p:sp>
-      <p:sp>
-        <p:nvSpPr>
-          <p:cNvPr id="11" name="Rectangle 10">
-            <a:extLst>
-              <a:ext uri="{FF2B5EF4-FFF2-40B4-BE49-F238E27FC236}">
-                <a16:creationId xmlns:a16="http://schemas.microsoft.com/office/drawing/2014/main" id="{929D612E-9865-3146-B3FE-F445ABC0D336}"/>
-              </a:ext>
-            </a:extLst>
-          </p:cNvPr>
-          <p:cNvSpPr/>
-          <p:nvPr/>
-        </p:nvSpPr>
-        <p:spPr>
-          <a:xfrm>
-            <a:off x="6844454" y="3780482"/>
-            <a:ext cx="2563522" cy="461665"/>
-          </a:xfrm>
-          <a:prstGeom prst="rect">
-            <a:avLst/>
-          </a:prstGeom>
-        </p:spPr>
-        <p:txBody>
-          <a:bodyPr wrap="none">
-            <a:spAutoFit/>
-          </a:bodyPr>
-          <a:lstStyle/>
-          <a:p>
-            <a:r>
-              <a:rPr lang="en-US" sz="2400" dirty="0">
-                <a:latin typeface="Consolas" panose="020B0609020204030204" pitchFamily="49" charset="0"/>
-                <a:cs typeface="Consolas" panose="020B0609020204030204" pitchFamily="49" charset="0"/>
-              </a:rPr>
-              <a:t>print("hello")</a:t>
-            </a:r>
-          </a:p>
-        </p:txBody>
-      </p:sp>
-      <p:sp>
-        <p:nvSpPr>
-          <p:cNvPr id="12" name="Rectangle 11">
-            <a:extLst>
-              <a:ext uri="{FF2B5EF4-FFF2-40B4-BE49-F238E27FC236}">
-                <a16:creationId xmlns:a16="http://schemas.microsoft.com/office/drawing/2014/main" id="{8EF3BD37-606B-9840-9546-0A374B8E021C}"/>
-              </a:ext>
-            </a:extLst>
-          </p:cNvPr>
-          <p:cNvSpPr/>
-          <p:nvPr/>
-        </p:nvSpPr>
-        <p:spPr>
-          <a:xfrm>
-            <a:off x="6253481" y="3711990"/>
-            <a:ext cx="534121" cy="584775"/>
-          </a:xfrm>
-          <a:prstGeom prst="rect">
-            <a:avLst/>
-          </a:prstGeom>
-        </p:spPr>
-        <p:txBody>
-          <a:bodyPr wrap="none">
-            <a:spAutoFit/>
-          </a:bodyPr>
-          <a:lstStyle/>
-          <a:p>
-            <a:r>
-              <a:rPr lang="en-US" sz="3200" i="1" dirty="0"/>
-              <a:t>☞</a:t>
-            </a:r>
-            <a:endParaRPr lang="en-US" sz="3200" dirty="0"/>
-          </a:p>
-        </p:txBody>
-      </p:sp>
-    </p:spTree>
-    <p:extLst>
-      <p:ext uri="{BB962C8B-B14F-4D97-AF65-F5344CB8AC3E}">
-        <p14:creationId xmlns:p14="http://schemas.microsoft.com/office/powerpoint/2010/main" val="1706022066"/>
-      </p:ext>
-    </p:extLst>
-  </p:cSld>
-  <p:clrMapOvr>
-    <a:masterClrMapping/>
-  </p:clrMapOvr>
-</p:sld>
-</file>
-
-<file path=ppt/slides/slide3.xml><?xml version="1.0" encoding="utf-8"?>
-<p:sld xmlns:a="http://schemas.openxmlformats.org/drawingml/2006/main" xmlns:r="http://schemas.openxmlformats.org/officeDocument/2006/relationships" xmlns:p="http://schemas.openxmlformats.org/presentationml/2006/main">
-  <p:cSld>
-    <p:spTree>
-      <p:nvGrpSpPr>
-        <p:cNvPr id="1" name=""/>
-        <p:cNvGrpSpPr/>
-        <p:nvPr/>
-      </p:nvGrpSpPr>
-      <p:grpSpPr>
-        <a:xfrm>
-          <a:off x="0" y="0"/>
-          <a:ext cx="0" cy="0"/>
-          <a:chOff x="0" y="0"/>
-          <a:chExt cx="0" cy="0"/>
-        </a:xfrm>
-      </p:grpSpPr>
-      <p:sp>
-        <p:nvSpPr>
-          <p:cNvPr id="2" name="Title 1">
-            <a:extLst>
-              <a:ext uri="{FF2B5EF4-FFF2-40B4-BE49-F238E27FC236}">
-                <a16:creationId xmlns:a16="http://schemas.microsoft.com/office/drawing/2014/main" id="{ABA55DBF-9213-9846-9B0F-9B8F415F005B}"/>
-              </a:ext>
-            </a:extLst>
-          </p:cNvPr>
-          <p:cNvSpPr>
-            <a:spLocks noGrp="1"/>
-          </p:cNvSpPr>
-          <p:nvPr>
-            <p:ph type="title"/>
-          </p:nvPr>
-        </p:nvSpPr>
-        <p:spPr/>
-        <p:txBody>
-          <a:bodyPr/>
-          <a:lstStyle/>
-          <a:p>
-            <a:r>
-              <a:rPr lang="en-US" dirty="0"/>
-              <a:t>What's the hard part?</a:t>
-            </a:r>
-          </a:p>
-        </p:txBody>
-      </p:sp>
-      <p:sp>
-        <p:nvSpPr>
-          <p:cNvPr id="3" name="Content Placeholder 2">
-            <a:extLst>
-              <a:ext uri="{FF2B5EF4-FFF2-40B4-BE49-F238E27FC236}">
-                <a16:creationId xmlns:a16="http://schemas.microsoft.com/office/drawing/2014/main" id="{788E045B-3CFE-D140-9275-DC93BF8EC99A}"/>
-              </a:ext>
-            </a:extLst>
-          </p:cNvPr>
-          <p:cNvSpPr>
-            <a:spLocks noGrp="1"/>
-          </p:cNvSpPr>
-          <p:nvPr>
-            <p:ph idx="1"/>
-          </p:nvPr>
-        </p:nvSpPr>
-        <p:spPr>
-          <a:xfrm>
-            <a:off x="838200" y="1531917"/>
-            <a:ext cx="10515600" cy="4645046"/>
-          </a:xfrm>
-        </p:spPr>
-        <p:txBody>
-          <a:bodyPr>
-            <a:normAutofit fontScale="92500" lnSpcReduction="10000"/>
-          </a:bodyPr>
-          <a:lstStyle/>
-          <a:p>
-            <a:r>
-              <a:rPr lang="en-US" dirty="0"/>
-              <a:t>Programming is mostly about converting "word problems" (project descriptions) to algorithms or work plans</a:t>
-            </a:r>
-          </a:p>
-          <a:p>
-            <a:r>
-              <a:rPr lang="en-US" dirty="0"/>
-              <a:t>We immediately think about programming languages because we express ourselves using specific language syntax but…</a:t>
-            </a:r>
-          </a:p>
-          <a:p>
-            <a:r>
-              <a:rPr lang="en-US" dirty="0"/>
-              <a:t>Programming is more about </a:t>
-            </a:r>
-            <a:r>
-              <a:rPr lang="en-US" i="1" dirty="0"/>
-              <a:t>what</a:t>
-            </a:r>
-            <a:r>
-              <a:rPr lang="en-US" dirty="0"/>
-              <a:t> to say, and in what order, rather than </a:t>
-            </a:r>
-            <a:r>
-              <a:rPr lang="en-US" i="1" dirty="0"/>
-              <a:t>how</a:t>
-            </a:r>
-            <a:r>
-              <a:rPr lang="en-US" dirty="0"/>
-              <a:t> to say it</a:t>
-            </a:r>
-          </a:p>
-          <a:p>
-            <a:pPr lvl="1"/>
-            <a:r>
-              <a:rPr lang="en-US" dirty="0"/>
-              <a:t>You'll eventually get fast at Python coding and using libraries</a:t>
-            </a:r>
-          </a:p>
-          <a:p>
-            <a:pPr lvl="1"/>
-            <a:r>
-              <a:rPr lang="en-US" dirty="0"/>
-              <a:t>It'll always be harder to design a sequence of steps that solves a data science problem (or other) than it is to code</a:t>
-            </a:r>
-          </a:p>
-          <a:p>
-            <a:pPr lvl="1"/>
-            <a:r>
-              <a:rPr lang="en-US" dirty="0"/>
-              <a:t>I remember being confronted with my first programming task (using BASIC in 1979!) and drawing a complete blank even though I knew BASIC syntax</a:t>
-            </a:r>
-          </a:p>
-          <a:p>
-            <a:r>
-              <a:rPr lang="en-US" dirty="0"/>
-              <a:t>Don't worry: we will study lots of patterns and strategies as aids</a:t>
-            </a:r>
-          </a:p>
-        </p:txBody>
-      </p:sp>
-    </p:spTree>
-    <p:extLst>
-      <p:ext uri="{BB962C8B-B14F-4D97-AF65-F5344CB8AC3E}">
-        <p14:creationId xmlns:p14="http://schemas.microsoft.com/office/powerpoint/2010/main" val="4017373682"/>
-      </p:ext>
-    </p:extLst>
-  </p:cSld>
-  <p:clrMapOvr>
-    <a:masterClrMapping/>
-  </p:clrMapOvr>
-</p:sld>
-</file>
-
-<file path=ppt/slides/slide4.xml><?xml version="1.0" encoding="utf-8"?>
-<p:sld xmlns:a="http://schemas.openxmlformats.org/drawingml/2006/main" xmlns:r="http://schemas.openxmlformats.org/officeDocument/2006/relationships" xmlns:p="http://schemas.openxmlformats.org/presentationml/2006/main">
-  <p:cSld>
-    <p:spTree>
-      <p:nvGrpSpPr>
-        <p:cNvPr id="1" name=""/>
-        <p:cNvGrpSpPr/>
-        <p:nvPr/>
-      </p:nvGrpSpPr>
-      <p:grpSpPr>
-        <a:xfrm>
-          <a:off x="0" y="0"/>
-          <a:ext cx="0" cy="0"/>
-          <a:chOff x="0" y="0"/>
-          <a:chExt cx="0" cy="0"/>
-        </a:xfrm>
-      </p:grpSpPr>
-      <p:sp>
-        <p:nvSpPr>
-          <p:cNvPr id="2" name="Title 1">
-            <a:extLst>
-              <a:ext uri="{FF2B5EF4-FFF2-40B4-BE49-F238E27FC236}">
-                <a16:creationId xmlns:a16="http://schemas.microsoft.com/office/drawing/2014/main" id="{108DE35E-E5B3-9643-8E19-2A732FF91190}"/>
-              </a:ext>
-            </a:extLst>
-          </p:cNvPr>
-          <p:cNvSpPr>
-            <a:spLocks noGrp="1"/>
-          </p:cNvSpPr>
-          <p:nvPr>
-            <p:ph type="title"/>
-          </p:nvPr>
-        </p:nvSpPr>
-        <p:spPr/>
-        <p:txBody>
-          <a:bodyPr/>
-          <a:lstStyle/>
-          <a:p>
-            <a:r>
-              <a:rPr lang="en-US" dirty="0"/>
-              <a:t>Concrete first steps</a:t>
-            </a:r>
-          </a:p>
-        </p:txBody>
-      </p:sp>
-      <p:sp>
-        <p:nvSpPr>
-          <p:cNvPr id="3" name="Content Placeholder 2">
-            <a:extLst>
-              <a:ext uri="{FF2B5EF4-FFF2-40B4-BE49-F238E27FC236}">
-                <a16:creationId xmlns:a16="http://schemas.microsoft.com/office/drawing/2014/main" id="{7550724E-F55A-7043-A4F7-87A4E8005379}"/>
-              </a:ext>
-            </a:extLst>
-          </p:cNvPr>
-          <p:cNvSpPr>
-            <a:spLocks noGrp="1"/>
-          </p:cNvSpPr>
-          <p:nvPr>
-            <p:ph idx="1"/>
-          </p:nvPr>
-        </p:nvSpPr>
-        <p:spPr>
-          <a:xfrm>
-            <a:off x="838199" y="1825625"/>
-            <a:ext cx="10609613" cy="4351338"/>
-          </a:xfrm>
-        </p:spPr>
-        <p:txBody>
-          <a:bodyPr/>
-          <a:lstStyle/>
-          <a:p>
-            <a:r>
-              <a:rPr lang="en-US" dirty="0"/>
-              <a:t>Programming is more about design, rather than coding details, but it's much easier to learn programming by actually speaking Python (e.g., we begin learning a foreign language by memorizing a few key phrases like "</a:t>
-            </a:r>
-            <a:r>
-              <a:rPr lang="en-US" i="1" dirty="0"/>
-              <a:t>May I have a beer?</a:t>
-            </a:r>
-            <a:r>
-              <a:rPr lang="en-US" dirty="0"/>
-              <a:t>")</a:t>
-            </a:r>
-          </a:p>
-          <a:p>
-            <a:r>
-              <a:rPr lang="en-US" dirty="0"/>
-              <a:t>Let's get started by looking at the key pieces we have at our disposal and then we can learn some basic Python and write some simple programs</a:t>
-            </a:r>
-          </a:p>
-        </p:txBody>
-      </p:sp>
-    </p:spTree>
-    <p:extLst>
-      <p:ext uri="{BB962C8B-B14F-4D97-AF65-F5344CB8AC3E}">
-        <p14:creationId xmlns:p14="http://schemas.microsoft.com/office/powerpoint/2010/main" val="3286520937"/>
-      </p:ext>
-    </p:extLst>
-  </p:cSld>
-  <p:clrMapOvr>
-    <a:masterClrMapping/>
-  </p:clrMapOvr>
-</p:sld>
-</file>
-
-<file path=ppt/slides/slide5.xml><?xml version="1.0" encoding="utf-8"?>
-<p:sld xmlns:a="http://schemas.openxmlformats.org/drawingml/2006/main" xmlns:r="http://schemas.openxmlformats.org/officeDocument/2006/relationships" xmlns:p="http://schemas.openxmlformats.org/presentationml/2006/main">
-  <p:cSld>
-    <p:spTree>
-      <p:nvGrpSpPr>
-        <p:cNvPr id="1" name=""/>
-        <p:cNvGrpSpPr/>
-        <p:nvPr/>
-      </p:nvGrpSpPr>
-      <p:grpSpPr>
-        <a:xfrm>
-          <a:off x="0" y="0"/>
-          <a:ext cx="0" cy="0"/>
-          <a:chOff x="0" y="0"/>
-          <a:chExt cx="0" cy="0"/>
-        </a:xfrm>
-      </p:grpSpPr>
-      <p:sp>
-        <p:nvSpPr>
-          <p:cNvPr id="2" name="Title 1">
-            <a:extLst>
-              <a:ext uri="{FF2B5EF4-FFF2-40B4-BE49-F238E27FC236}">
-                <a16:creationId xmlns:a16="http://schemas.microsoft.com/office/drawing/2014/main" id="{DFDE96C8-F3D0-804C-91E9-19E8934D59D4}"/>
-              </a:ext>
-            </a:extLst>
-          </p:cNvPr>
-          <p:cNvSpPr>
-            <a:spLocks noGrp="1"/>
-          </p:cNvSpPr>
-          <p:nvPr>
-            <p:ph type="title"/>
-          </p:nvPr>
-        </p:nvSpPr>
-        <p:spPr/>
-        <p:txBody>
-          <a:bodyPr/>
-          <a:lstStyle/>
-          <a:p>
-            <a:r>
-              <a:rPr lang="en-US" dirty="0"/>
-              <a:t>Most important programming concepts</a:t>
-            </a:r>
-          </a:p>
-        </p:txBody>
-      </p:sp>
-      <p:sp>
-        <p:nvSpPr>
-          <p:cNvPr id="3" name="Content Placeholder 2">
-            <a:extLst>
-              <a:ext uri="{FF2B5EF4-FFF2-40B4-BE49-F238E27FC236}">
-                <a16:creationId xmlns:a16="http://schemas.microsoft.com/office/drawing/2014/main" id="{F29C745D-A102-CC46-8CA2-413258559D7E}"/>
-              </a:ext>
-            </a:extLst>
-          </p:cNvPr>
-          <p:cNvSpPr>
-            <a:spLocks noGrp="1"/>
-          </p:cNvSpPr>
-          <p:nvPr>
-            <p:ph idx="1"/>
-          </p:nvPr>
-        </p:nvSpPr>
-        <p:spPr>
-          <a:xfrm>
-            <a:off x="838200" y="1496291"/>
-            <a:ext cx="10515600" cy="4680672"/>
-          </a:xfrm>
-        </p:spPr>
-        <p:txBody>
-          <a:bodyPr>
-            <a:normAutofit/>
-          </a:bodyPr>
-          <a:lstStyle/>
-          <a:p>
-            <a:r>
-              <a:rPr lang="en-US" dirty="0"/>
-              <a:t>Order of operations (</a:t>
-            </a:r>
-            <a:r>
-              <a:rPr lang="en-US" i="1" dirty="0"/>
-              <a:t>control-flow</a:t>
-            </a:r>
-            <a:r>
-              <a:rPr lang="en-US" dirty="0"/>
-              <a:t>)</a:t>
-            </a:r>
-          </a:p>
           <a:p>
             <a:r>
               <a:rPr lang="en-US" dirty="0"/>
               <a:t>Representing data in memory</a:t>
             </a:r>
           </a:p>
-          <a:p>
-            <a:r>
-              <a:rPr lang="en-US" dirty="0"/>
-              <a:t>Batch execution vs interactive execution</a:t>
-            </a:r>
-          </a:p>
-          <a:p>
-            <a:r>
-              <a:rPr lang="en-US" dirty="0"/>
-              <a:t>Aggregating instructions into reusable methods</a:t>
-            </a:r>
-          </a:p>
-          <a:p>
-            <a:r>
-              <a:rPr lang="en-US" dirty="0"/>
-              <a:t>Aggregating instructions and methods into modules (.</a:t>
-            </a:r>
-            <a:r>
-              <a:rPr lang="en-US" dirty="0" err="1"/>
-              <a:t>py</a:t>
-            </a:r>
-            <a:r>
-              <a:rPr lang="en-US" dirty="0"/>
-              <a:t> files)</a:t>
-            </a:r>
-          </a:p>
-          <a:p>
-            <a:r>
-              <a:rPr lang="en-US" dirty="0"/>
-              <a:t>Object-oriented (OO) programming (aggregating data, methods)</a:t>
-            </a:r>
-          </a:p>
-          <a:p>
-            <a:endParaRPr lang="en-US" dirty="0"/>
-          </a:p>
-        </p:txBody>
-      </p:sp>
-    </p:spTree>
-    <p:extLst>
-      <p:ext uri="{BB962C8B-B14F-4D97-AF65-F5344CB8AC3E}">
-        <p14:creationId xmlns:p14="http://schemas.microsoft.com/office/powerpoint/2010/main" val="3884249230"/>
-      </p:ext>
-    </p:extLst>
-  </p:cSld>
-  <p:clrMapOvr>
-    <a:masterClrMapping/>
-  </p:clrMapOvr>
-</p:sld>
-</file>
-
-<file path=ppt/slides/slide6.xml><?xml version="1.0" encoding="utf-8"?>
-<p:sld xmlns:a="http://schemas.openxmlformats.org/drawingml/2006/main" xmlns:r="http://schemas.openxmlformats.org/officeDocument/2006/relationships" xmlns:p="http://schemas.openxmlformats.org/presentationml/2006/main">
-  <p:cSld>
-    <p:spTree>
-      <p:nvGrpSpPr>
-        <p:cNvPr id="1" name=""/>
-        <p:cNvGrpSpPr/>
-        <p:nvPr/>
-      </p:nvGrpSpPr>
-      <p:grpSpPr>
-        <a:xfrm>
-          <a:off x="0" y="0"/>
-          <a:ext cx="0" cy="0"/>
-          <a:chOff x="0" y="0"/>
-          <a:chExt cx="0" cy="0"/>
-        </a:xfrm>
-      </p:grpSpPr>
-      <p:sp>
-        <p:nvSpPr>
-          <p:cNvPr id="2" name="Title 1">
-            <a:extLst>
-              <a:ext uri="{FF2B5EF4-FFF2-40B4-BE49-F238E27FC236}">
-                <a16:creationId xmlns:a16="http://schemas.microsoft.com/office/drawing/2014/main" id="{45B6CC00-2EC0-F24C-A8B4-DCBE915E41E0}"/>
-              </a:ext>
-            </a:extLst>
-          </p:cNvPr>
-          <p:cNvSpPr>
-            <a:spLocks noGrp="1"/>
-          </p:cNvSpPr>
-          <p:nvPr>
-            <p:ph type="title"/>
-          </p:nvPr>
-        </p:nvSpPr>
-        <p:spPr>
-          <a:xfrm>
-            <a:off x="536448" y="365125"/>
-            <a:ext cx="10817352" cy="1049147"/>
-          </a:xfrm>
-        </p:spPr>
-        <p:txBody>
-          <a:bodyPr/>
-          <a:lstStyle/>
-          <a:p>
-            <a:r>
-              <a:rPr lang="en-US" dirty="0"/>
-              <a:t>Key concept: order of operations</a:t>
-            </a:r>
-          </a:p>
-        </p:txBody>
-      </p:sp>
-      <p:sp>
-        <p:nvSpPr>
-          <p:cNvPr id="3" name="Content Placeholder 2">
-            <a:extLst>
-              <a:ext uri="{FF2B5EF4-FFF2-40B4-BE49-F238E27FC236}">
-                <a16:creationId xmlns:a16="http://schemas.microsoft.com/office/drawing/2014/main" id="{C1D61198-ADE4-9841-A732-BAA0B5486BF1}"/>
-              </a:ext>
-            </a:extLst>
-          </p:cNvPr>
-          <p:cNvSpPr>
-            <a:spLocks noGrp="1"/>
-          </p:cNvSpPr>
-          <p:nvPr>
-            <p:ph idx="1"/>
-          </p:nvPr>
-        </p:nvSpPr>
-        <p:spPr>
-          <a:xfrm>
-            <a:off x="838200" y="1499616"/>
-            <a:ext cx="10515600" cy="4677347"/>
-          </a:xfrm>
-        </p:spPr>
-        <p:txBody>
-          <a:bodyPr/>
-          <a:lstStyle/>
-          <a:p>
-            <a:r>
-              <a:rPr lang="en-US" dirty="0"/>
-              <a:t>Order is critical</a:t>
-            </a:r>
-            <a:br>
-              <a:rPr lang="en-US" dirty="0"/>
-            </a:br>
-            <a:r>
-              <a:rPr lang="en-US" dirty="0"/>
-              <a:t>Example: get license, buy car, drive car</a:t>
-            </a:r>
-          </a:p>
-        </p:txBody>
-      </p:sp>
-      <p:pic>
-        <p:nvPicPr>
-          <p:cNvPr id="14" name="Picture 13">
-            <a:extLst>
-              <a:ext uri="{FF2B5EF4-FFF2-40B4-BE49-F238E27FC236}">
-                <a16:creationId xmlns:a16="http://schemas.microsoft.com/office/drawing/2014/main" id="{F0B15AFE-3F19-0544-860C-29069F9F6DDE}"/>
-              </a:ext>
-            </a:extLst>
-          </p:cNvPr>
-          <p:cNvPicPr>
-            <a:picLocks noChangeAspect="1"/>
-          </p:cNvPicPr>
-          <p:nvPr/>
-        </p:nvPicPr>
-        <p:blipFill>
-          <a:blip r:embed="rId2"/>
-          <a:stretch>
-            <a:fillRect/>
-          </a:stretch>
-        </p:blipFill>
-        <p:spPr>
-          <a:xfrm>
-            <a:off x="9101265" y="9017"/>
-            <a:ext cx="3090735" cy="2229773"/>
-          </a:xfrm>
-          <a:prstGeom prst="rect">
-            <a:avLst/>
-          </a:prstGeom>
-        </p:spPr>
-      </p:pic>
-      <p:pic>
-        <p:nvPicPr>
-          <p:cNvPr id="15" name="Picture 14">
-            <a:extLst>
-              <a:ext uri="{FF2B5EF4-FFF2-40B4-BE49-F238E27FC236}">
-                <a16:creationId xmlns:a16="http://schemas.microsoft.com/office/drawing/2014/main" id="{FD5EBD3A-5D74-4040-A814-03DB6C7D513A}"/>
-              </a:ext>
-            </a:extLst>
-          </p:cNvPr>
-          <p:cNvPicPr>
-            <a:picLocks noChangeAspect="1"/>
-          </p:cNvPicPr>
-          <p:nvPr/>
-        </p:nvPicPr>
-        <p:blipFill>
-          <a:blip r:embed="rId3"/>
-          <a:stretch>
-            <a:fillRect/>
-          </a:stretch>
-        </p:blipFill>
-        <p:spPr>
-          <a:xfrm>
-            <a:off x="1525763" y="2324134"/>
-            <a:ext cx="1858324" cy="4048492"/>
-          </a:xfrm>
-          <a:prstGeom prst="rect">
-            <a:avLst/>
-          </a:prstGeom>
-        </p:spPr>
-      </p:pic>
-      <p:pic>
-        <p:nvPicPr>
-          <p:cNvPr id="16" name="Picture 15">
-            <a:extLst>
-              <a:ext uri="{FF2B5EF4-FFF2-40B4-BE49-F238E27FC236}">
-                <a16:creationId xmlns:a16="http://schemas.microsoft.com/office/drawing/2014/main" id="{8C0ADFA2-6AFE-1B42-B593-7735F33BB2E0}"/>
-              </a:ext>
-            </a:extLst>
-          </p:cNvPr>
-          <p:cNvPicPr>
-            <a:picLocks noChangeAspect="1"/>
-          </p:cNvPicPr>
-          <p:nvPr/>
-        </p:nvPicPr>
-        <p:blipFill>
-          <a:blip r:embed="rId4"/>
-          <a:stretch>
-            <a:fillRect/>
-          </a:stretch>
-        </p:blipFill>
-        <p:spPr>
-          <a:xfrm>
-            <a:off x="6142871" y="2321944"/>
-            <a:ext cx="2455642" cy="4048491"/>
-          </a:xfrm>
-          <a:prstGeom prst="rect">
-            <a:avLst/>
-          </a:prstGeom>
-        </p:spPr>
-      </p:pic>
-      <p:pic>
-        <p:nvPicPr>
-          <p:cNvPr id="17" name="Picture 16">
-            <a:extLst>
-              <a:ext uri="{FF2B5EF4-FFF2-40B4-BE49-F238E27FC236}">
-                <a16:creationId xmlns:a16="http://schemas.microsoft.com/office/drawing/2014/main" id="{10178AC4-0EAD-8647-A657-7FBA1DDC09FA}"/>
-              </a:ext>
-            </a:extLst>
-          </p:cNvPr>
-          <p:cNvPicPr>
-            <a:picLocks noChangeAspect="1"/>
-          </p:cNvPicPr>
-          <p:nvPr/>
-        </p:nvPicPr>
-        <p:blipFill>
-          <a:blip r:embed="rId5"/>
-          <a:stretch>
-            <a:fillRect/>
-          </a:stretch>
-        </p:blipFill>
-        <p:spPr>
-          <a:xfrm>
-            <a:off x="9219744" y="2321944"/>
-            <a:ext cx="1128268" cy="4048491"/>
-          </a:xfrm>
-          <a:prstGeom prst="rect">
-            <a:avLst/>
-          </a:prstGeom>
-        </p:spPr>
-      </p:pic>
-      <p:pic>
-        <p:nvPicPr>
-          <p:cNvPr id="18" name="Picture 17">
-            <a:extLst>
-              <a:ext uri="{FF2B5EF4-FFF2-40B4-BE49-F238E27FC236}">
-                <a16:creationId xmlns:a16="http://schemas.microsoft.com/office/drawing/2014/main" id="{3C08D0BC-C3F1-9947-8564-619D7F3580A2}"/>
-              </a:ext>
-            </a:extLst>
-          </p:cNvPr>
-          <p:cNvPicPr>
-            <a:picLocks noChangeAspect="1"/>
-          </p:cNvPicPr>
-          <p:nvPr/>
-        </p:nvPicPr>
-        <p:blipFill>
-          <a:blip r:embed="rId6"/>
-          <a:stretch>
-            <a:fillRect/>
-          </a:stretch>
-        </p:blipFill>
-        <p:spPr>
-          <a:xfrm>
-            <a:off x="3557032" y="2324134"/>
-            <a:ext cx="2057430" cy="4048491"/>
-          </a:xfrm>
-          <a:prstGeom prst="rect">
-            <a:avLst/>
-          </a:prstGeom>
-        </p:spPr>
-      </p:pic>
-    </p:spTree>
-    <p:extLst>
-      <p:ext uri="{BB962C8B-B14F-4D97-AF65-F5344CB8AC3E}">
-        <p14:creationId xmlns:p14="http://schemas.microsoft.com/office/powerpoint/2010/main" val="4199238156"/>
-      </p:ext>
-    </p:extLst>
-  </p:cSld>
-  <p:clrMapOvr>
-    <a:masterClrMapping/>
-  </p:clrMapOvr>
-</p:sld>
-</file>
-
-<file path=ppt/slides/slide7.xml><?xml version="1.0" encoding="utf-8"?>
-<p:sld xmlns:a="http://schemas.openxmlformats.org/drawingml/2006/main" xmlns:r="http://schemas.openxmlformats.org/officeDocument/2006/relationships" xmlns:p="http://schemas.openxmlformats.org/presentationml/2006/main">
-  <p:cSld>
-    <p:spTree>
-      <p:nvGrpSpPr>
-        <p:cNvPr id="1" name=""/>
-        <p:cNvGrpSpPr/>
-        <p:nvPr/>
-      </p:nvGrpSpPr>
-      <p:grpSpPr>
-        <a:xfrm>
-          <a:off x="0" y="0"/>
-          <a:ext cx="0" cy="0"/>
-          <a:chOff x="0" y="0"/>
-          <a:chExt cx="0" cy="0"/>
-        </a:xfrm>
-      </p:grpSpPr>
-      <p:sp>
-        <p:nvSpPr>
-          <p:cNvPr id="2" name="Title 1">
-            <a:extLst>
-              <a:ext uri="{FF2B5EF4-FFF2-40B4-BE49-F238E27FC236}">
-                <a16:creationId xmlns:a16="http://schemas.microsoft.com/office/drawing/2014/main" id="{CA294642-0D43-E349-855E-216E5D5C3E05}"/>
-              </a:ext>
-            </a:extLst>
-          </p:cNvPr>
-          <p:cNvSpPr>
-            <a:spLocks noGrp="1"/>
-          </p:cNvSpPr>
-          <p:nvPr>
-            <p:ph type="title"/>
-          </p:nvPr>
-        </p:nvSpPr>
-        <p:spPr/>
-        <p:txBody>
-          <a:bodyPr/>
-          <a:lstStyle/>
-          <a:p>
-            <a:r>
-              <a:rPr lang="en-US" dirty="0"/>
-              <a:t>Interactive demos via </a:t>
-            </a:r>
-            <a:r>
-              <a:rPr lang="en-US" dirty="0" err="1"/>
-              <a:t>pythontutor.com</a:t>
-            </a:r>
-            <a:endParaRPr lang="en-US" dirty="0"/>
-          </a:p>
-        </p:txBody>
-      </p:sp>
-      <p:sp>
-        <p:nvSpPr>
-          <p:cNvPr id="3" name="Content Placeholder 2">
-            <a:extLst>
-              <a:ext uri="{FF2B5EF4-FFF2-40B4-BE49-F238E27FC236}">
-                <a16:creationId xmlns:a16="http://schemas.microsoft.com/office/drawing/2014/main" id="{BE8CBFB3-BD9F-7B47-9CF6-0EA2D9F7E701}"/>
-              </a:ext>
-            </a:extLst>
-          </p:cNvPr>
-          <p:cNvSpPr>
-            <a:spLocks noGrp="1"/>
-          </p:cNvSpPr>
-          <p:nvPr>
-            <p:ph idx="1"/>
-          </p:nvPr>
-        </p:nvSpPr>
-        <p:spPr/>
-        <p:txBody>
-          <a:bodyPr/>
-          <a:lstStyle/>
-          <a:p>
-            <a:r>
-              <a:rPr lang="en-US" dirty="0"/>
-              <a:t>Let's observe the sequence of operations and their effects:</a:t>
-            </a:r>
-          </a:p>
-          <a:p>
-            <a:pPr lvl="1"/>
-            <a:r>
-              <a:rPr lang="en-US" dirty="0">
-                <a:hlinkClick r:id="rId2"/>
-              </a:rPr>
-              <a:t>generate some output</a:t>
-            </a:r>
-            <a:endParaRPr lang="en-US" dirty="0">
-              <a:hlinkClick r:id="rId3"/>
-            </a:endParaRPr>
-          </a:p>
-          <a:p>
-            <a:pPr lvl="1"/>
-            <a:r>
-              <a:rPr lang="en-US" dirty="0">
-                <a:hlinkClick r:id="rId3"/>
-              </a:rPr>
-              <a:t>assignment creates and alters variables</a:t>
-            </a:r>
-            <a:endParaRPr lang="en-US" dirty="0"/>
-          </a:p>
-          <a:p>
-            <a:pPr lvl="1"/>
-            <a:r>
-              <a:rPr lang="en-US" dirty="0">
-                <a:hlinkClick r:id="rId4"/>
-              </a:rPr>
-              <a:t>types matter, operators are overloaded</a:t>
-            </a:r>
-            <a:endParaRPr lang="en-US" dirty="0"/>
-          </a:p>
-          <a:p>
-            <a:pPr lvl="1"/>
-            <a:r>
-              <a:rPr lang="en-US" dirty="0">
-                <a:hlinkClick r:id="rId5"/>
-              </a:rPr>
-              <a:t>simple conditional execution</a:t>
-            </a:r>
-            <a:r>
-              <a:rPr lang="en-US" dirty="0"/>
-              <a:t> </a:t>
-            </a:r>
-          </a:p>
-          <a:p>
-            <a:pPr lvl="1"/>
-            <a:r>
-              <a:rPr lang="en-US" dirty="0">
-                <a:hlinkClick r:id="rId6"/>
-              </a:rPr>
-              <a:t>else-clause</a:t>
-            </a:r>
-            <a:endParaRPr lang="en-US" dirty="0"/>
-          </a:p>
-          <a:p>
-            <a:pPr lvl="1"/>
-            <a:r>
-              <a:rPr lang="en-US" dirty="0">
-                <a:hlinkClick r:id="rId7"/>
-              </a:rPr>
-              <a:t>simple loop that updates variable</a:t>
-            </a:r>
-            <a:endParaRPr lang="en-US" dirty="0"/>
-          </a:p>
-          <a:p>
-            <a:pPr lvl="1"/>
-            <a:r>
-              <a:rPr lang="en-US" dirty="0">
-                <a:hlinkClick r:id="rId8"/>
-              </a:rPr>
-              <a:t>demo loop for powers of two</a:t>
-            </a:r>
-            <a:endParaRPr lang="en-US" dirty="0"/>
-          </a:p>
-        </p:txBody>
-      </p:sp>
-    </p:spTree>
-    <p:extLst>
-      <p:ext uri="{BB962C8B-B14F-4D97-AF65-F5344CB8AC3E}">
-        <p14:creationId xmlns:p14="http://schemas.microsoft.com/office/powerpoint/2010/main" val="3135406178"/>
-      </p:ext>
-    </p:extLst>
-  </p:cSld>
-  <p:clrMapOvr>
-    <a:masterClrMapping/>
-  </p:clrMapOvr>
-</p:sld>
-</file>
-
-<file path=ppt/slides/slide8.xml><?xml version="1.0" encoding="utf-8"?>
-<p:sld xmlns:a="http://schemas.openxmlformats.org/drawingml/2006/main" xmlns:r="http://schemas.openxmlformats.org/officeDocument/2006/relationships" xmlns:p="http://schemas.openxmlformats.org/presentationml/2006/main">
-  <p:cSld>
-    <p:spTree>
-      <p:nvGrpSpPr>
-        <p:cNvPr id="1" name=""/>
-        <p:cNvGrpSpPr/>
-        <p:nvPr/>
-      </p:nvGrpSpPr>
-      <p:grpSpPr>
-        <a:xfrm>
-          <a:off x="0" y="0"/>
-          <a:ext cx="0" cy="0"/>
-          <a:chOff x="0" y="0"/>
-          <a:chExt cx="0" cy="0"/>
-        </a:xfrm>
-      </p:grpSpPr>
-      <p:sp>
-        <p:nvSpPr>
-          <p:cNvPr id="2" name="Title 1">
-            <a:extLst>
-              <a:ext uri="{FF2B5EF4-FFF2-40B4-BE49-F238E27FC236}">
-                <a16:creationId xmlns:a16="http://schemas.microsoft.com/office/drawing/2014/main" id="{6D9D6EBD-320C-4A4B-AD52-D59620EC18B5}"/>
-              </a:ext>
-            </a:extLst>
-          </p:cNvPr>
-          <p:cNvSpPr>
-            <a:spLocks noGrp="1"/>
-          </p:cNvSpPr>
-          <p:nvPr>
-            <p:ph type="title"/>
-          </p:nvPr>
-        </p:nvSpPr>
-        <p:spPr/>
-        <p:txBody>
-          <a:bodyPr/>
-          <a:lstStyle/>
-          <a:p>
-            <a:r>
-              <a:rPr lang="en-US" dirty="0"/>
-              <a:t>Representing data in memory</a:t>
-            </a:r>
-          </a:p>
-        </p:txBody>
-      </p:sp>
-      <mc:AlternateContent xmlns:mc="http://schemas.openxmlformats.org/markup-compatibility/2006">
-        <mc:Choice xmlns:a14="http://schemas.microsoft.com/office/drawing/2010/main" Requires="a14">
+        </p:txBody>
+      </p:sp>
+      <mc:AlternateContent xmlns:mc="http://schemas.openxmlformats.org/markup-compatibility/2006" xmlns:a14="http://schemas.microsoft.com/office/drawing/2010/main">
+        <mc:Choice Requires="a14">
           <p:sp>
             <p:nvSpPr>
               <p:cNvPr id="3" name="Content Placeholder 2">
@@ -7390,7 +4234,7 @@
             </p:txBody>
           </p:sp>
         </mc:Choice>
-        <mc:Fallback>
+        <mc:Fallback xmlns="">
           <p:sp>
             <p:nvSpPr>
               <p:cNvPr id="3" name="Content Placeholder 2">
@@ -7541,7 +4385,7 @@
 </p:sld>
 </file>
 
-<file path=ppt/slides/slide9.xml><?xml version="1.0" encoding="utf-8"?>
+<file path=ppt/slides/slide11.xml><?xml version="1.0" encoding="utf-8"?>
 <p:sld xmlns:a="http://schemas.openxmlformats.org/drawingml/2006/main" xmlns:r="http://schemas.openxmlformats.org/officeDocument/2006/relationships" xmlns:p="http://schemas.openxmlformats.org/presentationml/2006/main">
   <p:cSld>
     <p:spTree>
@@ -7586,8 +4430,8 @@
           </a:p>
         </p:txBody>
       </p:sp>
-      <mc:AlternateContent xmlns:mc="http://schemas.openxmlformats.org/markup-compatibility/2006">
-        <mc:Choice xmlns:a14="http://schemas.microsoft.com/office/drawing/2010/main" Requires="a14">
+      <mc:AlternateContent xmlns:mc="http://schemas.openxmlformats.org/markup-compatibility/2006" xmlns:a14="http://schemas.microsoft.com/office/drawing/2010/main">
+        <mc:Choice Requires="a14">
           <p:sp>
             <p:nvSpPr>
               <p:cNvPr id="3" name="Content Placeholder 2">
@@ -7828,7 +4672,7 @@
             </p:txBody>
           </p:sp>
         </mc:Choice>
-        <mc:Fallback>
+        <mc:Fallback xmlns="">
           <p:sp>
             <p:nvSpPr>
               <p:cNvPr id="3" name="Content Placeholder 2">
@@ -7872,6 +4716,3574 @@
     <p:extLst>
       <p:ext uri="{BB962C8B-B14F-4D97-AF65-F5344CB8AC3E}">
         <p14:creationId xmlns:p14="http://schemas.microsoft.com/office/powerpoint/2010/main" val="2485434514"/>
+      </p:ext>
+    </p:extLst>
+  </p:cSld>
+  <p:clrMapOvr>
+    <a:masterClrMapping/>
+  </p:clrMapOvr>
+</p:sld>
+</file>
+
+<file path=ppt/slides/slide12.xml><?xml version="1.0" encoding="utf-8"?>
+<p:sld xmlns:a="http://schemas.openxmlformats.org/drawingml/2006/main" xmlns:r="http://schemas.openxmlformats.org/officeDocument/2006/relationships" xmlns:p="http://schemas.openxmlformats.org/presentationml/2006/main">
+  <p:cSld>
+    <p:spTree>
+      <p:nvGrpSpPr>
+        <p:cNvPr id="1" name=""/>
+        <p:cNvGrpSpPr/>
+        <p:nvPr/>
+      </p:nvGrpSpPr>
+      <p:grpSpPr>
+        <a:xfrm>
+          <a:off x="0" y="0"/>
+          <a:ext cx="0" cy="0"/>
+          <a:chOff x="0" y="0"/>
+          <a:chExt cx="0" cy="0"/>
+        </a:xfrm>
+      </p:grpSpPr>
+      <p:sp>
+        <p:nvSpPr>
+          <p:cNvPr id="2" name="Title 1">
+            <a:extLst>
+              <a:ext uri="{FF2B5EF4-FFF2-40B4-BE49-F238E27FC236}">
+                <a16:creationId xmlns:a16="http://schemas.microsoft.com/office/drawing/2014/main" id="{798830FE-33B5-8D47-9458-384B38DE602A}"/>
+              </a:ext>
+            </a:extLst>
+          </p:cNvPr>
+          <p:cNvSpPr>
+            <a:spLocks noGrp="1"/>
+          </p:cNvSpPr>
+          <p:nvPr>
+            <p:ph type="title"/>
+          </p:nvPr>
+        </p:nvSpPr>
+        <p:spPr/>
+        <p:txBody>
+          <a:bodyPr/>
+          <a:lstStyle/>
+          <a:p>
+            <a:r>
+              <a:rPr lang="en-US" dirty="0"/>
+              <a:t>Programming language view of memory</a:t>
+            </a:r>
+          </a:p>
+        </p:txBody>
+      </p:sp>
+      <p:sp>
+        <p:nvSpPr>
+          <p:cNvPr id="3" name="Content Placeholder 2">
+            <a:extLst>
+              <a:ext uri="{FF2B5EF4-FFF2-40B4-BE49-F238E27FC236}">
+                <a16:creationId xmlns:a16="http://schemas.microsoft.com/office/drawing/2014/main" id="{5F9979E1-8F9B-D940-84C2-9C4BD71AA369}"/>
+              </a:ext>
+            </a:extLst>
+          </p:cNvPr>
+          <p:cNvSpPr>
+            <a:spLocks noGrp="1"/>
+          </p:cNvSpPr>
+          <p:nvPr>
+            <p:ph idx="1"/>
+          </p:nvPr>
+        </p:nvSpPr>
+        <p:spPr/>
+        <p:txBody>
+          <a:bodyPr/>
+          <a:lstStyle/>
+          <a:p>
+            <a:r>
+              <a:rPr lang="en-US" dirty="0"/>
+              <a:t>Dealing with bytes is tedious; we prefer to group bytes into higher-level values, such as numbers and strings</a:t>
+            </a:r>
+          </a:p>
+          <a:p>
+            <a:endParaRPr lang="en-US" dirty="0"/>
+          </a:p>
+        </p:txBody>
+      </p:sp>
+      <p:pic>
+        <p:nvPicPr>
+          <p:cNvPr id="9" name="Picture 8">
+            <a:extLst>
+              <a:ext uri="{FF2B5EF4-FFF2-40B4-BE49-F238E27FC236}">
+                <a16:creationId xmlns:a16="http://schemas.microsoft.com/office/drawing/2014/main" id="{25BDCD72-5606-C44B-99AF-C4C9074CF068}"/>
+              </a:ext>
+            </a:extLst>
+          </p:cNvPr>
+          <p:cNvPicPr>
+            <a:picLocks noChangeAspect="1"/>
+          </p:cNvPicPr>
+          <p:nvPr/>
+        </p:nvPicPr>
+        <p:blipFill>
+          <a:blip r:embed="rId2"/>
+          <a:stretch>
+            <a:fillRect/>
+          </a:stretch>
+        </p:blipFill>
+        <p:spPr>
+          <a:xfrm>
+            <a:off x="7533642" y="4924393"/>
+            <a:ext cx="3238500" cy="1092200"/>
+          </a:xfrm>
+          <a:prstGeom prst="rect">
+            <a:avLst/>
+          </a:prstGeom>
+        </p:spPr>
+      </p:pic>
+      <p:pic>
+        <p:nvPicPr>
+          <p:cNvPr id="11" name="Picture 10">
+            <a:extLst>
+              <a:ext uri="{FF2B5EF4-FFF2-40B4-BE49-F238E27FC236}">
+                <a16:creationId xmlns:a16="http://schemas.microsoft.com/office/drawing/2014/main" id="{C591DE96-01B2-624C-94F2-1837B3B7A19D}"/>
+              </a:ext>
+            </a:extLst>
+          </p:cNvPr>
+          <p:cNvPicPr>
+            <a:picLocks noChangeAspect="1"/>
+          </p:cNvPicPr>
+          <p:nvPr/>
+        </p:nvPicPr>
+        <p:blipFill>
+          <a:blip r:embed="rId3"/>
+          <a:stretch>
+            <a:fillRect/>
+          </a:stretch>
+        </p:blipFill>
+        <p:spPr>
+          <a:xfrm>
+            <a:off x="1207515" y="3125723"/>
+            <a:ext cx="2833915" cy="1337129"/>
+          </a:xfrm>
+          <a:prstGeom prst="rect">
+            <a:avLst/>
+          </a:prstGeom>
+        </p:spPr>
+      </p:pic>
+      <p:pic>
+        <p:nvPicPr>
+          <p:cNvPr id="13" name="Picture 12">
+            <a:extLst>
+              <a:ext uri="{FF2B5EF4-FFF2-40B4-BE49-F238E27FC236}">
+                <a16:creationId xmlns:a16="http://schemas.microsoft.com/office/drawing/2014/main" id="{6324F51F-0644-9F48-85D6-CBFD038321F1}"/>
+              </a:ext>
+            </a:extLst>
+          </p:cNvPr>
+          <p:cNvPicPr>
+            <a:picLocks noChangeAspect="1"/>
+          </p:cNvPicPr>
+          <p:nvPr/>
+        </p:nvPicPr>
+        <p:blipFill>
+          <a:blip r:embed="rId4"/>
+          <a:stretch>
+            <a:fillRect/>
+          </a:stretch>
+        </p:blipFill>
+        <p:spPr>
+          <a:xfrm>
+            <a:off x="5568950" y="3125724"/>
+            <a:ext cx="1473200" cy="1244600"/>
+          </a:xfrm>
+          <a:prstGeom prst="rect">
+            <a:avLst/>
+          </a:prstGeom>
+        </p:spPr>
+      </p:pic>
+      <p:pic>
+        <p:nvPicPr>
+          <p:cNvPr id="15" name="Picture 14">
+            <a:extLst>
+              <a:ext uri="{FF2B5EF4-FFF2-40B4-BE49-F238E27FC236}">
+                <a16:creationId xmlns:a16="http://schemas.microsoft.com/office/drawing/2014/main" id="{8C659597-EC57-F64D-9853-ACECBF76705A}"/>
+              </a:ext>
+            </a:extLst>
+          </p:cNvPr>
+          <p:cNvPicPr>
+            <a:picLocks noChangeAspect="1"/>
+          </p:cNvPicPr>
+          <p:nvPr/>
+        </p:nvPicPr>
+        <p:blipFill>
+          <a:blip r:embed="rId5"/>
+          <a:stretch>
+            <a:fillRect/>
+          </a:stretch>
+        </p:blipFill>
+        <p:spPr>
+          <a:xfrm>
+            <a:off x="1219708" y="4823587"/>
+            <a:ext cx="3113314" cy="977900"/>
+          </a:xfrm>
+          <a:prstGeom prst="rect">
+            <a:avLst/>
+          </a:prstGeom>
+        </p:spPr>
+      </p:pic>
+      <p:pic>
+        <p:nvPicPr>
+          <p:cNvPr id="17" name="Picture 16">
+            <a:extLst>
+              <a:ext uri="{FF2B5EF4-FFF2-40B4-BE49-F238E27FC236}">
+                <a16:creationId xmlns:a16="http://schemas.microsoft.com/office/drawing/2014/main" id="{E2BC623C-C63C-0E47-B4AC-779CAF7855E4}"/>
+              </a:ext>
+            </a:extLst>
+          </p:cNvPr>
+          <p:cNvPicPr>
+            <a:picLocks noChangeAspect="1"/>
+          </p:cNvPicPr>
+          <p:nvPr/>
+        </p:nvPicPr>
+        <p:blipFill>
+          <a:blip r:embed="rId6"/>
+          <a:stretch>
+            <a:fillRect/>
+          </a:stretch>
+        </p:blipFill>
+        <p:spPr>
+          <a:xfrm>
+            <a:off x="5581142" y="4950587"/>
+            <a:ext cx="1676400" cy="850900"/>
+          </a:xfrm>
+          <a:prstGeom prst="rect">
+            <a:avLst/>
+          </a:prstGeom>
+        </p:spPr>
+      </p:pic>
+      <p:sp>
+        <p:nvSpPr>
+          <p:cNvPr id="18" name="TextBox 17">
+            <a:extLst>
+              <a:ext uri="{FF2B5EF4-FFF2-40B4-BE49-F238E27FC236}">
+                <a16:creationId xmlns:a16="http://schemas.microsoft.com/office/drawing/2014/main" id="{CE62E8F1-CF26-304B-96FB-08DB3391168E}"/>
+              </a:ext>
+            </a:extLst>
+          </p:cNvPr>
+          <p:cNvSpPr txBox="1"/>
+          <p:nvPr/>
+        </p:nvSpPr>
+        <p:spPr>
+          <a:xfrm>
+            <a:off x="8569670" y="2821011"/>
+            <a:ext cx="2443298" cy="461665"/>
+          </a:xfrm>
+          <a:prstGeom prst="rect">
+            <a:avLst/>
+          </a:prstGeom>
+          <a:noFill/>
+        </p:spPr>
+        <p:txBody>
+          <a:bodyPr wrap="none" rtlCol="0">
+            <a:spAutoFit/>
+          </a:bodyPr>
+          <a:lstStyle/>
+          <a:p>
+            <a:r>
+              <a:rPr lang="en-US" sz="2400" dirty="0"/>
+              <a:t>Might be 4 bytes</a:t>
+            </a:r>
+          </a:p>
+        </p:txBody>
+      </p:sp>
+      <p:cxnSp>
+        <p:nvCxnSpPr>
+          <p:cNvPr id="20" name="Straight Arrow Connector 19">
+            <a:extLst>
+              <a:ext uri="{FF2B5EF4-FFF2-40B4-BE49-F238E27FC236}">
+                <a16:creationId xmlns:a16="http://schemas.microsoft.com/office/drawing/2014/main" id="{B0500480-DF40-C34E-8ECF-B2FD7B0BA5C3}"/>
+              </a:ext>
+            </a:extLst>
+          </p:cNvPr>
+          <p:cNvCxnSpPr>
+            <a:cxnSpLocks/>
+            <a:stCxn id="18" idx="1"/>
+          </p:cNvCxnSpPr>
+          <p:nvPr/>
+        </p:nvCxnSpPr>
+        <p:spPr>
+          <a:xfrm flipH="1">
+            <a:off x="7042150" y="3051844"/>
+            <a:ext cx="1527520" cy="594490"/>
+          </a:xfrm>
+          <a:prstGeom prst="straightConnector1">
+            <a:avLst/>
+          </a:prstGeom>
+          <a:ln>
+            <a:tailEnd type="triangle"/>
+          </a:ln>
+        </p:spPr>
+        <p:style>
+          <a:lnRef idx="1">
+            <a:schemeClr val="accent1"/>
+          </a:lnRef>
+          <a:fillRef idx="0">
+            <a:schemeClr val="accent1"/>
+          </a:fillRef>
+          <a:effectRef idx="0">
+            <a:schemeClr val="accent1"/>
+          </a:effectRef>
+          <a:fontRef idx="minor">
+            <a:schemeClr val="tx1"/>
+          </a:fontRef>
+        </p:style>
+      </p:cxnSp>
+      <p:cxnSp>
+        <p:nvCxnSpPr>
+          <p:cNvPr id="22" name="Straight Arrow Connector 21">
+            <a:extLst>
+              <a:ext uri="{FF2B5EF4-FFF2-40B4-BE49-F238E27FC236}">
+                <a16:creationId xmlns:a16="http://schemas.microsoft.com/office/drawing/2014/main" id="{4437DA76-B346-6C40-A9BB-C9EBF55D2137}"/>
+              </a:ext>
+            </a:extLst>
+          </p:cNvPr>
+          <p:cNvCxnSpPr>
+            <a:cxnSpLocks/>
+            <a:stCxn id="18" idx="1"/>
+          </p:cNvCxnSpPr>
+          <p:nvPr/>
+        </p:nvCxnSpPr>
+        <p:spPr>
+          <a:xfrm flipH="1">
+            <a:off x="7042150" y="3051844"/>
+            <a:ext cx="1527520" cy="1056860"/>
+          </a:xfrm>
+          <a:prstGeom prst="straightConnector1">
+            <a:avLst/>
+          </a:prstGeom>
+          <a:ln>
+            <a:tailEnd type="triangle"/>
+          </a:ln>
+        </p:spPr>
+        <p:style>
+          <a:lnRef idx="1">
+            <a:schemeClr val="accent1"/>
+          </a:lnRef>
+          <a:fillRef idx="0">
+            <a:schemeClr val="accent1"/>
+          </a:fillRef>
+          <a:effectRef idx="0">
+            <a:schemeClr val="accent1"/>
+          </a:effectRef>
+          <a:fontRef idx="minor">
+            <a:schemeClr val="tx1"/>
+          </a:fontRef>
+        </p:style>
+      </p:cxnSp>
+      <p:sp>
+        <p:nvSpPr>
+          <p:cNvPr id="25" name="TextBox 24">
+            <a:extLst>
+              <a:ext uri="{FF2B5EF4-FFF2-40B4-BE49-F238E27FC236}">
+                <a16:creationId xmlns:a16="http://schemas.microsoft.com/office/drawing/2014/main" id="{8EE529F3-391F-3F4B-8A47-F44BB9ABEB79}"/>
+              </a:ext>
+            </a:extLst>
+          </p:cNvPr>
+          <p:cNvSpPr txBox="1"/>
+          <p:nvPr/>
+        </p:nvSpPr>
+        <p:spPr>
+          <a:xfrm>
+            <a:off x="8569670" y="3637426"/>
+            <a:ext cx="3198311" cy="461665"/>
+          </a:xfrm>
+          <a:prstGeom prst="rect">
+            <a:avLst/>
+          </a:prstGeom>
+          <a:noFill/>
+        </p:spPr>
+        <p:txBody>
+          <a:bodyPr wrap="none" rtlCol="0">
+            <a:spAutoFit/>
+          </a:bodyPr>
+          <a:lstStyle/>
+          <a:p>
+            <a:r>
+              <a:rPr lang="en-US" sz="2400" dirty="0"/>
+              <a:t>5 bytes plus overhead</a:t>
+            </a:r>
+          </a:p>
+        </p:txBody>
+      </p:sp>
+      <p:cxnSp>
+        <p:nvCxnSpPr>
+          <p:cNvPr id="26" name="Straight Arrow Connector 25">
+            <a:extLst>
+              <a:ext uri="{FF2B5EF4-FFF2-40B4-BE49-F238E27FC236}">
+                <a16:creationId xmlns:a16="http://schemas.microsoft.com/office/drawing/2014/main" id="{C7F12E8F-64B3-784D-B96E-4C3CDEB7A021}"/>
+              </a:ext>
+            </a:extLst>
+          </p:cNvPr>
+          <p:cNvCxnSpPr>
+            <a:cxnSpLocks/>
+          </p:cNvCxnSpPr>
+          <p:nvPr/>
+        </p:nvCxnSpPr>
+        <p:spPr>
+          <a:xfrm>
+            <a:off x="9826280" y="4050062"/>
+            <a:ext cx="0" cy="1056860"/>
+          </a:xfrm>
+          <a:prstGeom prst="straightConnector1">
+            <a:avLst/>
+          </a:prstGeom>
+          <a:ln>
+            <a:tailEnd type="triangle"/>
+          </a:ln>
+        </p:spPr>
+        <p:style>
+          <a:lnRef idx="1">
+            <a:schemeClr val="accent1"/>
+          </a:lnRef>
+          <a:fillRef idx="0">
+            <a:schemeClr val="accent1"/>
+          </a:fillRef>
+          <a:effectRef idx="0">
+            <a:schemeClr val="accent1"/>
+          </a:effectRef>
+          <a:fontRef idx="minor">
+            <a:schemeClr val="tx1"/>
+          </a:fontRef>
+        </p:style>
+      </p:cxnSp>
+    </p:spTree>
+    <p:extLst>
+      <p:ext uri="{BB962C8B-B14F-4D97-AF65-F5344CB8AC3E}">
+        <p14:creationId xmlns:p14="http://schemas.microsoft.com/office/powerpoint/2010/main" val="2018532064"/>
+      </p:ext>
+    </p:extLst>
+  </p:cSld>
+  <p:clrMapOvr>
+    <a:masterClrMapping/>
+  </p:clrMapOvr>
+</p:sld>
+</file>
+
+<file path=ppt/slides/slide13.xml><?xml version="1.0" encoding="utf-8"?>
+<p:sld xmlns:a="http://schemas.openxmlformats.org/drawingml/2006/main" xmlns:r="http://schemas.openxmlformats.org/officeDocument/2006/relationships" xmlns:p="http://schemas.openxmlformats.org/presentationml/2006/main">
+  <p:cSld>
+    <p:spTree>
+      <p:nvGrpSpPr>
+        <p:cNvPr id="1" name=""/>
+        <p:cNvGrpSpPr/>
+        <p:nvPr/>
+      </p:nvGrpSpPr>
+      <p:grpSpPr>
+        <a:xfrm>
+          <a:off x="0" y="0"/>
+          <a:ext cx="0" cy="0"/>
+          <a:chOff x="0" y="0"/>
+          <a:chExt cx="0" cy="0"/>
+        </a:xfrm>
+      </p:grpSpPr>
+      <p:sp>
+        <p:nvSpPr>
+          <p:cNvPr id="2" name="Title 1">
+            <a:extLst>
+              <a:ext uri="{FF2B5EF4-FFF2-40B4-BE49-F238E27FC236}">
+                <a16:creationId xmlns:a16="http://schemas.microsoft.com/office/drawing/2014/main" id="{81E0659B-1A34-C94C-B2E9-82C82B5C4508}"/>
+              </a:ext>
+            </a:extLst>
+          </p:cNvPr>
+          <p:cNvSpPr>
+            <a:spLocks noGrp="1"/>
+          </p:cNvSpPr>
+          <p:nvPr>
+            <p:ph type="title"/>
+          </p:nvPr>
+        </p:nvSpPr>
+        <p:spPr>
+          <a:xfrm>
+            <a:off x="838200" y="365125"/>
+            <a:ext cx="10515600" cy="902843"/>
+          </a:xfrm>
+        </p:spPr>
+        <p:txBody>
+          <a:bodyPr/>
+          <a:lstStyle/>
+          <a:p>
+            <a:r>
+              <a:rPr lang="en-US" dirty="0"/>
+              <a:t>Lists of data elements</a:t>
+            </a:r>
+          </a:p>
+        </p:txBody>
+      </p:sp>
+      <p:sp>
+        <p:nvSpPr>
+          <p:cNvPr id="3" name="Content Placeholder 2">
+            <a:extLst>
+              <a:ext uri="{FF2B5EF4-FFF2-40B4-BE49-F238E27FC236}">
+                <a16:creationId xmlns:a16="http://schemas.microsoft.com/office/drawing/2014/main" id="{BEA1144E-D9E0-F74C-A64A-0D7C7BEB1AE4}"/>
+              </a:ext>
+            </a:extLst>
+          </p:cNvPr>
+          <p:cNvSpPr>
+            <a:spLocks noGrp="1"/>
+          </p:cNvSpPr>
+          <p:nvPr>
+            <p:ph idx="1"/>
+          </p:nvPr>
+        </p:nvSpPr>
+        <p:spPr>
+          <a:xfrm>
+            <a:off x="838200" y="1267968"/>
+            <a:ext cx="10515600" cy="4908995"/>
+          </a:xfrm>
+        </p:spPr>
+        <p:txBody>
+          <a:bodyPr>
+            <a:normAutofit lnSpcReduction="10000"/>
+          </a:bodyPr>
+          <a:lstStyle/>
+          <a:p>
+            <a:r>
+              <a:rPr lang="en-US" sz="2400" dirty="0"/>
+              <a:t>Most common </a:t>
+            </a:r>
+            <a:r>
+              <a:rPr lang="en-US" sz="2400" i="1" dirty="0"/>
+              <a:t>data structure</a:t>
+            </a:r>
+            <a:r>
+              <a:rPr lang="en-US" sz="2400" dirty="0"/>
+              <a:t> is the </a:t>
+            </a:r>
+            <a:r>
+              <a:rPr lang="en-US" sz="2400" b="1" dirty="0"/>
+              <a:t>list</a:t>
+            </a:r>
+            <a:r>
+              <a:rPr lang="en-US" sz="2400" dirty="0"/>
+              <a:t>, which is just a sequence of data elements or other data structures</a:t>
+            </a:r>
+            <a:br>
+              <a:rPr lang="en-US" sz="2400" dirty="0"/>
+            </a:br>
+            <a:br>
+              <a:rPr lang="en-US" sz="2400" dirty="0"/>
+            </a:br>
+            <a:br>
+              <a:rPr lang="en-US" sz="2400" dirty="0"/>
+            </a:br>
+            <a:br>
+              <a:rPr lang="en-US" sz="2400" dirty="0"/>
+            </a:br>
+            <a:br>
+              <a:rPr lang="en-US" sz="2400" dirty="0"/>
+            </a:br>
+            <a:br>
+              <a:rPr lang="en-US" sz="2400" dirty="0"/>
+            </a:br>
+            <a:br>
+              <a:rPr lang="en-US" sz="2400" dirty="0"/>
+            </a:br>
+            <a:br>
+              <a:rPr lang="en-US" sz="2400" dirty="0"/>
+            </a:br>
+            <a:endParaRPr lang="en-US" sz="2400" dirty="0"/>
+          </a:p>
+          <a:p>
+            <a:r>
+              <a:rPr lang="en-US" sz="2400" dirty="0"/>
+              <a:t>Indexed from 0 not 1 and list vars point at a chunk of memory holding the list elements contiguously (preserving the sequence order)</a:t>
+            </a:r>
+          </a:p>
+          <a:p>
+            <a:r>
+              <a:rPr lang="en-US" sz="2400" dirty="0"/>
+              <a:t>Access elements with index operator; e.g., </a:t>
+            </a:r>
+            <a:r>
+              <a:rPr lang="en-US" sz="2400" b="1" dirty="0"/>
+              <a:t>Names[0]</a:t>
+            </a:r>
+            <a:r>
+              <a:rPr lang="en-US" sz="2400" dirty="0"/>
+              <a:t> is '</a:t>
+            </a:r>
+            <a:r>
+              <a:rPr lang="en-US" sz="2400" b="1" dirty="0"/>
+              <a:t>Mary</a:t>
+            </a:r>
+            <a:r>
+              <a:rPr lang="en-US" sz="2400" dirty="0"/>
+              <a:t>' and</a:t>
+            </a:r>
+            <a:br>
+              <a:rPr lang="en-US" sz="2400" dirty="0"/>
+            </a:br>
+            <a:r>
+              <a:rPr lang="en-US" sz="2400" b="1" dirty="0"/>
+              <a:t>Quantity[4]</a:t>
+            </a:r>
+            <a:r>
+              <a:rPr lang="en-US" sz="2400" dirty="0"/>
+              <a:t> is 19</a:t>
+            </a:r>
+          </a:p>
+        </p:txBody>
+      </p:sp>
+      <p:pic>
+        <p:nvPicPr>
+          <p:cNvPr id="2056" name="Picture 8">
+            <a:extLst>
+              <a:ext uri="{FF2B5EF4-FFF2-40B4-BE49-F238E27FC236}">
+                <a16:creationId xmlns:a16="http://schemas.microsoft.com/office/drawing/2014/main" id="{B81272ED-006C-9A48-BEE6-BEEB9626223B}"/>
+              </a:ext>
+            </a:extLst>
+          </p:cNvPr>
+          <p:cNvPicPr>
+            <a:picLocks noChangeAspect="1" noChangeArrowheads="1"/>
+          </p:cNvPicPr>
+          <p:nvPr/>
+        </p:nvPicPr>
+        <p:blipFill>
+          <a:blip r:embed="rId2">
+            <a:extLst>
+              <a:ext uri="{28A0092B-C50C-407E-A947-70E740481C1C}">
+                <a14:useLocalDpi xmlns:a14="http://schemas.microsoft.com/office/drawing/2010/main" val="0"/>
+              </a:ext>
+            </a:extLst>
+          </a:blip>
+          <a:srcRect/>
+          <a:stretch>
+            <a:fillRect/>
+          </a:stretch>
+        </p:blipFill>
+        <p:spPr bwMode="auto">
+          <a:xfrm>
+            <a:off x="11105242" y="1642872"/>
+            <a:ext cx="947057" cy="3314700"/>
+          </a:xfrm>
+          <a:prstGeom prst="rect">
+            <a:avLst/>
+          </a:prstGeom>
+          <a:noFill/>
+          <a:extLst>
+            <a:ext uri="{909E8E84-426E-40DD-AFC4-6F175D3DCCD1}">
+              <a14:hiddenFill xmlns:a14="http://schemas.microsoft.com/office/drawing/2010/main">
+                <a:solidFill>
+                  <a:srgbClr val="FFFFFF"/>
+                </a:solidFill>
+              </a14:hiddenFill>
+            </a:ext>
+          </a:extLst>
+        </p:spPr>
+      </p:pic>
+      <p:pic>
+        <p:nvPicPr>
+          <p:cNvPr id="7" name="Picture 6">
+            <a:extLst>
+              <a:ext uri="{FF2B5EF4-FFF2-40B4-BE49-F238E27FC236}">
+                <a16:creationId xmlns:a16="http://schemas.microsoft.com/office/drawing/2014/main" id="{53E9ABC4-879B-384C-BB44-7C756560B7B5}"/>
+              </a:ext>
+            </a:extLst>
+          </p:cNvPr>
+          <p:cNvPicPr>
+            <a:picLocks noChangeAspect="1"/>
+          </p:cNvPicPr>
+          <p:nvPr/>
+        </p:nvPicPr>
+        <p:blipFill>
+          <a:blip r:embed="rId3"/>
+          <a:stretch>
+            <a:fillRect/>
+          </a:stretch>
+        </p:blipFill>
+        <p:spPr>
+          <a:xfrm>
+            <a:off x="1687467" y="1972118"/>
+            <a:ext cx="8568509" cy="2383220"/>
+          </a:xfrm>
+          <a:prstGeom prst="rect">
+            <a:avLst/>
+          </a:prstGeom>
+        </p:spPr>
+      </p:pic>
+    </p:spTree>
+    <p:extLst>
+      <p:ext uri="{BB962C8B-B14F-4D97-AF65-F5344CB8AC3E}">
+        <p14:creationId xmlns:p14="http://schemas.microsoft.com/office/powerpoint/2010/main" val="1161438443"/>
+      </p:ext>
+    </p:extLst>
+  </p:cSld>
+  <p:clrMapOvr>
+    <a:masterClrMapping/>
+  </p:clrMapOvr>
+</p:sld>
+</file>
+
+<file path=ppt/slides/slide14.xml><?xml version="1.0" encoding="utf-8"?>
+<p:sld xmlns:a="http://schemas.openxmlformats.org/drawingml/2006/main" xmlns:r="http://schemas.openxmlformats.org/officeDocument/2006/relationships" xmlns:p="http://schemas.openxmlformats.org/presentationml/2006/main">
+  <p:cSld>
+    <p:spTree>
+      <p:nvGrpSpPr>
+        <p:cNvPr id="1" name=""/>
+        <p:cNvGrpSpPr/>
+        <p:nvPr/>
+      </p:nvGrpSpPr>
+      <p:grpSpPr>
+        <a:xfrm>
+          <a:off x="0" y="0"/>
+          <a:ext cx="0" cy="0"/>
+          <a:chOff x="0" y="0"/>
+          <a:chExt cx="0" cy="0"/>
+        </a:xfrm>
+      </p:grpSpPr>
+      <p:sp>
+        <p:nvSpPr>
+          <p:cNvPr id="2" name="Title 1">
+            <a:extLst>
+              <a:ext uri="{FF2B5EF4-FFF2-40B4-BE49-F238E27FC236}">
+                <a16:creationId xmlns:a16="http://schemas.microsoft.com/office/drawing/2014/main" id="{77C4F36A-FFD1-4741-A43D-9A6F79FAE144}"/>
+              </a:ext>
+            </a:extLst>
+          </p:cNvPr>
+          <p:cNvSpPr>
+            <a:spLocks noGrp="1"/>
+          </p:cNvSpPr>
+          <p:nvPr>
+            <p:ph type="title"/>
+          </p:nvPr>
+        </p:nvSpPr>
+        <p:spPr/>
+        <p:txBody>
+          <a:bodyPr/>
+          <a:lstStyle/>
+          <a:p>
+            <a:r>
+              <a:rPr lang="en-US" dirty="0" err="1"/>
+              <a:t>Hetergeneous</a:t>
+            </a:r>
+            <a:r>
+              <a:rPr lang="en-US" dirty="0"/>
+              <a:t> lists</a:t>
+            </a:r>
+          </a:p>
+        </p:txBody>
+      </p:sp>
+      <p:sp>
+        <p:nvSpPr>
+          <p:cNvPr id="7" name="Content Placeholder 6">
+            <a:extLst>
+              <a:ext uri="{FF2B5EF4-FFF2-40B4-BE49-F238E27FC236}">
+                <a16:creationId xmlns:a16="http://schemas.microsoft.com/office/drawing/2014/main" id="{C49A08E7-54B3-B149-977B-23712119B5D5}"/>
+              </a:ext>
+            </a:extLst>
+          </p:cNvPr>
+          <p:cNvSpPr>
+            <a:spLocks noGrp="1"/>
+          </p:cNvSpPr>
+          <p:nvPr>
+            <p:ph idx="1"/>
+          </p:nvPr>
+        </p:nvSpPr>
+        <p:spPr/>
+        <p:txBody>
+          <a:bodyPr/>
+          <a:lstStyle/>
+          <a:p>
+            <a:r>
+              <a:rPr lang="en-US" dirty="0"/>
+              <a:t>Elements can have different types:</a:t>
+            </a:r>
+          </a:p>
+          <a:p>
+            <a:endParaRPr lang="en-US" dirty="0"/>
+          </a:p>
+          <a:p>
+            <a:endParaRPr lang="en-US" dirty="0"/>
+          </a:p>
+          <a:p>
+            <a:endParaRPr lang="en-US" dirty="0"/>
+          </a:p>
+          <a:p>
+            <a:endParaRPr lang="en-US" dirty="0"/>
+          </a:p>
+          <a:p>
+            <a:endParaRPr lang="en-US" dirty="0"/>
+          </a:p>
+          <a:p>
+            <a:r>
+              <a:rPr lang="en-US" dirty="0"/>
+              <a:t>Heterogeneous lists used to group bits of information about a particular entity or observation</a:t>
+            </a:r>
+          </a:p>
+        </p:txBody>
+      </p:sp>
+      <p:pic>
+        <p:nvPicPr>
+          <p:cNvPr id="8" name="Content Placeholder 4">
+            <a:extLst>
+              <a:ext uri="{FF2B5EF4-FFF2-40B4-BE49-F238E27FC236}">
+                <a16:creationId xmlns:a16="http://schemas.microsoft.com/office/drawing/2014/main" id="{4B9C5DA9-9FD9-EB4C-ACED-0B5B62330BBA}"/>
+              </a:ext>
+            </a:extLst>
+          </p:cNvPr>
+          <p:cNvPicPr>
+            <a:picLocks noChangeAspect="1"/>
+          </p:cNvPicPr>
+          <p:nvPr/>
+        </p:nvPicPr>
+        <p:blipFill>
+          <a:blip r:embed="rId2"/>
+          <a:stretch>
+            <a:fillRect/>
+          </a:stretch>
+        </p:blipFill>
+        <p:spPr>
+          <a:xfrm>
+            <a:off x="1671005" y="2609088"/>
+            <a:ext cx="8263189" cy="2054384"/>
+          </a:xfrm>
+          <a:prstGeom prst="rect">
+            <a:avLst/>
+          </a:prstGeom>
+        </p:spPr>
+      </p:pic>
+    </p:spTree>
+    <p:extLst>
+      <p:ext uri="{BB962C8B-B14F-4D97-AF65-F5344CB8AC3E}">
+        <p14:creationId xmlns:p14="http://schemas.microsoft.com/office/powerpoint/2010/main" val="1831219805"/>
+      </p:ext>
+    </p:extLst>
+  </p:cSld>
+  <p:clrMapOvr>
+    <a:masterClrMapping/>
+  </p:clrMapOvr>
+</p:sld>
+</file>
+
+<file path=ppt/slides/slide15.xml><?xml version="1.0" encoding="utf-8"?>
+<p:sld xmlns:a="http://schemas.openxmlformats.org/drawingml/2006/main" xmlns:r="http://schemas.openxmlformats.org/officeDocument/2006/relationships" xmlns:p="http://schemas.openxmlformats.org/presentationml/2006/main">
+  <p:cSld>
+    <p:spTree>
+      <p:nvGrpSpPr>
+        <p:cNvPr id="1" name=""/>
+        <p:cNvGrpSpPr/>
+        <p:nvPr/>
+      </p:nvGrpSpPr>
+      <p:grpSpPr>
+        <a:xfrm>
+          <a:off x="0" y="0"/>
+          <a:ext cx="0" cy="0"/>
+          <a:chOff x="0" y="0"/>
+          <a:chExt cx="0" cy="0"/>
+        </a:xfrm>
+      </p:grpSpPr>
+      <p:sp>
+        <p:nvSpPr>
+          <p:cNvPr id="2" name="Title 1">
+            <a:extLst>
+              <a:ext uri="{FF2B5EF4-FFF2-40B4-BE49-F238E27FC236}">
+                <a16:creationId xmlns:a16="http://schemas.microsoft.com/office/drawing/2014/main" id="{C4F380A3-EAB5-574C-A8AF-B625CADD6C6B}"/>
+              </a:ext>
+            </a:extLst>
+          </p:cNvPr>
+          <p:cNvSpPr>
+            <a:spLocks noGrp="1"/>
+          </p:cNvSpPr>
+          <p:nvPr>
+            <p:ph type="title"/>
+          </p:nvPr>
+        </p:nvSpPr>
+        <p:spPr/>
+        <p:txBody>
+          <a:bodyPr/>
+          <a:lstStyle/>
+          <a:p>
+            <a:r>
+              <a:rPr lang="en-US" dirty="0"/>
+              <a:t>List of lists</a:t>
+            </a:r>
+          </a:p>
+        </p:txBody>
+      </p:sp>
+      <p:sp>
+        <p:nvSpPr>
+          <p:cNvPr id="7" name="Content Placeholder 6">
+            <a:extLst>
+              <a:ext uri="{FF2B5EF4-FFF2-40B4-BE49-F238E27FC236}">
+                <a16:creationId xmlns:a16="http://schemas.microsoft.com/office/drawing/2014/main" id="{D7F14C5A-DC4D-2C4A-88B4-AD839821BB04}"/>
+              </a:ext>
+            </a:extLst>
+          </p:cNvPr>
+          <p:cNvSpPr>
+            <a:spLocks noGrp="1"/>
+          </p:cNvSpPr>
+          <p:nvPr>
+            <p:ph idx="1"/>
+          </p:nvPr>
+        </p:nvSpPr>
+        <p:spPr/>
+        <p:txBody>
+          <a:bodyPr/>
+          <a:lstStyle/>
+          <a:p>
+            <a:r>
+              <a:rPr lang="en-US" dirty="0"/>
+              <a:t>In this case, records points at a list of</a:t>
+            </a:r>
+            <a:br>
+              <a:rPr lang="en-US" dirty="0"/>
+            </a:br>
+            <a:r>
+              <a:rPr lang="en-US" dirty="0"/>
+              <a:t>three items that happen to be lists also</a:t>
+            </a:r>
+          </a:p>
+          <a:p>
+            <a:r>
+              <a:rPr lang="en-US" dirty="0">
+                <a:hlinkClick r:id="rId2"/>
+              </a:rPr>
+              <a:t>experiment via </a:t>
+            </a:r>
+            <a:r>
+              <a:rPr lang="en-US" dirty="0" err="1">
+                <a:hlinkClick r:id="rId2"/>
+              </a:rPr>
+              <a:t>pythontutor</a:t>
+            </a:r>
+            <a:endParaRPr lang="en-US" dirty="0"/>
+          </a:p>
+        </p:txBody>
+      </p:sp>
+      <p:pic>
+        <p:nvPicPr>
+          <p:cNvPr id="8" name="Content Placeholder 4">
+            <a:extLst>
+              <a:ext uri="{FF2B5EF4-FFF2-40B4-BE49-F238E27FC236}">
+                <a16:creationId xmlns:a16="http://schemas.microsoft.com/office/drawing/2014/main" id="{CD70073D-D8CC-D742-B4C2-DC044C3C894D}"/>
+              </a:ext>
+            </a:extLst>
+          </p:cNvPr>
+          <p:cNvPicPr>
+            <a:picLocks noChangeAspect="1"/>
+          </p:cNvPicPr>
+          <p:nvPr/>
+        </p:nvPicPr>
+        <p:blipFill>
+          <a:blip r:embed="rId3"/>
+          <a:stretch>
+            <a:fillRect/>
+          </a:stretch>
+        </p:blipFill>
+        <p:spPr>
+          <a:xfrm>
+            <a:off x="7574788" y="1423289"/>
+            <a:ext cx="3479800" cy="3822700"/>
+          </a:xfrm>
+          <a:prstGeom prst="rect">
+            <a:avLst/>
+          </a:prstGeom>
+        </p:spPr>
+      </p:pic>
+    </p:spTree>
+    <p:extLst>
+      <p:ext uri="{BB962C8B-B14F-4D97-AF65-F5344CB8AC3E}">
+        <p14:creationId xmlns:p14="http://schemas.microsoft.com/office/powerpoint/2010/main" val="2621948127"/>
+      </p:ext>
+    </p:extLst>
+  </p:cSld>
+  <p:clrMapOvr>
+    <a:masterClrMapping/>
+  </p:clrMapOvr>
+</p:sld>
+</file>
+
+<file path=ppt/slides/slide16.xml><?xml version="1.0" encoding="utf-8"?>
+<p:sld xmlns:a="http://schemas.openxmlformats.org/drawingml/2006/main" xmlns:r="http://schemas.openxmlformats.org/officeDocument/2006/relationships" xmlns:p="http://schemas.openxmlformats.org/presentationml/2006/main">
+  <p:cSld>
+    <p:spTree>
+      <p:nvGrpSpPr>
+        <p:cNvPr id="1" name=""/>
+        <p:cNvGrpSpPr/>
+        <p:nvPr/>
+      </p:nvGrpSpPr>
+      <p:grpSpPr>
+        <a:xfrm>
+          <a:off x="0" y="0"/>
+          <a:ext cx="0" cy="0"/>
+          <a:chOff x="0" y="0"/>
+          <a:chExt cx="0" cy="0"/>
+        </a:xfrm>
+      </p:grpSpPr>
+      <p:sp>
+        <p:nvSpPr>
+          <p:cNvPr id="2" name="Title 1">
+            <a:extLst>
+              <a:ext uri="{FF2B5EF4-FFF2-40B4-BE49-F238E27FC236}">
+                <a16:creationId xmlns:a16="http://schemas.microsoft.com/office/drawing/2014/main" id="{AE916A3A-C17A-9E42-B44B-C42FB5B9E890}"/>
+              </a:ext>
+            </a:extLst>
+          </p:cNvPr>
+          <p:cNvSpPr>
+            <a:spLocks noGrp="1"/>
+          </p:cNvSpPr>
+          <p:nvPr>
+            <p:ph type="title"/>
+          </p:nvPr>
+        </p:nvSpPr>
+        <p:spPr/>
+        <p:txBody>
+          <a:bodyPr/>
+          <a:lstStyle/>
+          <a:p>
+            <a:r>
+              <a:rPr lang="en-US" dirty="0"/>
+              <a:t>Matrices as lists of lists</a:t>
+            </a:r>
+          </a:p>
+        </p:txBody>
+      </p:sp>
+      <p:sp>
+        <p:nvSpPr>
+          <p:cNvPr id="7" name="Content Placeholder 6">
+            <a:extLst>
+              <a:ext uri="{FF2B5EF4-FFF2-40B4-BE49-F238E27FC236}">
+                <a16:creationId xmlns:a16="http://schemas.microsoft.com/office/drawing/2014/main" id="{B7FEFCF2-E9AE-9245-BF10-EC0BA1DE7BF8}"/>
+              </a:ext>
+            </a:extLst>
+          </p:cNvPr>
+          <p:cNvSpPr>
+            <a:spLocks noGrp="1"/>
+          </p:cNvSpPr>
+          <p:nvPr>
+            <p:ph idx="1"/>
+          </p:nvPr>
+        </p:nvSpPr>
+        <p:spPr/>
+        <p:txBody>
+          <a:bodyPr/>
+          <a:lstStyle/>
+          <a:p>
+            <a:r>
+              <a:rPr lang="en-US" dirty="0"/>
+              <a:t>A matrix is a list of rows; a row is a list of numbers</a:t>
+            </a:r>
+          </a:p>
+          <a:p>
+            <a:r>
+              <a:rPr lang="en-US" dirty="0"/>
+              <a:t>We think of it like this:</a:t>
+            </a:r>
+          </a:p>
+        </p:txBody>
+      </p:sp>
+      <p:pic>
+        <p:nvPicPr>
+          <p:cNvPr id="8" name="Content Placeholder 4">
+            <a:extLst>
+              <a:ext uri="{FF2B5EF4-FFF2-40B4-BE49-F238E27FC236}">
+                <a16:creationId xmlns:a16="http://schemas.microsoft.com/office/drawing/2014/main" id="{8A31F7A1-EA7A-264A-AB05-EF72FEE9CA7D}"/>
+              </a:ext>
+            </a:extLst>
+          </p:cNvPr>
+          <p:cNvPicPr>
+            <a:picLocks noChangeAspect="1"/>
+          </p:cNvPicPr>
+          <p:nvPr/>
+        </p:nvPicPr>
+        <p:blipFill>
+          <a:blip r:embed="rId2"/>
+          <a:stretch>
+            <a:fillRect/>
+          </a:stretch>
+        </p:blipFill>
+        <p:spPr>
+          <a:xfrm>
+            <a:off x="1440942" y="3156744"/>
+            <a:ext cx="2057400" cy="1689100"/>
+          </a:xfrm>
+          <a:prstGeom prst="rect">
+            <a:avLst/>
+          </a:prstGeom>
+        </p:spPr>
+      </p:pic>
+      <p:pic>
+        <p:nvPicPr>
+          <p:cNvPr id="10" name="Picture 9">
+            <a:extLst>
+              <a:ext uri="{FF2B5EF4-FFF2-40B4-BE49-F238E27FC236}">
+                <a16:creationId xmlns:a16="http://schemas.microsoft.com/office/drawing/2014/main" id="{FEFBEC24-F7B0-D74B-926C-A9194FE304A3}"/>
+              </a:ext>
+            </a:extLst>
+          </p:cNvPr>
+          <p:cNvPicPr>
+            <a:picLocks noChangeAspect="1"/>
+          </p:cNvPicPr>
+          <p:nvPr/>
+        </p:nvPicPr>
+        <p:blipFill>
+          <a:blip r:embed="rId3"/>
+          <a:stretch>
+            <a:fillRect/>
+          </a:stretch>
+        </p:blipFill>
+        <p:spPr>
+          <a:xfrm>
+            <a:off x="4038600" y="2972594"/>
+            <a:ext cx="2057400" cy="2057400"/>
+          </a:xfrm>
+          <a:prstGeom prst="rect">
+            <a:avLst/>
+          </a:prstGeom>
+        </p:spPr>
+      </p:pic>
+      <p:sp>
+        <p:nvSpPr>
+          <p:cNvPr id="13" name="Rectangle 12">
+            <a:extLst>
+              <a:ext uri="{FF2B5EF4-FFF2-40B4-BE49-F238E27FC236}">
+                <a16:creationId xmlns:a16="http://schemas.microsoft.com/office/drawing/2014/main" id="{00CBE827-D7A9-AF4A-BC19-6BCA537A2FD1}"/>
+              </a:ext>
+            </a:extLst>
+          </p:cNvPr>
+          <p:cNvSpPr/>
+          <p:nvPr/>
+        </p:nvSpPr>
+        <p:spPr>
+          <a:xfrm>
+            <a:off x="7216561" y="3354876"/>
+            <a:ext cx="2505797" cy="830997"/>
+          </a:xfrm>
+          <a:prstGeom prst="rect">
+            <a:avLst/>
+          </a:prstGeom>
+        </p:spPr>
+        <p:txBody>
+          <a:bodyPr wrap="square">
+            <a:spAutoFit/>
+          </a:bodyPr>
+          <a:lstStyle/>
+          <a:p>
+            <a:r>
+              <a:rPr lang="en-US" sz="2400" dirty="0"/>
+              <a:t>But, it's actually represented like:</a:t>
+            </a:r>
+          </a:p>
+        </p:txBody>
+      </p:sp>
+      <p:pic>
+        <p:nvPicPr>
+          <p:cNvPr id="15" name="Picture 14">
+            <a:extLst>
+              <a:ext uri="{FF2B5EF4-FFF2-40B4-BE49-F238E27FC236}">
+                <a16:creationId xmlns:a16="http://schemas.microsoft.com/office/drawing/2014/main" id="{A09C0465-895F-7D4C-B7F9-7600E2B8B08C}"/>
+              </a:ext>
+            </a:extLst>
+          </p:cNvPr>
+          <p:cNvPicPr>
+            <a:picLocks noChangeAspect="1"/>
+          </p:cNvPicPr>
+          <p:nvPr/>
+        </p:nvPicPr>
+        <p:blipFill>
+          <a:blip r:embed="rId4"/>
+          <a:stretch>
+            <a:fillRect/>
+          </a:stretch>
+        </p:blipFill>
+        <p:spPr>
+          <a:xfrm>
+            <a:off x="9722358" y="1617725"/>
+            <a:ext cx="1981200" cy="4305300"/>
+          </a:xfrm>
+          <a:prstGeom prst="rect">
+            <a:avLst/>
+          </a:prstGeom>
+        </p:spPr>
+      </p:pic>
+      <p:sp>
+        <p:nvSpPr>
+          <p:cNvPr id="16" name="TextBox 15">
+            <a:extLst>
+              <a:ext uri="{FF2B5EF4-FFF2-40B4-BE49-F238E27FC236}">
+                <a16:creationId xmlns:a16="http://schemas.microsoft.com/office/drawing/2014/main" id="{A66F9F3A-0540-2C4B-A529-2F510C09C8EA}"/>
+              </a:ext>
+            </a:extLst>
+          </p:cNvPr>
+          <p:cNvSpPr txBox="1"/>
+          <p:nvPr/>
+        </p:nvSpPr>
+        <p:spPr>
+          <a:xfrm>
+            <a:off x="3570391" y="5715298"/>
+            <a:ext cx="1980670" cy="461665"/>
+          </a:xfrm>
+          <a:prstGeom prst="rect">
+            <a:avLst/>
+          </a:prstGeom>
+          <a:noFill/>
+        </p:spPr>
+        <p:txBody>
+          <a:bodyPr wrap="none" rtlCol="0">
+            <a:spAutoFit/>
+          </a:bodyPr>
+          <a:lstStyle/>
+          <a:p>
+            <a:r>
+              <a:rPr lang="en-US" sz="2400" dirty="0"/>
+              <a:t>Row 4 is A[3]</a:t>
+            </a:r>
+          </a:p>
+        </p:txBody>
+      </p:sp>
+      <p:sp>
+        <p:nvSpPr>
+          <p:cNvPr id="17" name="Rectangle 16">
+            <a:extLst>
+              <a:ext uri="{FF2B5EF4-FFF2-40B4-BE49-F238E27FC236}">
+                <a16:creationId xmlns:a16="http://schemas.microsoft.com/office/drawing/2014/main" id="{88A68743-9D54-D84E-A21F-3459BEF7997F}"/>
+              </a:ext>
+            </a:extLst>
+          </p:cNvPr>
+          <p:cNvSpPr/>
+          <p:nvPr/>
+        </p:nvSpPr>
+        <p:spPr>
+          <a:xfrm>
+            <a:off x="5042916" y="4185873"/>
+            <a:ext cx="1114044" cy="361743"/>
+          </a:xfrm>
+          <a:prstGeom prst="rect">
+            <a:avLst/>
+          </a:prstGeom>
+          <a:noFill/>
+          <a:ln w="6350"/>
+        </p:spPr>
+        <p:style>
+          <a:lnRef idx="2">
+            <a:schemeClr val="accent1">
+              <a:shade val="50000"/>
+            </a:schemeClr>
+          </a:lnRef>
+          <a:fillRef idx="1">
+            <a:schemeClr val="accent1"/>
+          </a:fillRef>
+          <a:effectRef idx="0">
+            <a:schemeClr val="accent1"/>
+          </a:effectRef>
+          <a:fontRef idx="minor">
+            <a:schemeClr val="lt1"/>
+          </a:fontRef>
+        </p:style>
+        <p:txBody>
+          <a:bodyPr rtlCol="0" anchor="ctr"/>
+          <a:lstStyle/>
+          <a:p>
+            <a:pPr algn="ctr"/>
+            <a:endParaRPr lang="en-US"/>
+          </a:p>
+        </p:txBody>
+      </p:sp>
+      <p:cxnSp>
+        <p:nvCxnSpPr>
+          <p:cNvPr id="19" name="Straight Arrow Connector 18">
+            <a:extLst>
+              <a:ext uri="{FF2B5EF4-FFF2-40B4-BE49-F238E27FC236}">
+                <a16:creationId xmlns:a16="http://schemas.microsoft.com/office/drawing/2014/main" id="{041095AE-863D-724C-802D-251C9F946907}"/>
+              </a:ext>
+            </a:extLst>
+          </p:cNvPr>
+          <p:cNvCxnSpPr>
+            <a:cxnSpLocks/>
+          </p:cNvCxnSpPr>
+          <p:nvPr/>
+        </p:nvCxnSpPr>
+        <p:spPr>
+          <a:xfrm flipV="1">
+            <a:off x="4535424" y="4547616"/>
+            <a:ext cx="507492" cy="1213279"/>
+          </a:xfrm>
+          <a:prstGeom prst="straightConnector1">
+            <a:avLst/>
+          </a:prstGeom>
+          <a:ln>
+            <a:tailEnd type="triangle"/>
+          </a:ln>
+        </p:spPr>
+        <p:style>
+          <a:lnRef idx="1">
+            <a:schemeClr val="accent1"/>
+          </a:lnRef>
+          <a:fillRef idx="0">
+            <a:schemeClr val="accent1"/>
+          </a:fillRef>
+          <a:effectRef idx="0">
+            <a:schemeClr val="accent1"/>
+          </a:effectRef>
+          <a:fontRef idx="minor">
+            <a:schemeClr val="tx1"/>
+          </a:fontRef>
+        </p:style>
+      </p:cxnSp>
+      <p:sp>
+        <p:nvSpPr>
+          <p:cNvPr id="21" name="TextBox 20">
+            <a:extLst>
+              <a:ext uri="{FF2B5EF4-FFF2-40B4-BE49-F238E27FC236}">
+                <a16:creationId xmlns:a16="http://schemas.microsoft.com/office/drawing/2014/main" id="{508B0705-BAAC-6747-8768-8D3926CDE4F9}"/>
+              </a:ext>
+            </a:extLst>
+          </p:cNvPr>
+          <p:cNvSpPr txBox="1"/>
+          <p:nvPr/>
+        </p:nvSpPr>
+        <p:spPr>
+          <a:xfrm>
+            <a:off x="8191866" y="160602"/>
+            <a:ext cx="3847528" cy="461665"/>
+          </a:xfrm>
+          <a:prstGeom prst="rect">
+            <a:avLst/>
+          </a:prstGeom>
+          <a:noFill/>
+        </p:spPr>
+        <p:txBody>
+          <a:bodyPr wrap="none" rtlCol="0">
+            <a:spAutoFit/>
+          </a:bodyPr>
+          <a:lstStyle/>
+          <a:p>
+            <a:r>
+              <a:rPr lang="en-US" sz="2400" dirty="0">
+                <a:hlinkClick r:id="rId5"/>
+              </a:rPr>
+              <a:t>Experiment via </a:t>
+            </a:r>
+            <a:r>
+              <a:rPr lang="en-US" sz="2400" dirty="0" err="1">
+                <a:hlinkClick r:id="rId5"/>
+              </a:rPr>
+              <a:t>pythontutor</a:t>
+            </a:r>
+            <a:endParaRPr lang="en-US" sz="2400" dirty="0"/>
+          </a:p>
+        </p:txBody>
+      </p:sp>
+    </p:spTree>
+    <p:extLst>
+      <p:ext uri="{BB962C8B-B14F-4D97-AF65-F5344CB8AC3E}">
+        <p14:creationId xmlns:p14="http://schemas.microsoft.com/office/powerpoint/2010/main" val="4144923256"/>
+      </p:ext>
+    </p:extLst>
+  </p:cSld>
+  <p:clrMapOvr>
+    <a:masterClrMapping/>
+  </p:clrMapOvr>
+</p:sld>
+</file>
+
+<file path=ppt/slides/slide17.xml><?xml version="1.0" encoding="utf-8"?>
+<p:sld xmlns:a="http://schemas.openxmlformats.org/drawingml/2006/main" xmlns:r="http://schemas.openxmlformats.org/officeDocument/2006/relationships" xmlns:p="http://schemas.openxmlformats.org/presentationml/2006/main">
+  <p:cSld>
+    <p:spTree>
+      <p:nvGrpSpPr>
+        <p:cNvPr id="1" name=""/>
+        <p:cNvGrpSpPr/>
+        <p:nvPr/>
+      </p:nvGrpSpPr>
+      <p:grpSpPr>
+        <a:xfrm>
+          <a:off x="0" y="0"/>
+          <a:ext cx="0" cy="0"/>
+          <a:chOff x="0" y="0"/>
+          <a:chExt cx="0" cy="0"/>
+        </a:xfrm>
+      </p:grpSpPr>
+      <p:sp>
+        <p:nvSpPr>
+          <p:cNvPr id="2" name="Title 1">
+            <a:extLst>
+              <a:ext uri="{FF2B5EF4-FFF2-40B4-BE49-F238E27FC236}">
+                <a16:creationId xmlns:a16="http://schemas.microsoft.com/office/drawing/2014/main" id="{427A9ADF-55F4-8C46-8820-3D2FB2BBBAE7}"/>
+              </a:ext>
+            </a:extLst>
+          </p:cNvPr>
+          <p:cNvSpPr>
+            <a:spLocks noGrp="1"/>
+          </p:cNvSpPr>
+          <p:nvPr>
+            <p:ph type="title"/>
+          </p:nvPr>
+        </p:nvSpPr>
+        <p:spPr/>
+        <p:txBody>
+          <a:bodyPr/>
+          <a:lstStyle/>
+          <a:p>
+            <a:r>
+              <a:rPr lang="en-US" dirty="0"/>
+              <a:t>More on looping</a:t>
+            </a:r>
+          </a:p>
+        </p:txBody>
+      </p:sp>
+      <p:sp>
+        <p:nvSpPr>
+          <p:cNvPr id="3" name="Text Placeholder 2">
+            <a:extLst>
+              <a:ext uri="{FF2B5EF4-FFF2-40B4-BE49-F238E27FC236}">
+                <a16:creationId xmlns:a16="http://schemas.microsoft.com/office/drawing/2014/main" id="{1460E07F-423D-5641-9862-44B8D7A021C4}"/>
+              </a:ext>
+            </a:extLst>
+          </p:cNvPr>
+          <p:cNvSpPr>
+            <a:spLocks noGrp="1"/>
+          </p:cNvSpPr>
+          <p:nvPr>
+            <p:ph type="body" idx="1"/>
+          </p:nvPr>
+        </p:nvSpPr>
+        <p:spPr/>
+        <p:txBody>
+          <a:bodyPr/>
+          <a:lstStyle/>
+          <a:p>
+            <a:endParaRPr lang="en-US"/>
+          </a:p>
+        </p:txBody>
+      </p:sp>
+    </p:spTree>
+    <p:extLst>
+      <p:ext uri="{BB962C8B-B14F-4D97-AF65-F5344CB8AC3E}">
+        <p14:creationId xmlns:p14="http://schemas.microsoft.com/office/powerpoint/2010/main" val="2528347990"/>
+      </p:ext>
+    </p:extLst>
+  </p:cSld>
+  <p:clrMapOvr>
+    <a:masterClrMapping/>
+  </p:clrMapOvr>
+</p:sld>
+</file>
+
+<file path=ppt/slides/slide18.xml><?xml version="1.0" encoding="utf-8"?>
+<p:sld xmlns:a="http://schemas.openxmlformats.org/drawingml/2006/main" xmlns:r="http://schemas.openxmlformats.org/officeDocument/2006/relationships" xmlns:p="http://schemas.openxmlformats.org/presentationml/2006/main">
+  <p:cSld>
+    <p:spTree>
+      <p:nvGrpSpPr>
+        <p:cNvPr id="1" name=""/>
+        <p:cNvGrpSpPr/>
+        <p:nvPr/>
+      </p:nvGrpSpPr>
+      <p:grpSpPr>
+        <a:xfrm>
+          <a:off x="0" y="0"/>
+          <a:ext cx="0" cy="0"/>
+          <a:chOff x="0" y="0"/>
+          <a:chExt cx="0" cy="0"/>
+        </a:xfrm>
+      </p:grpSpPr>
+      <p:sp>
+        <p:nvSpPr>
+          <p:cNvPr id="2" name="Title 1">
+            <a:extLst>
+              <a:ext uri="{FF2B5EF4-FFF2-40B4-BE49-F238E27FC236}">
+                <a16:creationId xmlns:a16="http://schemas.microsoft.com/office/drawing/2014/main" id="{E74290A9-8CE1-944F-A79A-0A9893D50374}"/>
+              </a:ext>
+            </a:extLst>
+          </p:cNvPr>
+          <p:cNvSpPr>
+            <a:spLocks noGrp="1"/>
+          </p:cNvSpPr>
+          <p:nvPr>
+            <p:ph type="title"/>
+          </p:nvPr>
+        </p:nvSpPr>
+        <p:spPr/>
+        <p:txBody>
+          <a:bodyPr/>
+          <a:lstStyle/>
+          <a:p>
+            <a:r>
+              <a:rPr lang="en-US" dirty="0"/>
+              <a:t>Combined conditional / loop</a:t>
+            </a:r>
+          </a:p>
+        </p:txBody>
+      </p:sp>
+      <p:sp>
+        <p:nvSpPr>
+          <p:cNvPr id="3" name="Content Placeholder 2">
+            <a:extLst>
+              <a:ext uri="{FF2B5EF4-FFF2-40B4-BE49-F238E27FC236}">
+                <a16:creationId xmlns:a16="http://schemas.microsoft.com/office/drawing/2014/main" id="{EE351ED9-5BDF-7541-95C8-1AFF67BD8FC4}"/>
+              </a:ext>
+            </a:extLst>
+          </p:cNvPr>
+          <p:cNvSpPr>
+            <a:spLocks noGrp="1"/>
+          </p:cNvSpPr>
+          <p:nvPr>
+            <p:ph idx="1"/>
+          </p:nvPr>
+        </p:nvSpPr>
+        <p:spPr>
+          <a:xfrm>
+            <a:off x="838200" y="1581374"/>
+            <a:ext cx="10515600" cy="4595589"/>
+          </a:xfrm>
+        </p:spPr>
+        <p:txBody>
+          <a:bodyPr/>
+          <a:lstStyle/>
+          <a:p>
+            <a:r>
+              <a:rPr lang="en-US" dirty="0"/>
+              <a:t>Now that we have some basic Python skills, let's look at more complicated loops starting with a combination:</a:t>
+            </a:r>
+          </a:p>
+        </p:txBody>
+      </p:sp>
+      <p:sp>
+        <p:nvSpPr>
+          <p:cNvPr id="4" name="TextBox 3">
+            <a:extLst>
+              <a:ext uri="{FF2B5EF4-FFF2-40B4-BE49-F238E27FC236}">
+                <a16:creationId xmlns:a16="http://schemas.microsoft.com/office/drawing/2014/main" id="{C5DC87D9-EA28-1740-B6C9-EF4F3930095D}"/>
+              </a:ext>
+            </a:extLst>
+          </p:cNvPr>
+          <p:cNvSpPr txBox="1"/>
+          <p:nvPr/>
+        </p:nvSpPr>
+        <p:spPr>
+          <a:xfrm>
+            <a:off x="5042233" y="3098308"/>
+            <a:ext cx="4432624" cy="1938992"/>
+          </a:xfrm>
+          <a:prstGeom prst="rect">
+            <a:avLst/>
+          </a:prstGeom>
+          <a:noFill/>
+          <a:ln>
+            <a:solidFill>
+              <a:schemeClr val="accent1"/>
+            </a:solidFill>
+          </a:ln>
+        </p:spPr>
+        <p:txBody>
+          <a:bodyPr wrap="none" rtlCol="0">
+            <a:spAutoFit/>
+          </a:bodyPr>
+          <a:lstStyle/>
+          <a:p>
+            <a:r>
+              <a:rPr lang="en-US" sz="2400" dirty="0" err="1">
+                <a:latin typeface="Consolas" panose="020B0609020204030204" pitchFamily="49" charset="0"/>
+                <a:cs typeface="Consolas" panose="020B0609020204030204" pitchFamily="49" charset="0"/>
+              </a:rPr>
+              <a:t>i</a:t>
+            </a:r>
+            <a:r>
+              <a:rPr lang="en-US" sz="2400" dirty="0">
+                <a:latin typeface="Consolas" panose="020B0609020204030204" pitchFamily="49" charset="0"/>
+                <a:cs typeface="Consolas" panose="020B0609020204030204" pitchFamily="49" charset="0"/>
+              </a:rPr>
+              <a:t> = 1</a:t>
+            </a:r>
+          </a:p>
+          <a:p>
+            <a:r>
+              <a:rPr lang="en-US" sz="2400" dirty="0">
+                <a:latin typeface="Consolas" panose="020B0609020204030204" pitchFamily="49" charset="0"/>
+                <a:cs typeface="Consolas" panose="020B0609020204030204" pitchFamily="49" charset="0"/>
+              </a:rPr>
+              <a:t>while </a:t>
+            </a:r>
+            <a:r>
+              <a:rPr lang="en-US" sz="2400" dirty="0" err="1">
+                <a:latin typeface="Consolas" panose="020B0609020204030204" pitchFamily="49" charset="0"/>
+                <a:cs typeface="Consolas" panose="020B0609020204030204" pitchFamily="49" charset="0"/>
+              </a:rPr>
+              <a:t>i</a:t>
+            </a:r>
+            <a:r>
+              <a:rPr lang="en-US" sz="2400" dirty="0">
+                <a:latin typeface="Consolas" panose="020B0609020204030204" pitchFamily="49" charset="0"/>
+                <a:cs typeface="Consolas" panose="020B0609020204030204" pitchFamily="49" charset="0"/>
+              </a:rPr>
+              <a:t> &lt;= 6:</a:t>
+            </a:r>
+          </a:p>
+          <a:p>
+            <a:r>
+              <a:rPr lang="en-US" sz="2400" dirty="0">
+                <a:latin typeface="Consolas" panose="020B0609020204030204" pitchFamily="49" charset="0"/>
+                <a:cs typeface="Consolas" panose="020B0609020204030204" pitchFamily="49" charset="0"/>
+              </a:rPr>
+              <a:t>    if </a:t>
+            </a:r>
+            <a:r>
+              <a:rPr lang="en-US" sz="2400" dirty="0" err="1">
+                <a:latin typeface="Consolas" panose="020B0609020204030204" pitchFamily="49" charset="0"/>
+                <a:cs typeface="Consolas" panose="020B0609020204030204" pitchFamily="49" charset="0"/>
+              </a:rPr>
+              <a:t>i</a:t>
+            </a:r>
+            <a:r>
+              <a:rPr lang="en-US" sz="2400" dirty="0">
+                <a:latin typeface="Consolas" panose="020B0609020204030204" pitchFamily="49" charset="0"/>
+                <a:cs typeface="Consolas" panose="020B0609020204030204" pitchFamily="49" charset="0"/>
+              </a:rPr>
+              <a:t>==3:</a:t>
+            </a:r>
+          </a:p>
+          <a:p>
+            <a:r>
+              <a:rPr lang="en-US" sz="2400" dirty="0">
+                <a:latin typeface="Consolas" panose="020B0609020204030204" pitchFamily="49" charset="0"/>
+                <a:cs typeface="Consolas" panose="020B0609020204030204" pitchFamily="49" charset="0"/>
+              </a:rPr>
+              <a:t>        print("Halfway!")</a:t>
+            </a:r>
+          </a:p>
+          <a:p>
+            <a:r>
+              <a:rPr lang="en-US" sz="2400" dirty="0">
+                <a:latin typeface="Consolas" panose="020B0609020204030204" pitchFamily="49" charset="0"/>
+                <a:cs typeface="Consolas" panose="020B0609020204030204" pitchFamily="49" charset="0"/>
+              </a:rPr>
+              <a:t>    </a:t>
+            </a:r>
+            <a:r>
+              <a:rPr lang="en-US" sz="2400" dirty="0" err="1">
+                <a:latin typeface="Consolas" panose="020B0609020204030204" pitchFamily="49" charset="0"/>
+                <a:cs typeface="Consolas" panose="020B0609020204030204" pitchFamily="49" charset="0"/>
+              </a:rPr>
+              <a:t>i</a:t>
+            </a:r>
+            <a:r>
+              <a:rPr lang="en-US" sz="2400" dirty="0">
+                <a:latin typeface="Consolas" panose="020B0609020204030204" pitchFamily="49" charset="0"/>
+                <a:cs typeface="Consolas" panose="020B0609020204030204" pitchFamily="49" charset="0"/>
+              </a:rPr>
+              <a:t> = </a:t>
+            </a:r>
+            <a:r>
+              <a:rPr lang="en-US" sz="2400" dirty="0" err="1">
+                <a:latin typeface="Consolas" panose="020B0609020204030204" pitchFamily="49" charset="0"/>
+                <a:cs typeface="Consolas" panose="020B0609020204030204" pitchFamily="49" charset="0"/>
+              </a:rPr>
+              <a:t>i</a:t>
+            </a:r>
+            <a:r>
+              <a:rPr lang="en-US" sz="2400" dirty="0">
+                <a:latin typeface="Consolas" panose="020B0609020204030204" pitchFamily="49" charset="0"/>
+                <a:cs typeface="Consolas" panose="020B0609020204030204" pitchFamily="49" charset="0"/>
+              </a:rPr>
+              <a:t> + 1</a:t>
+            </a:r>
+          </a:p>
+        </p:txBody>
+      </p:sp>
+      <p:pic>
+        <p:nvPicPr>
+          <p:cNvPr id="5" name="Picture 4">
+            <a:extLst>
+              <a:ext uri="{FF2B5EF4-FFF2-40B4-BE49-F238E27FC236}">
+                <a16:creationId xmlns:a16="http://schemas.microsoft.com/office/drawing/2014/main" id="{B53BD7BC-660F-8542-9391-4E49F182D313}"/>
+              </a:ext>
+            </a:extLst>
+          </p:cNvPr>
+          <p:cNvPicPr>
+            <a:picLocks noChangeAspect="1"/>
+          </p:cNvPicPr>
+          <p:nvPr/>
+        </p:nvPicPr>
+        <p:blipFill>
+          <a:blip r:embed="rId2"/>
+          <a:stretch>
+            <a:fillRect/>
+          </a:stretch>
+        </p:blipFill>
+        <p:spPr>
+          <a:xfrm>
+            <a:off x="1998526" y="2846854"/>
+            <a:ext cx="1164763" cy="3551107"/>
+          </a:xfrm>
+          <a:prstGeom prst="rect">
+            <a:avLst/>
+          </a:prstGeom>
+        </p:spPr>
+      </p:pic>
+      <p:sp>
+        <p:nvSpPr>
+          <p:cNvPr id="6" name="TextBox 5">
+            <a:extLst>
+              <a:ext uri="{FF2B5EF4-FFF2-40B4-BE49-F238E27FC236}">
+                <a16:creationId xmlns:a16="http://schemas.microsoft.com/office/drawing/2014/main" id="{F5182221-8D99-1D4E-9482-C2502B515596}"/>
+              </a:ext>
+            </a:extLst>
+          </p:cNvPr>
+          <p:cNvSpPr txBox="1"/>
+          <p:nvPr/>
+        </p:nvSpPr>
+        <p:spPr>
+          <a:xfrm>
+            <a:off x="4599483" y="5353475"/>
+            <a:ext cx="5318123" cy="461665"/>
+          </a:xfrm>
+          <a:prstGeom prst="rect">
+            <a:avLst/>
+          </a:prstGeom>
+          <a:noFill/>
+        </p:spPr>
+        <p:txBody>
+          <a:bodyPr wrap="none" rtlCol="0">
+            <a:spAutoFit/>
+          </a:bodyPr>
+          <a:lstStyle/>
+          <a:p>
+            <a:r>
+              <a:rPr lang="en-US" sz="2400" dirty="0">
+                <a:hlinkClick r:id="rId3"/>
+              </a:rPr>
+              <a:t>Step through code at </a:t>
+            </a:r>
+            <a:r>
+              <a:rPr lang="en-US" sz="2400" dirty="0" err="1">
+                <a:hlinkClick r:id="rId3"/>
+              </a:rPr>
+              <a:t>pythontutor.com</a:t>
+            </a:r>
+            <a:endParaRPr lang="en-US" sz="2400" dirty="0"/>
+          </a:p>
+        </p:txBody>
+      </p:sp>
+    </p:spTree>
+    <p:extLst>
+      <p:ext uri="{BB962C8B-B14F-4D97-AF65-F5344CB8AC3E}">
+        <p14:creationId xmlns:p14="http://schemas.microsoft.com/office/powerpoint/2010/main" val="3404399592"/>
+      </p:ext>
+    </p:extLst>
+  </p:cSld>
+  <p:clrMapOvr>
+    <a:masterClrMapping/>
+  </p:clrMapOvr>
+</p:sld>
+</file>
+
+<file path=ppt/slides/slide19.xml><?xml version="1.0" encoding="utf-8"?>
+<p:sld xmlns:a="http://schemas.openxmlformats.org/drawingml/2006/main" xmlns:r="http://schemas.openxmlformats.org/officeDocument/2006/relationships" xmlns:p="http://schemas.openxmlformats.org/presentationml/2006/main">
+  <p:cSld>
+    <p:spTree>
+      <p:nvGrpSpPr>
+        <p:cNvPr id="1" name=""/>
+        <p:cNvGrpSpPr/>
+        <p:nvPr/>
+      </p:nvGrpSpPr>
+      <p:grpSpPr>
+        <a:xfrm>
+          <a:off x="0" y="0"/>
+          <a:ext cx="0" cy="0"/>
+          <a:chOff x="0" y="0"/>
+          <a:chExt cx="0" cy="0"/>
+        </a:xfrm>
+      </p:grpSpPr>
+      <p:sp>
+        <p:nvSpPr>
+          <p:cNvPr id="2" name="Title 1">
+            <a:extLst>
+              <a:ext uri="{FF2B5EF4-FFF2-40B4-BE49-F238E27FC236}">
+                <a16:creationId xmlns:a16="http://schemas.microsoft.com/office/drawing/2014/main" id="{E9982582-411C-8C46-A787-7E357E5B229E}"/>
+              </a:ext>
+            </a:extLst>
+          </p:cNvPr>
+          <p:cNvSpPr>
+            <a:spLocks noGrp="1"/>
+          </p:cNvSpPr>
+          <p:nvPr>
+            <p:ph type="title"/>
+          </p:nvPr>
+        </p:nvSpPr>
+        <p:spPr/>
+        <p:txBody>
+          <a:bodyPr/>
+          <a:lstStyle/>
+          <a:p>
+            <a:r>
+              <a:rPr lang="en-US" dirty="0"/>
+              <a:t>For-loops</a:t>
+            </a:r>
+          </a:p>
+        </p:txBody>
+      </p:sp>
+      <p:sp>
+        <p:nvSpPr>
+          <p:cNvPr id="3" name="Content Placeholder 2">
+            <a:extLst>
+              <a:ext uri="{FF2B5EF4-FFF2-40B4-BE49-F238E27FC236}">
+                <a16:creationId xmlns:a16="http://schemas.microsoft.com/office/drawing/2014/main" id="{79CDB372-1D0F-1142-A023-EB0236A7732C}"/>
+              </a:ext>
+            </a:extLst>
+          </p:cNvPr>
+          <p:cNvSpPr>
+            <a:spLocks noGrp="1"/>
+          </p:cNvSpPr>
+          <p:nvPr>
+            <p:ph idx="1"/>
+          </p:nvPr>
+        </p:nvSpPr>
+        <p:spPr/>
+        <p:txBody>
+          <a:bodyPr>
+            <a:normAutofit/>
+          </a:bodyPr>
+          <a:lstStyle/>
+          <a:p>
+            <a:r>
+              <a:rPr lang="en-US" dirty="0">
+                <a:hlinkClick r:id="rId2"/>
+              </a:rPr>
+              <a:t>range loops</a:t>
+            </a:r>
+            <a:endParaRPr lang="en-US" dirty="0"/>
+          </a:p>
+          <a:p>
+            <a:r>
+              <a:rPr lang="en-US" dirty="0">
+                <a:hlinkClick r:id="rId3"/>
+              </a:rPr>
+              <a:t>for-each loops</a:t>
+            </a:r>
+            <a:endParaRPr lang="en-US" dirty="0"/>
+          </a:p>
+          <a:p>
+            <a:r>
+              <a:rPr lang="en-US" dirty="0">
+                <a:hlinkClick r:id="rId4"/>
+              </a:rPr>
+              <a:t>loop with enumerate()</a:t>
+            </a:r>
+            <a:endParaRPr lang="en-US" dirty="0"/>
+          </a:p>
+          <a:p>
+            <a:r>
+              <a:rPr lang="en-US" dirty="0">
+                <a:hlinkClick r:id="rId5"/>
+              </a:rPr>
+              <a:t>watch row var iterate through list-of-list rows</a:t>
+            </a:r>
+            <a:endParaRPr lang="en-US" dirty="0"/>
+          </a:p>
+          <a:p>
+            <a:r>
+              <a:rPr lang="en-US" dirty="0">
+                <a:hlinkClick r:id="rId6"/>
+              </a:rPr>
+              <a:t>indexed loop using range</a:t>
+            </a:r>
+            <a:endParaRPr lang="en-US" dirty="0"/>
+          </a:p>
+          <a:p>
+            <a:r>
+              <a:rPr lang="en-US" dirty="0">
+                <a:hlinkClick r:id="rId7"/>
+              </a:rPr>
+              <a:t>zip'd loop</a:t>
+            </a:r>
+            <a:endParaRPr lang="en-US" dirty="0"/>
+          </a:p>
+        </p:txBody>
+      </p:sp>
+      <p:pic>
+        <p:nvPicPr>
+          <p:cNvPr id="5" name="Picture 4">
+            <a:extLst>
+              <a:ext uri="{FF2B5EF4-FFF2-40B4-BE49-F238E27FC236}">
+                <a16:creationId xmlns:a16="http://schemas.microsoft.com/office/drawing/2014/main" id="{4778C563-7430-2044-A619-4F98E8738B7A}"/>
+              </a:ext>
+            </a:extLst>
+          </p:cNvPr>
+          <p:cNvPicPr>
+            <a:picLocks noChangeAspect="1"/>
+          </p:cNvPicPr>
+          <p:nvPr/>
+        </p:nvPicPr>
+        <p:blipFill>
+          <a:blip r:embed="rId8"/>
+          <a:stretch>
+            <a:fillRect/>
+          </a:stretch>
+        </p:blipFill>
+        <p:spPr>
+          <a:xfrm>
+            <a:off x="5888945" y="495254"/>
+            <a:ext cx="5044410" cy="1671694"/>
+          </a:xfrm>
+          <a:prstGeom prst="rect">
+            <a:avLst/>
+          </a:prstGeom>
+        </p:spPr>
+      </p:pic>
+    </p:spTree>
+    <p:extLst>
+      <p:ext uri="{BB962C8B-B14F-4D97-AF65-F5344CB8AC3E}">
+        <p14:creationId xmlns:p14="http://schemas.microsoft.com/office/powerpoint/2010/main" val="2685847471"/>
+      </p:ext>
+    </p:extLst>
+  </p:cSld>
+  <p:clrMapOvr>
+    <a:masterClrMapping/>
+  </p:clrMapOvr>
+</p:sld>
+</file>
+
+<file path=ppt/slides/slide2.xml><?xml version="1.0" encoding="utf-8"?>
+<p:sld xmlns:a="http://schemas.openxmlformats.org/drawingml/2006/main" xmlns:r="http://schemas.openxmlformats.org/officeDocument/2006/relationships" xmlns:p="http://schemas.openxmlformats.org/presentationml/2006/main">
+  <p:cSld>
+    <p:spTree>
+      <p:nvGrpSpPr>
+        <p:cNvPr id="1" name=""/>
+        <p:cNvGrpSpPr/>
+        <p:nvPr/>
+      </p:nvGrpSpPr>
+      <p:grpSpPr>
+        <a:xfrm>
+          <a:off x="0" y="0"/>
+          <a:ext cx="0" cy="0"/>
+          <a:chOff x="0" y="0"/>
+          <a:chExt cx="0" cy="0"/>
+        </a:xfrm>
+      </p:grpSpPr>
+      <p:sp>
+        <p:nvSpPr>
+          <p:cNvPr id="2" name="Title 1">
+            <a:extLst>
+              <a:ext uri="{FF2B5EF4-FFF2-40B4-BE49-F238E27FC236}">
+                <a16:creationId xmlns:a16="http://schemas.microsoft.com/office/drawing/2014/main" id="{FAA0BDF3-3E03-814B-BC8D-805FC7CBDA96}"/>
+              </a:ext>
+            </a:extLst>
+          </p:cNvPr>
+          <p:cNvSpPr>
+            <a:spLocks noGrp="1"/>
+          </p:cNvSpPr>
+          <p:nvPr>
+            <p:ph type="title"/>
+          </p:nvPr>
+        </p:nvSpPr>
+        <p:spPr/>
+        <p:txBody>
+          <a:bodyPr/>
+          <a:lstStyle/>
+          <a:p>
+            <a:r>
+              <a:rPr lang="en-US" dirty="0"/>
+              <a:t>What is programming / coding?</a:t>
+            </a:r>
+          </a:p>
+        </p:txBody>
+      </p:sp>
+      <p:sp>
+        <p:nvSpPr>
+          <p:cNvPr id="3" name="Content Placeholder 2">
+            <a:extLst>
+              <a:ext uri="{FF2B5EF4-FFF2-40B4-BE49-F238E27FC236}">
+                <a16:creationId xmlns:a16="http://schemas.microsoft.com/office/drawing/2014/main" id="{DD49725C-B39B-D941-B689-6145A268E251}"/>
+              </a:ext>
+            </a:extLst>
+          </p:cNvPr>
+          <p:cNvSpPr>
+            <a:spLocks noGrp="1"/>
+          </p:cNvSpPr>
+          <p:nvPr>
+            <p:ph idx="1"/>
+          </p:nvPr>
+        </p:nvSpPr>
+        <p:spPr>
+          <a:xfrm>
+            <a:off x="838200" y="1690688"/>
+            <a:ext cx="10515600" cy="4486275"/>
+          </a:xfrm>
+        </p:spPr>
+        <p:txBody>
+          <a:bodyPr>
+            <a:normAutofit lnSpcReduction="10000"/>
+          </a:bodyPr>
+          <a:lstStyle/>
+          <a:p>
+            <a:r>
+              <a:rPr lang="en-US" dirty="0"/>
+              <a:t>Literally: Creating a set of instructions for a computer to execute</a:t>
+            </a:r>
+          </a:p>
+          <a:p>
+            <a:r>
+              <a:rPr lang="en-US" dirty="0"/>
+              <a:t>First we construct a sequence of abstract operations, sometimes called an </a:t>
+            </a:r>
+            <a:r>
+              <a:rPr lang="en-US" i="1" dirty="0"/>
+              <a:t>algorithm</a:t>
+            </a:r>
+            <a:r>
+              <a:rPr lang="en-US" dirty="0"/>
+              <a:t> or </a:t>
+            </a:r>
+            <a:r>
+              <a:rPr lang="en-US" i="1" dirty="0"/>
+              <a:t>workplan</a:t>
+            </a:r>
+            <a:r>
+              <a:rPr lang="en-US" dirty="0"/>
+              <a:t>, that performs the desired task </a:t>
+            </a:r>
+          </a:p>
+          <a:p>
+            <a:r>
+              <a:rPr lang="en-US" dirty="0"/>
+              <a:t>Then we translate these abstract operations to concrete and precise instructions</a:t>
+            </a:r>
+            <a:br>
+              <a:rPr lang="en-US" dirty="0"/>
+            </a:br>
+            <a:endParaRPr lang="en-US" dirty="0"/>
+          </a:p>
+          <a:p>
+            <a:r>
+              <a:rPr lang="en-US" dirty="0"/>
+              <a:t>These instructions must follow the grammatical structure of a programming language, such as Python</a:t>
+            </a:r>
+          </a:p>
+          <a:p>
+            <a:r>
+              <a:rPr lang="en-US" dirty="0"/>
+              <a:t>Each instruction typically solves a piece of the problem</a:t>
+            </a:r>
+          </a:p>
+          <a:p>
+            <a:r>
+              <a:rPr lang="en-US" dirty="0"/>
+              <a:t>The emergent behavior of the program solves our task</a:t>
+            </a:r>
+          </a:p>
+        </p:txBody>
+      </p:sp>
+      <p:sp>
+        <p:nvSpPr>
+          <p:cNvPr id="10" name="Rectangle 9">
+            <a:extLst>
+              <a:ext uri="{FF2B5EF4-FFF2-40B4-BE49-F238E27FC236}">
+                <a16:creationId xmlns:a16="http://schemas.microsoft.com/office/drawing/2014/main" id="{D3DDC63A-7686-5C4D-860C-369E025F7746}"/>
+              </a:ext>
+            </a:extLst>
+          </p:cNvPr>
+          <p:cNvSpPr/>
+          <p:nvPr/>
+        </p:nvSpPr>
+        <p:spPr>
+          <a:xfrm>
+            <a:off x="4793682" y="3780482"/>
+            <a:ext cx="1452642" cy="461665"/>
+          </a:xfrm>
+          <a:prstGeom prst="rect">
+            <a:avLst/>
+          </a:prstGeom>
+        </p:spPr>
+        <p:txBody>
+          <a:bodyPr wrap="none">
+            <a:spAutoFit/>
+          </a:bodyPr>
+          <a:lstStyle/>
+          <a:p>
+            <a:r>
+              <a:rPr lang="en-US" sz="2400" i="1" dirty="0"/>
+              <a:t>Say hello</a:t>
+            </a:r>
+          </a:p>
+        </p:txBody>
+      </p:sp>
+      <p:sp>
+        <p:nvSpPr>
+          <p:cNvPr id="11" name="Rectangle 10">
+            <a:extLst>
+              <a:ext uri="{FF2B5EF4-FFF2-40B4-BE49-F238E27FC236}">
+                <a16:creationId xmlns:a16="http://schemas.microsoft.com/office/drawing/2014/main" id="{929D612E-9865-3146-B3FE-F445ABC0D336}"/>
+              </a:ext>
+            </a:extLst>
+          </p:cNvPr>
+          <p:cNvSpPr/>
+          <p:nvPr/>
+        </p:nvSpPr>
+        <p:spPr>
+          <a:xfrm>
+            <a:off x="6844454" y="3780482"/>
+            <a:ext cx="2563522" cy="461665"/>
+          </a:xfrm>
+          <a:prstGeom prst="rect">
+            <a:avLst/>
+          </a:prstGeom>
+        </p:spPr>
+        <p:txBody>
+          <a:bodyPr wrap="none">
+            <a:spAutoFit/>
+          </a:bodyPr>
+          <a:lstStyle/>
+          <a:p>
+            <a:r>
+              <a:rPr lang="en-US" sz="2400" dirty="0">
+                <a:latin typeface="Consolas" panose="020B0609020204030204" pitchFamily="49" charset="0"/>
+                <a:cs typeface="Consolas" panose="020B0609020204030204" pitchFamily="49" charset="0"/>
+              </a:rPr>
+              <a:t>print("hello")</a:t>
+            </a:r>
+          </a:p>
+        </p:txBody>
+      </p:sp>
+      <p:sp>
+        <p:nvSpPr>
+          <p:cNvPr id="12" name="Rectangle 11">
+            <a:extLst>
+              <a:ext uri="{FF2B5EF4-FFF2-40B4-BE49-F238E27FC236}">
+                <a16:creationId xmlns:a16="http://schemas.microsoft.com/office/drawing/2014/main" id="{8EF3BD37-606B-9840-9546-0A374B8E021C}"/>
+              </a:ext>
+            </a:extLst>
+          </p:cNvPr>
+          <p:cNvSpPr/>
+          <p:nvPr/>
+        </p:nvSpPr>
+        <p:spPr>
+          <a:xfrm>
+            <a:off x="6253481" y="3711990"/>
+            <a:ext cx="534121" cy="584775"/>
+          </a:xfrm>
+          <a:prstGeom prst="rect">
+            <a:avLst/>
+          </a:prstGeom>
+        </p:spPr>
+        <p:txBody>
+          <a:bodyPr wrap="none">
+            <a:spAutoFit/>
+          </a:bodyPr>
+          <a:lstStyle/>
+          <a:p>
+            <a:r>
+              <a:rPr lang="en-US" sz="3200" i="1" dirty="0"/>
+              <a:t>☞</a:t>
+            </a:r>
+            <a:endParaRPr lang="en-US" sz="3200" dirty="0"/>
+          </a:p>
+        </p:txBody>
+      </p:sp>
+    </p:spTree>
+    <p:extLst>
+      <p:ext uri="{BB962C8B-B14F-4D97-AF65-F5344CB8AC3E}">
+        <p14:creationId xmlns:p14="http://schemas.microsoft.com/office/powerpoint/2010/main" val="1706022066"/>
+      </p:ext>
+    </p:extLst>
+  </p:cSld>
+  <p:clrMapOvr>
+    <a:masterClrMapping/>
+  </p:clrMapOvr>
+</p:sld>
+</file>
+
+<file path=ppt/slides/slide20.xml><?xml version="1.0" encoding="utf-8"?>
+<p:sld xmlns:a="http://schemas.openxmlformats.org/drawingml/2006/main" xmlns:r="http://schemas.openxmlformats.org/officeDocument/2006/relationships" xmlns:p="http://schemas.openxmlformats.org/presentationml/2006/main">
+  <p:cSld>
+    <p:spTree>
+      <p:nvGrpSpPr>
+        <p:cNvPr id="1" name=""/>
+        <p:cNvGrpSpPr/>
+        <p:nvPr/>
+      </p:nvGrpSpPr>
+      <p:grpSpPr>
+        <a:xfrm>
+          <a:off x="0" y="0"/>
+          <a:ext cx="0" cy="0"/>
+          <a:chOff x="0" y="0"/>
+          <a:chExt cx="0" cy="0"/>
+        </a:xfrm>
+      </p:grpSpPr>
+      <p:sp>
+        <p:nvSpPr>
+          <p:cNvPr id="2" name="Title 1">
+            <a:extLst>
+              <a:ext uri="{FF2B5EF4-FFF2-40B4-BE49-F238E27FC236}">
+                <a16:creationId xmlns:a16="http://schemas.microsoft.com/office/drawing/2014/main" id="{8D22FD87-A4FE-BA41-9EEE-1497E63CE681}"/>
+              </a:ext>
+            </a:extLst>
+          </p:cNvPr>
+          <p:cNvSpPr>
+            <a:spLocks noGrp="1"/>
+          </p:cNvSpPr>
+          <p:nvPr>
+            <p:ph type="title"/>
+          </p:nvPr>
+        </p:nvSpPr>
+        <p:spPr/>
+        <p:txBody>
+          <a:bodyPr/>
+          <a:lstStyle/>
+          <a:p>
+            <a:r>
+              <a:rPr lang="en-US" dirty="0"/>
+              <a:t>Translating formulas</a:t>
+            </a:r>
+          </a:p>
+        </p:txBody>
+      </p:sp>
+      <p:sp>
+        <p:nvSpPr>
+          <p:cNvPr id="3" name="Content Placeholder 2">
+            <a:extLst>
+              <a:ext uri="{FF2B5EF4-FFF2-40B4-BE49-F238E27FC236}">
+                <a16:creationId xmlns:a16="http://schemas.microsoft.com/office/drawing/2014/main" id="{8EE0DC49-65FF-2D41-9676-A82D6B646B1D}"/>
+              </a:ext>
+            </a:extLst>
+          </p:cNvPr>
+          <p:cNvSpPr>
+            <a:spLocks noGrp="1"/>
+          </p:cNvSpPr>
+          <p:nvPr>
+            <p:ph idx="1"/>
+          </p:nvPr>
+        </p:nvSpPr>
+        <p:spPr>
+          <a:xfrm>
+            <a:off x="838199" y="1825625"/>
+            <a:ext cx="10780059" cy="4351338"/>
+          </a:xfrm>
+        </p:spPr>
+        <p:txBody>
+          <a:bodyPr/>
+          <a:lstStyle/>
+          <a:p>
+            <a:r>
+              <a:rPr lang="en-US" dirty="0" err="1"/>
+              <a:t>Sigmas</a:t>
+            </a:r>
+            <a:r>
+              <a:rPr lang="en-US" dirty="0"/>
+              <a:t> become accumulator range-loops (recall indexed from 0)</a:t>
+            </a:r>
+          </a:p>
+        </p:txBody>
+      </p:sp>
+      <p:pic>
+        <p:nvPicPr>
+          <p:cNvPr id="5" name="Picture 4">
+            <a:extLst>
+              <a:ext uri="{FF2B5EF4-FFF2-40B4-BE49-F238E27FC236}">
+                <a16:creationId xmlns:a16="http://schemas.microsoft.com/office/drawing/2014/main" id="{C6615E9B-A256-5A49-B59A-80C51E6A7FF3}"/>
+              </a:ext>
+            </a:extLst>
+          </p:cNvPr>
+          <p:cNvPicPr>
+            <a:picLocks noChangeAspect="1"/>
+          </p:cNvPicPr>
+          <p:nvPr/>
+        </p:nvPicPr>
+        <p:blipFill>
+          <a:blip r:embed="rId2"/>
+          <a:stretch>
+            <a:fillRect/>
+          </a:stretch>
+        </p:blipFill>
+        <p:spPr>
+          <a:xfrm>
+            <a:off x="1877956" y="2591594"/>
+            <a:ext cx="8166102" cy="3260566"/>
+          </a:xfrm>
+          <a:prstGeom prst="rect">
+            <a:avLst/>
+          </a:prstGeom>
+        </p:spPr>
+      </p:pic>
+    </p:spTree>
+    <p:extLst>
+      <p:ext uri="{BB962C8B-B14F-4D97-AF65-F5344CB8AC3E}">
+        <p14:creationId xmlns:p14="http://schemas.microsoft.com/office/powerpoint/2010/main" val="2861621939"/>
+      </p:ext>
+    </p:extLst>
+  </p:cSld>
+  <p:clrMapOvr>
+    <a:masterClrMapping/>
+  </p:clrMapOvr>
+</p:sld>
+</file>
+
+<file path=ppt/slides/slide21.xml><?xml version="1.0" encoding="utf-8"?>
+<p:sld xmlns:a="http://schemas.openxmlformats.org/drawingml/2006/main" xmlns:r="http://schemas.openxmlformats.org/officeDocument/2006/relationships" xmlns:p="http://schemas.openxmlformats.org/presentationml/2006/main">
+  <p:cSld>
+    <p:spTree>
+      <p:nvGrpSpPr>
+        <p:cNvPr id="1" name=""/>
+        <p:cNvGrpSpPr/>
+        <p:nvPr/>
+      </p:nvGrpSpPr>
+      <p:grpSpPr>
+        <a:xfrm>
+          <a:off x="0" y="0"/>
+          <a:ext cx="0" cy="0"/>
+          <a:chOff x="0" y="0"/>
+          <a:chExt cx="0" cy="0"/>
+        </a:xfrm>
+      </p:grpSpPr>
+      <p:sp>
+        <p:nvSpPr>
+          <p:cNvPr id="2" name="Title 1">
+            <a:extLst>
+              <a:ext uri="{FF2B5EF4-FFF2-40B4-BE49-F238E27FC236}">
+                <a16:creationId xmlns:a16="http://schemas.microsoft.com/office/drawing/2014/main" id="{5DAD642D-99D8-9D42-A3DE-3A433F9EDFE1}"/>
+              </a:ext>
+            </a:extLst>
+          </p:cNvPr>
+          <p:cNvSpPr>
+            <a:spLocks noGrp="1"/>
+          </p:cNvSpPr>
+          <p:nvPr>
+            <p:ph type="title"/>
+          </p:nvPr>
+        </p:nvSpPr>
+        <p:spPr/>
+        <p:txBody>
+          <a:bodyPr/>
+          <a:lstStyle/>
+          <a:p>
+            <a:r>
+              <a:rPr lang="en-US" dirty="0"/>
+              <a:t>List comprehensions</a:t>
+            </a:r>
+          </a:p>
+        </p:txBody>
+      </p:sp>
+      <p:sp>
+        <p:nvSpPr>
+          <p:cNvPr id="3" name="Content Placeholder 2">
+            <a:extLst>
+              <a:ext uri="{FF2B5EF4-FFF2-40B4-BE49-F238E27FC236}">
+                <a16:creationId xmlns:a16="http://schemas.microsoft.com/office/drawing/2014/main" id="{FF68C38E-A905-3B48-A237-408DDDC925B1}"/>
+              </a:ext>
+            </a:extLst>
+          </p:cNvPr>
+          <p:cNvSpPr>
+            <a:spLocks noGrp="1"/>
+          </p:cNvSpPr>
+          <p:nvPr>
+            <p:ph idx="1"/>
+          </p:nvPr>
+        </p:nvSpPr>
+        <p:spPr/>
+        <p:txBody>
+          <a:bodyPr/>
+          <a:lstStyle/>
+          <a:p>
+            <a:r>
+              <a:rPr lang="en-US" dirty="0"/>
+              <a:t>Making new lists from (optionally filtered) sequences, elements</a:t>
+            </a:r>
+          </a:p>
+          <a:p>
+            <a:endParaRPr lang="en-US" dirty="0"/>
+          </a:p>
+          <a:p>
+            <a:endParaRPr lang="en-US" dirty="0"/>
+          </a:p>
+          <a:p>
+            <a:endParaRPr lang="en-US" dirty="0"/>
+          </a:p>
+          <a:p>
+            <a:endParaRPr lang="en-US" dirty="0"/>
+          </a:p>
+          <a:p>
+            <a:r>
+              <a:rPr lang="en-US" dirty="0">
+                <a:hlinkClick r:id="rId2"/>
+              </a:rPr>
+              <a:t>comprehensions on lists of strings</a:t>
+            </a:r>
+            <a:endParaRPr lang="en-US" dirty="0"/>
+          </a:p>
+          <a:p>
+            <a:r>
+              <a:rPr lang="en-US" dirty="0">
+                <a:hlinkClick r:id="rId3"/>
+              </a:rPr>
+              <a:t>comprehensions on lists of numbers</a:t>
+            </a:r>
+            <a:endParaRPr lang="en-US" dirty="0"/>
+          </a:p>
+        </p:txBody>
+      </p:sp>
+      <p:pic>
+        <p:nvPicPr>
+          <p:cNvPr id="4" name="Picture 3">
+            <a:extLst>
+              <a:ext uri="{FF2B5EF4-FFF2-40B4-BE49-F238E27FC236}">
+                <a16:creationId xmlns:a16="http://schemas.microsoft.com/office/drawing/2014/main" id="{35A660DC-0A84-F04B-BBC8-FDE3C8B41264}"/>
+              </a:ext>
+            </a:extLst>
+          </p:cNvPr>
+          <p:cNvPicPr>
+            <a:picLocks noChangeAspect="1"/>
+          </p:cNvPicPr>
+          <p:nvPr/>
+        </p:nvPicPr>
+        <p:blipFill>
+          <a:blip r:embed="rId4"/>
+          <a:stretch>
+            <a:fillRect/>
+          </a:stretch>
+        </p:blipFill>
+        <p:spPr>
+          <a:xfrm>
+            <a:off x="2039620" y="2457852"/>
+            <a:ext cx="7646708" cy="1662328"/>
+          </a:xfrm>
+          <a:prstGeom prst="rect">
+            <a:avLst/>
+          </a:prstGeom>
+        </p:spPr>
+      </p:pic>
+    </p:spTree>
+    <p:extLst>
+      <p:ext uri="{BB962C8B-B14F-4D97-AF65-F5344CB8AC3E}">
+        <p14:creationId xmlns:p14="http://schemas.microsoft.com/office/powerpoint/2010/main" val="793289995"/>
+      </p:ext>
+    </p:extLst>
+  </p:cSld>
+  <p:clrMapOvr>
+    <a:masterClrMapping/>
+  </p:clrMapOvr>
+</p:sld>
+</file>
+
+<file path=ppt/slides/slide3.xml><?xml version="1.0" encoding="utf-8"?>
+<p:sld xmlns:a="http://schemas.openxmlformats.org/drawingml/2006/main" xmlns:r="http://schemas.openxmlformats.org/officeDocument/2006/relationships" xmlns:p="http://schemas.openxmlformats.org/presentationml/2006/main">
+  <p:cSld>
+    <p:spTree>
+      <p:nvGrpSpPr>
+        <p:cNvPr id="1" name=""/>
+        <p:cNvGrpSpPr/>
+        <p:nvPr/>
+      </p:nvGrpSpPr>
+      <p:grpSpPr>
+        <a:xfrm>
+          <a:off x="0" y="0"/>
+          <a:ext cx="0" cy="0"/>
+          <a:chOff x="0" y="0"/>
+          <a:chExt cx="0" cy="0"/>
+        </a:xfrm>
+      </p:grpSpPr>
+      <p:sp>
+        <p:nvSpPr>
+          <p:cNvPr id="2" name="Title 1">
+            <a:extLst>
+              <a:ext uri="{FF2B5EF4-FFF2-40B4-BE49-F238E27FC236}">
+                <a16:creationId xmlns:a16="http://schemas.microsoft.com/office/drawing/2014/main" id="{ABA55DBF-9213-9846-9B0F-9B8F415F005B}"/>
+              </a:ext>
+            </a:extLst>
+          </p:cNvPr>
+          <p:cNvSpPr>
+            <a:spLocks noGrp="1"/>
+          </p:cNvSpPr>
+          <p:nvPr>
+            <p:ph type="title"/>
+          </p:nvPr>
+        </p:nvSpPr>
+        <p:spPr/>
+        <p:txBody>
+          <a:bodyPr/>
+          <a:lstStyle/>
+          <a:p>
+            <a:r>
+              <a:rPr lang="en-US" dirty="0"/>
+              <a:t>What's the hard part?</a:t>
+            </a:r>
+          </a:p>
+        </p:txBody>
+      </p:sp>
+      <p:sp>
+        <p:nvSpPr>
+          <p:cNvPr id="3" name="Content Placeholder 2">
+            <a:extLst>
+              <a:ext uri="{FF2B5EF4-FFF2-40B4-BE49-F238E27FC236}">
+                <a16:creationId xmlns:a16="http://schemas.microsoft.com/office/drawing/2014/main" id="{788E045B-3CFE-D140-9275-DC93BF8EC99A}"/>
+              </a:ext>
+            </a:extLst>
+          </p:cNvPr>
+          <p:cNvSpPr>
+            <a:spLocks noGrp="1"/>
+          </p:cNvSpPr>
+          <p:nvPr>
+            <p:ph idx="1"/>
+          </p:nvPr>
+        </p:nvSpPr>
+        <p:spPr>
+          <a:xfrm>
+            <a:off x="838200" y="1531917"/>
+            <a:ext cx="10515600" cy="4645046"/>
+          </a:xfrm>
+        </p:spPr>
+        <p:txBody>
+          <a:bodyPr>
+            <a:normAutofit fontScale="92500" lnSpcReduction="10000"/>
+          </a:bodyPr>
+          <a:lstStyle/>
+          <a:p>
+            <a:r>
+              <a:rPr lang="en-US" dirty="0"/>
+              <a:t>Programming is mostly about converting "word problems" (project descriptions) to algorithms or work plans</a:t>
+            </a:r>
+          </a:p>
+          <a:p>
+            <a:r>
+              <a:rPr lang="en-US" dirty="0"/>
+              <a:t>We immediately think about programming languages because we express ourselves using specific language syntax but…</a:t>
+            </a:r>
+          </a:p>
+          <a:p>
+            <a:r>
+              <a:rPr lang="en-US" dirty="0"/>
+              <a:t>Programming is more about </a:t>
+            </a:r>
+            <a:r>
+              <a:rPr lang="en-US" i="1" dirty="0"/>
+              <a:t>what</a:t>
+            </a:r>
+            <a:r>
+              <a:rPr lang="en-US" dirty="0"/>
+              <a:t> to say, and in what order, rather than </a:t>
+            </a:r>
+            <a:r>
+              <a:rPr lang="en-US" i="1" dirty="0"/>
+              <a:t>how</a:t>
+            </a:r>
+            <a:r>
+              <a:rPr lang="en-US" dirty="0"/>
+              <a:t> to say it</a:t>
+            </a:r>
+          </a:p>
+          <a:p>
+            <a:pPr lvl="1"/>
+            <a:r>
+              <a:rPr lang="en-US" dirty="0"/>
+              <a:t>You'll eventually get fast at Python coding and using libraries</a:t>
+            </a:r>
+          </a:p>
+          <a:p>
+            <a:pPr lvl="1"/>
+            <a:r>
+              <a:rPr lang="en-US" dirty="0"/>
+              <a:t>It'll always be harder to design a sequence of steps that solves a data science problem (or other) than it is to code</a:t>
+            </a:r>
+          </a:p>
+          <a:p>
+            <a:pPr lvl="1"/>
+            <a:r>
+              <a:rPr lang="en-US" dirty="0"/>
+              <a:t>I remember being confronted with my first programming task (using BASIC in 1979!) and drawing a complete blank even though I knew BASIC syntax</a:t>
+            </a:r>
+          </a:p>
+          <a:p>
+            <a:r>
+              <a:rPr lang="en-US" dirty="0"/>
+              <a:t>Don't worry: we will study lots of patterns and strategies as aids</a:t>
+            </a:r>
+          </a:p>
+        </p:txBody>
+      </p:sp>
+    </p:spTree>
+    <p:extLst>
+      <p:ext uri="{BB962C8B-B14F-4D97-AF65-F5344CB8AC3E}">
+        <p14:creationId xmlns:p14="http://schemas.microsoft.com/office/powerpoint/2010/main" val="4017373682"/>
+      </p:ext>
+    </p:extLst>
+  </p:cSld>
+  <p:clrMapOvr>
+    <a:masterClrMapping/>
+  </p:clrMapOvr>
+</p:sld>
+</file>
+
+<file path=ppt/slides/slide4.xml><?xml version="1.0" encoding="utf-8"?>
+<p:sld xmlns:a="http://schemas.openxmlformats.org/drawingml/2006/main" xmlns:r="http://schemas.openxmlformats.org/officeDocument/2006/relationships" xmlns:p="http://schemas.openxmlformats.org/presentationml/2006/main">
+  <p:cSld>
+    <p:spTree>
+      <p:nvGrpSpPr>
+        <p:cNvPr id="1" name=""/>
+        <p:cNvGrpSpPr/>
+        <p:nvPr/>
+      </p:nvGrpSpPr>
+      <p:grpSpPr>
+        <a:xfrm>
+          <a:off x="0" y="0"/>
+          <a:ext cx="0" cy="0"/>
+          <a:chOff x="0" y="0"/>
+          <a:chExt cx="0" cy="0"/>
+        </a:xfrm>
+      </p:grpSpPr>
+      <p:sp>
+        <p:nvSpPr>
+          <p:cNvPr id="2" name="Title 1">
+            <a:extLst>
+              <a:ext uri="{FF2B5EF4-FFF2-40B4-BE49-F238E27FC236}">
+                <a16:creationId xmlns:a16="http://schemas.microsoft.com/office/drawing/2014/main" id="{108DE35E-E5B3-9643-8E19-2A732FF91190}"/>
+              </a:ext>
+            </a:extLst>
+          </p:cNvPr>
+          <p:cNvSpPr>
+            <a:spLocks noGrp="1"/>
+          </p:cNvSpPr>
+          <p:nvPr>
+            <p:ph type="title"/>
+          </p:nvPr>
+        </p:nvSpPr>
+        <p:spPr/>
+        <p:txBody>
+          <a:bodyPr/>
+          <a:lstStyle/>
+          <a:p>
+            <a:r>
+              <a:rPr lang="en-US" dirty="0"/>
+              <a:t>Concrete first steps</a:t>
+            </a:r>
+          </a:p>
+        </p:txBody>
+      </p:sp>
+      <p:sp>
+        <p:nvSpPr>
+          <p:cNvPr id="3" name="Content Placeholder 2">
+            <a:extLst>
+              <a:ext uri="{FF2B5EF4-FFF2-40B4-BE49-F238E27FC236}">
+                <a16:creationId xmlns:a16="http://schemas.microsoft.com/office/drawing/2014/main" id="{7550724E-F55A-7043-A4F7-87A4E8005379}"/>
+              </a:ext>
+            </a:extLst>
+          </p:cNvPr>
+          <p:cNvSpPr>
+            <a:spLocks noGrp="1"/>
+          </p:cNvSpPr>
+          <p:nvPr>
+            <p:ph idx="1"/>
+          </p:nvPr>
+        </p:nvSpPr>
+        <p:spPr>
+          <a:xfrm>
+            <a:off x="838199" y="1825625"/>
+            <a:ext cx="10609613" cy="4351338"/>
+          </a:xfrm>
+        </p:spPr>
+        <p:txBody>
+          <a:bodyPr/>
+          <a:lstStyle/>
+          <a:p>
+            <a:r>
+              <a:rPr lang="en-US" dirty="0"/>
+              <a:t>Programming is more about design, rather than coding details, but it's much easier to learn programming by actually speaking Python (e.g., we begin learning a foreign language by memorizing a few key phrases like "</a:t>
+            </a:r>
+            <a:r>
+              <a:rPr lang="en-US" i="1" dirty="0"/>
+              <a:t>May I have a beer?</a:t>
+            </a:r>
+            <a:r>
+              <a:rPr lang="en-US" dirty="0"/>
+              <a:t>")</a:t>
+            </a:r>
+          </a:p>
+          <a:p>
+            <a:r>
+              <a:rPr lang="en-US" dirty="0"/>
+              <a:t>Let's get started by looking at the key pieces we have at our disposal and then we can learn some basic Python and write some simple programs</a:t>
+            </a:r>
+          </a:p>
+        </p:txBody>
+      </p:sp>
+    </p:spTree>
+    <p:extLst>
+      <p:ext uri="{BB962C8B-B14F-4D97-AF65-F5344CB8AC3E}">
+        <p14:creationId xmlns:p14="http://schemas.microsoft.com/office/powerpoint/2010/main" val="3286520937"/>
+      </p:ext>
+    </p:extLst>
+  </p:cSld>
+  <p:clrMapOvr>
+    <a:masterClrMapping/>
+  </p:clrMapOvr>
+</p:sld>
+</file>
+
+<file path=ppt/slides/slide5.xml><?xml version="1.0" encoding="utf-8"?>
+<p:sld xmlns:a="http://schemas.openxmlformats.org/drawingml/2006/main" xmlns:r="http://schemas.openxmlformats.org/officeDocument/2006/relationships" xmlns:p="http://schemas.openxmlformats.org/presentationml/2006/main">
+  <p:cSld>
+    <p:spTree>
+      <p:nvGrpSpPr>
+        <p:cNvPr id="1" name=""/>
+        <p:cNvGrpSpPr/>
+        <p:nvPr/>
+      </p:nvGrpSpPr>
+      <p:grpSpPr>
+        <a:xfrm>
+          <a:off x="0" y="0"/>
+          <a:ext cx="0" cy="0"/>
+          <a:chOff x="0" y="0"/>
+          <a:chExt cx="0" cy="0"/>
+        </a:xfrm>
+      </p:grpSpPr>
+      <p:sp>
+        <p:nvSpPr>
+          <p:cNvPr id="2" name="Title 1">
+            <a:extLst>
+              <a:ext uri="{FF2B5EF4-FFF2-40B4-BE49-F238E27FC236}">
+                <a16:creationId xmlns:a16="http://schemas.microsoft.com/office/drawing/2014/main" id="{DFDE96C8-F3D0-804C-91E9-19E8934D59D4}"/>
+              </a:ext>
+            </a:extLst>
+          </p:cNvPr>
+          <p:cNvSpPr>
+            <a:spLocks noGrp="1"/>
+          </p:cNvSpPr>
+          <p:nvPr>
+            <p:ph type="title"/>
+          </p:nvPr>
+        </p:nvSpPr>
+        <p:spPr/>
+        <p:txBody>
+          <a:bodyPr/>
+          <a:lstStyle/>
+          <a:p>
+            <a:r>
+              <a:rPr lang="en-US" dirty="0"/>
+              <a:t>Most important programming concepts</a:t>
+            </a:r>
+          </a:p>
+        </p:txBody>
+      </p:sp>
+      <p:sp>
+        <p:nvSpPr>
+          <p:cNvPr id="3" name="Content Placeholder 2">
+            <a:extLst>
+              <a:ext uri="{FF2B5EF4-FFF2-40B4-BE49-F238E27FC236}">
+                <a16:creationId xmlns:a16="http://schemas.microsoft.com/office/drawing/2014/main" id="{F29C745D-A102-CC46-8CA2-413258559D7E}"/>
+              </a:ext>
+            </a:extLst>
+          </p:cNvPr>
+          <p:cNvSpPr>
+            <a:spLocks noGrp="1"/>
+          </p:cNvSpPr>
+          <p:nvPr>
+            <p:ph idx="1"/>
+          </p:nvPr>
+        </p:nvSpPr>
+        <p:spPr>
+          <a:xfrm>
+            <a:off x="838200" y="1496291"/>
+            <a:ext cx="10515600" cy="4680672"/>
+          </a:xfrm>
+        </p:spPr>
+        <p:txBody>
+          <a:bodyPr>
+            <a:normAutofit/>
+          </a:bodyPr>
+          <a:lstStyle/>
+          <a:p>
+            <a:r>
+              <a:rPr lang="en-US" dirty="0"/>
+              <a:t>Order of operations (</a:t>
+            </a:r>
+            <a:r>
+              <a:rPr lang="en-US" i="1" dirty="0"/>
+              <a:t>control-flow</a:t>
+            </a:r>
+            <a:r>
+              <a:rPr lang="en-US" dirty="0"/>
+              <a:t>)</a:t>
+            </a:r>
+          </a:p>
+          <a:p>
+            <a:r>
+              <a:rPr lang="en-US" dirty="0"/>
+              <a:t>Representing data in memory</a:t>
+            </a:r>
+          </a:p>
+          <a:p>
+            <a:r>
+              <a:rPr lang="en-US" dirty="0"/>
+              <a:t>Batch execution vs interactive execution</a:t>
+            </a:r>
+          </a:p>
+          <a:p>
+            <a:r>
+              <a:rPr lang="en-US" dirty="0"/>
+              <a:t>Aggregating instructions into reusable methods</a:t>
+            </a:r>
+          </a:p>
+          <a:p>
+            <a:r>
+              <a:rPr lang="en-US" dirty="0"/>
+              <a:t>Aggregating instructions and methods into modules (.</a:t>
+            </a:r>
+            <a:r>
+              <a:rPr lang="en-US" dirty="0" err="1"/>
+              <a:t>py</a:t>
+            </a:r>
+            <a:r>
+              <a:rPr lang="en-US" dirty="0"/>
+              <a:t> files)</a:t>
+            </a:r>
+          </a:p>
+          <a:p>
+            <a:r>
+              <a:rPr lang="en-US" dirty="0"/>
+              <a:t>Object-oriented (OO) programming (aggregating data, methods)</a:t>
+            </a:r>
+          </a:p>
+          <a:p>
+            <a:endParaRPr lang="en-US" dirty="0"/>
+          </a:p>
+        </p:txBody>
+      </p:sp>
+    </p:spTree>
+    <p:extLst>
+      <p:ext uri="{BB962C8B-B14F-4D97-AF65-F5344CB8AC3E}">
+        <p14:creationId xmlns:p14="http://schemas.microsoft.com/office/powerpoint/2010/main" val="3884249230"/>
+      </p:ext>
+    </p:extLst>
+  </p:cSld>
+  <p:clrMapOvr>
+    <a:masterClrMapping/>
+  </p:clrMapOvr>
+</p:sld>
+</file>
+
+<file path=ppt/slides/slide6.xml><?xml version="1.0" encoding="utf-8"?>
+<p:sld xmlns:a="http://schemas.openxmlformats.org/drawingml/2006/main" xmlns:r="http://schemas.openxmlformats.org/officeDocument/2006/relationships" xmlns:p="http://schemas.openxmlformats.org/presentationml/2006/main">
+  <p:cSld>
+    <p:spTree>
+      <p:nvGrpSpPr>
+        <p:cNvPr id="1" name=""/>
+        <p:cNvGrpSpPr/>
+        <p:nvPr/>
+      </p:nvGrpSpPr>
+      <p:grpSpPr>
+        <a:xfrm>
+          <a:off x="0" y="0"/>
+          <a:ext cx="0" cy="0"/>
+          <a:chOff x="0" y="0"/>
+          <a:chExt cx="0" cy="0"/>
+        </a:xfrm>
+      </p:grpSpPr>
+      <p:sp>
+        <p:nvSpPr>
+          <p:cNvPr id="2" name="Title 1">
+            <a:extLst>
+              <a:ext uri="{FF2B5EF4-FFF2-40B4-BE49-F238E27FC236}">
+                <a16:creationId xmlns:a16="http://schemas.microsoft.com/office/drawing/2014/main" id="{45B6CC00-2EC0-F24C-A8B4-DCBE915E41E0}"/>
+              </a:ext>
+            </a:extLst>
+          </p:cNvPr>
+          <p:cNvSpPr>
+            <a:spLocks noGrp="1"/>
+          </p:cNvSpPr>
+          <p:nvPr>
+            <p:ph type="title"/>
+          </p:nvPr>
+        </p:nvSpPr>
+        <p:spPr>
+          <a:xfrm>
+            <a:off x="536448" y="365125"/>
+            <a:ext cx="10817352" cy="1049147"/>
+          </a:xfrm>
+        </p:spPr>
+        <p:txBody>
+          <a:bodyPr/>
+          <a:lstStyle/>
+          <a:p>
+            <a:r>
+              <a:rPr lang="en-US" dirty="0"/>
+              <a:t>Key concept: order of operations</a:t>
+            </a:r>
+          </a:p>
+        </p:txBody>
+      </p:sp>
+      <p:sp>
+        <p:nvSpPr>
+          <p:cNvPr id="3" name="Content Placeholder 2">
+            <a:extLst>
+              <a:ext uri="{FF2B5EF4-FFF2-40B4-BE49-F238E27FC236}">
+                <a16:creationId xmlns:a16="http://schemas.microsoft.com/office/drawing/2014/main" id="{C1D61198-ADE4-9841-A732-BAA0B5486BF1}"/>
+              </a:ext>
+            </a:extLst>
+          </p:cNvPr>
+          <p:cNvSpPr>
+            <a:spLocks noGrp="1"/>
+          </p:cNvSpPr>
+          <p:nvPr>
+            <p:ph idx="1"/>
+          </p:nvPr>
+        </p:nvSpPr>
+        <p:spPr>
+          <a:xfrm>
+            <a:off x="838200" y="1499616"/>
+            <a:ext cx="10515600" cy="4677347"/>
+          </a:xfrm>
+        </p:spPr>
+        <p:txBody>
+          <a:bodyPr/>
+          <a:lstStyle/>
+          <a:p>
+            <a:r>
+              <a:rPr lang="en-US" dirty="0"/>
+              <a:t>Order is critical</a:t>
+            </a:r>
+            <a:br>
+              <a:rPr lang="en-US" dirty="0"/>
+            </a:br>
+            <a:r>
+              <a:rPr lang="en-US" dirty="0"/>
+              <a:t>Example: get license, buy car, drive car</a:t>
+            </a:r>
+          </a:p>
+        </p:txBody>
+      </p:sp>
+      <p:pic>
+        <p:nvPicPr>
+          <p:cNvPr id="14" name="Picture 13">
+            <a:extLst>
+              <a:ext uri="{FF2B5EF4-FFF2-40B4-BE49-F238E27FC236}">
+                <a16:creationId xmlns:a16="http://schemas.microsoft.com/office/drawing/2014/main" id="{F0B15AFE-3F19-0544-860C-29069F9F6DDE}"/>
+              </a:ext>
+            </a:extLst>
+          </p:cNvPr>
+          <p:cNvPicPr>
+            <a:picLocks noChangeAspect="1"/>
+          </p:cNvPicPr>
+          <p:nvPr/>
+        </p:nvPicPr>
+        <p:blipFill>
+          <a:blip r:embed="rId2"/>
+          <a:stretch>
+            <a:fillRect/>
+          </a:stretch>
+        </p:blipFill>
+        <p:spPr>
+          <a:xfrm>
+            <a:off x="9101265" y="9017"/>
+            <a:ext cx="3090735" cy="2229773"/>
+          </a:xfrm>
+          <a:prstGeom prst="rect">
+            <a:avLst/>
+          </a:prstGeom>
+        </p:spPr>
+      </p:pic>
+      <p:pic>
+        <p:nvPicPr>
+          <p:cNvPr id="15" name="Picture 14">
+            <a:extLst>
+              <a:ext uri="{FF2B5EF4-FFF2-40B4-BE49-F238E27FC236}">
+                <a16:creationId xmlns:a16="http://schemas.microsoft.com/office/drawing/2014/main" id="{FD5EBD3A-5D74-4040-A814-03DB6C7D513A}"/>
+              </a:ext>
+            </a:extLst>
+          </p:cNvPr>
+          <p:cNvPicPr>
+            <a:picLocks noChangeAspect="1"/>
+          </p:cNvPicPr>
+          <p:nvPr/>
+        </p:nvPicPr>
+        <p:blipFill>
+          <a:blip r:embed="rId3"/>
+          <a:stretch>
+            <a:fillRect/>
+          </a:stretch>
+        </p:blipFill>
+        <p:spPr>
+          <a:xfrm>
+            <a:off x="1525763" y="2324134"/>
+            <a:ext cx="1858324" cy="4048492"/>
+          </a:xfrm>
+          <a:prstGeom prst="rect">
+            <a:avLst/>
+          </a:prstGeom>
+        </p:spPr>
+      </p:pic>
+      <p:pic>
+        <p:nvPicPr>
+          <p:cNvPr id="16" name="Picture 15">
+            <a:extLst>
+              <a:ext uri="{FF2B5EF4-FFF2-40B4-BE49-F238E27FC236}">
+                <a16:creationId xmlns:a16="http://schemas.microsoft.com/office/drawing/2014/main" id="{8C0ADFA2-6AFE-1B42-B593-7735F33BB2E0}"/>
+              </a:ext>
+            </a:extLst>
+          </p:cNvPr>
+          <p:cNvPicPr>
+            <a:picLocks noChangeAspect="1"/>
+          </p:cNvPicPr>
+          <p:nvPr/>
+        </p:nvPicPr>
+        <p:blipFill>
+          <a:blip r:embed="rId4"/>
+          <a:stretch>
+            <a:fillRect/>
+          </a:stretch>
+        </p:blipFill>
+        <p:spPr>
+          <a:xfrm>
+            <a:off x="6142871" y="2321944"/>
+            <a:ext cx="2455642" cy="4048491"/>
+          </a:xfrm>
+          <a:prstGeom prst="rect">
+            <a:avLst/>
+          </a:prstGeom>
+        </p:spPr>
+      </p:pic>
+      <p:pic>
+        <p:nvPicPr>
+          <p:cNvPr id="17" name="Picture 16">
+            <a:extLst>
+              <a:ext uri="{FF2B5EF4-FFF2-40B4-BE49-F238E27FC236}">
+                <a16:creationId xmlns:a16="http://schemas.microsoft.com/office/drawing/2014/main" id="{10178AC4-0EAD-8647-A657-7FBA1DDC09FA}"/>
+              </a:ext>
+            </a:extLst>
+          </p:cNvPr>
+          <p:cNvPicPr>
+            <a:picLocks noChangeAspect="1"/>
+          </p:cNvPicPr>
+          <p:nvPr/>
+        </p:nvPicPr>
+        <p:blipFill>
+          <a:blip r:embed="rId5"/>
+          <a:stretch>
+            <a:fillRect/>
+          </a:stretch>
+        </p:blipFill>
+        <p:spPr>
+          <a:xfrm>
+            <a:off x="9219744" y="2321944"/>
+            <a:ext cx="1128268" cy="4048491"/>
+          </a:xfrm>
+          <a:prstGeom prst="rect">
+            <a:avLst/>
+          </a:prstGeom>
+        </p:spPr>
+      </p:pic>
+      <p:pic>
+        <p:nvPicPr>
+          <p:cNvPr id="18" name="Picture 17">
+            <a:extLst>
+              <a:ext uri="{FF2B5EF4-FFF2-40B4-BE49-F238E27FC236}">
+                <a16:creationId xmlns:a16="http://schemas.microsoft.com/office/drawing/2014/main" id="{3C08D0BC-C3F1-9947-8564-619D7F3580A2}"/>
+              </a:ext>
+            </a:extLst>
+          </p:cNvPr>
+          <p:cNvPicPr>
+            <a:picLocks noChangeAspect="1"/>
+          </p:cNvPicPr>
+          <p:nvPr/>
+        </p:nvPicPr>
+        <p:blipFill>
+          <a:blip r:embed="rId6"/>
+          <a:stretch>
+            <a:fillRect/>
+          </a:stretch>
+        </p:blipFill>
+        <p:spPr>
+          <a:xfrm>
+            <a:off x="3557032" y="2324134"/>
+            <a:ext cx="2057430" cy="4048491"/>
+          </a:xfrm>
+          <a:prstGeom prst="rect">
+            <a:avLst/>
+          </a:prstGeom>
+        </p:spPr>
+      </p:pic>
+    </p:spTree>
+    <p:extLst>
+      <p:ext uri="{BB962C8B-B14F-4D97-AF65-F5344CB8AC3E}">
+        <p14:creationId xmlns:p14="http://schemas.microsoft.com/office/powerpoint/2010/main" val="4199238156"/>
+      </p:ext>
+    </p:extLst>
+  </p:cSld>
+  <p:clrMapOvr>
+    <a:masterClrMapping/>
+  </p:clrMapOvr>
+</p:sld>
+</file>
+
+<file path=ppt/slides/slide7.xml><?xml version="1.0" encoding="utf-8"?>
+<p:sld xmlns:a="http://schemas.openxmlformats.org/drawingml/2006/main" xmlns:r="http://schemas.openxmlformats.org/officeDocument/2006/relationships" xmlns:p="http://schemas.openxmlformats.org/presentationml/2006/main">
+  <p:cSld>
+    <p:spTree>
+      <p:nvGrpSpPr>
+        <p:cNvPr id="1" name=""/>
+        <p:cNvGrpSpPr/>
+        <p:nvPr/>
+      </p:nvGrpSpPr>
+      <p:grpSpPr>
+        <a:xfrm>
+          <a:off x="0" y="0"/>
+          <a:ext cx="0" cy="0"/>
+          <a:chOff x="0" y="0"/>
+          <a:chExt cx="0" cy="0"/>
+        </a:xfrm>
+      </p:grpSpPr>
+      <p:sp>
+        <p:nvSpPr>
+          <p:cNvPr id="2" name="Title 1">
+            <a:extLst>
+              <a:ext uri="{FF2B5EF4-FFF2-40B4-BE49-F238E27FC236}">
+                <a16:creationId xmlns:a16="http://schemas.microsoft.com/office/drawing/2014/main" id="{86A26605-A61B-6045-96C3-A4B7633D3EA6}"/>
+              </a:ext>
+            </a:extLst>
+          </p:cNvPr>
+          <p:cNvSpPr>
+            <a:spLocks noGrp="1"/>
+          </p:cNvSpPr>
+          <p:nvPr>
+            <p:ph type="title"/>
+          </p:nvPr>
+        </p:nvSpPr>
+        <p:spPr>
+          <a:xfrm>
+            <a:off x="838200" y="365126"/>
+            <a:ext cx="10515600" cy="1006476"/>
+          </a:xfrm>
+        </p:spPr>
+        <p:txBody>
+          <a:bodyPr/>
+          <a:lstStyle/>
+          <a:p>
+            <a:r>
+              <a:rPr lang="en-US" dirty="0"/>
+              <a:t>Key language constructs</a:t>
+            </a:r>
+          </a:p>
+        </p:txBody>
+      </p:sp>
+      <p:pic>
+        <p:nvPicPr>
+          <p:cNvPr id="5" name="Picture 4">
+            <a:extLst>
+              <a:ext uri="{FF2B5EF4-FFF2-40B4-BE49-F238E27FC236}">
+                <a16:creationId xmlns:a16="http://schemas.microsoft.com/office/drawing/2014/main" id="{40AC9C4E-6E83-3446-A322-06A1D6FA40B7}"/>
+              </a:ext>
+            </a:extLst>
+          </p:cNvPr>
+          <p:cNvPicPr>
+            <a:picLocks noChangeAspect="1"/>
+          </p:cNvPicPr>
+          <p:nvPr/>
+        </p:nvPicPr>
+        <p:blipFill>
+          <a:blip r:embed="rId2"/>
+          <a:stretch>
+            <a:fillRect/>
+          </a:stretch>
+        </p:blipFill>
+        <p:spPr>
+          <a:xfrm>
+            <a:off x="8091659" y="1371601"/>
+            <a:ext cx="3691797" cy="2640064"/>
+          </a:xfrm>
+          <a:prstGeom prst="rect">
+            <a:avLst/>
+          </a:prstGeom>
+        </p:spPr>
+      </p:pic>
+      <p:pic>
+        <p:nvPicPr>
+          <p:cNvPr id="6" name="Picture 5">
+            <a:extLst>
+              <a:ext uri="{FF2B5EF4-FFF2-40B4-BE49-F238E27FC236}">
+                <a16:creationId xmlns:a16="http://schemas.microsoft.com/office/drawing/2014/main" id="{5F338A03-9F5A-944B-8BF4-0D26225E3ED6}"/>
+              </a:ext>
+            </a:extLst>
+          </p:cNvPr>
+          <p:cNvPicPr>
+            <a:picLocks noChangeAspect="1"/>
+          </p:cNvPicPr>
+          <p:nvPr/>
+        </p:nvPicPr>
+        <p:blipFill>
+          <a:blip r:embed="rId3"/>
+          <a:stretch>
+            <a:fillRect/>
+          </a:stretch>
+        </p:blipFill>
+        <p:spPr>
+          <a:xfrm>
+            <a:off x="5231554" y="1371602"/>
+            <a:ext cx="2103466" cy="2403961"/>
+          </a:xfrm>
+          <a:prstGeom prst="rect">
+            <a:avLst/>
+          </a:prstGeom>
+        </p:spPr>
+      </p:pic>
+      <p:pic>
+        <p:nvPicPr>
+          <p:cNvPr id="7" name="Picture 6">
+            <a:extLst>
+              <a:ext uri="{FF2B5EF4-FFF2-40B4-BE49-F238E27FC236}">
+                <a16:creationId xmlns:a16="http://schemas.microsoft.com/office/drawing/2014/main" id="{AC41118B-0447-5C4A-BB51-73E8F263FC44}"/>
+              </a:ext>
+            </a:extLst>
+          </p:cNvPr>
+          <p:cNvPicPr>
+            <a:picLocks noChangeAspect="1"/>
+          </p:cNvPicPr>
+          <p:nvPr/>
+        </p:nvPicPr>
+        <p:blipFill>
+          <a:blip r:embed="rId4"/>
+          <a:stretch>
+            <a:fillRect/>
+          </a:stretch>
+        </p:blipFill>
+        <p:spPr>
+          <a:xfrm>
+            <a:off x="756619" y="5169855"/>
+            <a:ext cx="6911387" cy="1502475"/>
+          </a:xfrm>
+          <a:prstGeom prst="rect">
+            <a:avLst/>
+          </a:prstGeom>
+        </p:spPr>
+      </p:pic>
+      <p:pic>
+        <p:nvPicPr>
+          <p:cNvPr id="8" name="Picture 7">
+            <a:extLst>
+              <a:ext uri="{FF2B5EF4-FFF2-40B4-BE49-F238E27FC236}">
+                <a16:creationId xmlns:a16="http://schemas.microsoft.com/office/drawing/2014/main" id="{835F88B2-A00C-0A46-A213-6F54D3510890}"/>
+              </a:ext>
+            </a:extLst>
+          </p:cNvPr>
+          <p:cNvPicPr>
+            <a:picLocks noChangeAspect="1"/>
+          </p:cNvPicPr>
+          <p:nvPr/>
+        </p:nvPicPr>
+        <p:blipFill>
+          <a:blip r:embed="rId5"/>
+          <a:stretch>
+            <a:fillRect/>
+          </a:stretch>
+        </p:blipFill>
+        <p:spPr>
+          <a:xfrm>
+            <a:off x="756619" y="1337851"/>
+            <a:ext cx="3195958" cy="1587801"/>
+          </a:xfrm>
+          <a:prstGeom prst="rect">
+            <a:avLst/>
+          </a:prstGeom>
+        </p:spPr>
+      </p:pic>
+      <p:pic>
+        <p:nvPicPr>
+          <p:cNvPr id="13" name="Picture 12">
+            <a:extLst>
+              <a:ext uri="{FF2B5EF4-FFF2-40B4-BE49-F238E27FC236}">
+                <a16:creationId xmlns:a16="http://schemas.microsoft.com/office/drawing/2014/main" id="{6323B325-5A96-D14B-9C09-8346BB6F067D}"/>
+              </a:ext>
+            </a:extLst>
+          </p:cNvPr>
+          <p:cNvPicPr>
+            <a:picLocks noChangeAspect="1"/>
+          </p:cNvPicPr>
+          <p:nvPr/>
+        </p:nvPicPr>
+        <p:blipFill>
+          <a:blip r:embed="rId6"/>
+          <a:stretch>
+            <a:fillRect/>
+          </a:stretch>
+        </p:blipFill>
+        <p:spPr>
+          <a:xfrm>
+            <a:off x="8091659" y="4326863"/>
+            <a:ext cx="3935702" cy="1239420"/>
+          </a:xfrm>
+          <a:prstGeom prst="rect">
+            <a:avLst/>
+          </a:prstGeom>
+        </p:spPr>
+      </p:pic>
+      <p:pic>
+        <p:nvPicPr>
+          <p:cNvPr id="14" name="Picture 13">
+            <a:extLst>
+              <a:ext uri="{FF2B5EF4-FFF2-40B4-BE49-F238E27FC236}">
+                <a16:creationId xmlns:a16="http://schemas.microsoft.com/office/drawing/2014/main" id="{6564C5FE-45E5-2843-A2CD-FAA240DD59D4}"/>
+              </a:ext>
+            </a:extLst>
+          </p:cNvPr>
+          <p:cNvPicPr>
+            <a:picLocks noChangeAspect="1"/>
+          </p:cNvPicPr>
+          <p:nvPr/>
+        </p:nvPicPr>
+        <p:blipFill>
+          <a:blip r:embed="rId7"/>
+          <a:stretch>
+            <a:fillRect/>
+          </a:stretch>
+        </p:blipFill>
+        <p:spPr>
+          <a:xfrm>
+            <a:off x="932682" y="3051006"/>
+            <a:ext cx="4421097" cy="1921318"/>
+          </a:xfrm>
+          <a:prstGeom prst="rect">
+            <a:avLst/>
+          </a:prstGeom>
+        </p:spPr>
+      </p:pic>
+    </p:spTree>
+    <p:extLst>
+      <p:ext uri="{BB962C8B-B14F-4D97-AF65-F5344CB8AC3E}">
+        <p14:creationId xmlns:p14="http://schemas.microsoft.com/office/powerpoint/2010/main" val="664681660"/>
+      </p:ext>
+    </p:extLst>
+  </p:cSld>
+  <p:clrMapOvr>
+    <a:masterClrMapping/>
+  </p:clrMapOvr>
+</p:sld>
+</file>
+
+<file path=ppt/slides/slide8.xml><?xml version="1.0" encoding="utf-8"?>
+<p:sld xmlns:a="http://schemas.openxmlformats.org/drawingml/2006/main" xmlns:r="http://schemas.openxmlformats.org/officeDocument/2006/relationships" xmlns:p="http://schemas.openxmlformats.org/presentationml/2006/main">
+  <p:cSld>
+    <p:spTree>
+      <p:nvGrpSpPr>
+        <p:cNvPr id="1" name=""/>
+        <p:cNvGrpSpPr/>
+        <p:nvPr/>
+      </p:nvGrpSpPr>
+      <p:grpSpPr>
+        <a:xfrm>
+          <a:off x="0" y="0"/>
+          <a:ext cx="0" cy="0"/>
+          <a:chOff x="0" y="0"/>
+          <a:chExt cx="0" cy="0"/>
+        </a:xfrm>
+      </p:grpSpPr>
+      <p:sp>
+        <p:nvSpPr>
+          <p:cNvPr id="2" name="Title 1">
+            <a:extLst>
+              <a:ext uri="{FF2B5EF4-FFF2-40B4-BE49-F238E27FC236}">
+                <a16:creationId xmlns:a16="http://schemas.microsoft.com/office/drawing/2014/main" id="{CA294642-0D43-E349-855E-216E5D5C3E05}"/>
+              </a:ext>
+            </a:extLst>
+          </p:cNvPr>
+          <p:cNvSpPr>
+            <a:spLocks noGrp="1"/>
+          </p:cNvSpPr>
+          <p:nvPr>
+            <p:ph type="title"/>
+          </p:nvPr>
+        </p:nvSpPr>
+        <p:spPr/>
+        <p:txBody>
+          <a:bodyPr/>
+          <a:lstStyle/>
+          <a:p>
+            <a:r>
+              <a:rPr lang="en-US" dirty="0"/>
+              <a:t>Interactive demos via </a:t>
+            </a:r>
+            <a:r>
+              <a:rPr lang="en-US" dirty="0" err="1"/>
+              <a:t>pythontutor.com</a:t>
+            </a:r>
+            <a:endParaRPr lang="en-US" dirty="0"/>
+          </a:p>
+        </p:txBody>
+      </p:sp>
+      <p:sp>
+        <p:nvSpPr>
+          <p:cNvPr id="3" name="Content Placeholder 2">
+            <a:extLst>
+              <a:ext uri="{FF2B5EF4-FFF2-40B4-BE49-F238E27FC236}">
+                <a16:creationId xmlns:a16="http://schemas.microsoft.com/office/drawing/2014/main" id="{BE8CBFB3-BD9F-7B47-9CF6-0EA2D9F7E701}"/>
+              </a:ext>
+            </a:extLst>
+          </p:cNvPr>
+          <p:cNvSpPr>
+            <a:spLocks noGrp="1"/>
+          </p:cNvSpPr>
+          <p:nvPr>
+            <p:ph idx="1"/>
+          </p:nvPr>
+        </p:nvSpPr>
+        <p:spPr/>
+        <p:txBody>
+          <a:bodyPr/>
+          <a:lstStyle/>
+          <a:p>
+            <a:r>
+              <a:rPr lang="en-US" dirty="0"/>
+              <a:t>Let's observe the control-flow using our key syntax constructs:</a:t>
+            </a:r>
+          </a:p>
+          <a:p>
+            <a:pPr lvl="1"/>
+            <a:r>
+              <a:rPr lang="en-US" dirty="0">
+                <a:hlinkClick r:id="rId2"/>
+              </a:rPr>
+              <a:t>generate some output</a:t>
+            </a:r>
+            <a:endParaRPr lang="en-US" dirty="0">
+              <a:hlinkClick r:id="rId3"/>
+            </a:endParaRPr>
+          </a:p>
+          <a:p>
+            <a:pPr lvl="1"/>
+            <a:r>
+              <a:rPr lang="en-US" dirty="0">
+                <a:hlinkClick r:id="rId3"/>
+              </a:rPr>
+              <a:t>assignment creates and alters variables</a:t>
+            </a:r>
+            <a:endParaRPr lang="en-US" dirty="0"/>
+          </a:p>
+          <a:p>
+            <a:pPr lvl="1"/>
+            <a:r>
+              <a:rPr lang="en-US" dirty="0">
+                <a:hlinkClick r:id="rId4"/>
+              </a:rPr>
+              <a:t>types matter, operators are overloaded</a:t>
+            </a:r>
+            <a:endParaRPr lang="en-US" dirty="0"/>
+          </a:p>
+          <a:p>
+            <a:pPr lvl="1"/>
+            <a:r>
+              <a:rPr lang="en-US" dirty="0">
+                <a:hlinkClick r:id="rId5"/>
+              </a:rPr>
+              <a:t>simple conditional execution</a:t>
+            </a:r>
+            <a:r>
+              <a:rPr lang="en-US" dirty="0"/>
+              <a:t> </a:t>
+            </a:r>
+          </a:p>
+          <a:p>
+            <a:pPr lvl="1"/>
+            <a:r>
+              <a:rPr lang="en-US" dirty="0">
+                <a:hlinkClick r:id="rId6"/>
+              </a:rPr>
+              <a:t>else-clause</a:t>
+            </a:r>
+            <a:endParaRPr lang="en-US" dirty="0"/>
+          </a:p>
+          <a:p>
+            <a:pPr lvl="1"/>
+            <a:r>
+              <a:rPr lang="en-US" dirty="0">
+                <a:hlinkClick r:id="rId7"/>
+              </a:rPr>
+              <a:t>simple loop that updates variable</a:t>
+            </a:r>
+            <a:endParaRPr lang="en-US" dirty="0"/>
+          </a:p>
+          <a:p>
+            <a:pPr lvl="1"/>
+            <a:r>
+              <a:rPr lang="en-US" dirty="0">
+                <a:hlinkClick r:id="rId8"/>
+              </a:rPr>
+              <a:t>demo loop for powers of two</a:t>
+            </a:r>
+            <a:endParaRPr lang="en-US" dirty="0"/>
+          </a:p>
+        </p:txBody>
+      </p:sp>
+    </p:spTree>
+    <p:extLst>
+      <p:ext uri="{BB962C8B-B14F-4D97-AF65-F5344CB8AC3E}">
+        <p14:creationId xmlns:p14="http://schemas.microsoft.com/office/powerpoint/2010/main" val="3135406178"/>
+      </p:ext>
+    </p:extLst>
+  </p:cSld>
+  <p:clrMapOvr>
+    <a:masterClrMapping/>
+  </p:clrMapOvr>
+</p:sld>
+</file>
+
+<file path=ppt/slides/slide9.xml><?xml version="1.0" encoding="utf-8"?>
+<p:sld xmlns:a="http://schemas.openxmlformats.org/drawingml/2006/main" xmlns:r="http://schemas.openxmlformats.org/officeDocument/2006/relationships" xmlns:p="http://schemas.openxmlformats.org/presentationml/2006/main">
+  <p:cSld>
+    <p:spTree>
+      <p:nvGrpSpPr>
+        <p:cNvPr id="1" name=""/>
+        <p:cNvGrpSpPr/>
+        <p:nvPr/>
+      </p:nvGrpSpPr>
+      <p:grpSpPr>
+        <a:xfrm>
+          <a:off x="0" y="0"/>
+          <a:ext cx="0" cy="0"/>
+          <a:chOff x="0" y="0"/>
+          <a:chExt cx="0" cy="0"/>
+        </a:xfrm>
+      </p:grpSpPr>
+      <p:sp>
+        <p:nvSpPr>
+          <p:cNvPr id="2" name="Title 1">
+            <a:extLst>
+              <a:ext uri="{FF2B5EF4-FFF2-40B4-BE49-F238E27FC236}">
+                <a16:creationId xmlns:a16="http://schemas.microsoft.com/office/drawing/2014/main" id="{9BFABF20-4245-8849-874D-059D7DF1968C}"/>
+              </a:ext>
+            </a:extLst>
+          </p:cNvPr>
+          <p:cNvSpPr>
+            <a:spLocks noGrp="1"/>
+          </p:cNvSpPr>
+          <p:nvPr>
+            <p:ph type="title"/>
+          </p:nvPr>
+        </p:nvSpPr>
+        <p:spPr/>
+        <p:txBody>
+          <a:bodyPr/>
+          <a:lstStyle/>
+          <a:p>
+            <a:r>
+              <a:rPr lang="en-US" dirty="0"/>
+              <a:t>Programmer's view of memory</a:t>
+            </a:r>
+          </a:p>
+        </p:txBody>
+      </p:sp>
+      <p:sp>
+        <p:nvSpPr>
+          <p:cNvPr id="3" name="Text Placeholder 2">
+            <a:extLst>
+              <a:ext uri="{FF2B5EF4-FFF2-40B4-BE49-F238E27FC236}">
+                <a16:creationId xmlns:a16="http://schemas.microsoft.com/office/drawing/2014/main" id="{D8ED1445-8508-614F-9199-F3E248BA33CA}"/>
+              </a:ext>
+            </a:extLst>
+          </p:cNvPr>
+          <p:cNvSpPr>
+            <a:spLocks noGrp="1"/>
+          </p:cNvSpPr>
+          <p:nvPr>
+            <p:ph type="body" idx="1"/>
+          </p:nvPr>
+        </p:nvSpPr>
+        <p:spPr/>
+        <p:txBody>
+          <a:bodyPr/>
+          <a:lstStyle/>
+          <a:p>
+            <a:endParaRPr lang="en-US"/>
+          </a:p>
+        </p:txBody>
+      </p:sp>
+    </p:spTree>
+    <p:extLst>
+      <p:ext uri="{BB962C8B-B14F-4D97-AF65-F5344CB8AC3E}">
+        <p14:creationId xmlns:p14="http://schemas.microsoft.com/office/powerpoint/2010/main" val="2899150489"/>
       </p:ext>
     </p:extLst>
   </p:cSld>

--- a/slides/intro-programming.pptx
+++ b/slides/intro-programming.pptx
@@ -5,10 +5,10 @@
     <p:sldMasterId id="2147483672" r:id="rId1"/>
   </p:sldMasterIdLst>
   <p:notesMasterIdLst>
-    <p:notesMasterId r:id="rId23"/>
+    <p:notesMasterId r:id="rId24"/>
   </p:notesMasterIdLst>
   <p:handoutMasterIdLst>
-    <p:handoutMasterId r:id="rId24"/>
+    <p:handoutMasterId r:id="rId25"/>
   </p:handoutMasterIdLst>
   <p:sldIdLst>
     <p:sldId id="256" r:id="rId2"/>
@@ -27,11 +27,12 @@
     <p:sldId id="301" r:id="rId15"/>
     <p:sldId id="302" r:id="rId16"/>
     <p:sldId id="303" r:id="rId17"/>
-    <p:sldId id="309" r:id="rId18"/>
-    <p:sldId id="304" r:id="rId19"/>
-    <p:sldId id="305" r:id="rId20"/>
-    <p:sldId id="306" r:id="rId21"/>
-    <p:sldId id="307" r:id="rId22"/>
+    <p:sldId id="311" r:id="rId18"/>
+    <p:sldId id="309" r:id="rId19"/>
+    <p:sldId id="304" r:id="rId20"/>
+    <p:sldId id="305" r:id="rId21"/>
+    <p:sldId id="306" r:id="rId22"/>
+    <p:sldId id="307" r:id="rId23"/>
   </p:sldIdLst>
   <p:sldSz cx="12192000" cy="6858000"/>
   <p:notesSz cx="9144000" cy="6858000"/>
@@ -226,7 +227,7 @@
           <a:p>
             <a:fld id="{8A1B613A-EFF1-404F-BEE8-EFAE84A4E5E2}" type="datetimeFigureOut">
               <a:rPr lang="en-US" smtClean="0"/>
-              <a:t>6/3/21</a:t>
+              <a:t>6/15/21</a:t>
             </a:fld>
             <a:endParaRPr lang="en-US"/>
           </a:p>
@@ -391,7 +392,7 @@
           <a:p>
             <a:fld id="{690847EA-AC25-3D4E-89E1-FD3F6A9702B6}" type="datetimeFigureOut">
               <a:rPr lang="en-US" smtClean="0"/>
-              <a:t>6/3/21</a:t>
+              <a:t>6/15/21</a:t>
             </a:fld>
             <a:endParaRPr lang="en-US"/>
           </a:p>
@@ -805,7 +806,7 @@
           <a:p>
             <a:fld id="{BE5295ED-3BAF-1140-8495-3D368771D6B1}" type="datetimeFigureOut">
               <a:rPr lang="en-US" smtClean="0"/>
-              <a:t>6/3/21</a:t>
+              <a:t>6/15/21</a:t>
             </a:fld>
             <a:endParaRPr lang="en-US"/>
           </a:p>
@@ -1003,7 +1004,7 @@
           <a:p>
             <a:fld id="{BE5295ED-3BAF-1140-8495-3D368771D6B1}" type="datetimeFigureOut">
               <a:rPr lang="en-US" smtClean="0"/>
-              <a:t>6/3/21</a:t>
+              <a:t>6/15/21</a:t>
             </a:fld>
             <a:endParaRPr lang="en-US"/>
           </a:p>
@@ -1211,7 +1212,7 @@
           <a:p>
             <a:fld id="{BE5295ED-3BAF-1140-8495-3D368771D6B1}" type="datetimeFigureOut">
               <a:rPr lang="en-US" smtClean="0"/>
-              <a:t>6/3/21</a:t>
+              <a:t>6/15/21</a:t>
             </a:fld>
             <a:endParaRPr lang="en-US"/>
           </a:p>
@@ -1409,7 +1410,7 @@
           <a:p>
             <a:fld id="{BE5295ED-3BAF-1140-8495-3D368771D6B1}" type="datetimeFigureOut">
               <a:rPr lang="en-US" smtClean="0"/>
-              <a:t>6/3/21</a:t>
+              <a:t>6/15/21</a:t>
             </a:fld>
             <a:endParaRPr lang="en-US"/>
           </a:p>
@@ -1684,7 +1685,7 @@
           <a:p>
             <a:fld id="{BE5295ED-3BAF-1140-8495-3D368771D6B1}" type="datetimeFigureOut">
               <a:rPr lang="en-US" smtClean="0"/>
-              <a:t>6/3/21</a:t>
+              <a:t>6/15/21</a:t>
             </a:fld>
             <a:endParaRPr lang="en-US"/>
           </a:p>
@@ -1949,7 +1950,7 @@
           <a:p>
             <a:fld id="{BE5295ED-3BAF-1140-8495-3D368771D6B1}" type="datetimeFigureOut">
               <a:rPr lang="en-US" smtClean="0"/>
-              <a:t>6/3/21</a:t>
+              <a:t>6/15/21</a:t>
             </a:fld>
             <a:endParaRPr lang="en-US"/>
           </a:p>
@@ -2361,7 +2362,7 @@
           <a:p>
             <a:fld id="{BE5295ED-3BAF-1140-8495-3D368771D6B1}" type="datetimeFigureOut">
               <a:rPr lang="en-US" smtClean="0"/>
-              <a:t>6/3/21</a:t>
+              <a:t>6/15/21</a:t>
             </a:fld>
             <a:endParaRPr lang="en-US"/>
           </a:p>
@@ -2502,7 +2503,7 @@
           <a:p>
             <a:fld id="{BE5295ED-3BAF-1140-8495-3D368771D6B1}" type="datetimeFigureOut">
               <a:rPr lang="en-US" smtClean="0"/>
-              <a:t>6/3/21</a:t>
+              <a:t>6/15/21</a:t>
             </a:fld>
             <a:endParaRPr lang="en-US"/>
           </a:p>
@@ -2615,7 +2616,7 @@
           <a:p>
             <a:fld id="{BE5295ED-3BAF-1140-8495-3D368771D6B1}" type="datetimeFigureOut">
               <a:rPr lang="en-US" smtClean="0"/>
-              <a:t>6/3/21</a:t>
+              <a:t>6/15/21</a:t>
             </a:fld>
             <a:endParaRPr lang="en-US"/>
           </a:p>
@@ -2926,7 +2927,7 @@
           <a:p>
             <a:fld id="{BE5295ED-3BAF-1140-8495-3D368771D6B1}" type="datetimeFigureOut">
               <a:rPr lang="en-US" smtClean="0"/>
-              <a:t>6/3/21</a:t>
+              <a:t>6/15/21</a:t>
             </a:fld>
             <a:endParaRPr lang="en-US"/>
           </a:p>
@@ -3217,7 +3218,7 @@
           <a:p>
             <a:fld id="{BE5295ED-3BAF-1140-8495-3D368771D6B1}" type="datetimeFigureOut">
               <a:rPr lang="en-US" smtClean="0"/>
-              <a:t>6/3/21</a:t>
+              <a:t>6/15/21</a:t>
             </a:fld>
             <a:endParaRPr lang="en-US"/>
           </a:p>
@@ -3458,7 +3459,7 @@
           <a:p>
             <a:fld id="{BE5295ED-3BAF-1140-8495-3D368771D6B1}" type="datetimeFigureOut">
               <a:rPr lang="en-US" smtClean="0"/>
-              <a:t>6/3/21</a:t>
+              <a:t>6/15/21</a:t>
             </a:fld>
             <a:endParaRPr lang="en-US"/>
           </a:p>
@@ -6099,7 +6100,7 @@
           <p:cNvPr id="2" name="Title 1">
             <a:extLst>
               <a:ext uri="{FF2B5EF4-FFF2-40B4-BE49-F238E27FC236}">
-                <a16:creationId xmlns:a16="http://schemas.microsoft.com/office/drawing/2014/main" id="{427A9ADF-55F4-8C46-8820-3D2FB2BBBAE7}"/>
+                <a16:creationId xmlns:a16="http://schemas.microsoft.com/office/drawing/2014/main" id="{D07DF4F5-1B0C-8E44-B0FB-932B8369CDB3}"/>
               </a:ext>
             </a:extLst>
           </p:cNvPr>
@@ -6116,26 +6117,38 @@
           <a:lstStyle/>
           <a:p>
             <a:r>
+              <a:rPr lang="en-US" dirty="0" err="1"/>
+              <a:t>todo</a:t>
+            </a:r>
+            <a:r>
               <a:rPr lang="en-US" dirty="0"/>
-              <a:t>More on looping</a:t>
-            </a:r>
-          </a:p>
-        </p:txBody>
-      </p:sp>
-      <p:sp>
-        <p:nvSpPr>
-          <p:cNvPr id="3" name="Text Placeholder 2">
-            <a:extLst>
-              <a:ext uri="{FF2B5EF4-FFF2-40B4-BE49-F238E27FC236}">
-                <a16:creationId xmlns:a16="http://schemas.microsoft.com/office/drawing/2014/main" id="{1460E07F-423D-5641-9862-44B8D7A021C4}"/>
-              </a:ext>
-            </a:extLst>
-          </p:cNvPr>
-          <p:cNvSpPr>
-            <a:spLocks noGrp="1"/>
-          </p:cNvSpPr>
-          <p:nvPr>
-            <p:ph type="body" idx="1"/>
+              <a:t>: sets, </a:t>
+            </a:r>
+            <a:r>
+              <a:rPr lang="en-US" dirty="0" err="1"/>
+              <a:t>dict</a:t>
+            </a:r>
+            <a:r>
+              <a:rPr lang="en-US"/>
+              <a:t>, tuple</a:t>
+            </a:r>
+          </a:p>
+        </p:txBody>
+      </p:sp>
+      <p:sp>
+        <p:nvSpPr>
+          <p:cNvPr id="3" name="Content Placeholder 2">
+            <a:extLst>
+              <a:ext uri="{FF2B5EF4-FFF2-40B4-BE49-F238E27FC236}">
+                <a16:creationId xmlns:a16="http://schemas.microsoft.com/office/drawing/2014/main" id="{3B44A651-61A7-974C-9E92-9BEFF2EED05E}"/>
+              </a:ext>
+            </a:extLst>
+          </p:cNvPr>
+          <p:cNvSpPr>
+            <a:spLocks noGrp="1"/>
+          </p:cNvSpPr>
+          <p:nvPr>
+            <p:ph idx="1"/>
           </p:nvPr>
         </p:nvSpPr>
         <p:spPr/>
@@ -6150,7 +6163,7 @@
     </p:spTree>
     <p:extLst>
       <p:ext uri="{BB962C8B-B14F-4D97-AF65-F5344CB8AC3E}">
-        <p14:creationId xmlns:p14="http://schemas.microsoft.com/office/powerpoint/2010/main" val="2528347990"/>
+        <p14:creationId xmlns:p14="http://schemas.microsoft.com/office/powerpoint/2010/main" val="2973613050"/>
       </p:ext>
     </p:extLst>
   </p:cSld>
@@ -6182,6 +6195,89 @@
           <p:cNvPr id="2" name="Title 1">
             <a:extLst>
               <a:ext uri="{FF2B5EF4-FFF2-40B4-BE49-F238E27FC236}">
+                <a16:creationId xmlns:a16="http://schemas.microsoft.com/office/drawing/2014/main" id="{427A9ADF-55F4-8C46-8820-3D2FB2BBBAE7}"/>
+              </a:ext>
+            </a:extLst>
+          </p:cNvPr>
+          <p:cNvSpPr>
+            <a:spLocks noGrp="1"/>
+          </p:cNvSpPr>
+          <p:nvPr>
+            <p:ph type="title"/>
+          </p:nvPr>
+        </p:nvSpPr>
+        <p:spPr/>
+        <p:txBody>
+          <a:bodyPr/>
+          <a:lstStyle/>
+          <a:p>
+            <a:r>
+              <a:rPr lang="en-US" dirty="0"/>
+              <a:t>More on looping</a:t>
+            </a:r>
+          </a:p>
+        </p:txBody>
+      </p:sp>
+      <p:sp>
+        <p:nvSpPr>
+          <p:cNvPr id="3" name="Text Placeholder 2">
+            <a:extLst>
+              <a:ext uri="{FF2B5EF4-FFF2-40B4-BE49-F238E27FC236}">
+                <a16:creationId xmlns:a16="http://schemas.microsoft.com/office/drawing/2014/main" id="{1460E07F-423D-5641-9862-44B8D7A021C4}"/>
+              </a:ext>
+            </a:extLst>
+          </p:cNvPr>
+          <p:cNvSpPr>
+            <a:spLocks noGrp="1"/>
+          </p:cNvSpPr>
+          <p:nvPr>
+            <p:ph type="body" idx="1"/>
+          </p:nvPr>
+        </p:nvSpPr>
+        <p:spPr/>
+        <p:txBody>
+          <a:bodyPr/>
+          <a:lstStyle/>
+          <a:p>
+            <a:endParaRPr lang="en-US"/>
+          </a:p>
+        </p:txBody>
+      </p:sp>
+    </p:spTree>
+    <p:extLst>
+      <p:ext uri="{BB962C8B-B14F-4D97-AF65-F5344CB8AC3E}">
+        <p14:creationId xmlns:p14="http://schemas.microsoft.com/office/powerpoint/2010/main" val="2528347990"/>
+      </p:ext>
+    </p:extLst>
+  </p:cSld>
+  <p:clrMapOvr>
+    <a:masterClrMapping/>
+  </p:clrMapOvr>
+</p:sld>
+</file>
+
+<file path=ppt/slides/slide19.xml><?xml version="1.0" encoding="utf-8"?>
+<p:sld xmlns:a="http://schemas.openxmlformats.org/drawingml/2006/main" xmlns:r="http://schemas.openxmlformats.org/officeDocument/2006/relationships" xmlns:p="http://schemas.openxmlformats.org/presentationml/2006/main">
+  <p:cSld>
+    <p:spTree>
+      <p:nvGrpSpPr>
+        <p:cNvPr id="1" name=""/>
+        <p:cNvGrpSpPr/>
+        <p:nvPr/>
+      </p:nvGrpSpPr>
+      <p:grpSpPr>
+        <a:xfrm>
+          <a:off x="0" y="0"/>
+          <a:ext cx="0" cy="0"/>
+          <a:chOff x="0" y="0"/>
+          <a:chExt cx="0" cy="0"/>
+        </a:xfrm>
+      </p:grpSpPr>
+      <p:sp>
+        <p:nvSpPr>
+          <p:cNvPr id="2" name="Title 1">
+            <a:extLst>
+              <a:ext uri="{FF2B5EF4-FFF2-40B4-BE49-F238E27FC236}">
                 <a16:creationId xmlns:a16="http://schemas.microsoft.com/office/drawing/2014/main" id="{E74290A9-8CE1-944F-A79A-0A9893D50374}"/>
               </a:ext>
             </a:extLst>
@@ -6467,7 +6563,256 @@
 </p:sld>
 </file>
 
-<file path=ppt/slides/slide19.xml><?xml version="1.0" encoding="utf-8"?>
+<file path=ppt/slides/slide2.xml><?xml version="1.0" encoding="utf-8"?>
+<p:sld xmlns:a="http://schemas.openxmlformats.org/drawingml/2006/main" xmlns:r="http://schemas.openxmlformats.org/officeDocument/2006/relationships" xmlns:p="http://schemas.openxmlformats.org/presentationml/2006/main">
+  <p:cSld>
+    <p:spTree>
+      <p:nvGrpSpPr>
+        <p:cNvPr id="1" name=""/>
+        <p:cNvGrpSpPr/>
+        <p:nvPr/>
+      </p:nvGrpSpPr>
+      <p:grpSpPr>
+        <a:xfrm>
+          <a:off x="0" y="0"/>
+          <a:ext cx="0" cy="0"/>
+          <a:chOff x="0" y="0"/>
+          <a:chExt cx="0" cy="0"/>
+        </a:xfrm>
+      </p:grpSpPr>
+      <p:sp>
+        <p:nvSpPr>
+          <p:cNvPr id="2" name="Title 1">
+            <a:extLst>
+              <a:ext uri="{FF2B5EF4-FFF2-40B4-BE49-F238E27FC236}">
+                <a16:creationId xmlns:a16="http://schemas.microsoft.com/office/drawing/2014/main" id="{FAA0BDF3-3E03-814B-BC8D-805FC7CBDA96}"/>
+              </a:ext>
+            </a:extLst>
+          </p:cNvPr>
+          <p:cNvSpPr>
+            <a:spLocks noGrp="1"/>
+          </p:cNvSpPr>
+          <p:nvPr>
+            <p:ph type="title"/>
+          </p:nvPr>
+        </p:nvSpPr>
+        <p:spPr/>
+        <p:txBody>
+          <a:bodyPr/>
+          <a:lstStyle/>
+          <a:p>
+            <a:r>
+              <a:rPr lang="en-US" dirty="0"/>
+              <a:t>What is programming / coding?</a:t>
+            </a:r>
+          </a:p>
+        </p:txBody>
+      </p:sp>
+      <p:sp>
+        <p:nvSpPr>
+          <p:cNvPr id="3" name="Content Placeholder 2">
+            <a:extLst>
+              <a:ext uri="{FF2B5EF4-FFF2-40B4-BE49-F238E27FC236}">
+                <a16:creationId xmlns:a16="http://schemas.microsoft.com/office/drawing/2014/main" id="{DD49725C-B39B-D941-B689-6145A268E251}"/>
+              </a:ext>
+            </a:extLst>
+          </p:cNvPr>
+          <p:cNvSpPr>
+            <a:spLocks noGrp="1"/>
+          </p:cNvSpPr>
+          <p:nvPr>
+            <p:ph idx="1"/>
+          </p:nvPr>
+        </p:nvSpPr>
+        <p:spPr>
+          <a:xfrm>
+            <a:off x="838200" y="1690688"/>
+            <a:ext cx="10515600" cy="4486275"/>
+          </a:xfrm>
+        </p:spPr>
+        <p:txBody>
+          <a:bodyPr>
+            <a:normAutofit lnSpcReduction="10000"/>
+          </a:bodyPr>
+          <a:lstStyle/>
+          <a:p>
+            <a:r>
+              <a:rPr lang="en-US" dirty="0"/>
+              <a:t>Literally: Creating a set of instructions for a computer to execute</a:t>
+            </a:r>
+          </a:p>
+          <a:p>
+            <a:r>
+              <a:rPr lang="en-US" dirty="0"/>
+              <a:t>First we construct a sequence of abstract operations, sometimes called an </a:t>
+            </a:r>
+            <a:r>
+              <a:rPr lang="en-US" i="1" dirty="0"/>
+              <a:t>algorithm</a:t>
+            </a:r>
+            <a:r>
+              <a:rPr lang="en-US" dirty="0"/>
+              <a:t> or </a:t>
+            </a:r>
+            <a:r>
+              <a:rPr lang="en-US" i="1" dirty="0"/>
+              <a:t>workplan</a:t>
+            </a:r>
+            <a:r>
+              <a:rPr lang="en-US" dirty="0"/>
+              <a:t>, that performs the desired task </a:t>
+            </a:r>
+          </a:p>
+          <a:p>
+            <a:r>
+              <a:rPr lang="en-US" dirty="0"/>
+              <a:t>Then we translate these abstract operations to concrete and precise instructions</a:t>
+            </a:r>
+            <a:br>
+              <a:rPr lang="en-US" dirty="0"/>
+            </a:br>
+            <a:endParaRPr lang="en-US" dirty="0"/>
+          </a:p>
+          <a:p>
+            <a:r>
+              <a:rPr lang="en-US" dirty="0"/>
+              <a:t>These instructions must follow the grammatical structure of a programming language, such as Python</a:t>
+            </a:r>
+          </a:p>
+          <a:p>
+            <a:r>
+              <a:rPr lang="en-US" dirty="0"/>
+              <a:t>Each instruction typically solves a piece of the problem</a:t>
+            </a:r>
+          </a:p>
+          <a:p>
+            <a:r>
+              <a:rPr lang="en-US" dirty="0"/>
+              <a:t>The emergent behavior of the program solves our task</a:t>
+            </a:r>
+          </a:p>
+        </p:txBody>
+      </p:sp>
+      <p:sp>
+        <p:nvSpPr>
+          <p:cNvPr id="10" name="Rectangle 9">
+            <a:extLst>
+              <a:ext uri="{FF2B5EF4-FFF2-40B4-BE49-F238E27FC236}">
+                <a16:creationId xmlns:a16="http://schemas.microsoft.com/office/drawing/2014/main" id="{D3DDC63A-7686-5C4D-860C-369E025F7746}"/>
+              </a:ext>
+            </a:extLst>
+          </p:cNvPr>
+          <p:cNvSpPr/>
+          <p:nvPr/>
+        </p:nvSpPr>
+        <p:spPr>
+          <a:xfrm>
+            <a:off x="4793682" y="3780482"/>
+            <a:ext cx="1452642" cy="461665"/>
+          </a:xfrm>
+          <a:prstGeom prst="rect">
+            <a:avLst/>
+          </a:prstGeom>
+        </p:spPr>
+        <p:txBody>
+          <a:bodyPr wrap="none">
+            <a:spAutoFit/>
+          </a:bodyPr>
+          <a:lstStyle/>
+          <a:p>
+            <a:r>
+              <a:rPr lang="en-US" sz="2400" i="1" dirty="0"/>
+              <a:t>Say hello</a:t>
+            </a:r>
+          </a:p>
+        </p:txBody>
+      </p:sp>
+      <p:sp>
+        <p:nvSpPr>
+          <p:cNvPr id="11" name="Rectangle 10">
+            <a:extLst>
+              <a:ext uri="{FF2B5EF4-FFF2-40B4-BE49-F238E27FC236}">
+                <a16:creationId xmlns:a16="http://schemas.microsoft.com/office/drawing/2014/main" id="{929D612E-9865-3146-B3FE-F445ABC0D336}"/>
+              </a:ext>
+            </a:extLst>
+          </p:cNvPr>
+          <p:cNvSpPr/>
+          <p:nvPr/>
+        </p:nvSpPr>
+        <p:spPr>
+          <a:xfrm>
+            <a:off x="6844454" y="3780482"/>
+            <a:ext cx="2563522" cy="461665"/>
+          </a:xfrm>
+          <a:prstGeom prst="rect">
+            <a:avLst/>
+          </a:prstGeom>
+        </p:spPr>
+        <p:txBody>
+          <a:bodyPr wrap="none">
+            <a:spAutoFit/>
+          </a:bodyPr>
+          <a:lstStyle/>
+          <a:p>
+            <a:r>
+              <a:rPr lang="en-US" sz="2400" dirty="0">
+                <a:latin typeface="Consolas" panose="020B0609020204030204" pitchFamily="49" charset="0"/>
+                <a:cs typeface="Consolas" panose="020B0609020204030204" pitchFamily="49" charset="0"/>
+              </a:rPr>
+              <a:t>print("hello")</a:t>
+            </a:r>
+          </a:p>
+        </p:txBody>
+      </p:sp>
+      <p:sp>
+        <p:nvSpPr>
+          <p:cNvPr id="12" name="Rectangle 11">
+            <a:extLst>
+              <a:ext uri="{FF2B5EF4-FFF2-40B4-BE49-F238E27FC236}">
+                <a16:creationId xmlns:a16="http://schemas.microsoft.com/office/drawing/2014/main" id="{8EF3BD37-606B-9840-9546-0A374B8E021C}"/>
+              </a:ext>
+            </a:extLst>
+          </p:cNvPr>
+          <p:cNvSpPr/>
+          <p:nvPr/>
+        </p:nvSpPr>
+        <p:spPr>
+          <a:xfrm>
+            <a:off x="6253481" y="3711990"/>
+            <a:ext cx="534121" cy="584775"/>
+          </a:xfrm>
+          <a:prstGeom prst="rect">
+            <a:avLst/>
+          </a:prstGeom>
+        </p:spPr>
+        <p:txBody>
+          <a:bodyPr wrap="none">
+            <a:spAutoFit/>
+          </a:bodyPr>
+          <a:lstStyle/>
+          <a:p>
+            <a:r>
+              <a:rPr lang="en-US" sz="3200" i="1" dirty="0"/>
+              <a:t>☞</a:t>
+            </a:r>
+            <a:endParaRPr lang="en-US" sz="3200" dirty="0"/>
+          </a:p>
+        </p:txBody>
+      </p:sp>
+    </p:spTree>
+    <p:extLst>
+      <p:ext uri="{BB962C8B-B14F-4D97-AF65-F5344CB8AC3E}">
+        <p14:creationId xmlns:p14="http://schemas.microsoft.com/office/powerpoint/2010/main" val="1706022066"/>
+      </p:ext>
+    </p:extLst>
+  </p:cSld>
+  <p:clrMapOvr>
+    <a:masterClrMapping/>
+  </p:clrMapOvr>
+</p:sld>
+</file>
+
+<file path=ppt/slides/slide20.xml><?xml version="1.0" encoding="utf-8"?>
 <p:sld xmlns:a="http://schemas.openxmlformats.org/drawingml/2006/main" xmlns:r="http://schemas.openxmlformats.org/officeDocument/2006/relationships" xmlns:p="http://schemas.openxmlformats.org/presentationml/2006/main">
   <p:cSld>
     <p:spTree>
@@ -6633,256 +6978,7 @@
 </p:sld>
 </file>
 
-<file path=ppt/slides/slide2.xml><?xml version="1.0" encoding="utf-8"?>
-<p:sld xmlns:a="http://schemas.openxmlformats.org/drawingml/2006/main" xmlns:r="http://schemas.openxmlformats.org/officeDocument/2006/relationships" xmlns:p="http://schemas.openxmlformats.org/presentationml/2006/main">
-  <p:cSld>
-    <p:spTree>
-      <p:nvGrpSpPr>
-        <p:cNvPr id="1" name=""/>
-        <p:cNvGrpSpPr/>
-        <p:nvPr/>
-      </p:nvGrpSpPr>
-      <p:grpSpPr>
-        <a:xfrm>
-          <a:off x="0" y="0"/>
-          <a:ext cx="0" cy="0"/>
-          <a:chOff x="0" y="0"/>
-          <a:chExt cx="0" cy="0"/>
-        </a:xfrm>
-      </p:grpSpPr>
-      <p:sp>
-        <p:nvSpPr>
-          <p:cNvPr id="2" name="Title 1">
-            <a:extLst>
-              <a:ext uri="{FF2B5EF4-FFF2-40B4-BE49-F238E27FC236}">
-                <a16:creationId xmlns:a16="http://schemas.microsoft.com/office/drawing/2014/main" id="{FAA0BDF3-3E03-814B-BC8D-805FC7CBDA96}"/>
-              </a:ext>
-            </a:extLst>
-          </p:cNvPr>
-          <p:cNvSpPr>
-            <a:spLocks noGrp="1"/>
-          </p:cNvSpPr>
-          <p:nvPr>
-            <p:ph type="title"/>
-          </p:nvPr>
-        </p:nvSpPr>
-        <p:spPr/>
-        <p:txBody>
-          <a:bodyPr/>
-          <a:lstStyle/>
-          <a:p>
-            <a:r>
-              <a:rPr lang="en-US" dirty="0"/>
-              <a:t>What is programming / coding?</a:t>
-            </a:r>
-          </a:p>
-        </p:txBody>
-      </p:sp>
-      <p:sp>
-        <p:nvSpPr>
-          <p:cNvPr id="3" name="Content Placeholder 2">
-            <a:extLst>
-              <a:ext uri="{FF2B5EF4-FFF2-40B4-BE49-F238E27FC236}">
-                <a16:creationId xmlns:a16="http://schemas.microsoft.com/office/drawing/2014/main" id="{DD49725C-B39B-D941-B689-6145A268E251}"/>
-              </a:ext>
-            </a:extLst>
-          </p:cNvPr>
-          <p:cNvSpPr>
-            <a:spLocks noGrp="1"/>
-          </p:cNvSpPr>
-          <p:nvPr>
-            <p:ph idx="1"/>
-          </p:nvPr>
-        </p:nvSpPr>
-        <p:spPr>
-          <a:xfrm>
-            <a:off x="838200" y="1690688"/>
-            <a:ext cx="10515600" cy="4486275"/>
-          </a:xfrm>
-        </p:spPr>
-        <p:txBody>
-          <a:bodyPr>
-            <a:normAutofit lnSpcReduction="10000"/>
-          </a:bodyPr>
-          <a:lstStyle/>
-          <a:p>
-            <a:r>
-              <a:rPr lang="en-US" dirty="0"/>
-              <a:t>Literally: Creating a set of instructions for a computer to execute</a:t>
-            </a:r>
-          </a:p>
-          <a:p>
-            <a:r>
-              <a:rPr lang="en-US" dirty="0"/>
-              <a:t>First we construct a sequence of abstract operations, sometimes called an </a:t>
-            </a:r>
-            <a:r>
-              <a:rPr lang="en-US" i="1" dirty="0"/>
-              <a:t>algorithm</a:t>
-            </a:r>
-            <a:r>
-              <a:rPr lang="en-US" dirty="0"/>
-              <a:t> or </a:t>
-            </a:r>
-            <a:r>
-              <a:rPr lang="en-US" i="1" dirty="0"/>
-              <a:t>workplan</a:t>
-            </a:r>
-            <a:r>
-              <a:rPr lang="en-US" dirty="0"/>
-              <a:t>, that performs the desired task </a:t>
-            </a:r>
-          </a:p>
-          <a:p>
-            <a:r>
-              <a:rPr lang="en-US" dirty="0"/>
-              <a:t>Then we translate these abstract operations to concrete and precise instructions</a:t>
-            </a:r>
-            <a:br>
-              <a:rPr lang="en-US" dirty="0"/>
-            </a:br>
-            <a:endParaRPr lang="en-US" dirty="0"/>
-          </a:p>
-          <a:p>
-            <a:r>
-              <a:rPr lang="en-US" dirty="0"/>
-              <a:t>These instructions must follow the grammatical structure of a programming language, such as Python</a:t>
-            </a:r>
-          </a:p>
-          <a:p>
-            <a:r>
-              <a:rPr lang="en-US" dirty="0"/>
-              <a:t>Each instruction typically solves a piece of the problem</a:t>
-            </a:r>
-          </a:p>
-          <a:p>
-            <a:r>
-              <a:rPr lang="en-US" dirty="0"/>
-              <a:t>The emergent behavior of the program solves our task</a:t>
-            </a:r>
-          </a:p>
-        </p:txBody>
-      </p:sp>
-      <p:sp>
-        <p:nvSpPr>
-          <p:cNvPr id="10" name="Rectangle 9">
-            <a:extLst>
-              <a:ext uri="{FF2B5EF4-FFF2-40B4-BE49-F238E27FC236}">
-                <a16:creationId xmlns:a16="http://schemas.microsoft.com/office/drawing/2014/main" id="{D3DDC63A-7686-5C4D-860C-369E025F7746}"/>
-              </a:ext>
-            </a:extLst>
-          </p:cNvPr>
-          <p:cNvSpPr/>
-          <p:nvPr/>
-        </p:nvSpPr>
-        <p:spPr>
-          <a:xfrm>
-            <a:off x="4793682" y="3780482"/>
-            <a:ext cx="1452642" cy="461665"/>
-          </a:xfrm>
-          <a:prstGeom prst="rect">
-            <a:avLst/>
-          </a:prstGeom>
-        </p:spPr>
-        <p:txBody>
-          <a:bodyPr wrap="none">
-            <a:spAutoFit/>
-          </a:bodyPr>
-          <a:lstStyle/>
-          <a:p>
-            <a:r>
-              <a:rPr lang="en-US" sz="2400" i="1" dirty="0"/>
-              <a:t>Say hello</a:t>
-            </a:r>
-          </a:p>
-        </p:txBody>
-      </p:sp>
-      <p:sp>
-        <p:nvSpPr>
-          <p:cNvPr id="11" name="Rectangle 10">
-            <a:extLst>
-              <a:ext uri="{FF2B5EF4-FFF2-40B4-BE49-F238E27FC236}">
-                <a16:creationId xmlns:a16="http://schemas.microsoft.com/office/drawing/2014/main" id="{929D612E-9865-3146-B3FE-F445ABC0D336}"/>
-              </a:ext>
-            </a:extLst>
-          </p:cNvPr>
-          <p:cNvSpPr/>
-          <p:nvPr/>
-        </p:nvSpPr>
-        <p:spPr>
-          <a:xfrm>
-            <a:off x="6844454" y="3780482"/>
-            <a:ext cx="2563522" cy="461665"/>
-          </a:xfrm>
-          <a:prstGeom prst="rect">
-            <a:avLst/>
-          </a:prstGeom>
-        </p:spPr>
-        <p:txBody>
-          <a:bodyPr wrap="none">
-            <a:spAutoFit/>
-          </a:bodyPr>
-          <a:lstStyle/>
-          <a:p>
-            <a:r>
-              <a:rPr lang="en-US" sz="2400" dirty="0">
-                <a:latin typeface="Consolas" panose="020B0609020204030204" pitchFamily="49" charset="0"/>
-                <a:cs typeface="Consolas" panose="020B0609020204030204" pitchFamily="49" charset="0"/>
-              </a:rPr>
-              <a:t>print("hello")</a:t>
-            </a:r>
-          </a:p>
-        </p:txBody>
-      </p:sp>
-      <p:sp>
-        <p:nvSpPr>
-          <p:cNvPr id="12" name="Rectangle 11">
-            <a:extLst>
-              <a:ext uri="{FF2B5EF4-FFF2-40B4-BE49-F238E27FC236}">
-                <a16:creationId xmlns:a16="http://schemas.microsoft.com/office/drawing/2014/main" id="{8EF3BD37-606B-9840-9546-0A374B8E021C}"/>
-              </a:ext>
-            </a:extLst>
-          </p:cNvPr>
-          <p:cNvSpPr/>
-          <p:nvPr/>
-        </p:nvSpPr>
-        <p:spPr>
-          <a:xfrm>
-            <a:off x="6253481" y="3711990"/>
-            <a:ext cx="534121" cy="584775"/>
-          </a:xfrm>
-          <a:prstGeom prst="rect">
-            <a:avLst/>
-          </a:prstGeom>
-        </p:spPr>
-        <p:txBody>
-          <a:bodyPr wrap="none">
-            <a:spAutoFit/>
-          </a:bodyPr>
-          <a:lstStyle/>
-          <a:p>
-            <a:r>
-              <a:rPr lang="en-US" sz="3200" i="1" dirty="0"/>
-              <a:t>☞</a:t>
-            </a:r>
-            <a:endParaRPr lang="en-US" sz="3200" dirty="0"/>
-          </a:p>
-        </p:txBody>
-      </p:sp>
-    </p:spTree>
-    <p:extLst>
-      <p:ext uri="{BB962C8B-B14F-4D97-AF65-F5344CB8AC3E}">
-        <p14:creationId xmlns:p14="http://schemas.microsoft.com/office/powerpoint/2010/main" val="1706022066"/>
-      </p:ext>
-    </p:extLst>
-  </p:cSld>
-  <p:clrMapOvr>
-    <a:masterClrMapping/>
-  </p:clrMapOvr>
-</p:sld>
-</file>
-
-<file path=ppt/slides/slide20.xml><?xml version="1.0" encoding="utf-8"?>
+<file path=ppt/slides/slide21.xml><?xml version="1.0" encoding="utf-8"?>
 <p:sld xmlns:a="http://schemas.openxmlformats.org/drawingml/2006/main" xmlns:r="http://schemas.openxmlformats.org/officeDocument/2006/relationships" xmlns:p="http://schemas.openxmlformats.org/presentationml/2006/main">
   <p:cSld>
     <p:spTree>
@@ -7007,7 +7103,7 @@
 </p:sld>
 </file>
 
-<file path=ppt/slides/slide21.xml><?xml version="1.0" encoding="utf-8"?>
+<file path=ppt/slides/slide22.xml><?xml version="1.0" encoding="utf-8"?>
 <p:sld xmlns:a="http://schemas.openxmlformats.org/drawingml/2006/main" xmlns:r="http://schemas.openxmlformats.org/officeDocument/2006/relationships" xmlns:p="http://schemas.openxmlformats.org/presentationml/2006/main">
   <p:cSld>
     <p:spTree>

--- a/slides/intro-programming.pptx
+++ b/slides/intro-programming.pptx
@@ -5,10 +5,10 @@
     <p:sldMasterId id="2147483672" r:id="rId1"/>
   </p:sldMasterIdLst>
   <p:notesMasterIdLst>
-    <p:notesMasterId r:id="rId24"/>
+    <p:notesMasterId r:id="rId28"/>
   </p:notesMasterIdLst>
   <p:handoutMasterIdLst>
-    <p:handoutMasterId r:id="rId25"/>
+    <p:handoutMasterId r:id="rId29"/>
   </p:handoutMasterIdLst>
   <p:sldIdLst>
     <p:sldId id="256" r:id="rId2"/>
@@ -27,12 +27,16 @@
     <p:sldId id="301" r:id="rId15"/>
     <p:sldId id="302" r:id="rId16"/>
     <p:sldId id="303" r:id="rId17"/>
-    <p:sldId id="311" r:id="rId18"/>
-    <p:sldId id="309" r:id="rId19"/>
-    <p:sldId id="304" r:id="rId20"/>
-    <p:sldId id="305" r:id="rId21"/>
-    <p:sldId id="306" r:id="rId22"/>
-    <p:sldId id="307" r:id="rId23"/>
+    <p:sldId id="315" r:id="rId18"/>
+    <p:sldId id="316" r:id="rId19"/>
+    <p:sldId id="312" r:id="rId20"/>
+    <p:sldId id="313" r:id="rId21"/>
+    <p:sldId id="314" r:id="rId22"/>
+    <p:sldId id="309" r:id="rId23"/>
+    <p:sldId id="304" r:id="rId24"/>
+    <p:sldId id="305" r:id="rId25"/>
+    <p:sldId id="306" r:id="rId26"/>
+    <p:sldId id="307" r:id="rId27"/>
   </p:sldIdLst>
   <p:sldSz cx="12192000" cy="6858000"/>
   <p:notesSz cx="9144000" cy="6858000"/>
@@ -6100,7 +6104,7 @@
           <p:cNvPr id="2" name="Title 1">
             <a:extLst>
               <a:ext uri="{FF2B5EF4-FFF2-40B4-BE49-F238E27FC236}">
-                <a16:creationId xmlns:a16="http://schemas.microsoft.com/office/drawing/2014/main" id="{D07DF4F5-1B0C-8E44-B0FB-932B8369CDB3}"/>
+                <a16:creationId xmlns:a16="http://schemas.microsoft.com/office/drawing/2014/main" id="{BCE15E06-688B-9E42-AE2E-9F228B010A6C}"/>
               </a:ext>
             </a:extLst>
           </p:cNvPr>
@@ -6117,20 +6121,8 @@
           <a:lstStyle/>
           <a:p>
             <a:r>
-              <a:rPr lang="en-US" dirty="0" err="1"/>
-              <a:t>todo</a:t>
-            </a:r>
-            <a:r>
               <a:rPr lang="en-US" dirty="0"/>
-              <a:t>: sets, </a:t>
-            </a:r>
-            <a:r>
-              <a:rPr lang="en-US" dirty="0" err="1"/>
-              <a:t>dict</a:t>
-            </a:r>
-            <a:r>
-              <a:rPr lang="en-US"/>
-              <a:t>, tuple</a:t>
+              <a:t>Sets</a:t>
             </a:r>
           </a:p>
         </p:txBody>
@@ -6140,7 +6132,7 @@
           <p:cNvPr id="3" name="Content Placeholder 2">
             <a:extLst>
               <a:ext uri="{FF2B5EF4-FFF2-40B4-BE49-F238E27FC236}">
-                <a16:creationId xmlns:a16="http://schemas.microsoft.com/office/drawing/2014/main" id="{3B44A651-61A7-974C-9E92-9BEFF2EED05E}"/>
+                <a16:creationId xmlns:a16="http://schemas.microsoft.com/office/drawing/2014/main" id="{2BF23959-8B94-3D4C-A71E-128E04EDE483}"/>
               </a:ext>
             </a:extLst>
           </p:cNvPr>
@@ -6151,19 +6143,77 @@
             <p:ph idx="1"/>
           </p:nvPr>
         </p:nvSpPr>
-        <p:spPr/>
+        <p:spPr>
+          <a:xfrm>
+            <a:off x="838200" y="1461052"/>
+            <a:ext cx="10515600" cy="4715911"/>
+          </a:xfrm>
+        </p:spPr>
         <p:txBody>
           <a:bodyPr/>
           <a:lstStyle/>
           <a:p>
-            <a:endParaRPr lang="en-US"/>
-          </a:p>
-        </p:txBody>
-      </p:sp>
+            <a:r>
+              <a:rPr lang="en-US" dirty="0"/>
+              <a:t>A set is just an unordered, unique collection of elements; here is an example using integers:</a:t>
+            </a:r>
+            <a:br>
+              <a:rPr lang="en-US" dirty="0"/>
+            </a:br>
+            <a:r>
+              <a:rPr lang="en-US" sz="2400" dirty="0">
+                <a:latin typeface="Consolas" panose="020B0609020204030204" pitchFamily="49" charset="0"/>
+                <a:cs typeface="Consolas" panose="020B0609020204030204" pitchFamily="49" charset="0"/>
+              </a:rPr>
+              <a:t>ids = {100, 103, 121, 102, 113, 113, 113, 113}</a:t>
+            </a:r>
+            <a:endParaRPr lang="en-US" dirty="0">
+              <a:latin typeface="Consolas" panose="020B0609020204030204" pitchFamily="49" charset="0"/>
+              <a:cs typeface="Consolas" panose="020B0609020204030204" pitchFamily="49" charset="0"/>
+            </a:endParaRPr>
+          </a:p>
+          <a:p>
+            <a:r>
+              <a:rPr lang="en-US" dirty="0"/>
+              <a:t>We can do lots of fun set arithmetic:</a:t>
+            </a:r>
+          </a:p>
+        </p:txBody>
+      </p:sp>
+      <p:pic>
+        <p:nvPicPr>
+          <p:cNvPr id="5" name="Picture 4" descr="Graphical user interface, text, application, chat or text message&#10;&#10;Description automatically generated">
+            <a:extLst>
+              <a:ext uri="{FF2B5EF4-FFF2-40B4-BE49-F238E27FC236}">
+                <a16:creationId xmlns:a16="http://schemas.microsoft.com/office/drawing/2014/main" id="{127EF093-9DB1-C443-9C23-905206414E52}"/>
+              </a:ext>
+            </a:extLst>
+          </p:cNvPr>
+          <p:cNvPicPr>
+            <a:picLocks noChangeAspect="1"/>
+          </p:cNvPicPr>
+          <p:nvPr/>
+        </p:nvPicPr>
+        <p:blipFill>
+          <a:blip r:embed="rId2"/>
+          <a:stretch>
+            <a:fillRect/>
+          </a:stretch>
+        </p:blipFill>
+        <p:spPr>
+          <a:xfrm>
+            <a:off x="3440042" y="3332645"/>
+            <a:ext cx="5255009" cy="2581137"/>
+          </a:xfrm>
+          <a:prstGeom prst="rect">
+            <a:avLst/>
+          </a:prstGeom>
+        </p:spPr>
+      </p:pic>
     </p:spTree>
     <p:extLst>
       <p:ext uri="{BB962C8B-B14F-4D97-AF65-F5344CB8AC3E}">
-        <p14:creationId xmlns:p14="http://schemas.microsoft.com/office/powerpoint/2010/main" val="2973613050"/>
+        <p14:creationId xmlns:p14="http://schemas.microsoft.com/office/powerpoint/2010/main" val="1906983754"/>
       </p:ext>
     </p:extLst>
   </p:cSld>
@@ -6195,7 +6245,7 @@
           <p:cNvPr id="2" name="Title 1">
             <a:extLst>
               <a:ext uri="{FF2B5EF4-FFF2-40B4-BE49-F238E27FC236}">
-                <a16:creationId xmlns:a16="http://schemas.microsoft.com/office/drawing/2014/main" id="{427A9ADF-55F4-8C46-8820-3D2FB2BBBAE7}"/>
+                <a16:creationId xmlns:a16="http://schemas.microsoft.com/office/drawing/2014/main" id="{3EB62973-3556-0E46-88DA-7DE099DCF64B}"/>
               </a:ext>
             </a:extLst>
           </p:cNvPr>
@@ -6213,40 +6263,131 @@
           <a:p>
             <a:r>
               <a:rPr lang="en-US" dirty="0"/>
-              <a:t>More on looping</a:t>
-            </a:r>
-          </a:p>
-        </p:txBody>
-      </p:sp>
-      <p:sp>
-        <p:nvSpPr>
-          <p:cNvPr id="3" name="Text Placeholder 2">
-            <a:extLst>
-              <a:ext uri="{FF2B5EF4-FFF2-40B4-BE49-F238E27FC236}">
-                <a16:creationId xmlns:a16="http://schemas.microsoft.com/office/drawing/2014/main" id="{1460E07F-423D-5641-9862-44B8D7A021C4}"/>
-              </a:ext>
-            </a:extLst>
-          </p:cNvPr>
-          <p:cNvSpPr>
-            <a:spLocks noGrp="1"/>
-          </p:cNvSpPr>
-          <p:nvPr>
-            <p:ph type="body" idx="1"/>
-          </p:nvPr>
-        </p:nvSpPr>
-        <p:spPr/>
+              <a:t>Tuples</a:t>
+            </a:r>
+          </a:p>
+        </p:txBody>
+      </p:sp>
+      <p:sp>
+        <p:nvSpPr>
+          <p:cNvPr id="3" name="Content Placeholder 2">
+            <a:extLst>
+              <a:ext uri="{FF2B5EF4-FFF2-40B4-BE49-F238E27FC236}">
+                <a16:creationId xmlns:a16="http://schemas.microsoft.com/office/drawing/2014/main" id="{C69807BC-8F3C-064E-9422-53AB1DB5D359}"/>
+              </a:ext>
+            </a:extLst>
+          </p:cNvPr>
+          <p:cNvSpPr>
+            <a:spLocks noGrp="1"/>
+          </p:cNvSpPr>
+          <p:nvPr>
+            <p:ph idx="1"/>
+          </p:nvPr>
+        </p:nvSpPr>
+        <p:spPr>
+          <a:xfrm>
+            <a:off x="838200" y="1550504"/>
+            <a:ext cx="10515600" cy="4626459"/>
+          </a:xfrm>
+        </p:spPr>
         <p:txBody>
           <a:bodyPr/>
           <a:lstStyle/>
           <a:p>
-            <a:endParaRPr lang="en-US"/>
+            <a:r>
+              <a:rPr lang="en-US" dirty="0"/>
+              <a:t>A tuple is an immutable list and uses parentheses and not square brackets for notation</a:t>
+            </a:r>
+          </a:p>
+          <a:p>
+            <a:r>
+              <a:rPr lang="en-US" dirty="0"/>
+              <a:t>Tuples are often used to group related elements:</a:t>
+            </a:r>
+          </a:p>
+          <a:p>
+            <a:endParaRPr lang="en-US" dirty="0"/>
+          </a:p>
+        </p:txBody>
+      </p:sp>
+      <p:pic>
+        <p:nvPicPr>
+          <p:cNvPr id="7" name="Picture 6" descr="Text&#10;&#10;Description automatically generated">
+            <a:extLst>
+              <a:ext uri="{FF2B5EF4-FFF2-40B4-BE49-F238E27FC236}">
+                <a16:creationId xmlns:a16="http://schemas.microsoft.com/office/drawing/2014/main" id="{F352FAA3-3B4B-0A46-9E6C-1ECC4432EBB5}"/>
+              </a:ext>
+            </a:extLst>
+          </p:cNvPr>
+          <p:cNvPicPr>
+            <a:picLocks noChangeAspect="1"/>
+          </p:cNvPicPr>
+          <p:nvPr/>
+        </p:nvPicPr>
+        <p:blipFill>
+          <a:blip r:embed="rId2"/>
+          <a:stretch>
+            <a:fillRect/>
+          </a:stretch>
+        </p:blipFill>
+        <p:spPr>
+          <a:xfrm>
+            <a:off x="4411592" y="3062235"/>
+            <a:ext cx="3228286" cy="3114728"/>
+          </a:xfrm>
+          <a:prstGeom prst="rect">
+            <a:avLst/>
+          </a:prstGeom>
+        </p:spPr>
+      </p:pic>
+      <p:sp>
+        <p:nvSpPr>
+          <p:cNvPr id="8" name="TextBox 7">
+            <a:extLst>
+              <a:ext uri="{FF2B5EF4-FFF2-40B4-BE49-F238E27FC236}">
+                <a16:creationId xmlns:a16="http://schemas.microsoft.com/office/drawing/2014/main" id="{3E2E2284-4D5F-A142-928B-9DE008199699}"/>
+              </a:ext>
+            </a:extLst>
+          </p:cNvPr>
+          <p:cNvSpPr txBox="1"/>
+          <p:nvPr/>
+        </p:nvSpPr>
+        <p:spPr>
+          <a:xfrm>
+            <a:off x="0" y="6492875"/>
+            <a:ext cx="2877711" cy="369332"/>
+          </a:xfrm>
+          <a:prstGeom prst="rect">
+            <a:avLst/>
+          </a:prstGeom>
+          <a:noFill/>
+        </p:spPr>
+        <p:txBody>
+          <a:bodyPr wrap="none" rtlCol="0">
+            <a:spAutoFit/>
+          </a:bodyPr>
+          <a:lstStyle/>
+          <a:p>
+            <a:r>
+              <a:rPr lang="en-US" dirty="0">
+                <a:hlinkClick r:id="rId3"/>
+              </a:rPr>
+              <a:t>Experiment in </a:t>
+            </a:r>
+            <a:r>
+              <a:rPr lang="en-US" dirty="0" err="1">
+                <a:hlinkClick r:id="rId4"/>
+              </a:rPr>
+              <a:t>pythontutor</a:t>
+            </a:r>
+            <a:endParaRPr lang="en-US" dirty="0"/>
           </a:p>
         </p:txBody>
       </p:sp>
     </p:spTree>
     <p:extLst>
       <p:ext uri="{BB962C8B-B14F-4D97-AF65-F5344CB8AC3E}">
-        <p14:creationId xmlns:p14="http://schemas.microsoft.com/office/powerpoint/2010/main" val="2528347990"/>
+        <p14:creationId xmlns:p14="http://schemas.microsoft.com/office/powerpoint/2010/main" val="4205717042"/>
       </p:ext>
     </p:extLst>
   </p:cSld>
@@ -6278,7 +6419,7 @@
           <p:cNvPr id="2" name="Title 1">
             <a:extLst>
               <a:ext uri="{FF2B5EF4-FFF2-40B4-BE49-F238E27FC236}">
-                <a16:creationId xmlns:a16="http://schemas.microsoft.com/office/drawing/2014/main" id="{E74290A9-8CE1-944F-A79A-0A9893D50374}"/>
+                <a16:creationId xmlns:a16="http://schemas.microsoft.com/office/drawing/2014/main" id="{A5F097E4-274C-6E44-BD46-EB7FF438F860}"/>
               </a:ext>
             </a:extLst>
           </p:cNvPr>
@@ -6296,7 +6437,7 @@
           <a:p>
             <a:r>
               <a:rPr lang="en-US" dirty="0"/>
-              <a:t>Combined conditional / loop</a:t>
+              <a:t>Dictionaries</a:t>
             </a:r>
           </a:p>
         </p:txBody>
@@ -6306,7 +6447,7 @@
           <p:cNvPr id="3" name="Content Placeholder 2">
             <a:extLst>
               <a:ext uri="{FF2B5EF4-FFF2-40B4-BE49-F238E27FC236}">
-                <a16:creationId xmlns:a16="http://schemas.microsoft.com/office/drawing/2014/main" id="{EE351ED9-5BDF-7541-95C8-1AFF67BD8FC4}"/>
+                <a16:creationId xmlns:a16="http://schemas.microsoft.com/office/drawing/2014/main" id="{01F87068-425F-B74B-85A0-1BB836D7FDC4}"/>
               </a:ext>
             </a:extLst>
           </p:cNvPr>
@@ -6319,169 +6460,70 @@
         </p:nvSpPr>
         <p:spPr>
           <a:xfrm>
-            <a:off x="838200" y="1581374"/>
-            <a:ext cx="10515600" cy="4595589"/>
-          </a:xfrm>
-        </p:spPr>
-        <p:txBody>
-          <a:bodyPr/>
+            <a:off x="838200" y="1520687"/>
+            <a:ext cx="10515600" cy="5049078"/>
+          </a:xfrm>
+        </p:spPr>
+        <p:txBody>
+          <a:bodyPr>
+            <a:normAutofit/>
+          </a:bodyPr>
           <a:lstStyle/>
           <a:p>
             <a:r>
               <a:rPr lang="en-US" dirty="0"/>
-              <a:t>Now that we have some basic Python skills, let's look at more complicated loops starting with a combination:</a:t>
-            </a:r>
-          </a:p>
-        </p:txBody>
-      </p:sp>
-      <p:sp>
-        <p:nvSpPr>
-          <p:cNvPr id="4" name="TextBox 3">
-            <a:extLst>
-              <a:ext uri="{FF2B5EF4-FFF2-40B4-BE49-F238E27FC236}">
-                <a16:creationId xmlns:a16="http://schemas.microsoft.com/office/drawing/2014/main" id="{C5DC87D9-EA28-1740-B6C9-EF4F3930095D}"/>
-              </a:ext>
-            </a:extLst>
-          </p:cNvPr>
-          <p:cNvSpPr txBox="1"/>
-          <p:nvPr/>
-        </p:nvSpPr>
-        <p:spPr>
-          <a:xfrm>
-            <a:off x="5042233" y="3098308"/>
-            <a:ext cx="4432624" cy="1938992"/>
-          </a:xfrm>
-          <a:prstGeom prst="rect">
-            <a:avLst/>
-          </a:prstGeom>
-          <a:noFill/>
-          <a:ln>
-            <a:solidFill>
-              <a:schemeClr val="accent1"/>
-            </a:solidFill>
-          </a:ln>
-        </p:spPr>
-        <p:txBody>
-          <a:bodyPr wrap="none" rtlCol="0">
-            <a:spAutoFit/>
-          </a:bodyPr>
-          <a:lstStyle/>
-          <a:p>
-            <a:r>
-              <a:rPr lang="en-US" sz="2400" dirty="0" err="1">
+              <a:t>If we arrange two lists side-by-side and kind of glue them together, we get a </a:t>
+            </a:r>
+            <a:r>
+              <a:rPr lang="en-US" b="1" dirty="0"/>
+              <a:t>dictionary</a:t>
+            </a:r>
+          </a:p>
+          <a:p>
+            <a:r>
+              <a:rPr lang="en-US" dirty="0"/>
+              <a:t>Dictionaries map one value to another, just like a dictionary in the real world maps a word to a definition</a:t>
+            </a:r>
+          </a:p>
+          <a:p>
+            <a:r>
+              <a:rPr lang="en-US" dirty="0"/>
+              <a:t>Here are two sample dictionaries:</a:t>
+            </a:r>
+          </a:p>
+          <a:p>
+            <a:endParaRPr lang="en-US" dirty="0"/>
+          </a:p>
+          <a:p>
+            <a:endParaRPr lang="en-US" dirty="0"/>
+          </a:p>
+          <a:p>
+            <a:endParaRPr lang="en-US" dirty="0"/>
+          </a:p>
+          <a:p>
+            <a:r>
+              <a:rPr lang="en-US" dirty="0"/>
+              <a:t>Index by key to get value; e.g.,</a:t>
+            </a:r>
+            <a:br>
+              <a:rPr lang="en-US" dirty="0"/>
+            </a:br>
+            <a:r>
+              <a:rPr lang="en-US" dirty="0">
                 <a:latin typeface="Consolas" panose="020B0609020204030204" pitchFamily="49" charset="0"/>
                 <a:cs typeface="Consolas" panose="020B0609020204030204" pitchFamily="49" charset="0"/>
               </a:rPr>
-              <a:t>i</a:t>
-            </a:r>
-            <a:r>
-              <a:rPr lang="en-US" sz="2400" dirty="0">
-                <a:latin typeface="Consolas" panose="020B0609020204030204" pitchFamily="49" charset="0"/>
-                <a:cs typeface="Consolas" panose="020B0609020204030204" pitchFamily="49" charset="0"/>
-              </a:rPr>
-              <a:t> = 1</a:t>
-            </a:r>
-          </a:p>
-          <a:p>
-            <a:r>
-              <a:rPr lang="en-US" sz="2400" dirty="0">
-                <a:latin typeface="Consolas" panose="020B0609020204030204" pitchFamily="49" charset="0"/>
-                <a:cs typeface="Consolas" panose="020B0609020204030204" pitchFamily="49" charset="0"/>
-              </a:rPr>
-              <a:t>while </a:t>
-            </a:r>
-            <a:r>
-              <a:rPr lang="en-US" sz="2400" dirty="0" err="1">
-                <a:latin typeface="Consolas" panose="020B0609020204030204" pitchFamily="49" charset="0"/>
-                <a:cs typeface="Consolas" panose="020B0609020204030204" pitchFamily="49" charset="0"/>
-              </a:rPr>
-              <a:t>i</a:t>
-            </a:r>
-            <a:r>
-              <a:rPr lang="en-US" sz="2400" dirty="0">
-                <a:latin typeface="Consolas" panose="020B0609020204030204" pitchFamily="49" charset="0"/>
-                <a:cs typeface="Consolas" panose="020B0609020204030204" pitchFamily="49" charset="0"/>
-              </a:rPr>
-              <a:t> &lt;= 6:</a:t>
-            </a:r>
-          </a:p>
-          <a:p>
-            <a:r>
-              <a:rPr lang="en-US" sz="2400" dirty="0">
-                <a:latin typeface="Consolas" panose="020B0609020204030204" pitchFamily="49" charset="0"/>
-                <a:cs typeface="Consolas" panose="020B0609020204030204" pitchFamily="49" charset="0"/>
-              </a:rPr>
-              <a:t>    if </a:t>
-            </a:r>
-            <a:r>
-              <a:rPr lang="en-US" sz="2400" dirty="0" err="1">
-                <a:latin typeface="Consolas" panose="020B0609020204030204" pitchFamily="49" charset="0"/>
-                <a:cs typeface="Consolas" panose="020B0609020204030204" pitchFamily="49" charset="0"/>
-              </a:rPr>
-              <a:t>i</a:t>
-            </a:r>
-            <a:r>
-              <a:rPr lang="en-US" sz="2400" dirty="0">
-                <a:latin typeface="Consolas" panose="020B0609020204030204" pitchFamily="49" charset="0"/>
-                <a:cs typeface="Consolas" panose="020B0609020204030204" pitchFamily="49" charset="0"/>
-              </a:rPr>
-              <a:t>==3:</a:t>
-            </a:r>
-          </a:p>
-          <a:p>
-            <a:r>
-              <a:rPr lang="en-US" sz="2400" dirty="0">
-                <a:latin typeface="Consolas" panose="020B0609020204030204" pitchFamily="49" charset="0"/>
-                <a:cs typeface="Consolas" panose="020B0609020204030204" pitchFamily="49" charset="0"/>
-              </a:rPr>
-              <a:t>        print("Halfway!")</a:t>
-            </a:r>
-          </a:p>
-          <a:p>
-            <a:r>
-              <a:rPr lang="en-US" sz="2400" dirty="0">
-                <a:latin typeface="Consolas" panose="020B0609020204030204" pitchFamily="49" charset="0"/>
-                <a:cs typeface="Consolas" panose="020B0609020204030204" pitchFamily="49" charset="0"/>
-              </a:rPr>
-              <a:t>    </a:t>
-            </a:r>
-            <a:r>
-              <a:rPr lang="en-US" sz="2400" dirty="0" err="1">
-                <a:latin typeface="Consolas" panose="020B0609020204030204" pitchFamily="49" charset="0"/>
-                <a:cs typeface="Consolas" panose="020B0609020204030204" pitchFamily="49" charset="0"/>
-              </a:rPr>
-              <a:t>i</a:t>
-            </a:r>
-            <a:r>
-              <a:rPr lang="en-US" sz="2400" dirty="0">
-                <a:latin typeface="Consolas" panose="020B0609020204030204" pitchFamily="49" charset="0"/>
-                <a:cs typeface="Consolas" panose="020B0609020204030204" pitchFamily="49" charset="0"/>
-              </a:rPr>
-              <a:t> = </a:t>
-            </a:r>
-            <a:r>
-              <a:rPr lang="en-US" sz="2400" dirty="0" err="1">
-                <a:latin typeface="Consolas" panose="020B0609020204030204" pitchFamily="49" charset="0"/>
-                <a:cs typeface="Consolas" panose="020B0609020204030204" pitchFamily="49" charset="0"/>
-              </a:rPr>
-              <a:t>i</a:t>
-            </a:r>
-            <a:r>
-              <a:rPr lang="en-US" sz="2400" dirty="0">
-                <a:latin typeface="Consolas" panose="020B0609020204030204" pitchFamily="49" charset="0"/>
-                <a:cs typeface="Consolas" panose="020B0609020204030204" pitchFamily="49" charset="0"/>
-              </a:rPr>
-              <a:t> + 1</a:t>
+              <a:t>movies['Amadeus']</a:t>
             </a:r>
           </a:p>
         </p:txBody>
       </p:sp>
       <p:pic>
         <p:nvPicPr>
-          <p:cNvPr id="5" name="Picture 4">
-            <a:extLst>
-              <a:ext uri="{FF2B5EF4-FFF2-40B4-BE49-F238E27FC236}">
-                <a16:creationId xmlns:a16="http://schemas.microsoft.com/office/drawing/2014/main" id="{B53BD7BC-660F-8542-9391-4E49F182D313}"/>
+          <p:cNvPr id="5" name="Picture 4" descr="Table&#10;&#10;Description automatically generated">
+            <a:extLst>
+              <a:ext uri="{FF2B5EF4-FFF2-40B4-BE49-F238E27FC236}">
+                <a16:creationId xmlns:a16="http://schemas.microsoft.com/office/drawing/2014/main" id="{656821FC-517D-F749-9A4F-6D7329C5925E}"/>
               </a:ext>
             </a:extLst>
           </p:cNvPr>
@@ -6498,8 +6540,8 @@
         </p:blipFill>
         <p:spPr>
           <a:xfrm>
-            <a:off x="1998526" y="2846854"/>
-            <a:ext cx="1164763" cy="3551107"/>
+            <a:off x="7979587" y="3342096"/>
+            <a:ext cx="3291387" cy="2878489"/>
           </a:xfrm>
           <a:prstGeom prst="rect">
             <a:avLst/>
@@ -6508,10 +6550,77 @@
       </p:pic>
       <p:sp>
         <p:nvSpPr>
-          <p:cNvPr id="6" name="TextBox 5">
-            <a:extLst>
-              <a:ext uri="{FF2B5EF4-FFF2-40B4-BE49-F238E27FC236}">
-                <a16:creationId xmlns:a16="http://schemas.microsoft.com/office/drawing/2014/main" id="{F5182221-8D99-1D4E-9482-C2502B515596}"/>
+          <p:cNvPr id="6" name="Rectangle 5">
+            <a:extLst>
+              <a:ext uri="{FF2B5EF4-FFF2-40B4-BE49-F238E27FC236}">
+                <a16:creationId xmlns:a16="http://schemas.microsoft.com/office/drawing/2014/main" id="{2DFA525B-7D42-3745-8834-4D494B50CD04}"/>
+              </a:ext>
+            </a:extLst>
+          </p:cNvPr>
+          <p:cNvSpPr/>
+          <p:nvPr/>
+        </p:nvSpPr>
+        <p:spPr>
+          <a:xfrm>
+            <a:off x="1071087" y="3910257"/>
+            <a:ext cx="5968301" cy="400110"/>
+          </a:xfrm>
+          <a:prstGeom prst="rect">
+            <a:avLst/>
+          </a:prstGeom>
+        </p:spPr>
+        <p:txBody>
+          <a:bodyPr wrap="none">
+            <a:spAutoFit/>
+          </a:bodyPr>
+          <a:lstStyle/>
+          <a:p>
+            <a:r>
+              <a:rPr lang="en-US" sz="2000" dirty="0">
+                <a:latin typeface="Consolas" panose="020B0609020204030204" pitchFamily="49" charset="0"/>
+                <a:cs typeface="Consolas" panose="020B0609020204030204" pitchFamily="49" charset="0"/>
+              </a:rPr>
+              <a:t>movies = {'Amadeus':1984, 'Witness':1985}</a:t>
+            </a:r>
+          </a:p>
+        </p:txBody>
+      </p:sp>
+      <p:pic>
+        <p:nvPicPr>
+          <p:cNvPr id="8" name="Picture 7" descr="Text&#10;&#10;Description automatically generated with medium confidence">
+            <a:extLst>
+              <a:ext uri="{FF2B5EF4-FFF2-40B4-BE49-F238E27FC236}">
+                <a16:creationId xmlns:a16="http://schemas.microsoft.com/office/drawing/2014/main" id="{0A8B9B5D-9038-9C4D-965D-72DF349329ED}"/>
+              </a:ext>
+            </a:extLst>
+          </p:cNvPr>
+          <p:cNvPicPr>
+            <a:picLocks noChangeAspect="1"/>
+          </p:cNvPicPr>
+          <p:nvPr/>
+        </p:nvPicPr>
+        <p:blipFill>
+          <a:blip r:embed="rId3"/>
+          <a:stretch>
+            <a:fillRect/>
+          </a:stretch>
+        </p:blipFill>
+        <p:spPr>
+          <a:xfrm>
+            <a:off x="3001137" y="4386139"/>
+            <a:ext cx="2108200" cy="812800"/>
+          </a:xfrm>
+          <a:prstGeom prst="rect">
+            <a:avLst/>
+          </a:prstGeom>
+        </p:spPr>
+      </p:pic>
+      <p:sp>
+        <p:nvSpPr>
+          <p:cNvPr id="9" name="TextBox 8">
+            <a:extLst>
+              <a:ext uri="{FF2B5EF4-FFF2-40B4-BE49-F238E27FC236}">
+                <a16:creationId xmlns:a16="http://schemas.microsoft.com/office/drawing/2014/main" id="{508564DF-B83E-5E4C-934A-8A3A8C8F4123}"/>
               </a:ext>
             </a:extLst>
           </p:cNvPr>
@@ -6520,8 +6629,8 @@
         </p:nvSpPr>
         <p:spPr>
           <a:xfrm>
-            <a:off x="4599483" y="5353475"/>
-            <a:ext cx="5318123" cy="461665"/>
+            <a:off x="0" y="6492875"/>
+            <a:ext cx="2877711" cy="369332"/>
           </a:xfrm>
           <a:prstGeom prst="rect">
             <a:avLst/>
@@ -6535,25 +6644,25 @@
           <a:lstStyle/>
           <a:p>
             <a:r>
-              <a:rPr lang="en-US" sz="2400" dirty="0">
-                <a:hlinkClick r:id="rId3"/>
+              <a:rPr lang="en-US" dirty="0">
+                <a:hlinkClick r:id="rId4"/>
               </a:rPr>
-              <a:t>Step through code at </a:t>
-            </a:r>
-            <a:r>
-              <a:rPr lang="en-US" sz="2400" dirty="0" err="1">
-                <a:hlinkClick r:id="rId3"/>
+              <a:t>Experiment in </a:t>
+            </a:r>
+            <a:r>
+              <a:rPr lang="en-US" dirty="0" err="1">
+                <a:hlinkClick r:id="rId5"/>
               </a:rPr>
-              <a:t>pythontutor.com</a:t>
-            </a:r>
-            <a:endParaRPr lang="en-US" sz="2400" dirty="0"/>
+              <a:t>pythontutor</a:t>
+            </a:r>
+            <a:endParaRPr lang="en-US" dirty="0"/>
           </a:p>
         </p:txBody>
       </p:sp>
     </p:spTree>
     <p:extLst>
       <p:ext uri="{BB962C8B-B14F-4D97-AF65-F5344CB8AC3E}">
-        <p14:creationId xmlns:p14="http://schemas.microsoft.com/office/powerpoint/2010/main" val="3404399592"/>
+        <p14:creationId xmlns:p14="http://schemas.microsoft.com/office/powerpoint/2010/main" val="1054202971"/>
       </p:ext>
     </p:extLst>
   </p:cSld>
@@ -6834,7 +6943,7 @@
           <p:cNvPr id="2" name="Title 1">
             <a:extLst>
               <a:ext uri="{FF2B5EF4-FFF2-40B4-BE49-F238E27FC236}">
-                <a16:creationId xmlns:a16="http://schemas.microsoft.com/office/drawing/2014/main" id="{E9982582-411C-8C46-A787-7E357E5B229E}"/>
+                <a16:creationId xmlns:a16="http://schemas.microsoft.com/office/drawing/2014/main" id="{EDDD82E2-5F30-694A-9FB0-4B94CBF9CE63}"/>
               </a:ext>
             </a:extLst>
           </p:cNvPr>
@@ -6852,17 +6961,17 @@
           <a:p>
             <a:r>
               <a:rPr lang="en-US" dirty="0"/>
-              <a:t>For-loops</a:t>
-            </a:r>
-          </a:p>
-        </p:txBody>
-      </p:sp>
-      <p:sp>
-        <p:nvSpPr>
-          <p:cNvPr id="3" name="Content Placeholder 2">
-            <a:extLst>
-              <a:ext uri="{FF2B5EF4-FFF2-40B4-BE49-F238E27FC236}">
-                <a16:creationId xmlns:a16="http://schemas.microsoft.com/office/drawing/2014/main" id="{79CDB372-1D0F-1142-A023-EB0236A7732C}"/>
+              <a:t>Dictionary keys and values</a:t>
+            </a:r>
+          </a:p>
+        </p:txBody>
+      </p:sp>
+      <p:sp>
+        <p:nvSpPr>
+          <p:cNvPr id="7" name="Content Placeholder 6">
+            <a:extLst>
+              <a:ext uri="{FF2B5EF4-FFF2-40B4-BE49-F238E27FC236}">
+                <a16:creationId xmlns:a16="http://schemas.microsoft.com/office/drawing/2014/main" id="{D9651878-4D8F-E241-9550-19FF74352E2E}"/>
               </a:ext>
             </a:extLst>
           </p:cNvPr>
@@ -6875,72 +6984,68 @@
         </p:nvSpPr>
         <p:spPr/>
         <p:txBody>
-          <a:bodyPr>
-            <a:normAutofit/>
-          </a:bodyPr>
-          <a:lstStyle/>
-          <a:p>
-            <a:r>
-              <a:rPr lang="en-US" dirty="0">
-                <a:hlinkClick r:id="rId2"/>
-              </a:rPr>
-              <a:t>range loops</a:t>
-            </a:r>
+          <a:bodyPr/>
+          <a:lstStyle/>
+          <a:p>
+            <a:r>
+              <a:rPr lang="en-US" dirty="0"/>
+              <a:t>We can split a dictionary apart to get the keys and values:</a:t>
+            </a:r>
+          </a:p>
+          <a:p>
             <a:endParaRPr lang="en-US" dirty="0"/>
           </a:p>
           <a:p>
-            <a:r>
-              <a:rPr lang="en-US" dirty="0">
-                <a:hlinkClick r:id="rId3"/>
-              </a:rPr>
-              <a:t>for-each loops</a:t>
-            </a:r>
             <a:endParaRPr lang="en-US" dirty="0"/>
           </a:p>
           <a:p>
-            <a:r>
-              <a:rPr lang="en-US" dirty="0">
-                <a:hlinkClick r:id="rId4"/>
-              </a:rPr>
-              <a:t>loop with enumerate()</a:t>
-            </a:r>
             <a:endParaRPr lang="en-US" dirty="0"/>
           </a:p>
           <a:p>
-            <a:r>
-              <a:rPr lang="en-US" dirty="0">
-                <a:hlinkClick r:id="rId5"/>
-              </a:rPr>
-              <a:t>watch row var iterate through list-of-list rows</a:t>
-            </a:r>
             <a:endParaRPr lang="en-US" dirty="0"/>
           </a:p>
           <a:p>
             <a:r>
-              <a:rPr lang="en-US" dirty="0">
-                <a:hlinkClick r:id="rId6"/>
-              </a:rPr>
-              <a:t>indexed loop using range</a:t>
-            </a:r>
-            <a:endParaRPr lang="en-US" dirty="0"/>
-          </a:p>
-          <a:p>
-            <a:r>
-              <a:rPr lang="en-US" dirty="0">
-                <a:hlinkClick r:id="rId7"/>
-              </a:rPr>
-              <a:t>zip'd loop</a:t>
-            </a:r>
-            <a:endParaRPr lang="en-US" dirty="0"/>
+              <a:rPr lang="en-US" dirty="0"/>
+              <a:t>Note: this uses the notation </a:t>
+            </a:r>
+            <a:r>
+              <a:rPr lang="en-US" i="1" dirty="0" err="1"/>
+              <a:t>object.function</a:t>
+            </a:r>
+            <a:r>
+              <a:rPr lang="en-US" i="1" dirty="0"/>
+              <a:t>()</a:t>
+            </a:r>
+            <a:r>
+              <a:rPr lang="en-US" dirty="0"/>
+              <a:t>, which you can think of as </a:t>
+            </a:r>
+            <a:r>
+              <a:rPr lang="en-US" i="1" dirty="0"/>
+              <a:t>function(object)</a:t>
+            </a:r>
+            <a:r>
+              <a:rPr lang="en-US" dirty="0"/>
+              <a:t>;</a:t>
+            </a:r>
+            <a:r>
+              <a:rPr lang="en-US" i="1" dirty="0"/>
+              <a:t> </a:t>
+            </a:r>
+            <a:r>
+              <a:rPr lang="en-US" dirty="0"/>
+              <a:t>we’ll learn more about this later</a:t>
+            </a:r>
           </a:p>
         </p:txBody>
       </p:sp>
       <p:pic>
         <p:nvPicPr>
-          <p:cNvPr id="5" name="Picture 4">
-            <a:extLst>
-              <a:ext uri="{FF2B5EF4-FFF2-40B4-BE49-F238E27FC236}">
-                <a16:creationId xmlns:a16="http://schemas.microsoft.com/office/drawing/2014/main" id="{4778C563-7430-2044-A619-4F98E8738B7A}"/>
+          <p:cNvPr id="8" name="Content Placeholder 4" descr="Graphical user interface, text, application, chat or text message&#10;&#10;Description automatically generated">
+            <a:extLst>
+              <a:ext uri="{FF2B5EF4-FFF2-40B4-BE49-F238E27FC236}">
+                <a16:creationId xmlns:a16="http://schemas.microsoft.com/office/drawing/2014/main" id="{D24F5846-B7AE-1C47-AEF5-2BD6558E693C}"/>
               </a:ext>
             </a:extLst>
           </p:cNvPr>
@@ -6950,15 +7055,15 @@
           <p:nvPr/>
         </p:nvPicPr>
         <p:blipFill>
-          <a:blip r:embed="rId8"/>
+          <a:blip r:embed="rId2"/>
           <a:stretch>
             <a:fillRect/>
           </a:stretch>
         </p:blipFill>
         <p:spPr>
           <a:xfrm>
-            <a:off x="5888945" y="495254"/>
-            <a:ext cx="5044410" cy="1671694"/>
+            <a:off x="3586151" y="2436155"/>
+            <a:ext cx="5019698" cy="1728339"/>
           </a:xfrm>
           <a:prstGeom prst="rect">
             <a:avLst/>
@@ -6968,7 +7073,7 @@
     </p:spTree>
     <p:extLst>
       <p:ext uri="{BB962C8B-B14F-4D97-AF65-F5344CB8AC3E}">
-        <p14:creationId xmlns:p14="http://schemas.microsoft.com/office/powerpoint/2010/main" val="2685847471"/>
+        <p14:creationId xmlns:p14="http://schemas.microsoft.com/office/powerpoint/2010/main" val="2286984554"/>
       </p:ext>
     </p:extLst>
   </p:cSld>
@@ -7000,6 +7105,726 @@
           <p:cNvPr id="2" name="Title 1">
             <a:extLst>
               <a:ext uri="{FF2B5EF4-FFF2-40B4-BE49-F238E27FC236}">
+                <a16:creationId xmlns:a16="http://schemas.microsoft.com/office/drawing/2014/main" id="{DCC98C75-FEFA-DA4F-9D86-20164BF53C27}"/>
+              </a:ext>
+            </a:extLst>
+          </p:cNvPr>
+          <p:cNvSpPr>
+            <a:spLocks noGrp="1"/>
+          </p:cNvSpPr>
+          <p:nvPr>
+            <p:ph type="title"/>
+          </p:nvPr>
+        </p:nvSpPr>
+        <p:spPr/>
+        <p:txBody>
+          <a:bodyPr/>
+          <a:lstStyle/>
+          <a:p>
+            <a:r>
+              <a:rPr lang="en-US" dirty="0"/>
+              <a:t>Iterating through a dictionary</a:t>
+            </a:r>
+          </a:p>
+        </p:txBody>
+      </p:sp>
+      <p:sp>
+        <p:nvSpPr>
+          <p:cNvPr id="3" name="Content Placeholder 2">
+            <a:extLst>
+              <a:ext uri="{FF2B5EF4-FFF2-40B4-BE49-F238E27FC236}">
+                <a16:creationId xmlns:a16="http://schemas.microsoft.com/office/drawing/2014/main" id="{85B16AE7-C71A-A94D-A53F-CCE2CA5226B4}"/>
+              </a:ext>
+            </a:extLst>
+          </p:cNvPr>
+          <p:cNvSpPr>
+            <a:spLocks noGrp="1"/>
+          </p:cNvSpPr>
+          <p:nvPr>
+            <p:ph idx="1"/>
+          </p:nvPr>
+        </p:nvSpPr>
+        <p:spPr>
+          <a:xfrm>
+            <a:off x="838200" y="1825625"/>
+            <a:ext cx="5463209" cy="4351338"/>
+          </a:xfrm>
+        </p:spPr>
+        <p:txBody>
+          <a:bodyPr/>
+          <a:lstStyle/>
+          <a:p>
+            <a:r>
+              <a:rPr lang="en-US" dirty="0"/>
+              <a:t>We can walk the keys/values of a dictionary with a </a:t>
+            </a:r>
+            <a:r>
+              <a:rPr lang="en-US" i="1" dirty="0"/>
+              <a:t>for-each</a:t>
+            </a:r>
+            <a:r>
+              <a:rPr lang="en-US" dirty="0"/>
+              <a:t> loop</a:t>
+            </a:r>
+          </a:p>
+        </p:txBody>
+      </p:sp>
+      <p:pic>
+        <p:nvPicPr>
+          <p:cNvPr id="6" name="Picture 5" descr="Graphical user interface, text, application, email&#10;&#10;Description automatically generated">
+            <a:extLst>
+              <a:ext uri="{FF2B5EF4-FFF2-40B4-BE49-F238E27FC236}">
+                <a16:creationId xmlns:a16="http://schemas.microsoft.com/office/drawing/2014/main" id="{59303C0E-6AAC-A143-9737-218EA81FBC25}"/>
+              </a:ext>
+            </a:extLst>
+          </p:cNvPr>
+          <p:cNvPicPr>
+            <a:picLocks noChangeAspect="1"/>
+          </p:cNvPicPr>
+          <p:nvPr/>
+        </p:nvPicPr>
+        <p:blipFill>
+          <a:blip r:embed="rId2"/>
+          <a:stretch>
+            <a:fillRect/>
+          </a:stretch>
+        </p:blipFill>
+        <p:spPr>
+          <a:xfrm>
+            <a:off x="6301409" y="1690688"/>
+            <a:ext cx="5676653" cy="5140601"/>
+          </a:xfrm>
+          <a:prstGeom prst="rect">
+            <a:avLst/>
+          </a:prstGeom>
+        </p:spPr>
+      </p:pic>
+      <p:sp>
+        <p:nvSpPr>
+          <p:cNvPr id="7" name="TextBox 6">
+            <a:extLst>
+              <a:ext uri="{FF2B5EF4-FFF2-40B4-BE49-F238E27FC236}">
+                <a16:creationId xmlns:a16="http://schemas.microsoft.com/office/drawing/2014/main" id="{2A9B8E69-7875-2145-9ED8-B8FF872E7AB7}"/>
+              </a:ext>
+            </a:extLst>
+          </p:cNvPr>
+          <p:cNvSpPr txBox="1"/>
+          <p:nvPr/>
+        </p:nvSpPr>
+        <p:spPr>
+          <a:xfrm rot="18986076">
+            <a:off x="4174435" y="4778563"/>
+            <a:ext cx="2403222" cy="369332"/>
+          </a:xfrm>
+          <a:prstGeom prst="rect">
+            <a:avLst/>
+          </a:prstGeom>
+          <a:noFill/>
+        </p:spPr>
+        <p:txBody>
+          <a:bodyPr wrap="none" rtlCol="0">
+            <a:spAutoFit/>
+          </a:bodyPr>
+          <a:lstStyle/>
+          <a:p>
+            <a:r>
+              <a:rPr lang="en-US" i="1" dirty="0"/>
+              <a:t>More on looping next!</a:t>
+            </a:r>
+          </a:p>
+        </p:txBody>
+      </p:sp>
+    </p:spTree>
+    <p:extLst>
+      <p:ext uri="{BB962C8B-B14F-4D97-AF65-F5344CB8AC3E}">
+        <p14:creationId xmlns:p14="http://schemas.microsoft.com/office/powerpoint/2010/main" val="545057217"/>
+      </p:ext>
+    </p:extLst>
+  </p:cSld>
+  <p:clrMapOvr>
+    <a:masterClrMapping/>
+  </p:clrMapOvr>
+</p:sld>
+</file>
+
+<file path=ppt/slides/slide22.xml><?xml version="1.0" encoding="utf-8"?>
+<p:sld xmlns:a="http://schemas.openxmlformats.org/drawingml/2006/main" xmlns:r="http://schemas.openxmlformats.org/officeDocument/2006/relationships" xmlns:p="http://schemas.openxmlformats.org/presentationml/2006/main">
+  <p:cSld>
+    <p:spTree>
+      <p:nvGrpSpPr>
+        <p:cNvPr id="1" name=""/>
+        <p:cNvGrpSpPr/>
+        <p:nvPr/>
+      </p:nvGrpSpPr>
+      <p:grpSpPr>
+        <a:xfrm>
+          <a:off x="0" y="0"/>
+          <a:ext cx="0" cy="0"/>
+          <a:chOff x="0" y="0"/>
+          <a:chExt cx="0" cy="0"/>
+        </a:xfrm>
+      </p:grpSpPr>
+      <p:sp>
+        <p:nvSpPr>
+          <p:cNvPr id="2" name="Title 1">
+            <a:extLst>
+              <a:ext uri="{FF2B5EF4-FFF2-40B4-BE49-F238E27FC236}">
+                <a16:creationId xmlns:a16="http://schemas.microsoft.com/office/drawing/2014/main" id="{427A9ADF-55F4-8C46-8820-3D2FB2BBBAE7}"/>
+              </a:ext>
+            </a:extLst>
+          </p:cNvPr>
+          <p:cNvSpPr>
+            <a:spLocks noGrp="1"/>
+          </p:cNvSpPr>
+          <p:nvPr>
+            <p:ph type="title"/>
+          </p:nvPr>
+        </p:nvSpPr>
+        <p:spPr/>
+        <p:txBody>
+          <a:bodyPr/>
+          <a:lstStyle/>
+          <a:p>
+            <a:r>
+              <a:rPr lang="en-US" dirty="0"/>
+              <a:t>More on looping</a:t>
+            </a:r>
+          </a:p>
+        </p:txBody>
+      </p:sp>
+      <p:sp>
+        <p:nvSpPr>
+          <p:cNvPr id="3" name="Text Placeholder 2">
+            <a:extLst>
+              <a:ext uri="{FF2B5EF4-FFF2-40B4-BE49-F238E27FC236}">
+                <a16:creationId xmlns:a16="http://schemas.microsoft.com/office/drawing/2014/main" id="{1460E07F-423D-5641-9862-44B8D7A021C4}"/>
+              </a:ext>
+            </a:extLst>
+          </p:cNvPr>
+          <p:cNvSpPr>
+            <a:spLocks noGrp="1"/>
+          </p:cNvSpPr>
+          <p:nvPr>
+            <p:ph type="body" idx="1"/>
+          </p:nvPr>
+        </p:nvSpPr>
+        <p:spPr/>
+        <p:txBody>
+          <a:bodyPr/>
+          <a:lstStyle/>
+          <a:p>
+            <a:endParaRPr lang="en-US"/>
+          </a:p>
+        </p:txBody>
+      </p:sp>
+    </p:spTree>
+    <p:extLst>
+      <p:ext uri="{BB962C8B-B14F-4D97-AF65-F5344CB8AC3E}">
+        <p14:creationId xmlns:p14="http://schemas.microsoft.com/office/powerpoint/2010/main" val="2528347990"/>
+      </p:ext>
+    </p:extLst>
+  </p:cSld>
+  <p:clrMapOvr>
+    <a:masterClrMapping/>
+  </p:clrMapOvr>
+</p:sld>
+</file>
+
+<file path=ppt/slides/slide23.xml><?xml version="1.0" encoding="utf-8"?>
+<p:sld xmlns:a="http://schemas.openxmlformats.org/drawingml/2006/main" xmlns:r="http://schemas.openxmlformats.org/officeDocument/2006/relationships" xmlns:p="http://schemas.openxmlformats.org/presentationml/2006/main">
+  <p:cSld>
+    <p:spTree>
+      <p:nvGrpSpPr>
+        <p:cNvPr id="1" name=""/>
+        <p:cNvGrpSpPr/>
+        <p:nvPr/>
+      </p:nvGrpSpPr>
+      <p:grpSpPr>
+        <a:xfrm>
+          <a:off x="0" y="0"/>
+          <a:ext cx="0" cy="0"/>
+          <a:chOff x="0" y="0"/>
+          <a:chExt cx="0" cy="0"/>
+        </a:xfrm>
+      </p:grpSpPr>
+      <p:sp>
+        <p:nvSpPr>
+          <p:cNvPr id="2" name="Title 1">
+            <a:extLst>
+              <a:ext uri="{FF2B5EF4-FFF2-40B4-BE49-F238E27FC236}">
+                <a16:creationId xmlns:a16="http://schemas.microsoft.com/office/drawing/2014/main" id="{E74290A9-8CE1-944F-A79A-0A9893D50374}"/>
+              </a:ext>
+            </a:extLst>
+          </p:cNvPr>
+          <p:cNvSpPr>
+            <a:spLocks noGrp="1"/>
+          </p:cNvSpPr>
+          <p:nvPr>
+            <p:ph type="title"/>
+          </p:nvPr>
+        </p:nvSpPr>
+        <p:spPr/>
+        <p:txBody>
+          <a:bodyPr/>
+          <a:lstStyle/>
+          <a:p>
+            <a:r>
+              <a:rPr lang="en-US" dirty="0"/>
+              <a:t>Combined conditional / loop</a:t>
+            </a:r>
+          </a:p>
+        </p:txBody>
+      </p:sp>
+      <p:sp>
+        <p:nvSpPr>
+          <p:cNvPr id="3" name="Content Placeholder 2">
+            <a:extLst>
+              <a:ext uri="{FF2B5EF4-FFF2-40B4-BE49-F238E27FC236}">
+                <a16:creationId xmlns:a16="http://schemas.microsoft.com/office/drawing/2014/main" id="{EE351ED9-5BDF-7541-95C8-1AFF67BD8FC4}"/>
+              </a:ext>
+            </a:extLst>
+          </p:cNvPr>
+          <p:cNvSpPr>
+            <a:spLocks noGrp="1"/>
+          </p:cNvSpPr>
+          <p:nvPr>
+            <p:ph idx="1"/>
+          </p:nvPr>
+        </p:nvSpPr>
+        <p:spPr>
+          <a:xfrm>
+            <a:off x="838200" y="1581374"/>
+            <a:ext cx="10515600" cy="4595589"/>
+          </a:xfrm>
+        </p:spPr>
+        <p:txBody>
+          <a:bodyPr/>
+          <a:lstStyle/>
+          <a:p>
+            <a:r>
+              <a:rPr lang="en-US" dirty="0"/>
+              <a:t>Now that we have some basic Python skills, let's look at more complicated loops starting with a combination:</a:t>
+            </a:r>
+          </a:p>
+        </p:txBody>
+      </p:sp>
+      <p:sp>
+        <p:nvSpPr>
+          <p:cNvPr id="4" name="TextBox 3">
+            <a:extLst>
+              <a:ext uri="{FF2B5EF4-FFF2-40B4-BE49-F238E27FC236}">
+                <a16:creationId xmlns:a16="http://schemas.microsoft.com/office/drawing/2014/main" id="{C5DC87D9-EA28-1740-B6C9-EF4F3930095D}"/>
+              </a:ext>
+            </a:extLst>
+          </p:cNvPr>
+          <p:cNvSpPr txBox="1"/>
+          <p:nvPr/>
+        </p:nvSpPr>
+        <p:spPr>
+          <a:xfrm>
+            <a:off x="5042233" y="3098308"/>
+            <a:ext cx="4432624" cy="1938992"/>
+          </a:xfrm>
+          <a:prstGeom prst="rect">
+            <a:avLst/>
+          </a:prstGeom>
+          <a:noFill/>
+          <a:ln>
+            <a:solidFill>
+              <a:schemeClr val="accent1"/>
+            </a:solidFill>
+          </a:ln>
+        </p:spPr>
+        <p:txBody>
+          <a:bodyPr wrap="none" rtlCol="0">
+            <a:spAutoFit/>
+          </a:bodyPr>
+          <a:lstStyle/>
+          <a:p>
+            <a:r>
+              <a:rPr lang="en-US" sz="2400" dirty="0" err="1">
+                <a:latin typeface="Consolas" panose="020B0609020204030204" pitchFamily="49" charset="0"/>
+                <a:cs typeface="Consolas" panose="020B0609020204030204" pitchFamily="49" charset="0"/>
+              </a:rPr>
+              <a:t>i</a:t>
+            </a:r>
+            <a:r>
+              <a:rPr lang="en-US" sz="2400" dirty="0">
+                <a:latin typeface="Consolas" panose="020B0609020204030204" pitchFamily="49" charset="0"/>
+                <a:cs typeface="Consolas" panose="020B0609020204030204" pitchFamily="49" charset="0"/>
+              </a:rPr>
+              <a:t> = 1</a:t>
+            </a:r>
+          </a:p>
+          <a:p>
+            <a:r>
+              <a:rPr lang="en-US" sz="2400" dirty="0">
+                <a:latin typeface="Consolas" panose="020B0609020204030204" pitchFamily="49" charset="0"/>
+                <a:cs typeface="Consolas" panose="020B0609020204030204" pitchFamily="49" charset="0"/>
+              </a:rPr>
+              <a:t>while </a:t>
+            </a:r>
+            <a:r>
+              <a:rPr lang="en-US" sz="2400" dirty="0" err="1">
+                <a:latin typeface="Consolas" panose="020B0609020204030204" pitchFamily="49" charset="0"/>
+                <a:cs typeface="Consolas" panose="020B0609020204030204" pitchFamily="49" charset="0"/>
+              </a:rPr>
+              <a:t>i</a:t>
+            </a:r>
+            <a:r>
+              <a:rPr lang="en-US" sz="2400" dirty="0">
+                <a:latin typeface="Consolas" panose="020B0609020204030204" pitchFamily="49" charset="0"/>
+                <a:cs typeface="Consolas" panose="020B0609020204030204" pitchFamily="49" charset="0"/>
+              </a:rPr>
+              <a:t> &lt;= 6:</a:t>
+            </a:r>
+          </a:p>
+          <a:p>
+            <a:r>
+              <a:rPr lang="en-US" sz="2400" dirty="0">
+                <a:latin typeface="Consolas" panose="020B0609020204030204" pitchFamily="49" charset="0"/>
+                <a:cs typeface="Consolas" panose="020B0609020204030204" pitchFamily="49" charset="0"/>
+              </a:rPr>
+              <a:t>    if </a:t>
+            </a:r>
+            <a:r>
+              <a:rPr lang="en-US" sz="2400" dirty="0" err="1">
+                <a:latin typeface="Consolas" panose="020B0609020204030204" pitchFamily="49" charset="0"/>
+                <a:cs typeface="Consolas" panose="020B0609020204030204" pitchFamily="49" charset="0"/>
+              </a:rPr>
+              <a:t>i</a:t>
+            </a:r>
+            <a:r>
+              <a:rPr lang="en-US" sz="2400" dirty="0">
+                <a:latin typeface="Consolas" panose="020B0609020204030204" pitchFamily="49" charset="0"/>
+                <a:cs typeface="Consolas" panose="020B0609020204030204" pitchFamily="49" charset="0"/>
+              </a:rPr>
+              <a:t>==3:</a:t>
+            </a:r>
+          </a:p>
+          <a:p>
+            <a:r>
+              <a:rPr lang="en-US" sz="2400" dirty="0">
+                <a:latin typeface="Consolas" panose="020B0609020204030204" pitchFamily="49" charset="0"/>
+                <a:cs typeface="Consolas" panose="020B0609020204030204" pitchFamily="49" charset="0"/>
+              </a:rPr>
+              <a:t>        print("Halfway!")</a:t>
+            </a:r>
+          </a:p>
+          <a:p>
+            <a:r>
+              <a:rPr lang="en-US" sz="2400" dirty="0">
+                <a:latin typeface="Consolas" panose="020B0609020204030204" pitchFamily="49" charset="0"/>
+                <a:cs typeface="Consolas" panose="020B0609020204030204" pitchFamily="49" charset="0"/>
+              </a:rPr>
+              <a:t>    </a:t>
+            </a:r>
+            <a:r>
+              <a:rPr lang="en-US" sz="2400" dirty="0" err="1">
+                <a:latin typeface="Consolas" panose="020B0609020204030204" pitchFamily="49" charset="0"/>
+                <a:cs typeface="Consolas" panose="020B0609020204030204" pitchFamily="49" charset="0"/>
+              </a:rPr>
+              <a:t>i</a:t>
+            </a:r>
+            <a:r>
+              <a:rPr lang="en-US" sz="2400" dirty="0">
+                <a:latin typeface="Consolas" panose="020B0609020204030204" pitchFamily="49" charset="0"/>
+                <a:cs typeface="Consolas" panose="020B0609020204030204" pitchFamily="49" charset="0"/>
+              </a:rPr>
+              <a:t> = </a:t>
+            </a:r>
+            <a:r>
+              <a:rPr lang="en-US" sz="2400" dirty="0" err="1">
+                <a:latin typeface="Consolas" panose="020B0609020204030204" pitchFamily="49" charset="0"/>
+                <a:cs typeface="Consolas" panose="020B0609020204030204" pitchFamily="49" charset="0"/>
+              </a:rPr>
+              <a:t>i</a:t>
+            </a:r>
+            <a:r>
+              <a:rPr lang="en-US" sz="2400" dirty="0">
+                <a:latin typeface="Consolas" panose="020B0609020204030204" pitchFamily="49" charset="0"/>
+                <a:cs typeface="Consolas" panose="020B0609020204030204" pitchFamily="49" charset="0"/>
+              </a:rPr>
+              <a:t> + 1</a:t>
+            </a:r>
+          </a:p>
+        </p:txBody>
+      </p:sp>
+      <p:pic>
+        <p:nvPicPr>
+          <p:cNvPr id="5" name="Picture 4">
+            <a:extLst>
+              <a:ext uri="{FF2B5EF4-FFF2-40B4-BE49-F238E27FC236}">
+                <a16:creationId xmlns:a16="http://schemas.microsoft.com/office/drawing/2014/main" id="{B53BD7BC-660F-8542-9391-4E49F182D313}"/>
+              </a:ext>
+            </a:extLst>
+          </p:cNvPr>
+          <p:cNvPicPr>
+            <a:picLocks noChangeAspect="1"/>
+          </p:cNvPicPr>
+          <p:nvPr/>
+        </p:nvPicPr>
+        <p:blipFill>
+          <a:blip r:embed="rId2"/>
+          <a:stretch>
+            <a:fillRect/>
+          </a:stretch>
+        </p:blipFill>
+        <p:spPr>
+          <a:xfrm>
+            <a:off x="1998526" y="2846854"/>
+            <a:ext cx="1164763" cy="3551107"/>
+          </a:xfrm>
+          <a:prstGeom prst="rect">
+            <a:avLst/>
+          </a:prstGeom>
+        </p:spPr>
+      </p:pic>
+      <p:sp>
+        <p:nvSpPr>
+          <p:cNvPr id="6" name="TextBox 5">
+            <a:extLst>
+              <a:ext uri="{FF2B5EF4-FFF2-40B4-BE49-F238E27FC236}">
+                <a16:creationId xmlns:a16="http://schemas.microsoft.com/office/drawing/2014/main" id="{F5182221-8D99-1D4E-9482-C2502B515596}"/>
+              </a:ext>
+            </a:extLst>
+          </p:cNvPr>
+          <p:cNvSpPr txBox="1"/>
+          <p:nvPr/>
+        </p:nvSpPr>
+        <p:spPr>
+          <a:xfrm>
+            <a:off x="4599483" y="5353475"/>
+            <a:ext cx="5318123" cy="461665"/>
+          </a:xfrm>
+          <a:prstGeom prst="rect">
+            <a:avLst/>
+          </a:prstGeom>
+          <a:noFill/>
+        </p:spPr>
+        <p:txBody>
+          <a:bodyPr wrap="none" rtlCol="0">
+            <a:spAutoFit/>
+          </a:bodyPr>
+          <a:lstStyle/>
+          <a:p>
+            <a:r>
+              <a:rPr lang="en-US" sz="2400" dirty="0">
+                <a:hlinkClick r:id="rId3"/>
+              </a:rPr>
+              <a:t>Step through code at </a:t>
+            </a:r>
+            <a:r>
+              <a:rPr lang="en-US" sz="2400" dirty="0" err="1">
+                <a:hlinkClick r:id="rId3"/>
+              </a:rPr>
+              <a:t>pythontutor.com</a:t>
+            </a:r>
+            <a:endParaRPr lang="en-US" sz="2400" dirty="0"/>
+          </a:p>
+        </p:txBody>
+      </p:sp>
+    </p:spTree>
+    <p:extLst>
+      <p:ext uri="{BB962C8B-B14F-4D97-AF65-F5344CB8AC3E}">
+        <p14:creationId xmlns:p14="http://schemas.microsoft.com/office/powerpoint/2010/main" val="3404399592"/>
+      </p:ext>
+    </p:extLst>
+  </p:cSld>
+  <p:clrMapOvr>
+    <a:masterClrMapping/>
+  </p:clrMapOvr>
+</p:sld>
+</file>
+
+<file path=ppt/slides/slide24.xml><?xml version="1.0" encoding="utf-8"?>
+<p:sld xmlns:a="http://schemas.openxmlformats.org/drawingml/2006/main" xmlns:r="http://schemas.openxmlformats.org/officeDocument/2006/relationships" xmlns:p="http://schemas.openxmlformats.org/presentationml/2006/main">
+  <p:cSld>
+    <p:spTree>
+      <p:nvGrpSpPr>
+        <p:cNvPr id="1" name=""/>
+        <p:cNvGrpSpPr/>
+        <p:nvPr/>
+      </p:nvGrpSpPr>
+      <p:grpSpPr>
+        <a:xfrm>
+          <a:off x="0" y="0"/>
+          <a:ext cx="0" cy="0"/>
+          <a:chOff x="0" y="0"/>
+          <a:chExt cx="0" cy="0"/>
+        </a:xfrm>
+      </p:grpSpPr>
+      <p:sp>
+        <p:nvSpPr>
+          <p:cNvPr id="2" name="Title 1">
+            <a:extLst>
+              <a:ext uri="{FF2B5EF4-FFF2-40B4-BE49-F238E27FC236}">
+                <a16:creationId xmlns:a16="http://schemas.microsoft.com/office/drawing/2014/main" id="{E9982582-411C-8C46-A787-7E357E5B229E}"/>
+              </a:ext>
+            </a:extLst>
+          </p:cNvPr>
+          <p:cNvSpPr>
+            <a:spLocks noGrp="1"/>
+          </p:cNvSpPr>
+          <p:nvPr>
+            <p:ph type="title"/>
+          </p:nvPr>
+        </p:nvSpPr>
+        <p:spPr/>
+        <p:txBody>
+          <a:bodyPr/>
+          <a:lstStyle/>
+          <a:p>
+            <a:r>
+              <a:rPr lang="en-US" dirty="0"/>
+              <a:t>For-loops</a:t>
+            </a:r>
+          </a:p>
+        </p:txBody>
+      </p:sp>
+      <p:sp>
+        <p:nvSpPr>
+          <p:cNvPr id="3" name="Content Placeholder 2">
+            <a:extLst>
+              <a:ext uri="{FF2B5EF4-FFF2-40B4-BE49-F238E27FC236}">
+                <a16:creationId xmlns:a16="http://schemas.microsoft.com/office/drawing/2014/main" id="{79CDB372-1D0F-1142-A023-EB0236A7732C}"/>
+              </a:ext>
+            </a:extLst>
+          </p:cNvPr>
+          <p:cNvSpPr>
+            <a:spLocks noGrp="1"/>
+          </p:cNvSpPr>
+          <p:nvPr>
+            <p:ph idx="1"/>
+          </p:nvPr>
+        </p:nvSpPr>
+        <p:spPr/>
+        <p:txBody>
+          <a:bodyPr>
+            <a:normAutofit/>
+          </a:bodyPr>
+          <a:lstStyle/>
+          <a:p>
+            <a:r>
+              <a:rPr lang="en-US" dirty="0">
+                <a:hlinkClick r:id="rId2"/>
+              </a:rPr>
+              <a:t>range loops</a:t>
+            </a:r>
+            <a:endParaRPr lang="en-US" dirty="0"/>
+          </a:p>
+          <a:p>
+            <a:r>
+              <a:rPr lang="en-US" dirty="0">
+                <a:hlinkClick r:id="rId3"/>
+              </a:rPr>
+              <a:t>for-each loops</a:t>
+            </a:r>
+            <a:endParaRPr lang="en-US" dirty="0"/>
+          </a:p>
+          <a:p>
+            <a:r>
+              <a:rPr lang="en-US" dirty="0">
+                <a:hlinkClick r:id="rId4"/>
+              </a:rPr>
+              <a:t>loop with enumerate()</a:t>
+            </a:r>
+            <a:endParaRPr lang="en-US" dirty="0"/>
+          </a:p>
+          <a:p>
+            <a:r>
+              <a:rPr lang="en-US" dirty="0">
+                <a:hlinkClick r:id="rId5"/>
+              </a:rPr>
+              <a:t>watch row var iterate through list-of-list rows</a:t>
+            </a:r>
+            <a:endParaRPr lang="en-US" dirty="0"/>
+          </a:p>
+          <a:p>
+            <a:r>
+              <a:rPr lang="en-US" dirty="0">
+                <a:hlinkClick r:id="rId6"/>
+              </a:rPr>
+              <a:t>indexed loop using range</a:t>
+            </a:r>
+            <a:endParaRPr lang="en-US" dirty="0"/>
+          </a:p>
+          <a:p>
+            <a:r>
+              <a:rPr lang="en-US" dirty="0">
+                <a:hlinkClick r:id="rId7"/>
+              </a:rPr>
+              <a:t>zip'd loop</a:t>
+            </a:r>
+            <a:endParaRPr lang="en-US" dirty="0"/>
+          </a:p>
+        </p:txBody>
+      </p:sp>
+      <p:pic>
+        <p:nvPicPr>
+          <p:cNvPr id="5" name="Picture 4">
+            <a:extLst>
+              <a:ext uri="{FF2B5EF4-FFF2-40B4-BE49-F238E27FC236}">
+                <a16:creationId xmlns:a16="http://schemas.microsoft.com/office/drawing/2014/main" id="{4778C563-7430-2044-A619-4F98E8738B7A}"/>
+              </a:ext>
+            </a:extLst>
+          </p:cNvPr>
+          <p:cNvPicPr>
+            <a:picLocks noChangeAspect="1"/>
+          </p:cNvPicPr>
+          <p:nvPr/>
+        </p:nvPicPr>
+        <p:blipFill>
+          <a:blip r:embed="rId8"/>
+          <a:stretch>
+            <a:fillRect/>
+          </a:stretch>
+        </p:blipFill>
+        <p:spPr>
+          <a:xfrm>
+            <a:off x="5888945" y="495254"/>
+            <a:ext cx="5044410" cy="1671694"/>
+          </a:xfrm>
+          <a:prstGeom prst="rect">
+            <a:avLst/>
+          </a:prstGeom>
+        </p:spPr>
+      </p:pic>
+    </p:spTree>
+    <p:extLst>
+      <p:ext uri="{BB962C8B-B14F-4D97-AF65-F5344CB8AC3E}">
+        <p14:creationId xmlns:p14="http://schemas.microsoft.com/office/powerpoint/2010/main" val="2685847471"/>
+      </p:ext>
+    </p:extLst>
+  </p:cSld>
+  <p:clrMapOvr>
+    <a:masterClrMapping/>
+  </p:clrMapOvr>
+</p:sld>
+</file>
+
+<file path=ppt/slides/slide25.xml><?xml version="1.0" encoding="utf-8"?>
+<p:sld xmlns:a="http://schemas.openxmlformats.org/drawingml/2006/main" xmlns:r="http://schemas.openxmlformats.org/officeDocument/2006/relationships" xmlns:p="http://schemas.openxmlformats.org/presentationml/2006/main">
+  <p:cSld>
+    <p:spTree>
+      <p:nvGrpSpPr>
+        <p:cNvPr id="1" name=""/>
+        <p:cNvGrpSpPr/>
+        <p:nvPr/>
+      </p:nvGrpSpPr>
+      <p:grpSpPr>
+        <a:xfrm>
+          <a:off x="0" y="0"/>
+          <a:ext cx="0" cy="0"/>
+          <a:chOff x="0" y="0"/>
+          <a:chExt cx="0" cy="0"/>
+        </a:xfrm>
+      </p:grpSpPr>
+      <p:sp>
+        <p:nvSpPr>
+          <p:cNvPr id="2" name="Title 1">
+            <a:extLst>
+              <a:ext uri="{FF2B5EF4-FFF2-40B4-BE49-F238E27FC236}">
                 <a16:creationId xmlns:a16="http://schemas.microsoft.com/office/drawing/2014/main" id="{8D22FD87-A4FE-BA41-9EEE-1497E63CE681}"/>
               </a:ext>
             </a:extLst>
@@ -7103,7 +7928,7 @@
 </p:sld>
 </file>
 
-<file path=ppt/slides/slide22.xml><?xml version="1.0" encoding="utf-8"?>
+<file path=ppt/slides/slide26.xml><?xml version="1.0" encoding="utf-8"?>
 <p:sld xmlns:a="http://schemas.openxmlformats.org/drawingml/2006/main" xmlns:r="http://schemas.openxmlformats.org/officeDocument/2006/relationships" xmlns:p="http://schemas.openxmlformats.org/presentationml/2006/main">
   <p:cSld>
     <p:spTree>

--- a/slides/intro-programming.pptx
+++ b/slides/intro-programming.pptx
@@ -231,7 +231,7 @@
           <a:p>
             <a:fld id="{8A1B613A-EFF1-404F-BEE8-EFAE84A4E5E2}" type="datetimeFigureOut">
               <a:rPr lang="en-US" smtClean="0"/>
-              <a:t>6/15/21</a:t>
+              <a:t>6/19/21</a:t>
             </a:fld>
             <a:endParaRPr lang="en-US"/>
           </a:p>
@@ -396,7 +396,7 @@
           <a:p>
             <a:fld id="{690847EA-AC25-3D4E-89E1-FD3F6A9702B6}" type="datetimeFigureOut">
               <a:rPr lang="en-US" smtClean="0"/>
-              <a:t>6/15/21</a:t>
+              <a:t>6/19/21</a:t>
             </a:fld>
             <a:endParaRPr lang="en-US"/>
           </a:p>
@@ -810,7 +810,7 @@
           <a:p>
             <a:fld id="{BE5295ED-3BAF-1140-8495-3D368771D6B1}" type="datetimeFigureOut">
               <a:rPr lang="en-US" smtClean="0"/>
-              <a:t>6/15/21</a:t>
+              <a:t>6/19/21</a:t>
             </a:fld>
             <a:endParaRPr lang="en-US"/>
           </a:p>
@@ -1008,7 +1008,7 @@
           <a:p>
             <a:fld id="{BE5295ED-3BAF-1140-8495-3D368771D6B1}" type="datetimeFigureOut">
               <a:rPr lang="en-US" smtClean="0"/>
-              <a:t>6/15/21</a:t>
+              <a:t>6/19/21</a:t>
             </a:fld>
             <a:endParaRPr lang="en-US"/>
           </a:p>
@@ -1216,7 +1216,7 @@
           <a:p>
             <a:fld id="{BE5295ED-3BAF-1140-8495-3D368771D6B1}" type="datetimeFigureOut">
               <a:rPr lang="en-US" smtClean="0"/>
-              <a:t>6/15/21</a:t>
+              <a:t>6/19/21</a:t>
             </a:fld>
             <a:endParaRPr lang="en-US"/>
           </a:p>
@@ -1414,7 +1414,7 @@
           <a:p>
             <a:fld id="{BE5295ED-3BAF-1140-8495-3D368771D6B1}" type="datetimeFigureOut">
               <a:rPr lang="en-US" smtClean="0"/>
-              <a:t>6/15/21</a:t>
+              <a:t>6/19/21</a:t>
             </a:fld>
             <a:endParaRPr lang="en-US"/>
           </a:p>
@@ -1689,7 +1689,7 @@
           <a:p>
             <a:fld id="{BE5295ED-3BAF-1140-8495-3D368771D6B1}" type="datetimeFigureOut">
               <a:rPr lang="en-US" smtClean="0"/>
-              <a:t>6/15/21</a:t>
+              <a:t>6/19/21</a:t>
             </a:fld>
             <a:endParaRPr lang="en-US"/>
           </a:p>
@@ -1954,7 +1954,7 @@
           <a:p>
             <a:fld id="{BE5295ED-3BAF-1140-8495-3D368771D6B1}" type="datetimeFigureOut">
               <a:rPr lang="en-US" smtClean="0"/>
-              <a:t>6/15/21</a:t>
+              <a:t>6/19/21</a:t>
             </a:fld>
             <a:endParaRPr lang="en-US"/>
           </a:p>
@@ -2366,7 +2366,7 @@
           <a:p>
             <a:fld id="{BE5295ED-3BAF-1140-8495-3D368771D6B1}" type="datetimeFigureOut">
               <a:rPr lang="en-US" smtClean="0"/>
-              <a:t>6/15/21</a:t>
+              <a:t>6/19/21</a:t>
             </a:fld>
             <a:endParaRPr lang="en-US"/>
           </a:p>
@@ -2507,7 +2507,7 @@
           <a:p>
             <a:fld id="{BE5295ED-3BAF-1140-8495-3D368771D6B1}" type="datetimeFigureOut">
               <a:rPr lang="en-US" smtClean="0"/>
-              <a:t>6/15/21</a:t>
+              <a:t>6/19/21</a:t>
             </a:fld>
             <a:endParaRPr lang="en-US"/>
           </a:p>
@@ -2620,7 +2620,7 @@
           <a:p>
             <a:fld id="{BE5295ED-3BAF-1140-8495-3D368771D6B1}" type="datetimeFigureOut">
               <a:rPr lang="en-US" smtClean="0"/>
-              <a:t>6/15/21</a:t>
+              <a:t>6/19/21</a:t>
             </a:fld>
             <a:endParaRPr lang="en-US"/>
           </a:p>
@@ -2931,7 +2931,7 @@
           <a:p>
             <a:fld id="{BE5295ED-3BAF-1140-8495-3D368771D6B1}" type="datetimeFigureOut">
               <a:rPr lang="en-US" smtClean="0"/>
-              <a:t>6/15/21</a:t>
+              <a:t>6/19/21</a:t>
             </a:fld>
             <a:endParaRPr lang="en-US"/>
           </a:p>
@@ -3222,7 +3222,7 @@
           <a:p>
             <a:fld id="{BE5295ED-3BAF-1140-8495-3D368771D6B1}" type="datetimeFigureOut">
               <a:rPr lang="en-US" smtClean="0"/>
-              <a:t>6/15/21</a:t>
+              <a:t>6/19/21</a:t>
             </a:fld>
             <a:endParaRPr lang="en-US"/>
           </a:p>
@@ -3463,7 +3463,7 @@
           <a:p>
             <a:fld id="{BE5295ED-3BAF-1140-8495-3D368771D6B1}" type="datetimeFigureOut">
               <a:rPr lang="en-US" smtClean="0"/>
-              <a:t>6/15/21</a:t>
+              <a:t>6/19/21</a:t>
             </a:fld>
             <a:endParaRPr lang="en-US"/>
           </a:p>
@@ -4081,8 +4081,8 @@
           </a:p>
         </p:txBody>
       </p:sp>
-      <mc:AlternateContent xmlns:mc="http://schemas.openxmlformats.org/markup-compatibility/2006" xmlns:a14="http://schemas.microsoft.com/office/drawing/2010/main">
-        <mc:Choice Requires="a14">
+      <mc:AlternateContent xmlns:mc="http://schemas.openxmlformats.org/markup-compatibility/2006">
+        <mc:Choice xmlns:a14="http://schemas.microsoft.com/office/drawing/2010/main" Requires="a14">
           <p:sp>
             <p:nvSpPr>
               <p:cNvPr id="3" name="Content Placeholder 2">
@@ -4209,6 +4209,29 @@
                 </a:r>
               </a:p>
               <a:p>
+                <a:pPr lvl="1"/>
+                <a:r>
+                  <a:rPr lang="en-US" dirty="0" err="1"/>
+                  <a:t>boolean</a:t>
+                </a:r>
+                <a:r>
+                  <a:rPr lang="en-US" dirty="0"/>
+                  <a:t> values </a:t>
+                </a:r>
+                <a:r>
+                  <a:rPr lang="en-US" b="1" dirty="0"/>
+                  <a:t>True</a:t>
+                </a:r>
+                <a:r>
+                  <a:rPr lang="en-US" dirty="0"/>
+                  <a:t> and </a:t>
+                </a:r>
+                <a:r>
+                  <a:rPr lang="en-US" b="1" dirty="0"/>
+                  <a:t>False</a:t>
+                </a:r>
+              </a:p>
+              <a:p>
                 <a:r>
                   <a:rPr lang="en-US" dirty="0"/>
                   <a:t>A special element called a </a:t>
@@ -4239,7 +4262,7 @@
             </p:txBody>
           </p:sp>
         </mc:Choice>
-        <mc:Fallback xmlns="">
+        <mc:Fallback>
           <p:sp>
             <p:nvSpPr>
               <p:cNvPr id="3" name="Content Placeholder 2">
@@ -4264,7 +4287,7 @@
               <a:blipFill>
                 <a:blip r:embed="rId2"/>
                 <a:stretch>
-                  <a:fillRect l="-952" t="-2910"/>
+                  <a:fillRect l="-952" t="-2910" b="-2910"/>
                 </a:stretch>
               </a:blipFill>
             </p:spPr>

--- a/slides/intro-programming.pptx
+++ b/slides/intro-programming.pptx
@@ -14,7 +14,7 @@
     <p:sldId id="256" r:id="rId2"/>
     <p:sldId id="290" r:id="rId3"/>
     <p:sldId id="291" r:id="rId4"/>
-    <p:sldId id="292" r:id="rId5"/>
+    <p:sldId id="317" r:id="rId5"/>
     <p:sldId id="289" r:id="rId6"/>
     <p:sldId id="294" r:id="rId7"/>
     <p:sldId id="308" r:id="rId8"/>
@@ -33,8 +33,8 @@
     <p:sldId id="313" r:id="rId21"/>
     <p:sldId id="314" r:id="rId22"/>
     <p:sldId id="309" r:id="rId23"/>
-    <p:sldId id="304" r:id="rId24"/>
-    <p:sldId id="305" r:id="rId25"/>
+    <p:sldId id="305" r:id="rId24"/>
+    <p:sldId id="304" r:id="rId25"/>
     <p:sldId id="306" r:id="rId26"/>
     <p:sldId id="307" r:id="rId27"/>
   </p:sldIdLst>
@@ -231,7 +231,7 @@
           <a:p>
             <a:fld id="{8A1B613A-EFF1-404F-BEE8-EFAE84A4E5E2}" type="datetimeFigureOut">
               <a:rPr lang="en-US" smtClean="0"/>
-              <a:t>6/19/21</a:t>
+              <a:t>6/28/21</a:t>
             </a:fld>
             <a:endParaRPr lang="en-US"/>
           </a:p>
@@ -396,7 +396,7 @@
           <a:p>
             <a:fld id="{690847EA-AC25-3D4E-89E1-FD3F6A9702B6}" type="datetimeFigureOut">
               <a:rPr lang="en-US" smtClean="0"/>
-              <a:t>6/19/21</a:t>
+              <a:t>6/28/21</a:t>
             </a:fld>
             <a:endParaRPr lang="en-US"/>
           </a:p>
@@ -810,7 +810,7 @@
           <a:p>
             <a:fld id="{BE5295ED-3BAF-1140-8495-3D368771D6B1}" type="datetimeFigureOut">
               <a:rPr lang="en-US" smtClean="0"/>
-              <a:t>6/19/21</a:t>
+              <a:t>6/28/21</a:t>
             </a:fld>
             <a:endParaRPr lang="en-US"/>
           </a:p>
@@ -1008,7 +1008,7 @@
           <a:p>
             <a:fld id="{BE5295ED-3BAF-1140-8495-3D368771D6B1}" type="datetimeFigureOut">
               <a:rPr lang="en-US" smtClean="0"/>
-              <a:t>6/19/21</a:t>
+              <a:t>6/28/21</a:t>
             </a:fld>
             <a:endParaRPr lang="en-US"/>
           </a:p>
@@ -1216,7 +1216,7 @@
           <a:p>
             <a:fld id="{BE5295ED-3BAF-1140-8495-3D368771D6B1}" type="datetimeFigureOut">
               <a:rPr lang="en-US" smtClean="0"/>
-              <a:t>6/19/21</a:t>
+              <a:t>6/28/21</a:t>
             </a:fld>
             <a:endParaRPr lang="en-US"/>
           </a:p>
@@ -1414,7 +1414,7 @@
           <a:p>
             <a:fld id="{BE5295ED-3BAF-1140-8495-3D368771D6B1}" type="datetimeFigureOut">
               <a:rPr lang="en-US" smtClean="0"/>
-              <a:t>6/19/21</a:t>
+              <a:t>6/28/21</a:t>
             </a:fld>
             <a:endParaRPr lang="en-US"/>
           </a:p>
@@ -1689,7 +1689,7 @@
           <a:p>
             <a:fld id="{BE5295ED-3BAF-1140-8495-3D368771D6B1}" type="datetimeFigureOut">
               <a:rPr lang="en-US" smtClean="0"/>
-              <a:t>6/19/21</a:t>
+              <a:t>6/28/21</a:t>
             </a:fld>
             <a:endParaRPr lang="en-US"/>
           </a:p>
@@ -1954,7 +1954,7 @@
           <a:p>
             <a:fld id="{BE5295ED-3BAF-1140-8495-3D368771D6B1}" type="datetimeFigureOut">
               <a:rPr lang="en-US" smtClean="0"/>
-              <a:t>6/19/21</a:t>
+              <a:t>6/28/21</a:t>
             </a:fld>
             <a:endParaRPr lang="en-US"/>
           </a:p>
@@ -2366,7 +2366,7 @@
           <a:p>
             <a:fld id="{BE5295ED-3BAF-1140-8495-3D368771D6B1}" type="datetimeFigureOut">
               <a:rPr lang="en-US" smtClean="0"/>
-              <a:t>6/19/21</a:t>
+              <a:t>6/28/21</a:t>
             </a:fld>
             <a:endParaRPr lang="en-US"/>
           </a:p>
@@ -2507,7 +2507,7 @@
           <a:p>
             <a:fld id="{BE5295ED-3BAF-1140-8495-3D368771D6B1}" type="datetimeFigureOut">
               <a:rPr lang="en-US" smtClean="0"/>
-              <a:t>6/19/21</a:t>
+              <a:t>6/28/21</a:t>
             </a:fld>
             <a:endParaRPr lang="en-US"/>
           </a:p>
@@ -2620,7 +2620,7 @@
           <a:p>
             <a:fld id="{BE5295ED-3BAF-1140-8495-3D368771D6B1}" type="datetimeFigureOut">
               <a:rPr lang="en-US" smtClean="0"/>
-              <a:t>6/19/21</a:t>
+              <a:t>6/28/21</a:t>
             </a:fld>
             <a:endParaRPr lang="en-US"/>
           </a:p>
@@ -2931,7 +2931,7 @@
           <a:p>
             <a:fld id="{BE5295ED-3BAF-1140-8495-3D368771D6B1}" type="datetimeFigureOut">
               <a:rPr lang="en-US" smtClean="0"/>
-              <a:t>6/19/21</a:t>
+              <a:t>6/28/21</a:t>
             </a:fld>
             <a:endParaRPr lang="en-US"/>
           </a:p>
@@ -3222,7 +3222,7 @@
           <a:p>
             <a:fld id="{BE5295ED-3BAF-1140-8495-3D368771D6B1}" type="datetimeFigureOut">
               <a:rPr lang="en-US" smtClean="0"/>
-              <a:t>6/19/21</a:t>
+              <a:t>6/28/21</a:t>
             </a:fld>
             <a:endParaRPr lang="en-US"/>
           </a:p>
@@ -3463,7 +3463,7 @@
           <a:p>
             <a:fld id="{BE5295ED-3BAF-1140-8495-3D368771D6B1}" type="datetimeFigureOut">
               <a:rPr lang="en-US" smtClean="0"/>
-              <a:t>6/19/21</a:t>
+              <a:t>6/28/21</a:t>
             </a:fld>
             <a:endParaRPr lang="en-US"/>
           </a:p>
@@ -4120,7 +4120,15 @@
                 </a:br>
                 <a:r>
                   <a:rPr lang="en-US" dirty="0"/>
-                  <a:t>values 0..255 called bytes; made up of 8 bits as </a:t>
+                  <a:t>values 0..255 called </a:t>
+                </a:r>
+                <a:r>
+                  <a:rPr lang="en-US" i="1" dirty="0"/>
+                  <a:t>bytes</a:t>
+                </a:r>
+                <a:r>
+                  <a:rPr lang="en-US" dirty="0"/>
+                  <a:t>; made up of 8 bits as </a:t>
                 </a:r>
                 <a14:m>
                   <m:oMath xmlns:m="http://schemas.openxmlformats.org/officeDocument/2006/math">
@@ -4172,7 +4180,7 @@
               <a:p>
                 <a:r>
                   <a:rPr lang="en-US" dirty="0"/>
-                  <a:t>Data elements have </a:t>
+                  <a:t>Data elements in memory have </a:t>
                 </a:r>
                 <a:r>
                   <a:rPr lang="en-US" i="1" dirty="0"/>
@@ -4821,7 +4829,7 @@
           <a:p>
             <a:r>
               <a:rPr lang="en-US" dirty="0"/>
-              <a:t>Dealing with bytes is tedious; we prefer to group bytes into higher-level values, such as numbers and strings</a:t>
+              <a:t>Dealing with untyped bytes is tedious; we prefer to group bytes into higher-level values, such as numbers and strings</a:t>
             </a:r>
           </a:p>
           <a:p>
@@ -5535,7 +5543,7 @@
           <a:p>
             <a:r>
               <a:rPr lang="en-US" dirty="0"/>
-              <a:t>Heterogeneous lists used to group bits of information about a particular entity or observation</a:t>
+              <a:t>Heterogeneous lists can be used to group bits of information about a particular entity or observation</a:t>
             </a:r>
           </a:p>
         </p:txBody>
@@ -5651,14 +5659,28 @@
           <a:p>
             <a:r>
               <a:rPr lang="en-US" dirty="0"/>
-              <a:t>In this case, records points at a list of</a:t>
+              <a:t>In this case, the outer list is a list of</a:t>
             </a:r>
             <a:br>
               <a:rPr lang="en-US" dirty="0"/>
             </a:br>
             <a:r>
               <a:rPr lang="en-US" dirty="0"/>
-              <a:t>three items that happen to be lists also</a:t>
+              <a:t>elements that happen to be lists also;</a:t>
+            </a:r>
+            <a:br>
+              <a:rPr lang="en-US" dirty="0"/>
+            </a:br>
+            <a:r>
+              <a:rPr lang="en-US" dirty="0"/>
+              <a:t>each of the inner lists has two elements</a:t>
+            </a:r>
+            <a:br>
+              <a:rPr lang="en-US" dirty="0"/>
+            </a:br>
+            <a:r>
+              <a:rPr lang="en-US" dirty="0"/>
+              <a:t>representing a record of information</a:t>
             </a:r>
           </a:p>
           <a:p>
@@ -6319,7 +6341,15 @@
           <a:p>
             <a:r>
               <a:rPr lang="en-US" dirty="0"/>
-              <a:t>A tuple is an immutable list and uses parentheses and not square brackets for notation</a:t>
+              <a:t>A tuple is an </a:t>
+            </a:r>
+            <a:r>
+              <a:rPr lang="en-US" i="1" dirty="0"/>
+              <a:t>immutable</a:t>
+            </a:r>
+            <a:r>
+              <a:rPr lang="en-US" dirty="0"/>
+              <a:t> list and uses parentheses rather than square brackets for notation</a:t>
             </a:r>
           </a:p>
           <a:p>
@@ -6526,7 +6556,7 @@
           <a:p>
             <a:r>
               <a:rPr lang="en-US" dirty="0"/>
-              <a:t>Index by key to get value; e.g.,</a:t>
+              <a:t>Index by key to get the value; e.g.,</a:t>
             </a:r>
             <a:br>
               <a:rPr lang="en-US" dirty="0"/>
@@ -6679,6 +6709,214 @@
               <a:t>pythontutor</a:t>
             </a:r>
             <a:endParaRPr lang="en-US" dirty="0"/>
+          </a:p>
+        </p:txBody>
+      </p:sp>
+      <p:sp>
+        <p:nvSpPr>
+          <p:cNvPr id="10" name="Rectangle 9">
+            <a:extLst>
+              <a:ext uri="{FF2B5EF4-FFF2-40B4-BE49-F238E27FC236}">
+                <a16:creationId xmlns:a16="http://schemas.microsoft.com/office/drawing/2014/main" id="{4C705128-242B-E44A-872F-871D35EE4239}"/>
+              </a:ext>
+            </a:extLst>
+          </p:cNvPr>
+          <p:cNvSpPr/>
+          <p:nvPr/>
+        </p:nvSpPr>
+        <p:spPr>
+          <a:xfrm>
+            <a:off x="2399108" y="3948143"/>
+            <a:ext cx="185066" cy="400110"/>
+          </a:xfrm>
+          <a:prstGeom prst="rect">
+            <a:avLst/>
+          </a:prstGeom>
+          <a:noFill/>
+          <a:ln w="9525">
+            <a:solidFill>
+              <a:srgbClr val="E4754F"/>
+            </a:solidFill>
+          </a:ln>
+        </p:spPr>
+        <p:style>
+          <a:lnRef idx="2">
+            <a:schemeClr val="accent1">
+              <a:shade val="50000"/>
+            </a:schemeClr>
+          </a:lnRef>
+          <a:fillRef idx="1">
+            <a:schemeClr val="accent1"/>
+          </a:fillRef>
+          <a:effectRef idx="0">
+            <a:schemeClr val="accent1"/>
+          </a:effectRef>
+          <a:fontRef idx="minor">
+            <a:schemeClr val="lt1"/>
+          </a:fontRef>
+        </p:style>
+        <p:txBody>
+          <a:bodyPr rtlCol="0" anchor="ctr"/>
+          <a:lstStyle/>
+          <a:p>
+            <a:pPr algn="ctr"/>
+            <a:endParaRPr lang="en-US"/>
+          </a:p>
+        </p:txBody>
+      </p:sp>
+      <p:sp>
+        <p:nvSpPr>
+          <p:cNvPr id="11" name="Rectangle 10">
+            <a:extLst>
+              <a:ext uri="{FF2B5EF4-FFF2-40B4-BE49-F238E27FC236}">
+                <a16:creationId xmlns:a16="http://schemas.microsoft.com/office/drawing/2014/main" id="{2CF5C6C6-1F5C-8348-AE8B-5302068848CE}"/>
+              </a:ext>
+            </a:extLst>
+          </p:cNvPr>
+          <p:cNvSpPr/>
+          <p:nvPr/>
+        </p:nvSpPr>
+        <p:spPr>
+          <a:xfrm>
+            <a:off x="3795278" y="3948143"/>
+            <a:ext cx="185066" cy="400110"/>
+          </a:xfrm>
+          <a:prstGeom prst="rect">
+            <a:avLst/>
+          </a:prstGeom>
+          <a:noFill/>
+          <a:ln w="9525">
+            <a:solidFill>
+              <a:srgbClr val="E4754F"/>
+            </a:solidFill>
+          </a:ln>
+        </p:spPr>
+        <p:style>
+          <a:lnRef idx="2">
+            <a:schemeClr val="accent1">
+              <a:shade val="50000"/>
+            </a:schemeClr>
+          </a:lnRef>
+          <a:fillRef idx="1">
+            <a:schemeClr val="accent1"/>
+          </a:fillRef>
+          <a:effectRef idx="0">
+            <a:schemeClr val="accent1"/>
+          </a:effectRef>
+          <a:fontRef idx="minor">
+            <a:schemeClr val="lt1"/>
+          </a:fontRef>
+        </p:style>
+        <p:txBody>
+          <a:bodyPr rtlCol="0" anchor="ctr"/>
+          <a:lstStyle/>
+          <a:p>
+            <a:pPr algn="ctr"/>
+            <a:endParaRPr lang="en-US"/>
+          </a:p>
+        </p:txBody>
+      </p:sp>
+      <p:sp>
+        <p:nvSpPr>
+          <p:cNvPr id="12" name="Rectangle 11">
+            <a:extLst>
+              <a:ext uri="{FF2B5EF4-FFF2-40B4-BE49-F238E27FC236}">
+                <a16:creationId xmlns:a16="http://schemas.microsoft.com/office/drawing/2014/main" id="{43DD2F8B-DC4A-9742-BB66-C83CEA4B8369}"/>
+              </a:ext>
+            </a:extLst>
+          </p:cNvPr>
+          <p:cNvSpPr/>
+          <p:nvPr/>
+        </p:nvSpPr>
+        <p:spPr>
+          <a:xfrm>
+            <a:off x="6745869" y="3948143"/>
+            <a:ext cx="185066" cy="400110"/>
+          </a:xfrm>
+          <a:prstGeom prst="rect">
+            <a:avLst/>
+          </a:prstGeom>
+          <a:noFill/>
+          <a:ln w="9525">
+            <a:solidFill>
+              <a:srgbClr val="E4754F"/>
+            </a:solidFill>
+          </a:ln>
+        </p:spPr>
+        <p:style>
+          <a:lnRef idx="2">
+            <a:schemeClr val="accent1">
+              <a:shade val="50000"/>
+            </a:schemeClr>
+          </a:lnRef>
+          <a:fillRef idx="1">
+            <a:schemeClr val="accent1"/>
+          </a:fillRef>
+          <a:effectRef idx="0">
+            <a:schemeClr val="accent1"/>
+          </a:effectRef>
+          <a:fontRef idx="minor">
+            <a:schemeClr val="lt1"/>
+          </a:fontRef>
+        </p:style>
+        <p:txBody>
+          <a:bodyPr rtlCol="0" anchor="ctr"/>
+          <a:lstStyle/>
+          <a:p>
+            <a:pPr algn="ctr"/>
+            <a:endParaRPr lang="en-US"/>
+          </a:p>
+        </p:txBody>
+      </p:sp>
+      <p:sp>
+        <p:nvSpPr>
+          <p:cNvPr id="13" name="Rectangle 12">
+            <a:extLst>
+              <a:ext uri="{FF2B5EF4-FFF2-40B4-BE49-F238E27FC236}">
+                <a16:creationId xmlns:a16="http://schemas.microsoft.com/office/drawing/2014/main" id="{1CB1F828-A667-A24C-B8EF-9AA1E0E58C8C}"/>
+              </a:ext>
+            </a:extLst>
+          </p:cNvPr>
+          <p:cNvSpPr/>
+          <p:nvPr/>
+        </p:nvSpPr>
+        <p:spPr>
+          <a:xfrm>
+            <a:off x="6025981" y="3948143"/>
+            <a:ext cx="185066" cy="400110"/>
+          </a:xfrm>
+          <a:prstGeom prst="rect">
+            <a:avLst/>
+          </a:prstGeom>
+          <a:noFill/>
+          <a:ln w="9525">
+            <a:solidFill>
+              <a:srgbClr val="E4754F"/>
+            </a:solidFill>
+          </a:ln>
+        </p:spPr>
+        <p:style>
+          <a:lnRef idx="2">
+            <a:schemeClr val="accent1">
+              <a:shade val="50000"/>
+            </a:schemeClr>
+          </a:lnRef>
+          <a:fillRef idx="1">
+            <a:schemeClr val="accent1"/>
+          </a:fillRef>
+          <a:effectRef idx="0">
+            <a:schemeClr val="accent1"/>
+          </a:effectRef>
+          <a:fontRef idx="minor">
+            <a:schemeClr val="lt1"/>
+          </a:fontRef>
+        </p:style>
+        <p:txBody>
+          <a:bodyPr rtlCol="0" anchor="ctr"/>
+          <a:lstStyle/>
+          <a:p>
+            <a:pPr algn="ctr"/>
+            <a:endParaRPr lang="en-US"/>
           </a:p>
         </p:txBody>
       </p:sp>
@@ -6792,7 +7030,7 @@
             </a:r>
             <a:r>
               <a:rPr lang="en-US" dirty="0"/>
-              <a:t>, that performs the desired task </a:t>
+              <a:t>, that performs the desired task; this is problem-solving and done prior to coding</a:t>
             </a:r>
           </a:p>
           <a:p>
@@ -7336,7 +7574,7 @@
           <a:bodyPr/>
           <a:lstStyle/>
           <a:p>
-            <a:endParaRPr lang="en-US"/>
+            <a:endParaRPr lang="en-US" dirty="0"/>
           </a:p>
         </p:txBody>
       </p:sp>
@@ -7375,7 +7613,7 @@
           <p:cNvPr id="2" name="Title 1">
             <a:extLst>
               <a:ext uri="{FF2B5EF4-FFF2-40B4-BE49-F238E27FC236}">
-                <a16:creationId xmlns:a16="http://schemas.microsoft.com/office/drawing/2014/main" id="{E74290A9-8CE1-944F-A79A-0A9893D50374}"/>
+                <a16:creationId xmlns:a16="http://schemas.microsoft.com/office/drawing/2014/main" id="{E9982582-411C-8C46-A787-7E357E5B229E}"/>
               </a:ext>
             </a:extLst>
           </p:cNvPr>
@@ -7393,7 +7631,7 @@
           <a:p>
             <a:r>
               <a:rPr lang="en-US" dirty="0"/>
-              <a:t>Combined conditional / loop</a:t>
+              <a:t>For-loops</a:t>
             </a:r>
           </a:p>
         </p:txBody>
@@ -7403,7 +7641,7 @@
           <p:cNvPr id="3" name="Content Placeholder 2">
             <a:extLst>
               <a:ext uri="{FF2B5EF4-FFF2-40B4-BE49-F238E27FC236}">
-                <a16:creationId xmlns:a16="http://schemas.microsoft.com/office/drawing/2014/main" id="{EE351ED9-5BDF-7541-95C8-1AFF67BD8FC4}"/>
+                <a16:creationId xmlns:a16="http://schemas.microsoft.com/office/drawing/2014/main" id="{79CDB372-1D0F-1142-A023-EB0236A7732C}"/>
               </a:ext>
             </a:extLst>
           </p:cNvPr>
@@ -7414,162 +7652,65 @@
             <p:ph idx="1"/>
           </p:nvPr>
         </p:nvSpPr>
-        <p:spPr>
-          <a:xfrm>
-            <a:off x="838200" y="1581374"/>
-            <a:ext cx="10515600" cy="4595589"/>
-          </a:xfrm>
-        </p:spPr>
-        <p:txBody>
-          <a:bodyPr/>
-          <a:lstStyle/>
-          <a:p>
-            <a:r>
-              <a:rPr lang="en-US" dirty="0"/>
-              <a:t>Now that we have some basic Python skills, let's look at more complicated loops starting with a combination:</a:t>
-            </a:r>
-          </a:p>
-        </p:txBody>
-      </p:sp>
-      <p:sp>
-        <p:nvSpPr>
-          <p:cNvPr id="4" name="TextBox 3">
-            <a:extLst>
-              <a:ext uri="{FF2B5EF4-FFF2-40B4-BE49-F238E27FC236}">
-                <a16:creationId xmlns:a16="http://schemas.microsoft.com/office/drawing/2014/main" id="{C5DC87D9-EA28-1740-B6C9-EF4F3930095D}"/>
-              </a:ext>
-            </a:extLst>
-          </p:cNvPr>
-          <p:cNvSpPr txBox="1"/>
-          <p:nvPr/>
-        </p:nvSpPr>
-        <p:spPr>
-          <a:xfrm>
-            <a:off x="5042233" y="3098308"/>
-            <a:ext cx="4432624" cy="1938992"/>
-          </a:xfrm>
-          <a:prstGeom prst="rect">
-            <a:avLst/>
-          </a:prstGeom>
-          <a:noFill/>
-          <a:ln>
-            <a:solidFill>
-              <a:schemeClr val="accent1"/>
-            </a:solidFill>
-          </a:ln>
-        </p:spPr>
-        <p:txBody>
-          <a:bodyPr wrap="none" rtlCol="0">
-            <a:spAutoFit/>
+        <p:spPr/>
+        <p:txBody>
+          <a:bodyPr>
+            <a:normAutofit/>
           </a:bodyPr>
           <a:lstStyle/>
           <a:p>
             <a:r>
-              <a:rPr lang="en-US" sz="2400" dirty="0" err="1">
-                <a:latin typeface="Consolas" panose="020B0609020204030204" pitchFamily="49" charset="0"/>
-                <a:cs typeface="Consolas" panose="020B0609020204030204" pitchFamily="49" charset="0"/>
+              <a:rPr lang="en-US" dirty="0">
+                <a:hlinkClick r:id="rId2"/>
               </a:rPr>
-              <a:t>i</a:t>
-            </a:r>
-            <a:r>
-              <a:rPr lang="en-US" sz="2400" dirty="0">
-                <a:latin typeface="Consolas" panose="020B0609020204030204" pitchFamily="49" charset="0"/>
-                <a:cs typeface="Consolas" panose="020B0609020204030204" pitchFamily="49" charset="0"/>
+              <a:t>range loops</a:t>
+            </a:r>
+            <a:endParaRPr lang="en-US" dirty="0"/>
+          </a:p>
+          <a:p>
+            <a:r>
+              <a:rPr lang="en-US" dirty="0">
+                <a:hlinkClick r:id="rId3"/>
               </a:rPr>
-              <a:t> = 1</a:t>
-            </a:r>
-          </a:p>
-          <a:p>
-            <a:r>
-              <a:rPr lang="en-US" sz="2400" dirty="0">
-                <a:latin typeface="Consolas" panose="020B0609020204030204" pitchFamily="49" charset="0"/>
-                <a:cs typeface="Consolas" panose="020B0609020204030204" pitchFamily="49" charset="0"/>
+              <a:t>for-each loops</a:t>
+            </a:r>
+            <a:endParaRPr lang="en-US" dirty="0"/>
+          </a:p>
+          <a:p>
+            <a:r>
+              <a:rPr lang="en-US" dirty="0">
+                <a:hlinkClick r:id="rId4"/>
               </a:rPr>
-              <a:t>while </a:t>
-            </a:r>
-            <a:r>
-              <a:rPr lang="en-US" sz="2400" dirty="0" err="1">
-                <a:latin typeface="Consolas" panose="020B0609020204030204" pitchFamily="49" charset="0"/>
-                <a:cs typeface="Consolas" panose="020B0609020204030204" pitchFamily="49" charset="0"/>
+              <a:t>loop with enumerate()</a:t>
+            </a:r>
+            <a:endParaRPr lang="en-US" dirty="0"/>
+          </a:p>
+          <a:p>
+            <a:r>
+              <a:rPr lang="en-US" dirty="0">
+                <a:hlinkClick r:id="rId5"/>
               </a:rPr>
-              <a:t>i</a:t>
-            </a:r>
-            <a:r>
-              <a:rPr lang="en-US" sz="2400" dirty="0">
-                <a:latin typeface="Consolas" panose="020B0609020204030204" pitchFamily="49" charset="0"/>
-                <a:cs typeface="Consolas" panose="020B0609020204030204" pitchFamily="49" charset="0"/>
+              <a:t>watch row var iterate through list-of-list rows</a:t>
+            </a:r>
+            <a:endParaRPr lang="en-US" dirty="0"/>
+          </a:p>
+          <a:p>
+            <a:r>
+              <a:rPr lang="en-US" dirty="0">
+                <a:hlinkClick r:id="rId6"/>
               </a:rPr>
-              <a:t> &lt;= 6:</a:t>
-            </a:r>
-          </a:p>
-          <a:p>
-            <a:r>
-              <a:rPr lang="en-US" sz="2400" dirty="0">
-                <a:latin typeface="Consolas" panose="020B0609020204030204" pitchFamily="49" charset="0"/>
-                <a:cs typeface="Consolas" panose="020B0609020204030204" pitchFamily="49" charset="0"/>
+              <a:t>indexed loop using range</a:t>
+            </a:r>
+            <a:endParaRPr lang="en-US" dirty="0"/>
+          </a:p>
+          <a:p>
+            <a:r>
+              <a:rPr lang="en-US" dirty="0">
+                <a:hlinkClick r:id="rId7"/>
               </a:rPr>
-              <a:t>    if </a:t>
-            </a:r>
-            <a:r>
-              <a:rPr lang="en-US" sz="2400" dirty="0" err="1">
-                <a:latin typeface="Consolas" panose="020B0609020204030204" pitchFamily="49" charset="0"/>
-                <a:cs typeface="Consolas" panose="020B0609020204030204" pitchFamily="49" charset="0"/>
-              </a:rPr>
-              <a:t>i</a:t>
-            </a:r>
-            <a:r>
-              <a:rPr lang="en-US" sz="2400" dirty="0">
-                <a:latin typeface="Consolas" panose="020B0609020204030204" pitchFamily="49" charset="0"/>
-                <a:cs typeface="Consolas" panose="020B0609020204030204" pitchFamily="49" charset="0"/>
-              </a:rPr>
-              <a:t>==3:</a:t>
-            </a:r>
-          </a:p>
-          <a:p>
-            <a:r>
-              <a:rPr lang="en-US" sz="2400" dirty="0">
-                <a:latin typeface="Consolas" panose="020B0609020204030204" pitchFamily="49" charset="0"/>
-                <a:cs typeface="Consolas" panose="020B0609020204030204" pitchFamily="49" charset="0"/>
-              </a:rPr>
-              <a:t>        print("Halfway!")</a:t>
-            </a:r>
-          </a:p>
-          <a:p>
-            <a:r>
-              <a:rPr lang="en-US" sz="2400" dirty="0">
-                <a:latin typeface="Consolas" panose="020B0609020204030204" pitchFamily="49" charset="0"/>
-                <a:cs typeface="Consolas" panose="020B0609020204030204" pitchFamily="49" charset="0"/>
-              </a:rPr>
-              <a:t>    </a:t>
-            </a:r>
-            <a:r>
-              <a:rPr lang="en-US" sz="2400" dirty="0" err="1">
-                <a:latin typeface="Consolas" panose="020B0609020204030204" pitchFamily="49" charset="0"/>
-                <a:cs typeface="Consolas" panose="020B0609020204030204" pitchFamily="49" charset="0"/>
-              </a:rPr>
-              <a:t>i</a:t>
-            </a:r>
-            <a:r>
-              <a:rPr lang="en-US" sz="2400" dirty="0">
-                <a:latin typeface="Consolas" panose="020B0609020204030204" pitchFamily="49" charset="0"/>
-                <a:cs typeface="Consolas" panose="020B0609020204030204" pitchFamily="49" charset="0"/>
-              </a:rPr>
-              <a:t> = </a:t>
-            </a:r>
-            <a:r>
-              <a:rPr lang="en-US" sz="2400" dirty="0" err="1">
-                <a:latin typeface="Consolas" panose="020B0609020204030204" pitchFamily="49" charset="0"/>
-                <a:cs typeface="Consolas" panose="020B0609020204030204" pitchFamily="49" charset="0"/>
-              </a:rPr>
-              <a:t>i</a:t>
-            </a:r>
-            <a:r>
-              <a:rPr lang="en-US" sz="2400" dirty="0">
-                <a:latin typeface="Consolas" panose="020B0609020204030204" pitchFamily="49" charset="0"/>
-                <a:cs typeface="Consolas" panose="020B0609020204030204" pitchFamily="49" charset="0"/>
-              </a:rPr>
-              <a:t> + 1</a:t>
-            </a:r>
+              <a:t>zip'd loop</a:t>
+            </a:r>
+            <a:endParaRPr lang="en-US" dirty="0"/>
           </a:p>
         </p:txBody>
       </p:sp>
@@ -7578,7 +7719,7 @@
           <p:cNvPr id="5" name="Picture 4">
             <a:extLst>
               <a:ext uri="{FF2B5EF4-FFF2-40B4-BE49-F238E27FC236}">
-                <a16:creationId xmlns:a16="http://schemas.microsoft.com/office/drawing/2014/main" id="{B53BD7BC-660F-8542-9391-4E49F182D313}"/>
+                <a16:creationId xmlns:a16="http://schemas.microsoft.com/office/drawing/2014/main" id="{4778C563-7430-2044-A619-4F98E8738B7A}"/>
               </a:ext>
             </a:extLst>
           </p:cNvPr>
@@ -7588,69 +7729,25 @@
           <p:nvPr/>
         </p:nvPicPr>
         <p:blipFill>
-          <a:blip r:embed="rId2"/>
+          <a:blip r:embed="rId8"/>
           <a:stretch>
             <a:fillRect/>
           </a:stretch>
         </p:blipFill>
         <p:spPr>
           <a:xfrm>
-            <a:off x="1998526" y="2846854"/>
-            <a:ext cx="1164763" cy="3551107"/>
+            <a:off x="5888945" y="495254"/>
+            <a:ext cx="5044410" cy="1671694"/>
           </a:xfrm>
           <a:prstGeom prst="rect">
             <a:avLst/>
           </a:prstGeom>
         </p:spPr>
       </p:pic>
-      <p:sp>
-        <p:nvSpPr>
-          <p:cNvPr id="6" name="TextBox 5">
-            <a:extLst>
-              <a:ext uri="{FF2B5EF4-FFF2-40B4-BE49-F238E27FC236}">
-                <a16:creationId xmlns:a16="http://schemas.microsoft.com/office/drawing/2014/main" id="{F5182221-8D99-1D4E-9482-C2502B515596}"/>
-              </a:ext>
-            </a:extLst>
-          </p:cNvPr>
-          <p:cNvSpPr txBox="1"/>
-          <p:nvPr/>
-        </p:nvSpPr>
-        <p:spPr>
-          <a:xfrm>
-            <a:off x="4599483" y="5353475"/>
-            <a:ext cx="5318123" cy="461665"/>
-          </a:xfrm>
-          <a:prstGeom prst="rect">
-            <a:avLst/>
-          </a:prstGeom>
-          <a:noFill/>
-        </p:spPr>
-        <p:txBody>
-          <a:bodyPr wrap="none" rtlCol="0">
-            <a:spAutoFit/>
-          </a:bodyPr>
-          <a:lstStyle/>
-          <a:p>
-            <a:r>
-              <a:rPr lang="en-US" sz="2400" dirty="0">
-                <a:hlinkClick r:id="rId3"/>
-              </a:rPr>
-              <a:t>Step through code at </a:t>
-            </a:r>
-            <a:r>
-              <a:rPr lang="en-US" sz="2400" dirty="0" err="1">
-                <a:hlinkClick r:id="rId3"/>
-              </a:rPr>
-              <a:t>pythontutor.com</a:t>
-            </a:r>
-            <a:endParaRPr lang="en-US" sz="2400" dirty="0"/>
-          </a:p>
-        </p:txBody>
-      </p:sp>
     </p:spTree>
     <p:extLst>
       <p:ext uri="{BB962C8B-B14F-4D97-AF65-F5344CB8AC3E}">
-        <p14:creationId xmlns:p14="http://schemas.microsoft.com/office/powerpoint/2010/main" val="3404399592"/>
+        <p14:creationId xmlns:p14="http://schemas.microsoft.com/office/powerpoint/2010/main" val="2685847471"/>
       </p:ext>
     </p:extLst>
   </p:cSld>
@@ -7682,7 +7779,7 @@
           <p:cNvPr id="2" name="Title 1">
             <a:extLst>
               <a:ext uri="{FF2B5EF4-FFF2-40B4-BE49-F238E27FC236}">
-                <a16:creationId xmlns:a16="http://schemas.microsoft.com/office/drawing/2014/main" id="{E9982582-411C-8C46-A787-7E357E5B229E}"/>
+                <a16:creationId xmlns:a16="http://schemas.microsoft.com/office/drawing/2014/main" id="{E74290A9-8CE1-944F-A79A-0A9893D50374}"/>
               </a:ext>
             </a:extLst>
           </p:cNvPr>
@@ -7700,7 +7797,7 @@
           <a:p>
             <a:r>
               <a:rPr lang="en-US" dirty="0"/>
-              <a:t>For-loops</a:t>
+              <a:t>Combined conditional / loop</a:t>
             </a:r>
           </a:p>
         </p:txBody>
@@ -7710,7 +7807,7 @@
           <p:cNvPr id="3" name="Content Placeholder 2">
             <a:extLst>
               <a:ext uri="{FF2B5EF4-FFF2-40B4-BE49-F238E27FC236}">
-                <a16:creationId xmlns:a16="http://schemas.microsoft.com/office/drawing/2014/main" id="{79CDB372-1D0F-1142-A023-EB0236A7732C}"/>
+                <a16:creationId xmlns:a16="http://schemas.microsoft.com/office/drawing/2014/main" id="{EE351ED9-5BDF-7541-95C8-1AFF67BD8FC4}"/>
               </a:ext>
             </a:extLst>
           </p:cNvPr>
@@ -7721,65 +7818,162 @@
             <p:ph idx="1"/>
           </p:nvPr>
         </p:nvSpPr>
-        <p:spPr/>
-        <p:txBody>
-          <a:bodyPr>
-            <a:normAutofit/>
+        <p:spPr>
+          <a:xfrm>
+            <a:off x="838200" y="1400784"/>
+            <a:ext cx="10515600" cy="4776180"/>
+          </a:xfrm>
+        </p:spPr>
+        <p:txBody>
+          <a:bodyPr/>
+          <a:lstStyle/>
+          <a:p>
+            <a:r>
+              <a:rPr lang="en-US" dirty="0"/>
+              <a:t>Now that we have some basic Python skills, let's look at more complicated loop-related constructions starting with a combination:</a:t>
+            </a:r>
+          </a:p>
+        </p:txBody>
+      </p:sp>
+      <p:sp>
+        <p:nvSpPr>
+          <p:cNvPr id="4" name="TextBox 3">
+            <a:extLst>
+              <a:ext uri="{FF2B5EF4-FFF2-40B4-BE49-F238E27FC236}">
+                <a16:creationId xmlns:a16="http://schemas.microsoft.com/office/drawing/2014/main" id="{C5DC87D9-EA28-1740-B6C9-EF4F3930095D}"/>
+              </a:ext>
+            </a:extLst>
+          </p:cNvPr>
+          <p:cNvSpPr txBox="1"/>
+          <p:nvPr/>
+        </p:nvSpPr>
+        <p:spPr>
+          <a:xfrm>
+            <a:off x="5042233" y="3098308"/>
+            <a:ext cx="4432624" cy="1938992"/>
+          </a:xfrm>
+          <a:prstGeom prst="rect">
+            <a:avLst/>
+          </a:prstGeom>
+          <a:noFill/>
+          <a:ln>
+            <a:solidFill>
+              <a:schemeClr val="accent1"/>
+            </a:solidFill>
+          </a:ln>
+        </p:spPr>
+        <p:txBody>
+          <a:bodyPr wrap="none" rtlCol="0">
+            <a:spAutoFit/>
           </a:bodyPr>
           <a:lstStyle/>
           <a:p>
             <a:r>
-              <a:rPr lang="en-US" dirty="0">
-                <a:hlinkClick r:id="rId2"/>
+              <a:rPr lang="en-US" sz="2400" dirty="0" err="1">
+                <a:latin typeface="Consolas" panose="020B0609020204030204" pitchFamily="49" charset="0"/>
+                <a:cs typeface="Consolas" panose="020B0609020204030204" pitchFamily="49" charset="0"/>
               </a:rPr>
-              <a:t>range loops</a:t>
-            </a:r>
-            <a:endParaRPr lang="en-US" dirty="0"/>
-          </a:p>
-          <a:p>
-            <a:r>
-              <a:rPr lang="en-US" dirty="0">
-                <a:hlinkClick r:id="rId3"/>
+              <a:t>i</a:t>
+            </a:r>
+            <a:r>
+              <a:rPr lang="en-US" sz="2400" dirty="0">
+                <a:latin typeface="Consolas" panose="020B0609020204030204" pitchFamily="49" charset="0"/>
+                <a:cs typeface="Consolas" panose="020B0609020204030204" pitchFamily="49" charset="0"/>
               </a:rPr>
-              <a:t>for-each loops</a:t>
-            </a:r>
-            <a:endParaRPr lang="en-US" dirty="0"/>
-          </a:p>
-          <a:p>
-            <a:r>
-              <a:rPr lang="en-US" dirty="0">
-                <a:hlinkClick r:id="rId4"/>
+              <a:t> = 1</a:t>
+            </a:r>
+          </a:p>
+          <a:p>
+            <a:r>
+              <a:rPr lang="en-US" sz="2400" dirty="0">
+                <a:latin typeface="Consolas" panose="020B0609020204030204" pitchFamily="49" charset="0"/>
+                <a:cs typeface="Consolas" panose="020B0609020204030204" pitchFamily="49" charset="0"/>
               </a:rPr>
-              <a:t>loop with enumerate()</a:t>
-            </a:r>
-            <a:endParaRPr lang="en-US" dirty="0"/>
-          </a:p>
-          <a:p>
-            <a:r>
-              <a:rPr lang="en-US" dirty="0">
-                <a:hlinkClick r:id="rId5"/>
+              <a:t>while </a:t>
+            </a:r>
+            <a:r>
+              <a:rPr lang="en-US" sz="2400" dirty="0" err="1">
+                <a:latin typeface="Consolas" panose="020B0609020204030204" pitchFamily="49" charset="0"/>
+                <a:cs typeface="Consolas" panose="020B0609020204030204" pitchFamily="49" charset="0"/>
               </a:rPr>
-              <a:t>watch row var iterate through list-of-list rows</a:t>
-            </a:r>
-            <a:endParaRPr lang="en-US" dirty="0"/>
-          </a:p>
-          <a:p>
-            <a:r>
-              <a:rPr lang="en-US" dirty="0">
-                <a:hlinkClick r:id="rId6"/>
+              <a:t>i</a:t>
+            </a:r>
+            <a:r>
+              <a:rPr lang="en-US" sz="2400" dirty="0">
+                <a:latin typeface="Consolas" panose="020B0609020204030204" pitchFamily="49" charset="0"/>
+                <a:cs typeface="Consolas" panose="020B0609020204030204" pitchFamily="49" charset="0"/>
               </a:rPr>
-              <a:t>indexed loop using range</a:t>
-            </a:r>
-            <a:endParaRPr lang="en-US" dirty="0"/>
-          </a:p>
-          <a:p>
-            <a:r>
-              <a:rPr lang="en-US" dirty="0">
-                <a:hlinkClick r:id="rId7"/>
+              <a:t> &lt;= 6:</a:t>
+            </a:r>
+          </a:p>
+          <a:p>
+            <a:r>
+              <a:rPr lang="en-US" sz="2400" dirty="0">
+                <a:latin typeface="Consolas" panose="020B0609020204030204" pitchFamily="49" charset="0"/>
+                <a:cs typeface="Consolas" panose="020B0609020204030204" pitchFamily="49" charset="0"/>
               </a:rPr>
-              <a:t>zip'd loop</a:t>
-            </a:r>
-            <a:endParaRPr lang="en-US" dirty="0"/>
+              <a:t>    if </a:t>
+            </a:r>
+            <a:r>
+              <a:rPr lang="en-US" sz="2400" dirty="0" err="1">
+                <a:latin typeface="Consolas" panose="020B0609020204030204" pitchFamily="49" charset="0"/>
+                <a:cs typeface="Consolas" panose="020B0609020204030204" pitchFamily="49" charset="0"/>
+              </a:rPr>
+              <a:t>i</a:t>
+            </a:r>
+            <a:r>
+              <a:rPr lang="en-US" sz="2400" dirty="0">
+                <a:latin typeface="Consolas" panose="020B0609020204030204" pitchFamily="49" charset="0"/>
+                <a:cs typeface="Consolas" panose="020B0609020204030204" pitchFamily="49" charset="0"/>
+              </a:rPr>
+              <a:t>==3:</a:t>
+            </a:r>
+          </a:p>
+          <a:p>
+            <a:r>
+              <a:rPr lang="en-US" sz="2400" dirty="0">
+                <a:latin typeface="Consolas" panose="020B0609020204030204" pitchFamily="49" charset="0"/>
+                <a:cs typeface="Consolas" panose="020B0609020204030204" pitchFamily="49" charset="0"/>
+              </a:rPr>
+              <a:t>        print("Halfway!")</a:t>
+            </a:r>
+          </a:p>
+          <a:p>
+            <a:r>
+              <a:rPr lang="en-US" sz="2400" dirty="0">
+                <a:latin typeface="Consolas" panose="020B0609020204030204" pitchFamily="49" charset="0"/>
+                <a:cs typeface="Consolas" panose="020B0609020204030204" pitchFamily="49" charset="0"/>
+              </a:rPr>
+              <a:t>    </a:t>
+            </a:r>
+            <a:r>
+              <a:rPr lang="en-US" sz="2400" dirty="0" err="1">
+                <a:latin typeface="Consolas" panose="020B0609020204030204" pitchFamily="49" charset="0"/>
+                <a:cs typeface="Consolas" panose="020B0609020204030204" pitchFamily="49" charset="0"/>
+              </a:rPr>
+              <a:t>i</a:t>
+            </a:r>
+            <a:r>
+              <a:rPr lang="en-US" sz="2400" dirty="0">
+                <a:latin typeface="Consolas" panose="020B0609020204030204" pitchFamily="49" charset="0"/>
+                <a:cs typeface="Consolas" panose="020B0609020204030204" pitchFamily="49" charset="0"/>
+              </a:rPr>
+              <a:t> = </a:t>
+            </a:r>
+            <a:r>
+              <a:rPr lang="en-US" sz="2400" dirty="0" err="1">
+                <a:latin typeface="Consolas" panose="020B0609020204030204" pitchFamily="49" charset="0"/>
+                <a:cs typeface="Consolas" panose="020B0609020204030204" pitchFamily="49" charset="0"/>
+              </a:rPr>
+              <a:t>i</a:t>
+            </a:r>
+            <a:r>
+              <a:rPr lang="en-US" sz="2400" dirty="0">
+                <a:latin typeface="Consolas" panose="020B0609020204030204" pitchFamily="49" charset="0"/>
+                <a:cs typeface="Consolas" panose="020B0609020204030204" pitchFamily="49" charset="0"/>
+              </a:rPr>
+              <a:t> + 1</a:t>
+            </a:r>
           </a:p>
         </p:txBody>
       </p:sp>
@@ -7788,7 +7982,7 @@
           <p:cNvPr id="5" name="Picture 4">
             <a:extLst>
               <a:ext uri="{FF2B5EF4-FFF2-40B4-BE49-F238E27FC236}">
-                <a16:creationId xmlns:a16="http://schemas.microsoft.com/office/drawing/2014/main" id="{4778C563-7430-2044-A619-4F98E8738B7A}"/>
+                <a16:creationId xmlns:a16="http://schemas.microsoft.com/office/drawing/2014/main" id="{B53BD7BC-660F-8542-9391-4E49F182D313}"/>
               </a:ext>
             </a:extLst>
           </p:cNvPr>
@@ -7798,25 +7992,69 @@
           <p:nvPr/>
         </p:nvPicPr>
         <p:blipFill>
-          <a:blip r:embed="rId8"/>
+          <a:blip r:embed="rId2"/>
           <a:stretch>
             <a:fillRect/>
           </a:stretch>
         </p:blipFill>
         <p:spPr>
           <a:xfrm>
-            <a:off x="5888945" y="495254"/>
-            <a:ext cx="5044410" cy="1671694"/>
+            <a:off x="1998526" y="2846854"/>
+            <a:ext cx="1164763" cy="3551107"/>
           </a:xfrm>
           <a:prstGeom prst="rect">
             <a:avLst/>
           </a:prstGeom>
         </p:spPr>
       </p:pic>
+      <p:sp>
+        <p:nvSpPr>
+          <p:cNvPr id="6" name="TextBox 5">
+            <a:extLst>
+              <a:ext uri="{FF2B5EF4-FFF2-40B4-BE49-F238E27FC236}">
+                <a16:creationId xmlns:a16="http://schemas.microsoft.com/office/drawing/2014/main" id="{F5182221-8D99-1D4E-9482-C2502B515596}"/>
+              </a:ext>
+            </a:extLst>
+          </p:cNvPr>
+          <p:cNvSpPr txBox="1"/>
+          <p:nvPr/>
+        </p:nvSpPr>
+        <p:spPr>
+          <a:xfrm>
+            <a:off x="4599483" y="5353475"/>
+            <a:ext cx="5318123" cy="461665"/>
+          </a:xfrm>
+          <a:prstGeom prst="rect">
+            <a:avLst/>
+          </a:prstGeom>
+          <a:noFill/>
+        </p:spPr>
+        <p:txBody>
+          <a:bodyPr wrap="none" rtlCol="0">
+            <a:spAutoFit/>
+          </a:bodyPr>
+          <a:lstStyle/>
+          <a:p>
+            <a:r>
+              <a:rPr lang="en-US" sz="2400" dirty="0">
+                <a:hlinkClick r:id="rId3"/>
+              </a:rPr>
+              <a:t>Step through code at </a:t>
+            </a:r>
+            <a:r>
+              <a:rPr lang="en-US" sz="2400" dirty="0" err="1">
+                <a:hlinkClick r:id="rId3"/>
+              </a:rPr>
+              <a:t>pythontutor.com</a:t>
+            </a:r>
+            <a:endParaRPr lang="en-US" sz="2400" dirty="0"/>
+          </a:p>
+        </p:txBody>
+      </p:sp>
     </p:spTree>
     <p:extLst>
       <p:ext uri="{BB962C8B-B14F-4D97-AF65-F5344CB8AC3E}">
-        <p14:creationId xmlns:p14="http://schemas.microsoft.com/office/powerpoint/2010/main" val="2685847471"/>
+        <p14:creationId xmlns:p14="http://schemas.microsoft.com/office/powerpoint/2010/main" val="3404399592"/>
       </p:ext>
     </p:extLst>
   </p:cSld>
@@ -8267,7 +8505,7 @@
           <p:cNvPr id="2" name="Title 1">
             <a:extLst>
               <a:ext uri="{FF2B5EF4-FFF2-40B4-BE49-F238E27FC236}">
-                <a16:creationId xmlns:a16="http://schemas.microsoft.com/office/drawing/2014/main" id="{108DE35E-E5B3-9643-8E19-2A732FF91190}"/>
+                <a16:creationId xmlns:a16="http://schemas.microsoft.com/office/drawing/2014/main" id="{593EA075-C103-0B43-BC83-B25C88B9D07A}"/>
               </a:ext>
             </a:extLst>
           </p:cNvPr>
@@ -8285,7 +8523,7 @@
           <a:p>
             <a:r>
               <a:rPr lang="en-US" dirty="0"/>
-              <a:t>Concrete first steps</a:t>
+              <a:t>Learning to be a programmer</a:t>
             </a:r>
           </a:p>
         </p:txBody>
@@ -8295,7 +8533,7 @@
           <p:cNvPr id="3" name="Content Placeholder 2">
             <a:extLst>
               <a:ext uri="{FF2B5EF4-FFF2-40B4-BE49-F238E27FC236}">
-                <a16:creationId xmlns:a16="http://schemas.microsoft.com/office/drawing/2014/main" id="{7550724E-F55A-7043-A4F7-87A4E8005379}"/>
+                <a16:creationId xmlns:a16="http://schemas.microsoft.com/office/drawing/2014/main" id="{4C8A4C8E-1F32-A24B-B103-6E31FB35950F}"/>
               </a:ext>
             </a:extLst>
           </p:cNvPr>
@@ -8308,17 +8546,19 @@
         </p:nvSpPr>
         <p:spPr>
           <a:xfrm>
-            <a:off x="838199" y="1825625"/>
-            <a:ext cx="10609613" cy="4351338"/>
-          </a:xfrm>
-        </p:spPr>
-        <p:txBody>
-          <a:bodyPr/>
+            <a:off x="838200" y="1520687"/>
+            <a:ext cx="10515600" cy="4656276"/>
+          </a:xfrm>
+        </p:spPr>
+        <p:txBody>
+          <a:bodyPr>
+            <a:normAutofit lnSpcReduction="10000"/>
+          </a:bodyPr>
           <a:lstStyle/>
           <a:p>
             <a:r>
               <a:rPr lang="en-US" dirty="0"/>
-              <a:t>Programming is more about design, rather than coding details, but it's much easier to learn programming by actually speaking Python (e.g., we begin learning a foreign language by memorizing a few key phrases like "</a:t>
+              <a:t>Programming is more about problem-solving and design, rather than coding details, but it's much easier to learn programming by actually speaking Python (e.g., we learn a foreign language by memorizing a few key phrases like "</a:t>
             </a:r>
             <a:r>
               <a:rPr lang="en-US" i="1" dirty="0"/>
@@ -8332,15 +8572,33 @@
           <a:p>
             <a:r>
               <a:rPr lang="en-US" dirty="0"/>
-              <a:t>Let's get started by looking at the key pieces we have at our disposal and then we can learn some basic Python and write some simple programs</a:t>
-            </a:r>
+              <a:t>Once we’re conversant in basic Python, it’s time to study some common programming patterns, such as “search a list”</a:t>
+            </a:r>
+          </a:p>
+          <a:p>
+            <a:r>
+              <a:rPr lang="en-US" dirty="0"/>
+              <a:t>The final and most important skill is being able to translate real-world problems into appropriate sequences of operations (which are then straightforward to convert to Python)</a:t>
+            </a:r>
+          </a:p>
+          <a:p>
+            <a:r>
+              <a:rPr lang="en-US" dirty="0"/>
+              <a:t>We’ll learn problem-solving techniques and apply them to lots of sample problems</a:t>
+            </a:r>
+          </a:p>
+          <a:p>
+            <a:endParaRPr lang="en-US" dirty="0"/>
+          </a:p>
+          <a:p>
+            <a:endParaRPr lang="en-US" dirty="0"/>
           </a:p>
         </p:txBody>
       </p:sp>
     </p:spTree>
     <p:extLst>
       <p:ext uri="{BB962C8B-B14F-4D97-AF65-F5344CB8AC3E}">
-        <p14:creationId xmlns:p14="http://schemas.microsoft.com/office/powerpoint/2010/main" val="3286520937"/>
+        <p14:creationId xmlns:p14="http://schemas.microsoft.com/office/powerpoint/2010/main" val="3530917112"/>
       </p:ext>
     </p:extLst>
   </p:cSld>
@@ -8732,6 +8990,41 @@
           </a:prstGeom>
         </p:spPr>
       </p:pic>
+      <p:sp>
+        <p:nvSpPr>
+          <p:cNvPr id="4" name="TextBox 3">
+            <a:extLst>
+              <a:ext uri="{FF2B5EF4-FFF2-40B4-BE49-F238E27FC236}">
+                <a16:creationId xmlns:a16="http://schemas.microsoft.com/office/drawing/2014/main" id="{012AAC9A-EBB9-A245-A8AE-9D0A0C98D631}"/>
+              </a:ext>
+            </a:extLst>
+          </p:cNvPr>
+          <p:cNvSpPr txBox="1"/>
+          <p:nvPr/>
+        </p:nvSpPr>
+        <p:spPr>
+          <a:xfrm>
+            <a:off x="-22677" y="6488668"/>
+            <a:ext cx="5032147" cy="369332"/>
+          </a:xfrm>
+          <a:prstGeom prst="rect">
+            <a:avLst/>
+          </a:prstGeom>
+          <a:noFill/>
+        </p:spPr>
+        <p:txBody>
+          <a:bodyPr wrap="none" rtlCol="0">
+            <a:spAutoFit/>
+          </a:bodyPr>
+          <a:lstStyle/>
+          <a:p>
+            <a:r>
+              <a:rPr lang="en-US" dirty="0"/>
+              <a:t>Anecdote: graphics designer confused by loops</a:t>
+            </a:r>
+          </a:p>
+        </p:txBody>
+      </p:sp>
     </p:spTree>
     <p:extLst>
       <p:ext uri="{BB962C8B-B14F-4D97-AF65-F5344CB8AC3E}">
@@ -9220,7 +9513,10 @@
           <a:bodyPr/>
           <a:lstStyle/>
           <a:p>
-            <a:endParaRPr lang="en-US"/>
+            <a:r>
+              <a:rPr lang="en-US" dirty="0"/>
+              <a:t>Code operates on data, which is stored in memory, so we have to learn about how Python represents data elements in memory</a:t>
+            </a:r>
           </a:p>
         </p:txBody>
       </p:sp>

--- a/slides/intro-programming.pptx
+++ b/slides/intro-programming.pptx
@@ -231,7 +231,7 @@
           <a:p>
             <a:fld id="{8A1B613A-EFF1-404F-BEE8-EFAE84A4E5E2}" type="datetimeFigureOut">
               <a:rPr lang="en-US" smtClean="0"/>
-              <a:t>6/28/21</a:t>
+              <a:t>7/1/21</a:t>
             </a:fld>
             <a:endParaRPr lang="en-US"/>
           </a:p>
@@ -396,7 +396,7 @@
           <a:p>
             <a:fld id="{690847EA-AC25-3D4E-89E1-FD3F6A9702B6}" type="datetimeFigureOut">
               <a:rPr lang="en-US" smtClean="0"/>
-              <a:t>6/28/21</a:t>
+              <a:t>7/1/21</a:t>
             </a:fld>
             <a:endParaRPr lang="en-US"/>
           </a:p>
@@ -810,7 +810,7 @@
           <a:p>
             <a:fld id="{BE5295ED-3BAF-1140-8495-3D368771D6B1}" type="datetimeFigureOut">
               <a:rPr lang="en-US" smtClean="0"/>
-              <a:t>6/28/21</a:t>
+              <a:t>7/1/21</a:t>
             </a:fld>
             <a:endParaRPr lang="en-US"/>
           </a:p>
@@ -1008,7 +1008,7 @@
           <a:p>
             <a:fld id="{BE5295ED-3BAF-1140-8495-3D368771D6B1}" type="datetimeFigureOut">
               <a:rPr lang="en-US" smtClean="0"/>
-              <a:t>6/28/21</a:t>
+              <a:t>7/1/21</a:t>
             </a:fld>
             <a:endParaRPr lang="en-US"/>
           </a:p>
@@ -1216,7 +1216,7 @@
           <a:p>
             <a:fld id="{BE5295ED-3BAF-1140-8495-3D368771D6B1}" type="datetimeFigureOut">
               <a:rPr lang="en-US" smtClean="0"/>
-              <a:t>6/28/21</a:t>
+              <a:t>7/1/21</a:t>
             </a:fld>
             <a:endParaRPr lang="en-US"/>
           </a:p>
@@ -1414,7 +1414,7 @@
           <a:p>
             <a:fld id="{BE5295ED-3BAF-1140-8495-3D368771D6B1}" type="datetimeFigureOut">
               <a:rPr lang="en-US" smtClean="0"/>
-              <a:t>6/28/21</a:t>
+              <a:t>7/1/21</a:t>
             </a:fld>
             <a:endParaRPr lang="en-US"/>
           </a:p>
@@ -1689,7 +1689,7 @@
           <a:p>
             <a:fld id="{BE5295ED-3BAF-1140-8495-3D368771D6B1}" type="datetimeFigureOut">
               <a:rPr lang="en-US" smtClean="0"/>
-              <a:t>6/28/21</a:t>
+              <a:t>7/1/21</a:t>
             </a:fld>
             <a:endParaRPr lang="en-US"/>
           </a:p>
@@ -1954,7 +1954,7 @@
           <a:p>
             <a:fld id="{BE5295ED-3BAF-1140-8495-3D368771D6B1}" type="datetimeFigureOut">
               <a:rPr lang="en-US" smtClean="0"/>
-              <a:t>6/28/21</a:t>
+              <a:t>7/1/21</a:t>
             </a:fld>
             <a:endParaRPr lang="en-US"/>
           </a:p>
@@ -2366,7 +2366,7 @@
           <a:p>
             <a:fld id="{BE5295ED-3BAF-1140-8495-3D368771D6B1}" type="datetimeFigureOut">
               <a:rPr lang="en-US" smtClean="0"/>
-              <a:t>6/28/21</a:t>
+              <a:t>7/1/21</a:t>
             </a:fld>
             <a:endParaRPr lang="en-US"/>
           </a:p>
@@ -2507,7 +2507,7 @@
           <a:p>
             <a:fld id="{BE5295ED-3BAF-1140-8495-3D368771D6B1}" type="datetimeFigureOut">
               <a:rPr lang="en-US" smtClean="0"/>
-              <a:t>6/28/21</a:t>
+              <a:t>7/1/21</a:t>
             </a:fld>
             <a:endParaRPr lang="en-US"/>
           </a:p>
@@ -2620,7 +2620,7 @@
           <a:p>
             <a:fld id="{BE5295ED-3BAF-1140-8495-3D368771D6B1}" type="datetimeFigureOut">
               <a:rPr lang="en-US" smtClean="0"/>
-              <a:t>6/28/21</a:t>
+              <a:t>7/1/21</a:t>
             </a:fld>
             <a:endParaRPr lang="en-US"/>
           </a:p>
@@ -2931,7 +2931,7 @@
           <a:p>
             <a:fld id="{BE5295ED-3BAF-1140-8495-3D368771D6B1}" type="datetimeFigureOut">
               <a:rPr lang="en-US" smtClean="0"/>
-              <a:t>6/28/21</a:t>
+              <a:t>7/1/21</a:t>
             </a:fld>
             <a:endParaRPr lang="en-US"/>
           </a:p>
@@ -3222,7 +3222,7 @@
           <a:p>
             <a:fld id="{BE5295ED-3BAF-1140-8495-3D368771D6B1}" type="datetimeFigureOut">
               <a:rPr lang="en-US" smtClean="0"/>
-              <a:t>6/28/21</a:t>
+              <a:t>7/1/21</a:t>
             </a:fld>
             <a:endParaRPr lang="en-US"/>
           </a:p>
@@ -3463,7 +3463,7 @@
           <a:p>
             <a:fld id="{BE5295ED-3BAF-1140-8495-3D368771D6B1}" type="datetimeFigureOut">
               <a:rPr lang="en-US" smtClean="0"/>
-              <a:t>6/28/21</a:t>
+              <a:t>7/1/21</a:t>
             </a:fld>
             <a:endParaRPr lang="en-US"/>
           </a:p>
@@ -4081,8 +4081,8 @@
           </a:p>
         </p:txBody>
       </p:sp>
-      <mc:AlternateContent xmlns:mc="http://schemas.openxmlformats.org/markup-compatibility/2006">
-        <mc:Choice xmlns:a14="http://schemas.microsoft.com/office/drawing/2010/main" Requires="a14">
+      <mc:AlternateContent xmlns:mc="http://schemas.openxmlformats.org/markup-compatibility/2006" xmlns:a14="http://schemas.microsoft.com/office/drawing/2010/main">
+        <mc:Choice Requires="a14">
           <p:sp>
             <p:nvSpPr>
               <p:cNvPr id="3" name="Content Placeholder 2">
@@ -4270,7 +4270,7 @@
             </p:txBody>
           </p:sp>
         </mc:Choice>
-        <mc:Fallback>
+        <mc:Fallback xmlns="">
           <p:sp>
             <p:nvSpPr>
               <p:cNvPr id="3" name="Content Placeholder 2">
@@ -8558,7 +8558,7 @@
           <a:p>
             <a:r>
               <a:rPr lang="en-US" dirty="0"/>
-              <a:t>Programming is more about problem-solving and design, rather than coding details, but it's much easier to learn programming by actually speaking Python (e.g., we learn a foreign language by memorizing a few key phrases like "</a:t>
+              <a:t>While programming is more about problem-solving and design, rather than coding details, it's much easier to learn programming by actually speaking some Python (e.g., we learn a foreign language by memorizing a few key phrases like "</a:t>
             </a:r>
             <a:r>
               <a:rPr lang="en-US" i="1" dirty="0"/>

--- a/slides/intro-programming.pptx
+++ b/slides/intro-programming.pptx
@@ -5,10 +5,10 @@
     <p:sldMasterId id="2147483672" r:id="rId1"/>
   </p:sldMasterIdLst>
   <p:notesMasterIdLst>
-    <p:notesMasterId r:id="rId28"/>
+    <p:notesMasterId r:id="rId29"/>
   </p:notesMasterIdLst>
   <p:handoutMasterIdLst>
-    <p:handoutMasterId r:id="rId29"/>
+    <p:handoutMasterId r:id="rId30"/>
   </p:handoutMasterIdLst>
   <p:sldIdLst>
     <p:sldId id="256" r:id="rId2"/>
@@ -22,21 +22,22 @@
     <p:sldId id="310" r:id="rId10"/>
     <p:sldId id="297" r:id="rId11"/>
     <p:sldId id="298" r:id="rId12"/>
-    <p:sldId id="299" r:id="rId13"/>
-    <p:sldId id="300" r:id="rId14"/>
-    <p:sldId id="301" r:id="rId15"/>
-    <p:sldId id="302" r:id="rId16"/>
-    <p:sldId id="303" r:id="rId17"/>
-    <p:sldId id="315" r:id="rId18"/>
-    <p:sldId id="316" r:id="rId19"/>
-    <p:sldId id="312" r:id="rId20"/>
-    <p:sldId id="313" r:id="rId21"/>
-    <p:sldId id="314" r:id="rId22"/>
-    <p:sldId id="309" r:id="rId23"/>
-    <p:sldId id="305" r:id="rId24"/>
-    <p:sldId id="304" r:id="rId25"/>
-    <p:sldId id="306" r:id="rId26"/>
-    <p:sldId id="307" r:id="rId27"/>
+    <p:sldId id="318" r:id="rId13"/>
+    <p:sldId id="299" r:id="rId14"/>
+    <p:sldId id="300" r:id="rId15"/>
+    <p:sldId id="301" r:id="rId16"/>
+    <p:sldId id="302" r:id="rId17"/>
+    <p:sldId id="303" r:id="rId18"/>
+    <p:sldId id="315" r:id="rId19"/>
+    <p:sldId id="316" r:id="rId20"/>
+    <p:sldId id="312" r:id="rId21"/>
+    <p:sldId id="313" r:id="rId22"/>
+    <p:sldId id="314" r:id="rId23"/>
+    <p:sldId id="309" r:id="rId24"/>
+    <p:sldId id="305" r:id="rId25"/>
+    <p:sldId id="304" r:id="rId26"/>
+    <p:sldId id="306" r:id="rId27"/>
+    <p:sldId id="307" r:id="rId28"/>
   </p:sldIdLst>
   <p:sldSz cx="12192000" cy="6858000"/>
   <p:notesSz cx="9144000" cy="6858000"/>
@@ -231,7 +232,7 @@
           <a:p>
             <a:fld id="{8A1B613A-EFF1-404F-BEE8-EFAE84A4E5E2}" type="datetimeFigureOut">
               <a:rPr lang="en-US" smtClean="0"/>
-              <a:t>7/1/21</a:t>
+              <a:t>7/13/21</a:t>
             </a:fld>
             <a:endParaRPr lang="en-US"/>
           </a:p>
@@ -396,7 +397,7 @@
           <a:p>
             <a:fld id="{690847EA-AC25-3D4E-89E1-FD3F6A9702B6}" type="datetimeFigureOut">
               <a:rPr lang="en-US" smtClean="0"/>
-              <a:t>7/1/21</a:t>
+              <a:t>7/13/21</a:t>
             </a:fld>
             <a:endParaRPr lang="en-US"/>
           </a:p>
@@ -810,7 +811,7 @@
           <a:p>
             <a:fld id="{BE5295ED-3BAF-1140-8495-3D368771D6B1}" type="datetimeFigureOut">
               <a:rPr lang="en-US" smtClean="0"/>
-              <a:t>7/1/21</a:t>
+              <a:t>7/13/21</a:t>
             </a:fld>
             <a:endParaRPr lang="en-US"/>
           </a:p>
@@ -1008,7 +1009,7 @@
           <a:p>
             <a:fld id="{BE5295ED-3BAF-1140-8495-3D368771D6B1}" type="datetimeFigureOut">
               <a:rPr lang="en-US" smtClean="0"/>
-              <a:t>7/1/21</a:t>
+              <a:t>7/13/21</a:t>
             </a:fld>
             <a:endParaRPr lang="en-US"/>
           </a:p>
@@ -1216,7 +1217,7 @@
           <a:p>
             <a:fld id="{BE5295ED-3BAF-1140-8495-3D368771D6B1}" type="datetimeFigureOut">
               <a:rPr lang="en-US" smtClean="0"/>
-              <a:t>7/1/21</a:t>
+              <a:t>7/13/21</a:t>
             </a:fld>
             <a:endParaRPr lang="en-US"/>
           </a:p>
@@ -1414,7 +1415,7 @@
           <a:p>
             <a:fld id="{BE5295ED-3BAF-1140-8495-3D368771D6B1}" type="datetimeFigureOut">
               <a:rPr lang="en-US" smtClean="0"/>
-              <a:t>7/1/21</a:t>
+              <a:t>7/13/21</a:t>
             </a:fld>
             <a:endParaRPr lang="en-US"/>
           </a:p>
@@ -1689,7 +1690,7 @@
           <a:p>
             <a:fld id="{BE5295ED-3BAF-1140-8495-3D368771D6B1}" type="datetimeFigureOut">
               <a:rPr lang="en-US" smtClean="0"/>
-              <a:t>7/1/21</a:t>
+              <a:t>7/13/21</a:t>
             </a:fld>
             <a:endParaRPr lang="en-US"/>
           </a:p>
@@ -1954,7 +1955,7 @@
           <a:p>
             <a:fld id="{BE5295ED-3BAF-1140-8495-3D368771D6B1}" type="datetimeFigureOut">
               <a:rPr lang="en-US" smtClean="0"/>
-              <a:t>7/1/21</a:t>
+              <a:t>7/13/21</a:t>
             </a:fld>
             <a:endParaRPr lang="en-US"/>
           </a:p>
@@ -2366,7 +2367,7 @@
           <a:p>
             <a:fld id="{BE5295ED-3BAF-1140-8495-3D368771D6B1}" type="datetimeFigureOut">
               <a:rPr lang="en-US" smtClean="0"/>
-              <a:t>7/1/21</a:t>
+              <a:t>7/13/21</a:t>
             </a:fld>
             <a:endParaRPr lang="en-US"/>
           </a:p>
@@ -2507,7 +2508,7 @@
           <a:p>
             <a:fld id="{BE5295ED-3BAF-1140-8495-3D368771D6B1}" type="datetimeFigureOut">
               <a:rPr lang="en-US" smtClean="0"/>
-              <a:t>7/1/21</a:t>
+              <a:t>7/13/21</a:t>
             </a:fld>
             <a:endParaRPr lang="en-US"/>
           </a:p>
@@ -2620,7 +2621,7 @@
           <a:p>
             <a:fld id="{BE5295ED-3BAF-1140-8495-3D368771D6B1}" type="datetimeFigureOut">
               <a:rPr lang="en-US" smtClean="0"/>
-              <a:t>7/1/21</a:t>
+              <a:t>7/13/21</a:t>
             </a:fld>
             <a:endParaRPr lang="en-US"/>
           </a:p>
@@ -2931,7 +2932,7 @@
           <a:p>
             <a:fld id="{BE5295ED-3BAF-1140-8495-3D368771D6B1}" type="datetimeFigureOut">
               <a:rPr lang="en-US" smtClean="0"/>
-              <a:t>7/1/21</a:t>
+              <a:t>7/13/21</a:t>
             </a:fld>
             <a:endParaRPr lang="en-US"/>
           </a:p>
@@ -3222,7 +3223,7 @@
           <a:p>
             <a:fld id="{BE5295ED-3BAF-1140-8495-3D368771D6B1}" type="datetimeFigureOut">
               <a:rPr lang="en-US" smtClean="0"/>
-              <a:t>7/1/21</a:t>
+              <a:t>7/13/21</a:t>
             </a:fld>
             <a:endParaRPr lang="en-US"/>
           </a:p>
@@ -3463,7 +3464,7 @@
           <a:p>
             <a:fld id="{BE5295ED-3BAF-1140-8495-3D368771D6B1}" type="datetimeFigureOut">
               <a:rPr lang="en-US" smtClean="0"/>
-              <a:t>7/1/21</a:t>
+              <a:t>7/13/21</a:t>
             </a:fld>
             <a:endParaRPr lang="en-US"/>
           </a:p>
@@ -4466,8 +4467,8 @@
           </a:p>
         </p:txBody>
       </p:sp>
-      <mc:AlternateContent xmlns:mc="http://schemas.openxmlformats.org/markup-compatibility/2006" xmlns:a14="http://schemas.microsoft.com/office/drawing/2010/main">
-        <mc:Choice Requires="a14">
+      <mc:AlternateContent xmlns:mc="http://schemas.openxmlformats.org/markup-compatibility/2006">
+        <mc:Choice xmlns:a14="http://schemas.microsoft.com/office/drawing/2010/main" Requires="a14">
           <p:sp>
             <p:nvSpPr>
               <p:cNvPr id="3" name="Content Placeholder 2">
@@ -4486,7 +4487,9 @@
             </p:nvSpPr>
             <p:spPr/>
             <p:txBody>
-              <a:bodyPr/>
+              <a:bodyPr>
+                <a:normAutofit/>
+              </a:bodyPr>
               <a:lstStyle/>
               <a:p>
                 <a:r>
@@ -4699,16 +4702,10 @@
                   <a:t>= 1,000,000,000,000</a:t>
                 </a:r>
               </a:p>
-              <a:p>
-                <a:r>
-                  <a:rPr lang="en-US" dirty="0"/>
-                  <a:t>On an 80 megabits/second network you can transfer 10 megabytes/second; 100M file transmits then in 10 seconds</a:t>
-                </a:r>
-              </a:p>
             </p:txBody>
           </p:sp>
         </mc:Choice>
-        <mc:Fallback xmlns="">
+        <mc:Fallback>
           <p:sp>
             <p:nvSpPr>
               <p:cNvPr id="3" name="Content Placeholder 2">
@@ -4783,6 +4780,169 @@
           <p:cNvPr id="2" name="Title 1">
             <a:extLst>
               <a:ext uri="{FF2B5EF4-FFF2-40B4-BE49-F238E27FC236}">
+                <a16:creationId xmlns:a16="http://schemas.microsoft.com/office/drawing/2014/main" id="{C24DF1C8-725A-6348-B9F3-D50DA63C0281}"/>
+              </a:ext>
+            </a:extLst>
+          </p:cNvPr>
+          <p:cNvSpPr>
+            <a:spLocks noGrp="1"/>
+          </p:cNvSpPr>
+          <p:nvPr>
+            <p:ph type="title"/>
+          </p:nvPr>
+        </p:nvSpPr>
+        <p:spPr/>
+        <p:txBody>
+          <a:bodyPr/>
+          <a:lstStyle/>
+          <a:p>
+            <a:r>
+              <a:rPr lang="en-US" dirty="0"/>
+              <a:t>Let the units be your guide</a:t>
+            </a:r>
+          </a:p>
+        </p:txBody>
+      </p:sp>
+      <p:sp>
+        <p:nvSpPr>
+          <p:cNvPr id="3" name="Content Placeholder 2">
+            <a:extLst>
+              <a:ext uri="{FF2B5EF4-FFF2-40B4-BE49-F238E27FC236}">
+                <a16:creationId xmlns:a16="http://schemas.microsoft.com/office/drawing/2014/main" id="{41A6537C-CE1C-EE4E-A32C-6A6B28459468}"/>
+              </a:ext>
+            </a:extLst>
+          </p:cNvPr>
+          <p:cNvSpPr>
+            <a:spLocks noGrp="1"/>
+          </p:cNvSpPr>
+          <p:nvPr>
+            <p:ph idx="1"/>
+          </p:nvPr>
+        </p:nvSpPr>
+        <p:spPr/>
+        <p:txBody>
+          <a:bodyPr>
+            <a:normAutofit/>
+          </a:bodyPr>
+          <a:lstStyle/>
+          <a:p>
+            <a:r>
+              <a:rPr lang="en-US" dirty="0"/>
+              <a:t>On an 80 megabits/second network you can transfer 10 megabytes/second because there are 8 bits/byte</a:t>
+            </a:r>
+          </a:p>
+          <a:p>
+            <a:endParaRPr lang="en-US" dirty="0"/>
+          </a:p>
+          <a:p>
+            <a:endParaRPr lang="en-US" dirty="0"/>
+          </a:p>
+          <a:p>
+            <a:endParaRPr lang="en-US" dirty="0"/>
+          </a:p>
+          <a:p>
+            <a:r>
+              <a:rPr lang="en-US" dirty="0"/>
+              <a:t>So, a 100Mbyte file transmits in 10 seconds</a:t>
+            </a:r>
+          </a:p>
+        </p:txBody>
+      </p:sp>
+      <p:pic>
+        <p:nvPicPr>
+          <p:cNvPr id="5" name="Picture 4" descr="A picture containing text&#10;&#10;Description automatically generated">
+            <a:extLst>
+              <a:ext uri="{FF2B5EF4-FFF2-40B4-BE49-F238E27FC236}">
+                <a16:creationId xmlns:a16="http://schemas.microsoft.com/office/drawing/2014/main" id="{950A1618-A788-A64F-9B4E-3EB7B2AFBBD7}"/>
+              </a:ext>
+            </a:extLst>
+          </p:cNvPr>
+          <p:cNvPicPr>
+            <a:picLocks noChangeAspect="1"/>
+          </p:cNvPicPr>
+          <p:nvPr/>
+        </p:nvPicPr>
+        <p:blipFill>
+          <a:blip r:embed="rId2"/>
+          <a:stretch>
+            <a:fillRect/>
+          </a:stretch>
+        </p:blipFill>
+        <p:spPr>
+          <a:xfrm>
+            <a:off x="2191512" y="2732532"/>
+            <a:ext cx="7750744" cy="1278636"/>
+          </a:xfrm>
+          <a:prstGeom prst="rect">
+            <a:avLst/>
+          </a:prstGeom>
+        </p:spPr>
+      </p:pic>
+      <p:pic>
+        <p:nvPicPr>
+          <p:cNvPr id="6" name="Picture 5" descr="Table&#10;&#10;Description automatically generated with medium confidence">
+            <a:extLst>
+              <a:ext uri="{FF2B5EF4-FFF2-40B4-BE49-F238E27FC236}">
+                <a16:creationId xmlns:a16="http://schemas.microsoft.com/office/drawing/2014/main" id="{95E4F690-8A67-7C49-8893-179B3B6EB679}"/>
+              </a:ext>
+            </a:extLst>
+          </p:cNvPr>
+          <p:cNvPicPr>
+            <a:picLocks noChangeAspect="1"/>
+          </p:cNvPicPr>
+          <p:nvPr/>
+        </p:nvPicPr>
+        <p:blipFill>
+          <a:blip r:embed="rId3"/>
+          <a:stretch>
+            <a:fillRect/>
+          </a:stretch>
+        </p:blipFill>
+        <p:spPr>
+          <a:xfrm>
+            <a:off x="4130802" y="4918075"/>
+            <a:ext cx="3565872" cy="1093534"/>
+          </a:xfrm>
+          <a:prstGeom prst="rect">
+            <a:avLst/>
+          </a:prstGeom>
+        </p:spPr>
+      </p:pic>
+    </p:spTree>
+    <p:extLst>
+      <p:ext uri="{BB962C8B-B14F-4D97-AF65-F5344CB8AC3E}">
+        <p14:creationId xmlns:p14="http://schemas.microsoft.com/office/powerpoint/2010/main" val="3441992537"/>
+      </p:ext>
+    </p:extLst>
+  </p:cSld>
+  <p:clrMapOvr>
+    <a:masterClrMapping/>
+  </p:clrMapOvr>
+</p:sld>
+</file>
+
+<file path=ppt/slides/slide13.xml><?xml version="1.0" encoding="utf-8"?>
+<p:sld xmlns:a="http://schemas.openxmlformats.org/drawingml/2006/main" xmlns:r="http://schemas.openxmlformats.org/officeDocument/2006/relationships" xmlns:p="http://schemas.openxmlformats.org/presentationml/2006/main">
+  <p:cSld>
+    <p:spTree>
+      <p:nvGrpSpPr>
+        <p:cNvPr id="1" name=""/>
+        <p:cNvGrpSpPr/>
+        <p:nvPr/>
+      </p:nvGrpSpPr>
+      <p:grpSpPr>
+        <a:xfrm>
+          <a:off x="0" y="0"/>
+          <a:ext cx="0" cy="0"/>
+          <a:chOff x="0" y="0"/>
+          <a:chExt cx="0" cy="0"/>
+        </a:xfrm>
+      </p:grpSpPr>
+      <p:sp>
+        <p:nvSpPr>
+          <p:cNvPr id="2" name="Title 1">
+            <a:extLst>
+              <a:ext uri="{FF2B5EF4-FFF2-40B4-BE49-F238E27FC236}">
                 <a16:creationId xmlns:a16="http://schemas.microsoft.com/office/drawing/2014/main" id="{798830FE-33B5-8D47-9458-384B38DE602A}"/>
               </a:ext>
             </a:extLst>
@@ -5195,7 +5355,7 @@
 </p:sld>
 </file>
 
-<file path=ppt/slides/slide13.xml><?xml version="1.0" encoding="utf-8"?>
+<file path=ppt/slides/slide14.xml><?xml version="1.0" encoding="utf-8"?>
 <p:sld xmlns:a="http://schemas.openxmlformats.org/drawingml/2006/main" xmlns:r="http://schemas.openxmlformats.org/officeDocument/2006/relationships" xmlns:p="http://schemas.openxmlformats.org/presentationml/2006/main">
   <p:cSld>
     <p:spTree>
@@ -5441,147 +5601,6 @@
     <p:extLst>
       <p:ext uri="{BB962C8B-B14F-4D97-AF65-F5344CB8AC3E}">
         <p14:creationId xmlns:p14="http://schemas.microsoft.com/office/powerpoint/2010/main" val="1161438443"/>
-      </p:ext>
-    </p:extLst>
-  </p:cSld>
-  <p:clrMapOvr>
-    <a:masterClrMapping/>
-  </p:clrMapOvr>
-</p:sld>
-</file>
-
-<file path=ppt/slides/slide14.xml><?xml version="1.0" encoding="utf-8"?>
-<p:sld xmlns:a="http://schemas.openxmlformats.org/drawingml/2006/main" xmlns:r="http://schemas.openxmlformats.org/officeDocument/2006/relationships" xmlns:p="http://schemas.openxmlformats.org/presentationml/2006/main">
-  <p:cSld>
-    <p:spTree>
-      <p:nvGrpSpPr>
-        <p:cNvPr id="1" name=""/>
-        <p:cNvGrpSpPr/>
-        <p:nvPr/>
-      </p:nvGrpSpPr>
-      <p:grpSpPr>
-        <a:xfrm>
-          <a:off x="0" y="0"/>
-          <a:ext cx="0" cy="0"/>
-          <a:chOff x="0" y="0"/>
-          <a:chExt cx="0" cy="0"/>
-        </a:xfrm>
-      </p:grpSpPr>
-      <p:sp>
-        <p:nvSpPr>
-          <p:cNvPr id="2" name="Title 1">
-            <a:extLst>
-              <a:ext uri="{FF2B5EF4-FFF2-40B4-BE49-F238E27FC236}">
-                <a16:creationId xmlns:a16="http://schemas.microsoft.com/office/drawing/2014/main" id="{77C4F36A-FFD1-4741-A43D-9A6F79FAE144}"/>
-              </a:ext>
-            </a:extLst>
-          </p:cNvPr>
-          <p:cNvSpPr>
-            <a:spLocks noGrp="1"/>
-          </p:cNvSpPr>
-          <p:nvPr>
-            <p:ph type="title"/>
-          </p:nvPr>
-        </p:nvSpPr>
-        <p:spPr/>
-        <p:txBody>
-          <a:bodyPr/>
-          <a:lstStyle/>
-          <a:p>
-            <a:r>
-              <a:rPr lang="en-US" dirty="0" err="1"/>
-              <a:t>Hetergeneous</a:t>
-            </a:r>
-            <a:r>
-              <a:rPr lang="en-US" dirty="0"/>
-              <a:t> lists</a:t>
-            </a:r>
-          </a:p>
-        </p:txBody>
-      </p:sp>
-      <p:sp>
-        <p:nvSpPr>
-          <p:cNvPr id="7" name="Content Placeholder 6">
-            <a:extLst>
-              <a:ext uri="{FF2B5EF4-FFF2-40B4-BE49-F238E27FC236}">
-                <a16:creationId xmlns:a16="http://schemas.microsoft.com/office/drawing/2014/main" id="{C49A08E7-54B3-B149-977B-23712119B5D5}"/>
-              </a:ext>
-            </a:extLst>
-          </p:cNvPr>
-          <p:cNvSpPr>
-            <a:spLocks noGrp="1"/>
-          </p:cNvSpPr>
-          <p:nvPr>
-            <p:ph idx="1"/>
-          </p:nvPr>
-        </p:nvSpPr>
-        <p:spPr/>
-        <p:txBody>
-          <a:bodyPr/>
-          <a:lstStyle/>
-          <a:p>
-            <a:r>
-              <a:rPr lang="en-US" dirty="0"/>
-              <a:t>Elements can have different types:</a:t>
-            </a:r>
-          </a:p>
-          <a:p>
-            <a:endParaRPr lang="en-US" dirty="0"/>
-          </a:p>
-          <a:p>
-            <a:endParaRPr lang="en-US" dirty="0"/>
-          </a:p>
-          <a:p>
-            <a:endParaRPr lang="en-US" dirty="0"/>
-          </a:p>
-          <a:p>
-            <a:endParaRPr lang="en-US" dirty="0"/>
-          </a:p>
-          <a:p>
-            <a:endParaRPr lang="en-US" dirty="0"/>
-          </a:p>
-          <a:p>
-            <a:r>
-              <a:rPr lang="en-US" dirty="0"/>
-              <a:t>Heterogeneous lists can be used to group bits of information about a particular entity or observation</a:t>
-            </a:r>
-          </a:p>
-        </p:txBody>
-      </p:sp>
-      <p:pic>
-        <p:nvPicPr>
-          <p:cNvPr id="8" name="Content Placeholder 4">
-            <a:extLst>
-              <a:ext uri="{FF2B5EF4-FFF2-40B4-BE49-F238E27FC236}">
-                <a16:creationId xmlns:a16="http://schemas.microsoft.com/office/drawing/2014/main" id="{4B9C5DA9-9FD9-EB4C-ACED-0B5B62330BBA}"/>
-              </a:ext>
-            </a:extLst>
-          </p:cNvPr>
-          <p:cNvPicPr>
-            <a:picLocks noChangeAspect="1"/>
-          </p:cNvPicPr>
-          <p:nvPr/>
-        </p:nvPicPr>
-        <p:blipFill>
-          <a:blip r:embed="rId2"/>
-          <a:stretch>
-            <a:fillRect/>
-          </a:stretch>
-        </p:blipFill>
-        <p:spPr>
-          <a:xfrm>
-            <a:off x="1671005" y="2609088"/>
-            <a:ext cx="8263189" cy="2054384"/>
-          </a:xfrm>
-          <a:prstGeom prst="rect">
-            <a:avLst/>
-          </a:prstGeom>
-        </p:spPr>
-      </p:pic>
-    </p:spTree>
-    <p:extLst>
-      <p:ext uri="{BB962C8B-B14F-4D97-AF65-F5344CB8AC3E}">
-        <p14:creationId xmlns:p14="http://schemas.microsoft.com/office/powerpoint/2010/main" val="1831219805"/>
       </p:ext>
     </p:extLst>
   </p:cSld>
@@ -5613,7 +5632,7 @@
           <p:cNvPr id="2" name="Title 1">
             <a:extLst>
               <a:ext uri="{FF2B5EF4-FFF2-40B4-BE49-F238E27FC236}">
-                <a16:creationId xmlns:a16="http://schemas.microsoft.com/office/drawing/2014/main" id="{C4F380A3-EAB5-574C-A8AF-B625CADD6C6B}"/>
+                <a16:creationId xmlns:a16="http://schemas.microsoft.com/office/drawing/2014/main" id="{77C4F36A-FFD1-4741-A43D-9A6F79FAE144}"/>
               </a:ext>
             </a:extLst>
           </p:cNvPr>
@@ -5631,7 +5650,7 @@
           <a:p>
             <a:r>
               <a:rPr lang="en-US" dirty="0"/>
-              <a:t>List of lists</a:t>
+              <a:t>Heterogeneous lists</a:t>
             </a:r>
           </a:p>
         </p:txBody>
@@ -5641,7 +5660,7 @@
           <p:cNvPr id="7" name="Content Placeholder 6">
             <a:extLst>
               <a:ext uri="{FF2B5EF4-FFF2-40B4-BE49-F238E27FC236}">
-                <a16:creationId xmlns:a16="http://schemas.microsoft.com/office/drawing/2014/main" id="{D7F14C5A-DC4D-2C4A-88B4-AD839821BB04}"/>
+                <a16:creationId xmlns:a16="http://schemas.microsoft.com/office/drawing/2014/main" id="{C49A08E7-54B3-B149-977B-23712119B5D5}"/>
               </a:ext>
             </a:extLst>
           </p:cNvPr>
@@ -5659,44 +5678,29 @@
           <a:p>
             <a:r>
               <a:rPr lang="en-US" dirty="0"/>
-              <a:t>In this case, the outer list is a list of</a:t>
-            </a:r>
-            <a:br>
+              <a:t>Elements can have different types:</a:t>
+            </a:r>
+          </a:p>
+          <a:p>
+            <a:endParaRPr lang="en-US" dirty="0"/>
+          </a:p>
+          <a:p>
+            <a:endParaRPr lang="en-US" dirty="0"/>
+          </a:p>
+          <a:p>
+            <a:endParaRPr lang="en-US" dirty="0"/>
+          </a:p>
+          <a:p>
+            <a:endParaRPr lang="en-US" dirty="0"/>
+          </a:p>
+          <a:p>
+            <a:endParaRPr lang="en-US" dirty="0"/>
+          </a:p>
+          <a:p>
+            <a:r>
               <a:rPr lang="en-US" dirty="0"/>
-            </a:br>
-            <a:r>
-              <a:rPr lang="en-US" dirty="0"/>
-              <a:t>elements that happen to be lists also;</a:t>
-            </a:r>
-            <a:br>
-              <a:rPr lang="en-US" dirty="0"/>
-            </a:br>
-            <a:r>
-              <a:rPr lang="en-US" dirty="0"/>
-              <a:t>each of the inner lists has two elements</a:t>
-            </a:r>
-            <a:br>
-              <a:rPr lang="en-US" dirty="0"/>
-            </a:br>
-            <a:r>
-              <a:rPr lang="en-US" dirty="0"/>
-              <a:t>representing a record of information</a:t>
-            </a:r>
-          </a:p>
-          <a:p>
-            <a:r>
-              <a:rPr lang="en-US" dirty="0">
-                <a:hlinkClick r:id="rId2"/>
-              </a:rPr>
-              <a:t>experiment via </a:t>
-            </a:r>
-            <a:r>
-              <a:rPr lang="en-US" dirty="0" err="1">
-                <a:hlinkClick r:id="rId2"/>
-              </a:rPr>
-              <a:t>pythontutor</a:t>
-            </a:r>
-            <a:endParaRPr lang="en-US" dirty="0"/>
+              <a:t>Heterogeneous lists can be used to group bits of information about a particular entity or observation</a:t>
+            </a:r>
           </a:p>
         </p:txBody>
       </p:sp>
@@ -5705,7 +5709,7 @@
           <p:cNvPr id="8" name="Content Placeholder 4">
             <a:extLst>
               <a:ext uri="{FF2B5EF4-FFF2-40B4-BE49-F238E27FC236}">
-                <a16:creationId xmlns:a16="http://schemas.microsoft.com/office/drawing/2014/main" id="{CD70073D-D8CC-D742-B4C2-DC044C3C894D}"/>
+                <a16:creationId xmlns:a16="http://schemas.microsoft.com/office/drawing/2014/main" id="{4B9C5DA9-9FD9-EB4C-ACED-0B5B62330BBA}"/>
               </a:ext>
             </a:extLst>
           </p:cNvPr>
@@ -5715,15 +5719,15 @@
           <p:nvPr/>
         </p:nvPicPr>
         <p:blipFill>
-          <a:blip r:embed="rId3"/>
+          <a:blip r:embed="rId2"/>
           <a:stretch>
             <a:fillRect/>
           </a:stretch>
         </p:blipFill>
         <p:spPr>
           <a:xfrm>
-            <a:off x="7574788" y="1423289"/>
-            <a:ext cx="3479800" cy="3822700"/>
+            <a:off x="1671005" y="2609088"/>
+            <a:ext cx="8263189" cy="2054384"/>
           </a:xfrm>
           <a:prstGeom prst="rect">
             <a:avLst/>
@@ -5733,7 +5737,7 @@
     </p:spTree>
     <p:extLst>
       <p:ext uri="{BB962C8B-B14F-4D97-AF65-F5344CB8AC3E}">
-        <p14:creationId xmlns:p14="http://schemas.microsoft.com/office/powerpoint/2010/main" val="2621948127"/>
+        <p14:creationId xmlns:p14="http://schemas.microsoft.com/office/powerpoint/2010/main" val="1831219805"/>
       </p:ext>
     </p:extLst>
   </p:cSld>
@@ -5765,7 +5769,7 @@
           <p:cNvPr id="2" name="Title 1">
             <a:extLst>
               <a:ext uri="{FF2B5EF4-FFF2-40B4-BE49-F238E27FC236}">
-                <a16:creationId xmlns:a16="http://schemas.microsoft.com/office/drawing/2014/main" id="{AE916A3A-C17A-9E42-B44B-C42FB5B9E890}"/>
+                <a16:creationId xmlns:a16="http://schemas.microsoft.com/office/drawing/2014/main" id="{C4F380A3-EAB5-574C-A8AF-B625CADD6C6B}"/>
               </a:ext>
             </a:extLst>
           </p:cNvPr>
@@ -5783,7 +5787,7 @@
           <a:p>
             <a:r>
               <a:rPr lang="en-US" dirty="0"/>
-              <a:t>Matrices as lists of lists</a:t>
+              <a:t>List of lists</a:t>
             </a:r>
           </a:p>
         </p:txBody>
@@ -5793,7 +5797,7 @@
           <p:cNvPr id="7" name="Content Placeholder 6">
             <a:extLst>
               <a:ext uri="{FF2B5EF4-FFF2-40B4-BE49-F238E27FC236}">
-                <a16:creationId xmlns:a16="http://schemas.microsoft.com/office/drawing/2014/main" id="{B7FEFCF2-E9AE-9245-BF10-EC0BA1DE7BF8}"/>
+                <a16:creationId xmlns:a16="http://schemas.microsoft.com/office/drawing/2014/main" id="{D7F14C5A-DC4D-2C4A-88B4-AD839821BB04}"/>
               </a:ext>
             </a:extLst>
           </p:cNvPr>
@@ -5811,14 +5815,38 @@
           <a:p>
             <a:r>
               <a:rPr lang="en-US" dirty="0"/>
-              <a:t>A matrix is a list of rows; a row is a list of numbers</a:t>
-            </a:r>
-          </a:p>
-          <a:p>
-            <a:r>
+              <a:t>In this case, the outer list is a list of</a:t>
+            </a:r>
+            <a:br>
               <a:rPr lang="en-US" dirty="0"/>
-              <a:t>We think of it like this:</a:t>
-            </a:r>
+            </a:br>
+            <a:r>
+              <a:rPr lang="en-US" dirty="0"/>
+              <a:t>elements that happen to be lists also;</a:t>
+            </a:r>
+            <a:br>
+              <a:rPr lang="en-US" dirty="0"/>
+            </a:br>
+            <a:r>
+              <a:rPr lang="en-US" dirty="0"/>
+              <a:t>each of the inner lists has two elements</a:t>
+            </a:r>
+            <a:br>
+              <a:rPr lang="en-US" dirty="0"/>
+            </a:br>
+            <a:r>
+              <a:rPr lang="en-US" dirty="0"/>
+              <a:t>representing a record of information</a:t>
+            </a:r>
+          </a:p>
+          <a:p>
+            <a:r>
+              <a:rPr lang="en-US" dirty="0">
+                <a:hlinkClick r:id="rId2"/>
+              </a:rPr>
+              <a:t>experiment via pythontutor</a:t>
+            </a:r>
+            <a:endParaRPr lang="en-US" dirty="0"/>
           </a:p>
         </p:txBody>
       </p:sp>
@@ -5827,37 +5855,7 @@
           <p:cNvPr id="8" name="Content Placeholder 4">
             <a:extLst>
               <a:ext uri="{FF2B5EF4-FFF2-40B4-BE49-F238E27FC236}">
-                <a16:creationId xmlns:a16="http://schemas.microsoft.com/office/drawing/2014/main" id="{8A31F7A1-EA7A-264A-AB05-EF72FEE9CA7D}"/>
-              </a:ext>
-            </a:extLst>
-          </p:cNvPr>
-          <p:cNvPicPr>
-            <a:picLocks noChangeAspect="1"/>
-          </p:cNvPicPr>
-          <p:nvPr/>
-        </p:nvPicPr>
-        <p:blipFill>
-          <a:blip r:embed="rId2"/>
-          <a:stretch>
-            <a:fillRect/>
-          </a:stretch>
-        </p:blipFill>
-        <p:spPr>
-          <a:xfrm>
-            <a:off x="1440942" y="3156744"/>
-            <a:ext cx="2057400" cy="1689100"/>
-          </a:xfrm>
-          <a:prstGeom prst="rect">
-            <a:avLst/>
-          </a:prstGeom>
-        </p:spPr>
-      </p:pic>
-      <p:pic>
-        <p:nvPicPr>
-          <p:cNvPr id="10" name="Picture 9">
-            <a:extLst>
-              <a:ext uri="{FF2B5EF4-FFF2-40B4-BE49-F238E27FC236}">
-                <a16:creationId xmlns:a16="http://schemas.microsoft.com/office/drawing/2014/main" id="{FEFBEC24-F7B0-D74B-926C-A9194FE304A3}"/>
+                <a16:creationId xmlns:a16="http://schemas.microsoft.com/office/drawing/2014/main" id="{CD70073D-D8CC-D742-B4C2-DC044C3C894D}"/>
               </a:ext>
             </a:extLst>
           </p:cNvPr>
@@ -5874,250 +5872,18 @@
         </p:blipFill>
         <p:spPr>
           <a:xfrm>
-            <a:off x="4038600" y="2972594"/>
-            <a:ext cx="2057400" cy="2057400"/>
+            <a:off x="7574788" y="1423289"/>
+            <a:ext cx="3479800" cy="3822700"/>
           </a:xfrm>
           <a:prstGeom prst="rect">
             <a:avLst/>
           </a:prstGeom>
         </p:spPr>
       </p:pic>
-      <p:sp>
-        <p:nvSpPr>
-          <p:cNvPr id="13" name="Rectangle 12">
-            <a:extLst>
-              <a:ext uri="{FF2B5EF4-FFF2-40B4-BE49-F238E27FC236}">
-                <a16:creationId xmlns:a16="http://schemas.microsoft.com/office/drawing/2014/main" id="{00CBE827-D7A9-AF4A-BC19-6BCA537A2FD1}"/>
-              </a:ext>
-            </a:extLst>
-          </p:cNvPr>
-          <p:cNvSpPr/>
-          <p:nvPr/>
-        </p:nvSpPr>
-        <p:spPr>
-          <a:xfrm>
-            <a:off x="7216561" y="3354876"/>
-            <a:ext cx="2505797" cy="830997"/>
-          </a:xfrm>
-          <a:prstGeom prst="rect">
-            <a:avLst/>
-          </a:prstGeom>
-        </p:spPr>
-        <p:txBody>
-          <a:bodyPr wrap="square">
-            <a:spAutoFit/>
-          </a:bodyPr>
-          <a:lstStyle/>
-          <a:p>
-            <a:r>
-              <a:rPr lang="en-US" sz="2400" dirty="0"/>
-              <a:t>But, it's actually represented like:</a:t>
-            </a:r>
-          </a:p>
-        </p:txBody>
-      </p:sp>
-      <p:pic>
-        <p:nvPicPr>
-          <p:cNvPr id="15" name="Picture 14">
-            <a:extLst>
-              <a:ext uri="{FF2B5EF4-FFF2-40B4-BE49-F238E27FC236}">
-                <a16:creationId xmlns:a16="http://schemas.microsoft.com/office/drawing/2014/main" id="{A09C0465-895F-7D4C-B7F9-7600E2B8B08C}"/>
-              </a:ext>
-            </a:extLst>
-          </p:cNvPr>
-          <p:cNvPicPr>
-            <a:picLocks noChangeAspect="1"/>
-          </p:cNvPicPr>
-          <p:nvPr/>
-        </p:nvPicPr>
-        <p:blipFill>
-          <a:blip r:embed="rId4"/>
-          <a:stretch>
-            <a:fillRect/>
-          </a:stretch>
-        </p:blipFill>
-        <p:spPr>
-          <a:xfrm>
-            <a:off x="9722358" y="1617725"/>
-            <a:ext cx="1981200" cy="4305300"/>
-          </a:xfrm>
-          <a:prstGeom prst="rect">
-            <a:avLst/>
-          </a:prstGeom>
-        </p:spPr>
-      </p:pic>
-      <p:sp>
-        <p:nvSpPr>
-          <p:cNvPr id="16" name="TextBox 15">
-            <a:extLst>
-              <a:ext uri="{FF2B5EF4-FFF2-40B4-BE49-F238E27FC236}">
-                <a16:creationId xmlns:a16="http://schemas.microsoft.com/office/drawing/2014/main" id="{A66F9F3A-0540-2C4B-A529-2F510C09C8EA}"/>
-              </a:ext>
-            </a:extLst>
-          </p:cNvPr>
-          <p:cNvSpPr txBox="1"/>
-          <p:nvPr/>
-        </p:nvSpPr>
-        <p:spPr>
-          <a:xfrm>
-            <a:off x="3570391" y="5715298"/>
-            <a:ext cx="1980670" cy="461665"/>
-          </a:xfrm>
-          <a:prstGeom prst="rect">
-            <a:avLst/>
-          </a:prstGeom>
-          <a:noFill/>
-        </p:spPr>
-        <p:txBody>
-          <a:bodyPr wrap="none" rtlCol="0">
-            <a:spAutoFit/>
-          </a:bodyPr>
-          <a:lstStyle/>
-          <a:p>
-            <a:r>
-              <a:rPr lang="en-US" sz="2400" dirty="0"/>
-              <a:t>Row 4 is A[3]</a:t>
-            </a:r>
-          </a:p>
-        </p:txBody>
-      </p:sp>
-      <p:sp>
-        <p:nvSpPr>
-          <p:cNvPr id="17" name="Rectangle 16">
-            <a:extLst>
-              <a:ext uri="{FF2B5EF4-FFF2-40B4-BE49-F238E27FC236}">
-                <a16:creationId xmlns:a16="http://schemas.microsoft.com/office/drawing/2014/main" id="{88A68743-9D54-D84E-A21F-3459BEF7997F}"/>
-              </a:ext>
-            </a:extLst>
-          </p:cNvPr>
-          <p:cNvSpPr/>
-          <p:nvPr/>
-        </p:nvSpPr>
-        <p:spPr>
-          <a:xfrm>
-            <a:off x="5042916" y="4185873"/>
-            <a:ext cx="1114044" cy="361743"/>
-          </a:xfrm>
-          <a:prstGeom prst="rect">
-            <a:avLst/>
-          </a:prstGeom>
-          <a:noFill/>
-          <a:ln w="6350"/>
-        </p:spPr>
-        <p:style>
-          <a:lnRef idx="2">
-            <a:schemeClr val="accent1">
-              <a:shade val="50000"/>
-            </a:schemeClr>
-          </a:lnRef>
-          <a:fillRef idx="1">
-            <a:schemeClr val="accent1"/>
-          </a:fillRef>
-          <a:effectRef idx="0">
-            <a:schemeClr val="accent1"/>
-          </a:effectRef>
-          <a:fontRef idx="minor">
-            <a:schemeClr val="lt1"/>
-          </a:fontRef>
-        </p:style>
-        <p:txBody>
-          <a:bodyPr rtlCol="0" anchor="ctr"/>
-          <a:lstStyle/>
-          <a:p>
-            <a:pPr algn="ctr"/>
-            <a:endParaRPr lang="en-US"/>
-          </a:p>
-        </p:txBody>
-      </p:sp>
-      <p:cxnSp>
-        <p:nvCxnSpPr>
-          <p:cNvPr id="19" name="Straight Arrow Connector 18">
-            <a:extLst>
-              <a:ext uri="{FF2B5EF4-FFF2-40B4-BE49-F238E27FC236}">
-                <a16:creationId xmlns:a16="http://schemas.microsoft.com/office/drawing/2014/main" id="{041095AE-863D-724C-802D-251C9F946907}"/>
-              </a:ext>
-            </a:extLst>
-          </p:cNvPr>
-          <p:cNvCxnSpPr>
-            <a:cxnSpLocks/>
-          </p:cNvCxnSpPr>
-          <p:nvPr/>
-        </p:nvCxnSpPr>
-        <p:spPr>
-          <a:xfrm flipV="1">
-            <a:off x="4535424" y="4547616"/>
-            <a:ext cx="507492" cy="1213279"/>
-          </a:xfrm>
-          <a:prstGeom prst="straightConnector1">
-            <a:avLst/>
-          </a:prstGeom>
-          <a:ln>
-            <a:tailEnd type="triangle"/>
-          </a:ln>
-        </p:spPr>
-        <p:style>
-          <a:lnRef idx="1">
-            <a:schemeClr val="accent1"/>
-          </a:lnRef>
-          <a:fillRef idx="0">
-            <a:schemeClr val="accent1"/>
-          </a:fillRef>
-          <a:effectRef idx="0">
-            <a:schemeClr val="accent1"/>
-          </a:effectRef>
-          <a:fontRef idx="minor">
-            <a:schemeClr val="tx1"/>
-          </a:fontRef>
-        </p:style>
-      </p:cxnSp>
-      <p:sp>
-        <p:nvSpPr>
-          <p:cNvPr id="21" name="TextBox 20">
-            <a:extLst>
-              <a:ext uri="{FF2B5EF4-FFF2-40B4-BE49-F238E27FC236}">
-                <a16:creationId xmlns:a16="http://schemas.microsoft.com/office/drawing/2014/main" id="{508B0705-BAAC-6747-8768-8D3926CDE4F9}"/>
-              </a:ext>
-            </a:extLst>
-          </p:cNvPr>
-          <p:cNvSpPr txBox="1"/>
-          <p:nvPr/>
-        </p:nvSpPr>
-        <p:spPr>
-          <a:xfrm>
-            <a:off x="8191866" y="160602"/>
-            <a:ext cx="3847528" cy="461665"/>
-          </a:xfrm>
-          <a:prstGeom prst="rect">
-            <a:avLst/>
-          </a:prstGeom>
-          <a:noFill/>
-        </p:spPr>
-        <p:txBody>
-          <a:bodyPr wrap="none" rtlCol="0">
-            <a:spAutoFit/>
-          </a:bodyPr>
-          <a:lstStyle/>
-          <a:p>
-            <a:r>
-              <a:rPr lang="en-US" sz="2400" dirty="0">
-                <a:hlinkClick r:id="rId5"/>
-              </a:rPr>
-              <a:t>Experiment via </a:t>
-            </a:r>
-            <a:r>
-              <a:rPr lang="en-US" sz="2400" dirty="0" err="1">
-                <a:hlinkClick r:id="rId5"/>
-              </a:rPr>
-              <a:t>pythontutor</a:t>
-            </a:r>
-            <a:endParaRPr lang="en-US" sz="2400" dirty="0"/>
-          </a:p>
-        </p:txBody>
-      </p:sp>
     </p:spTree>
     <p:extLst>
       <p:ext uri="{BB962C8B-B14F-4D97-AF65-F5344CB8AC3E}">
-        <p14:creationId xmlns:p14="http://schemas.microsoft.com/office/powerpoint/2010/main" val="4144923256"/>
+        <p14:creationId xmlns:p14="http://schemas.microsoft.com/office/powerpoint/2010/main" val="2621948127"/>
       </p:ext>
     </p:extLst>
   </p:cSld>
@@ -6149,7 +5915,7 @@
           <p:cNvPr id="2" name="Title 1">
             <a:extLst>
               <a:ext uri="{FF2B5EF4-FFF2-40B4-BE49-F238E27FC236}">
-                <a16:creationId xmlns:a16="http://schemas.microsoft.com/office/drawing/2014/main" id="{BCE15E06-688B-9E42-AE2E-9F228B010A6C}"/>
+                <a16:creationId xmlns:a16="http://schemas.microsoft.com/office/drawing/2014/main" id="{AE916A3A-C17A-9E42-B44B-C42FB5B9E890}"/>
               </a:ext>
             </a:extLst>
           </p:cNvPr>
@@ -6167,17 +5933,17 @@
           <a:p>
             <a:r>
               <a:rPr lang="en-US" dirty="0"/>
-              <a:t>Sets</a:t>
-            </a:r>
-          </a:p>
-        </p:txBody>
-      </p:sp>
-      <p:sp>
-        <p:nvSpPr>
-          <p:cNvPr id="3" name="Content Placeholder 2">
-            <a:extLst>
-              <a:ext uri="{FF2B5EF4-FFF2-40B4-BE49-F238E27FC236}">
-                <a16:creationId xmlns:a16="http://schemas.microsoft.com/office/drawing/2014/main" id="{2BF23959-8B94-3D4C-A71E-128E04EDE483}"/>
+              <a:t>Matrices as lists of lists</a:t>
+            </a:r>
+          </a:p>
+        </p:txBody>
+      </p:sp>
+      <p:sp>
+        <p:nvSpPr>
+          <p:cNvPr id="7" name="Content Placeholder 6">
+            <a:extLst>
+              <a:ext uri="{FF2B5EF4-FFF2-40B4-BE49-F238E27FC236}">
+                <a16:creationId xmlns:a16="http://schemas.microsoft.com/office/drawing/2014/main" id="{B7FEFCF2-E9AE-9245-BF10-EC0BA1DE7BF8}"/>
               </a:ext>
             </a:extLst>
           </p:cNvPr>
@@ -6188,49 +5954,30 @@
             <p:ph idx="1"/>
           </p:nvPr>
         </p:nvSpPr>
-        <p:spPr>
-          <a:xfrm>
-            <a:off x="838200" y="1461052"/>
-            <a:ext cx="10515600" cy="4715911"/>
-          </a:xfrm>
-        </p:spPr>
+        <p:spPr/>
         <p:txBody>
           <a:bodyPr/>
           <a:lstStyle/>
           <a:p>
             <a:r>
               <a:rPr lang="en-US" dirty="0"/>
-              <a:t>A set is just an unordered, unique collection of elements; here is an example using integers:</a:t>
-            </a:r>
-            <a:br>
+              <a:t>A matrix is a list of rows; a row is a list of numbers</a:t>
+            </a:r>
+          </a:p>
+          <a:p>
+            <a:r>
               <a:rPr lang="en-US" dirty="0"/>
-            </a:br>
-            <a:r>
-              <a:rPr lang="en-US" sz="2400" dirty="0">
-                <a:latin typeface="Consolas" panose="020B0609020204030204" pitchFamily="49" charset="0"/>
-                <a:cs typeface="Consolas" panose="020B0609020204030204" pitchFamily="49" charset="0"/>
-              </a:rPr>
-              <a:t>ids = {100, 103, 121, 102, 113, 113, 113, 113}</a:t>
-            </a:r>
-            <a:endParaRPr lang="en-US" dirty="0">
-              <a:latin typeface="Consolas" panose="020B0609020204030204" pitchFamily="49" charset="0"/>
-              <a:cs typeface="Consolas" panose="020B0609020204030204" pitchFamily="49" charset="0"/>
-            </a:endParaRPr>
-          </a:p>
-          <a:p>
-            <a:r>
-              <a:rPr lang="en-US" dirty="0"/>
-              <a:t>We can do lots of fun set arithmetic:</a:t>
+              <a:t>We think of it like this:</a:t>
             </a:r>
           </a:p>
         </p:txBody>
       </p:sp>
       <p:pic>
         <p:nvPicPr>
-          <p:cNvPr id="5" name="Picture 4" descr="Graphical user interface, text, application, chat or text message&#10;&#10;Description automatically generated">
-            <a:extLst>
-              <a:ext uri="{FF2B5EF4-FFF2-40B4-BE49-F238E27FC236}">
-                <a16:creationId xmlns:a16="http://schemas.microsoft.com/office/drawing/2014/main" id="{127EF093-9DB1-C443-9C23-905206414E52}"/>
+          <p:cNvPr id="8" name="Content Placeholder 4">
+            <a:extLst>
+              <a:ext uri="{FF2B5EF4-FFF2-40B4-BE49-F238E27FC236}">
+                <a16:creationId xmlns:a16="http://schemas.microsoft.com/office/drawing/2014/main" id="{8A31F7A1-EA7A-264A-AB05-EF72FEE9CA7D}"/>
               </a:ext>
             </a:extLst>
           </p:cNvPr>
@@ -6247,18 +5994,280 @@
         </p:blipFill>
         <p:spPr>
           <a:xfrm>
-            <a:off x="3440042" y="3332645"/>
-            <a:ext cx="5255009" cy="2581137"/>
+            <a:off x="1440942" y="3156744"/>
+            <a:ext cx="2057400" cy="1689100"/>
           </a:xfrm>
           <a:prstGeom prst="rect">
             <a:avLst/>
           </a:prstGeom>
         </p:spPr>
       </p:pic>
+      <p:pic>
+        <p:nvPicPr>
+          <p:cNvPr id="10" name="Picture 9">
+            <a:extLst>
+              <a:ext uri="{FF2B5EF4-FFF2-40B4-BE49-F238E27FC236}">
+                <a16:creationId xmlns:a16="http://schemas.microsoft.com/office/drawing/2014/main" id="{FEFBEC24-F7B0-D74B-926C-A9194FE304A3}"/>
+              </a:ext>
+            </a:extLst>
+          </p:cNvPr>
+          <p:cNvPicPr>
+            <a:picLocks noChangeAspect="1"/>
+          </p:cNvPicPr>
+          <p:nvPr/>
+        </p:nvPicPr>
+        <p:blipFill>
+          <a:blip r:embed="rId3"/>
+          <a:stretch>
+            <a:fillRect/>
+          </a:stretch>
+        </p:blipFill>
+        <p:spPr>
+          <a:xfrm>
+            <a:off x="4038600" y="2972594"/>
+            <a:ext cx="2057400" cy="2057400"/>
+          </a:xfrm>
+          <a:prstGeom prst="rect">
+            <a:avLst/>
+          </a:prstGeom>
+        </p:spPr>
+      </p:pic>
+      <p:sp>
+        <p:nvSpPr>
+          <p:cNvPr id="13" name="Rectangle 12">
+            <a:extLst>
+              <a:ext uri="{FF2B5EF4-FFF2-40B4-BE49-F238E27FC236}">
+                <a16:creationId xmlns:a16="http://schemas.microsoft.com/office/drawing/2014/main" id="{00CBE827-D7A9-AF4A-BC19-6BCA537A2FD1}"/>
+              </a:ext>
+            </a:extLst>
+          </p:cNvPr>
+          <p:cNvSpPr/>
+          <p:nvPr/>
+        </p:nvSpPr>
+        <p:spPr>
+          <a:xfrm>
+            <a:off x="7216561" y="3354876"/>
+            <a:ext cx="2505797" cy="830997"/>
+          </a:xfrm>
+          <a:prstGeom prst="rect">
+            <a:avLst/>
+          </a:prstGeom>
+        </p:spPr>
+        <p:txBody>
+          <a:bodyPr wrap="square">
+            <a:spAutoFit/>
+          </a:bodyPr>
+          <a:lstStyle/>
+          <a:p>
+            <a:r>
+              <a:rPr lang="en-US" sz="2400" dirty="0"/>
+              <a:t>But, it's actually represented like:</a:t>
+            </a:r>
+          </a:p>
+        </p:txBody>
+      </p:sp>
+      <p:pic>
+        <p:nvPicPr>
+          <p:cNvPr id="15" name="Picture 14">
+            <a:extLst>
+              <a:ext uri="{FF2B5EF4-FFF2-40B4-BE49-F238E27FC236}">
+                <a16:creationId xmlns:a16="http://schemas.microsoft.com/office/drawing/2014/main" id="{A09C0465-895F-7D4C-B7F9-7600E2B8B08C}"/>
+              </a:ext>
+            </a:extLst>
+          </p:cNvPr>
+          <p:cNvPicPr>
+            <a:picLocks noChangeAspect="1"/>
+          </p:cNvPicPr>
+          <p:nvPr/>
+        </p:nvPicPr>
+        <p:blipFill>
+          <a:blip r:embed="rId4"/>
+          <a:stretch>
+            <a:fillRect/>
+          </a:stretch>
+        </p:blipFill>
+        <p:spPr>
+          <a:xfrm>
+            <a:off x="9722358" y="1617725"/>
+            <a:ext cx="1981200" cy="4305300"/>
+          </a:xfrm>
+          <a:prstGeom prst="rect">
+            <a:avLst/>
+          </a:prstGeom>
+        </p:spPr>
+      </p:pic>
+      <p:sp>
+        <p:nvSpPr>
+          <p:cNvPr id="16" name="TextBox 15">
+            <a:extLst>
+              <a:ext uri="{FF2B5EF4-FFF2-40B4-BE49-F238E27FC236}">
+                <a16:creationId xmlns:a16="http://schemas.microsoft.com/office/drawing/2014/main" id="{A66F9F3A-0540-2C4B-A529-2F510C09C8EA}"/>
+              </a:ext>
+            </a:extLst>
+          </p:cNvPr>
+          <p:cNvSpPr txBox="1"/>
+          <p:nvPr/>
+        </p:nvSpPr>
+        <p:spPr>
+          <a:xfrm>
+            <a:off x="3570391" y="5715298"/>
+            <a:ext cx="1980670" cy="461665"/>
+          </a:xfrm>
+          <a:prstGeom prst="rect">
+            <a:avLst/>
+          </a:prstGeom>
+          <a:noFill/>
+        </p:spPr>
+        <p:txBody>
+          <a:bodyPr wrap="none" rtlCol="0">
+            <a:spAutoFit/>
+          </a:bodyPr>
+          <a:lstStyle/>
+          <a:p>
+            <a:r>
+              <a:rPr lang="en-US" sz="2400" dirty="0"/>
+              <a:t>Row 4 is A[3]</a:t>
+            </a:r>
+          </a:p>
+        </p:txBody>
+      </p:sp>
+      <p:sp>
+        <p:nvSpPr>
+          <p:cNvPr id="17" name="Rectangle 16">
+            <a:extLst>
+              <a:ext uri="{FF2B5EF4-FFF2-40B4-BE49-F238E27FC236}">
+                <a16:creationId xmlns:a16="http://schemas.microsoft.com/office/drawing/2014/main" id="{88A68743-9D54-D84E-A21F-3459BEF7997F}"/>
+              </a:ext>
+            </a:extLst>
+          </p:cNvPr>
+          <p:cNvSpPr/>
+          <p:nvPr/>
+        </p:nvSpPr>
+        <p:spPr>
+          <a:xfrm>
+            <a:off x="5042916" y="4185873"/>
+            <a:ext cx="1114044" cy="361743"/>
+          </a:xfrm>
+          <a:prstGeom prst="rect">
+            <a:avLst/>
+          </a:prstGeom>
+          <a:noFill/>
+          <a:ln w="6350"/>
+        </p:spPr>
+        <p:style>
+          <a:lnRef idx="2">
+            <a:schemeClr val="accent1">
+              <a:shade val="50000"/>
+            </a:schemeClr>
+          </a:lnRef>
+          <a:fillRef idx="1">
+            <a:schemeClr val="accent1"/>
+          </a:fillRef>
+          <a:effectRef idx="0">
+            <a:schemeClr val="accent1"/>
+          </a:effectRef>
+          <a:fontRef idx="minor">
+            <a:schemeClr val="lt1"/>
+          </a:fontRef>
+        </p:style>
+        <p:txBody>
+          <a:bodyPr rtlCol="0" anchor="ctr"/>
+          <a:lstStyle/>
+          <a:p>
+            <a:pPr algn="ctr"/>
+            <a:endParaRPr lang="en-US"/>
+          </a:p>
+        </p:txBody>
+      </p:sp>
+      <p:cxnSp>
+        <p:nvCxnSpPr>
+          <p:cNvPr id="19" name="Straight Arrow Connector 18">
+            <a:extLst>
+              <a:ext uri="{FF2B5EF4-FFF2-40B4-BE49-F238E27FC236}">
+                <a16:creationId xmlns:a16="http://schemas.microsoft.com/office/drawing/2014/main" id="{041095AE-863D-724C-802D-251C9F946907}"/>
+              </a:ext>
+            </a:extLst>
+          </p:cNvPr>
+          <p:cNvCxnSpPr>
+            <a:cxnSpLocks/>
+          </p:cNvCxnSpPr>
+          <p:nvPr/>
+        </p:nvCxnSpPr>
+        <p:spPr>
+          <a:xfrm flipV="1">
+            <a:off x="4535424" y="4547616"/>
+            <a:ext cx="507492" cy="1213279"/>
+          </a:xfrm>
+          <a:prstGeom prst="straightConnector1">
+            <a:avLst/>
+          </a:prstGeom>
+          <a:ln>
+            <a:tailEnd type="triangle"/>
+          </a:ln>
+        </p:spPr>
+        <p:style>
+          <a:lnRef idx="1">
+            <a:schemeClr val="accent1"/>
+          </a:lnRef>
+          <a:fillRef idx="0">
+            <a:schemeClr val="accent1"/>
+          </a:fillRef>
+          <a:effectRef idx="0">
+            <a:schemeClr val="accent1"/>
+          </a:effectRef>
+          <a:fontRef idx="minor">
+            <a:schemeClr val="tx1"/>
+          </a:fontRef>
+        </p:style>
+      </p:cxnSp>
+      <p:sp>
+        <p:nvSpPr>
+          <p:cNvPr id="21" name="TextBox 20">
+            <a:extLst>
+              <a:ext uri="{FF2B5EF4-FFF2-40B4-BE49-F238E27FC236}">
+                <a16:creationId xmlns:a16="http://schemas.microsoft.com/office/drawing/2014/main" id="{508B0705-BAAC-6747-8768-8D3926CDE4F9}"/>
+              </a:ext>
+            </a:extLst>
+          </p:cNvPr>
+          <p:cNvSpPr txBox="1"/>
+          <p:nvPr/>
+        </p:nvSpPr>
+        <p:spPr>
+          <a:xfrm>
+            <a:off x="8191866" y="160602"/>
+            <a:ext cx="3847528" cy="461665"/>
+          </a:xfrm>
+          <a:prstGeom prst="rect">
+            <a:avLst/>
+          </a:prstGeom>
+          <a:noFill/>
+        </p:spPr>
+        <p:txBody>
+          <a:bodyPr wrap="none" rtlCol="0">
+            <a:spAutoFit/>
+          </a:bodyPr>
+          <a:lstStyle/>
+          <a:p>
+            <a:r>
+              <a:rPr lang="en-US" sz="2400" dirty="0">
+                <a:hlinkClick r:id="rId5"/>
+              </a:rPr>
+              <a:t>Experiment via </a:t>
+            </a:r>
+            <a:r>
+              <a:rPr lang="en-US" sz="2400" dirty="0" err="1">
+                <a:hlinkClick r:id="rId5"/>
+              </a:rPr>
+              <a:t>pythontutor</a:t>
+            </a:r>
+            <a:endParaRPr lang="en-US" sz="2400" dirty="0"/>
+          </a:p>
+        </p:txBody>
+      </p:sp>
     </p:spTree>
     <p:extLst>
       <p:ext uri="{BB962C8B-B14F-4D97-AF65-F5344CB8AC3E}">
-        <p14:creationId xmlns:p14="http://schemas.microsoft.com/office/powerpoint/2010/main" val="1906983754"/>
+        <p14:creationId xmlns:p14="http://schemas.microsoft.com/office/powerpoint/2010/main" val="4144923256"/>
       </p:ext>
     </p:extLst>
   </p:cSld>
@@ -6290,7 +6299,7 @@
           <p:cNvPr id="2" name="Title 1">
             <a:extLst>
               <a:ext uri="{FF2B5EF4-FFF2-40B4-BE49-F238E27FC236}">
-                <a16:creationId xmlns:a16="http://schemas.microsoft.com/office/drawing/2014/main" id="{3EB62973-3556-0E46-88DA-7DE099DCF64B}"/>
+                <a16:creationId xmlns:a16="http://schemas.microsoft.com/office/drawing/2014/main" id="{BCE15E06-688B-9E42-AE2E-9F228B010A6C}"/>
               </a:ext>
             </a:extLst>
           </p:cNvPr>
@@ -6308,7 +6317,7 @@
           <a:p>
             <a:r>
               <a:rPr lang="en-US" dirty="0"/>
-              <a:t>Tuples</a:t>
+              <a:t>Sets</a:t>
             </a:r>
           </a:p>
         </p:txBody>
@@ -6318,7 +6327,7 @@
           <p:cNvPr id="3" name="Content Placeholder 2">
             <a:extLst>
               <a:ext uri="{FF2B5EF4-FFF2-40B4-BE49-F238E27FC236}">
-                <a16:creationId xmlns:a16="http://schemas.microsoft.com/office/drawing/2014/main" id="{C69807BC-8F3C-064E-9422-53AB1DB5D359}"/>
+                <a16:creationId xmlns:a16="http://schemas.microsoft.com/office/drawing/2014/main" id="{2BF23959-8B94-3D4C-A71E-128E04EDE483}"/>
               </a:ext>
             </a:extLst>
           </p:cNvPr>
@@ -6331,8 +6340,8 @@
         </p:nvSpPr>
         <p:spPr>
           <a:xfrm>
-            <a:off x="838200" y="1550504"/>
-            <a:ext cx="10515600" cy="4626459"/>
+            <a:off x="838200" y="1461052"/>
+            <a:ext cx="10515600" cy="4715911"/>
           </a:xfrm>
         </p:spPr>
         <p:txBody>
@@ -6341,34 +6350,37 @@
           <a:p>
             <a:r>
               <a:rPr lang="en-US" dirty="0"/>
-              <a:t>A tuple is an </a:t>
-            </a:r>
-            <a:r>
-              <a:rPr lang="en-US" i="1" dirty="0"/>
-              <a:t>immutable</a:t>
-            </a:r>
-            <a:r>
+              <a:t>A set is just an unordered, unique collection of elements; here is an example using integers:</a:t>
+            </a:r>
+            <a:br>
               <a:rPr lang="en-US" dirty="0"/>
-              <a:t> list and uses parentheses rather than square brackets for notation</a:t>
-            </a:r>
+            </a:br>
+            <a:r>
+              <a:rPr lang="en-US" sz="2400" dirty="0">
+                <a:latin typeface="Consolas" panose="020B0609020204030204" pitchFamily="49" charset="0"/>
+                <a:cs typeface="Consolas" panose="020B0609020204030204" pitchFamily="49" charset="0"/>
+              </a:rPr>
+              <a:t>ids = {100, 103, 121, 102, 113, 113, 113, 113}</a:t>
+            </a:r>
+            <a:endParaRPr lang="en-US" dirty="0">
+              <a:latin typeface="Consolas" panose="020B0609020204030204" pitchFamily="49" charset="0"/>
+              <a:cs typeface="Consolas" panose="020B0609020204030204" pitchFamily="49" charset="0"/>
+            </a:endParaRPr>
           </a:p>
           <a:p>
             <a:r>
               <a:rPr lang="en-US" dirty="0"/>
-              <a:t>Tuples are often used to group related elements:</a:t>
-            </a:r>
-          </a:p>
-          <a:p>
-            <a:endParaRPr lang="en-US" dirty="0"/>
+              <a:t>We can do lots of fun set arithmetic:</a:t>
+            </a:r>
           </a:p>
         </p:txBody>
       </p:sp>
       <p:pic>
         <p:nvPicPr>
-          <p:cNvPr id="7" name="Picture 6" descr="Text&#10;&#10;Description automatically generated">
-            <a:extLst>
-              <a:ext uri="{FF2B5EF4-FFF2-40B4-BE49-F238E27FC236}">
-                <a16:creationId xmlns:a16="http://schemas.microsoft.com/office/drawing/2014/main" id="{F352FAA3-3B4B-0A46-9E6C-1ECC4432EBB5}"/>
+          <p:cNvPr id="5" name="Picture 4" descr="Graphical user interface, text, application, chat or text message&#10;&#10;Description automatically generated">
+            <a:extLst>
+              <a:ext uri="{FF2B5EF4-FFF2-40B4-BE49-F238E27FC236}">
+                <a16:creationId xmlns:a16="http://schemas.microsoft.com/office/drawing/2014/main" id="{127EF093-9DB1-C443-9C23-905206414E52}"/>
               </a:ext>
             </a:extLst>
           </p:cNvPr>
@@ -6385,62 +6397,18 @@
         </p:blipFill>
         <p:spPr>
           <a:xfrm>
-            <a:off x="4411592" y="3062235"/>
-            <a:ext cx="3228286" cy="3114728"/>
+            <a:off x="3440042" y="3332645"/>
+            <a:ext cx="5255009" cy="2581137"/>
           </a:xfrm>
           <a:prstGeom prst="rect">
             <a:avLst/>
           </a:prstGeom>
         </p:spPr>
       </p:pic>
-      <p:sp>
-        <p:nvSpPr>
-          <p:cNvPr id="8" name="TextBox 7">
-            <a:extLst>
-              <a:ext uri="{FF2B5EF4-FFF2-40B4-BE49-F238E27FC236}">
-                <a16:creationId xmlns:a16="http://schemas.microsoft.com/office/drawing/2014/main" id="{3E2E2284-4D5F-A142-928B-9DE008199699}"/>
-              </a:ext>
-            </a:extLst>
-          </p:cNvPr>
-          <p:cNvSpPr txBox="1"/>
-          <p:nvPr/>
-        </p:nvSpPr>
-        <p:spPr>
-          <a:xfrm>
-            <a:off x="0" y="6492875"/>
-            <a:ext cx="2877711" cy="369332"/>
-          </a:xfrm>
-          <a:prstGeom prst="rect">
-            <a:avLst/>
-          </a:prstGeom>
-          <a:noFill/>
-        </p:spPr>
-        <p:txBody>
-          <a:bodyPr wrap="none" rtlCol="0">
-            <a:spAutoFit/>
-          </a:bodyPr>
-          <a:lstStyle/>
-          <a:p>
-            <a:r>
-              <a:rPr lang="en-US" dirty="0">
-                <a:hlinkClick r:id="rId3"/>
-              </a:rPr>
-              <a:t>Experiment in </a:t>
-            </a:r>
-            <a:r>
-              <a:rPr lang="en-US" dirty="0" err="1">
-                <a:hlinkClick r:id="rId4"/>
-              </a:rPr>
-              <a:t>pythontutor</a:t>
-            </a:r>
-            <a:endParaRPr lang="en-US" dirty="0"/>
-          </a:p>
-        </p:txBody>
-      </p:sp>
     </p:spTree>
     <p:extLst>
       <p:ext uri="{BB962C8B-B14F-4D97-AF65-F5344CB8AC3E}">
-        <p14:creationId xmlns:p14="http://schemas.microsoft.com/office/powerpoint/2010/main" val="4205717042"/>
+        <p14:creationId xmlns:p14="http://schemas.microsoft.com/office/powerpoint/2010/main" val="1906983754"/>
       </p:ext>
     </p:extLst>
   </p:cSld>
@@ -6472,7 +6440,7 @@
           <p:cNvPr id="2" name="Title 1">
             <a:extLst>
               <a:ext uri="{FF2B5EF4-FFF2-40B4-BE49-F238E27FC236}">
-                <a16:creationId xmlns:a16="http://schemas.microsoft.com/office/drawing/2014/main" id="{A5F097E4-274C-6E44-BD46-EB7FF438F860}"/>
+                <a16:creationId xmlns:a16="http://schemas.microsoft.com/office/drawing/2014/main" id="{3EB62973-3556-0E46-88DA-7DE099DCF64B}"/>
               </a:ext>
             </a:extLst>
           </p:cNvPr>
@@ -6490,7 +6458,7 @@
           <a:p>
             <a:r>
               <a:rPr lang="en-US" dirty="0"/>
-              <a:t>Dictionaries</a:t>
+              <a:t>Tuples</a:t>
             </a:r>
           </a:p>
         </p:txBody>
@@ -6500,7 +6468,7 @@
           <p:cNvPr id="3" name="Content Placeholder 2">
             <a:extLst>
               <a:ext uri="{FF2B5EF4-FFF2-40B4-BE49-F238E27FC236}">
-                <a16:creationId xmlns:a16="http://schemas.microsoft.com/office/drawing/2014/main" id="{01F87068-425F-B74B-85A0-1BB836D7FDC4}"/>
+                <a16:creationId xmlns:a16="http://schemas.microsoft.com/office/drawing/2014/main" id="{C69807BC-8F3C-064E-9422-53AB1DB5D359}"/>
               </a:ext>
             </a:extLst>
           </p:cNvPr>
@@ -6513,70 +6481,44 @@
         </p:nvSpPr>
         <p:spPr>
           <a:xfrm>
-            <a:off x="838200" y="1520687"/>
-            <a:ext cx="10515600" cy="5049078"/>
-          </a:xfrm>
-        </p:spPr>
-        <p:txBody>
-          <a:bodyPr>
-            <a:normAutofit/>
-          </a:bodyPr>
+            <a:off x="838200" y="1550504"/>
+            <a:ext cx="10515600" cy="4626459"/>
+          </a:xfrm>
+        </p:spPr>
+        <p:txBody>
+          <a:bodyPr/>
           <a:lstStyle/>
           <a:p>
             <a:r>
               <a:rPr lang="en-US" dirty="0"/>
-              <a:t>If we arrange two lists side-by-side and kind of glue them together, we get a </a:t>
-            </a:r>
-            <a:r>
-              <a:rPr lang="en-US" b="1" dirty="0"/>
-              <a:t>dictionary</a:t>
-            </a:r>
-          </a:p>
-          <a:p>
+              <a:t>A tuple is an </a:t>
+            </a:r>
+            <a:r>
+              <a:rPr lang="en-US" i="1" dirty="0"/>
+              <a:t>immutable</a:t>
+            </a:r>
             <a:r>
               <a:rPr lang="en-US" dirty="0"/>
-              <a:t>Dictionaries map one value to another, just like a dictionary in the real world maps a word to a definition</a:t>
+              <a:t> list and uses parentheses rather than square brackets for notation</a:t>
             </a:r>
           </a:p>
           <a:p>
             <a:r>
               <a:rPr lang="en-US" dirty="0"/>
-              <a:t>Here are two sample dictionaries:</a:t>
+              <a:t>Tuples are often used to group related elements:</a:t>
             </a:r>
           </a:p>
           <a:p>
             <a:endParaRPr lang="en-US" dirty="0"/>
-          </a:p>
-          <a:p>
-            <a:endParaRPr lang="en-US" dirty="0"/>
-          </a:p>
-          <a:p>
-            <a:endParaRPr lang="en-US" dirty="0"/>
-          </a:p>
-          <a:p>
-            <a:r>
-              <a:rPr lang="en-US" dirty="0"/>
-              <a:t>Index by key to get the value; e.g.,</a:t>
-            </a:r>
-            <a:br>
-              <a:rPr lang="en-US" dirty="0"/>
-            </a:br>
-            <a:r>
-              <a:rPr lang="en-US" dirty="0">
-                <a:latin typeface="Consolas" panose="020B0609020204030204" pitchFamily="49" charset="0"/>
-                <a:cs typeface="Consolas" panose="020B0609020204030204" pitchFamily="49" charset="0"/>
-              </a:rPr>
-              <a:t>movies['Amadeus']</a:t>
-            </a:r>
           </a:p>
         </p:txBody>
       </p:sp>
       <p:pic>
         <p:nvPicPr>
-          <p:cNvPr id="5" name="Picture 4" descr="Table&#10;&#10;Description automatically generated">
-            <a:extLst>
-              <a:ext uri="{FF2B5EF4-FFF2-40B4-BE49-F238E27FC236}">
-                <a16:creationId xmlns:a16="http://schemas.microsoft.com/office/drawing/2014/main" id="{656821FC-517D-F749-9A4F-6D7329C5925E}"/>
+          <p:cNvPr id="7" name="Picture 6" descr="Text&#10;&#10;Description automatically generated">
+            <a:extLst>
+              <a:ext uri="{FF2B5EF4-FFF2-40B4-BE49-F238E27FC236}">
+                <a16:creationId xmlns:a16="http://schemas.microsoft.com/office/drawing/2014/main" id="{F352FAA3-3B4B-0A46-9E6C-1ECC4432EBB5}"/>
               </a:ext>
             </a:extLst>
           </p:cNvPr>
@@ -6593,8 +6535,8 @@
         </p:blipFill>
         <p:spPr>
           <a:xfrm>
-            <a:off x="7979587" y="3342096"/>
-            <a:ext cx="3291387" cy="2878489"/>
+            <a:off x="4411592" y="3062235"/>
+            <a:ext cx="3228286" cy="3114728"/>
           </a:xfrm>
           <a:prstGeom prst="rect">
             <a:avLst/>
@@ -6603,77 +6545,10 @@
       </p:pic>
       <p:sp>
         <p:nvSpPr>
-          <p:cNvPr id="6" name="Rectangle 5">
-            <a:extLst>
-              <a:ext uri="{FF2B5EF4-FFF2-40B4-BE49-F238E27FC236}">
-                <a16:creationId xmlns:a16="http://schemas.microsoft.com/office/drawing/2014/main" id="{2DFA525B-7D42-3745-8834-4D494B50CD04}"/>
-              </a:ext>
-            </a:extLst>
-          </p:cNvPr>
-          <p:cNvSpPr/>
-          <p:nvPr/>
-        </p:nvSpPr>
-        <p:spPr>
-          <a:xfrm>
-            <a:off x="1071087" y="3910257"/>
-            <a:ext cx="5968301" cy="400110"/>
-          </a:xfrm>
-          <a:prstGeom prst="rect">
-            <a:avLst/>
-          </a:prstGeom>
-        </p:spPr>
-        <p:txBody>
-          <a:bodyPr wrap="none">
-            <a:spAutoFit/>
-          </a:bodyPr>
-          <a:lstStyle/>
-          <a:p>
-            <a:r>
-              <a:rPr lang="en-US" sz="2000" dirty="0">
-                <a:latin typeface="Consolas" panose="020B0609020204030204" pitchFamily="49" charset="0"/>
-                <a:cs typeface="Consolas" panose="020B0609020204030204" pitchFamily="49" charset="0"/>
-              </a:rPr>
-              <a:t>movies = {'Amadeus':1984, 'Witness':1985}</a:t>
-            </a:r>
-          </a:p>
-        </p:txBody>
-      </p:sp>
-      <p:pic>
-        <p:nvPicPr>
-          <p:cNvPr id="8" name="Picture 7" descr="Text&#10;&#10;Description automatically generated with medium confidence">
-            <a:extLst>
-              <a:ext uri="{FF2B5EF4-FFF2-40B4-BE49-F238E27FC236}">
-                <a16:creationId xmlns:a16="http://schemas.microsoft.com/office/drawing/2014/main" id="{0A8B9B5D-9038-9C4D-965D-72DF349329ED}"/>
-              </a:ext>
-            </a:extLst>
-          </p:cNvPr>
-          <p:cNvPicPr>
-            <a:picLocks noChangeAspect="1"/>
-          </p:cNvPicPr>
-          <p:nvPr/>
-        </p:nvPicPr>
-        <p:blipFill>
-          <a:blip r:embed="rId3"/>
-          <a:stretch>
-            <a:fillRect/>
-          </a:stretch>
-        </p:blipFill>
-        <p:spPr>
-          <a:xfrm>
-            <a:off x="3001137" y="4386139"/>
-            <a:ext cx="2108200" cy="812800"/>
-          </a:xfrm>
-          <a:prstGeom prst="rect">
-            <a:avLst/>
-          </a:prstGeom>
-        </p:spPr>
-      </p:pic>
-      <p:sp>
-        <p:nvSpPr>
-          <p:cNvPr id="9" name="TextBox 8">
-            <a:extLst>
-              <a:ext uri="{FF2B5EF4-FFF2-40B4-BE49-F238E27FC236}">
-                <a16:creationId xmlns:a16="http://schemas.microsoft.com/office/drawing/2014/main" id="{508564DF-B83E-5E4C-934A-8A3A8C8F4123}"/>
+          <p:cNvPr id="8" name="TextBox 7">
+            <a:extLst>
+              <a:ext uri="{FF2B5EF4-FFF2-40B4-BE49-F238E27FC236}">
+                <a16:creationId xmlns:a16="http://schemas.microsoft.com/office/drawing/2014/main" id="{3E2E2284-4D5F-A142-928B-9DE008199699}"/>
               </a:ext>
             </a:extLst>
           </p:cNvPr>
@@ -6698,232 +6573,24 @@
           <a:p>
             <a:r>
               <a:rPr lang="en-US" dirty="0">
+                <a:hlinkClick r:id="rId3"/>
+              </a:rPr>
+              <a:t>Experiment in </a:t>
+            </a:r>
+            <a:r>
+              <a:rPr lang="en-US" dirty="0" err="1">
                 <a:hlinkClick r:id="rId4"/>
               </a:rPr>
-              <a:t>Experiment in </a:t>
-            </a:r>
-            <a:r>
-              <a:rPr lang="en-US" dirty="0" err="1">
-                <a:hlinkClick r:id="rId5"/>
-              </a:rPr>
               <a:t>pythontutor</a:t>
             </a:r>
             <a:endParaRPr lang="en-US" dirty="0"/>
-          </a:p>
-        </p:txBody>
-      </p:sp>
-      <p:sp>
-        <p:nvSpPr>
-          <p:cNvPr id="10" name="Rectangle 9">
-            <a:extLst>
-              <a:ext uri="{FF2B5EF4-FFF2-40B4-BE49-F238E27FC236}">
-                <a16:creationId xmlns:a16="http://schemas.microsoft.com/office/drawing/2014/main" id="{4C705128-242B-E44A-872F-871D35EE4239}"/>
-              </a:ext>
-            </a:extLst>
-          </p:cNvPr>
-          <p:cNvSpPr/>
-          <p:nvPr/>
-        </p:nvSpPr>
-        <p:spPr>
-          <a:xfrm>
-            <a:off x="2399108" y="3948143"/>
-            <a:ext cx="185066" cy="400110"/>
-          </a:xfrm>
-          <a:prstGeom prst="rect">
-            <a:avLst/>
-          </a:prstGeom>
-          <a:noFill/>
-          <a:ln w="9525">
-            <a:solidFill>
-              <a:srgbClr val="E4754F"/>
-            </a:solidFill>
-          </a:ln>
-        </p:spPr>
-        <p:style>
-          <a:lnRef idx="2">
-            <a:schemeClr val="accent1">
-              <a:shade val="50000"/>
-            </a:schemeClr>
-          </a:lnRef>
-          <a:fillRef idx="1">
-            <a:schemeClr val="accent1"/>
-          </a:fillRef>
-          <a:effectRef idx="0">
-            <a:schemeClr val="accent1"/>
-          </a:effectRef>
-          <a:fontRef idx="minor">
-            <a:schemeClr val="lt1"/>
-          </a:fontRef>
-        </p:style>
-        <p:txBody>
-          <a:bodyPr rtlCol="0" anchor="ctr"/>
-          <a:lstStyle/>
-          <a:p>
-            <a:pPr algn="ctr"/>
-            <a:endParaRPr lang="en-US"/>
-          </a:p>
-        </p:txBody>
-      </p:sp>
-      <p:sp>
-        <p:nvSpPr>
-          <p:cNvPr id="11" name="Rectangle 10">
-            <a:extLst>
-              <a:ext uri="{FF2B5EF4-FFF2-40B4-BE49-F238E27FC236}">
-                <a16:creationId xmlns:a16="http://schemas.microsoft.com/office/drawing/2014/main" id="{2CF5C6C6-1F5C-8348-AE8B-5302068848CE}"/>
-              </a:ext>
-            </a:extLst>
-          </p:cNvPr>
-          <p:cNvSpPr/>
-          <p:nvPr/>
-        </p:nvSpPr>
-        <p:spPr>
-          <a:xfrm>
-            <a:off x="3795278" y="3948143"/>
-            <a:ext cx="185066" cy="400110"/>
-          </a:xfrm>
-          <a:prstGeom prst="rect">
-            <a:avLst/>
-          </a:prstGeom>
-          <a:noFill/>
-          <a:ln w="9525">
-            <a:solidFill>
-              <a:srgbClr val="E4754F"/>
-            </a:solidFill>
-          </a:ln>
-        </p:spPr>
-        <p:style>
-          <a:lnRef idx="2">
-            <a:schemeClr val="accent1">
-              <a:shade val="50000"/>
-            </a:schemeClr>
-          </a:lnRef>
-          <a:fillRef idx="1">
-            <a:schemeClr val="accent1"/>
-          </a:fillRef>
-          <a:effectRef idx="0">
-            <a:schemeClr val="accent1"/>
-          </a:effectRef>
-          <a:fontRef idx="minor">
-            <a:schemeClr val="lt1"/>
-          </a:fontRef>
-        </p:style>
-        <p:txBody>
-          <a:bodyPr rtlCol="0" anchor="ctr"/>
-          <a:lstStyle/>
-          <a:p>
-            <a:pPr algn="ctr"/>
-            <a:endParaRPr lang="en-US"/>
-          </a:p>
-        </p:txBody>
-      </p:sp>
-      <p:sp>
-        <p:nvSpPr>
-          <p:cNvPr id="12" name="Rectangle 11">
-            <a:extLst>
-              <a:ext uri="{FF2B5EF4-FFF2-40B4-BE49-F238E27FC236}">
-                <a16:creationId xmlns:a16="http://schemas.microsoft.com/office/drawing/2014/main" id="{43DD2F8B-DC4A-9742-BB66-C83CEA4B8369}"/>
-              </a:ext>
-            </a:extLst>
-          </p:cNvPr>
-          <p:cNvSpPr/>
-          <p:nvPr/>
-        </p:nvSpPr>
-        <p:spPr>
-          <a:xfrm>
-            <a:off x="6745869" y="3948143"/>
-            <a:ext cx="185066" cy="400110"/>
-          </a:xfrm>
-          <a:prstGeom prst="rect">
-            <a:avLst/>
-          </a:prstGeom>
-          <a:noFill/>
-          <a:ln w="9525">
-            <a:solidFill>
-              <a:srgbClr val="E4754F"/>
-            </a:solidFill>
-          </a:ln>
-        </p:spPr>
-        <p:style>
-          <a:lnRef idx="2">
-            <a:schemeClr val="accent1">
-              <a:shade val="50000"/>
-            </a:schemeClr>
-          </a:lnRef>
-          <a:fillRef idx="1">
-            <a:schemeClr val="accent1"/>
-          </a:fillRef>
-          <a:effectRef idx="0">
-            <a:schemeClr val="accent1"/>
-          </a:effectRef>
-          <a:fontRef idx="minor">
-            <a:schemeClr val="lt1"/>
-          </a:fontRef>
-        </p:style>
-        <p:txBody>
-          <a:bodyPr rtlCol="0" anchor="ctr"/>
-          <a:lstStyle/>
-          <a:p>
-            <a:pPr algn="ctr"/>
-            <a:endParaRPr lang="en-US"/>
-          </a:p>
-        </p:txBody>
-      </p:sp>
-      <p:sp>
-        <p:nvSpPr>
-          <p:cNvPr id="13" name="Rectangle 12">
-            <a:extLst>
-              <a:ext uri="{FF2B5EF4-FFF2-40B4-BE49-F238E27FC236}">
-                <a16:creationId xmlns:a16="http://schemas.microsoft.com/office/drawing/2014/main" id="{1CB1F828-A667-A24C-B8EF-9AA1E0E58C8C}"/>
-              </a:ext>
-            </a:extLst>
-          </p:cNvPr>
-          <p:cNvSpPr/>
-          <p:nvPr/>
-        </p:nvSpPr>
-        <p:spPr>
-          <a:xfrm>
-            <a:off x="6025981" y="3948143"/>
-            <a:ext cx="185066" cy="400110"/>
-          </a:xfrm>
-          <a:prstGeom prst="rect">
-            <a:avLst/>
-          </a:prstGeom>
-          <a:noFill/>
-          <a:ln w="9525">
-            <a:solidFill>
-              <a:srgbClr val="E4754F"/>
-            </a:solidFill>
-          </a:ln>
-        </p:spPr>
-        <p:style>
-          <a:lnRef idx="2">
-            <a:schemeClr val="accent1">
-              <a:shade val="50000"/>
-            </a:schemeClr>
-          </a:lnRef>
-          <a:fillRef idx="1">
-            <a:schemeClr val="accent1"/>
-          </a:fillRef>
-          <a:effectRef idx="0">
-            <a:schemeClr val="accent1"/>
-          </a:effectRef>
-          <a:fontRef idx="minor">
-            <a:schemeClr val="lt1"/>
-          </a:fontRef>
-        </p:style>
-        <p:txBody>
-          <a:bodyPr rtlCol="0" anchor="ctr"/>
-          <a:lstStyle/>
-          <a:p>
-            <a:pPr algn="ctr"/>
-            <a:endParaRPr lang="en-US"/>
           </a:p>
         </p:txBody>
       </p:sp>
     </p:spTree>
     <p:extLst>
       <p:ext uri="{BB962C8B-B14F-4D97-AF65-F5344CB8AC3E}">
-        <p14:creationId xmlns:p14="http://schemas.microsoft.com/office/powerpoint/2010/main" val="1054202971"/>
+        <p14:creationId xmlns:p14="http://schemas.microsoft.com/office/powerpoint/2010/main" val="4205717042"/>
       </p:ext>
     </p:extLst>
   </p:cSld>
@@ -7052,7 +6719,7 @@
           <a:p>
             <a:r>
               <a:rPr lang="en-US" dirty="0"/>
-              <a:t>Each instruction typically solves a piece of the problem</a:t>
+              <a:t>Each instruction typically solves a tiny piece of the problem</a:t>
             </a:r>
           </a:p>
           <a:p>
@@ -7204,7 +6871,7 @@
           <p:cNvPr id="2" name="Title 1">
             <a:extLst>
               <a:ext uri="{FF2B5EF4-FFF2-40B4-BE49-F238E27FC236}">
-                <a16:creationId xmlns:a16="http://schemas.microsoft.com/office/drawing/2014/main" id="{EDDD82E2-5F30-694A-9FB0-4B94CBF9CE63}"/>
+                <a16:creationId xmlns:a16="http://schemas.microsoft.com/office/drawing/2014/main" id="{A5F097E4-274C-6E44-BD46-EB7FF438F860}"/>
               </a:ext>
             </a:extLst>
           </p:cNvPr>
@@ -7222,17 +6889,17 @@
           <a:p>
             <a:r>
               <a:rPr lang="en-US" dirty="0"/>
-              <a:t>Dictionary keys and values</a:t>
-            </a:r>
-          </a:p>
-        </p:txBody>
-      </p:sp>
-      <p:sp>
-        <p:nvSpPr>
-          <p:cNvPr id="7" name="Content Placeholder 6">
-            <a:extLst>
-              <a:ext uri="{FF2B5EF4-FFF2-40B4-BE49-F238E27FC236}">
-                <a16:creationId xmlns:a16="http://schemas.microsoft.com/office/drawing/2014/main" id="{D9651878-4D8F-E241-9550-19FF74352E2E}"/>
+              <a:t>Dictionaries</a:t>
+            </a:r>
+          </a:p>
+        </p:txBody>
+      </p:sp>
+      <p:sp>
+        <p:nvSpPr>
+          <p:cNvPr id="3" name="Content Placeholder 2">
+            <a:extLst>
+              <a:ext uri="{FF2B5EF4-FFF2-40B4-BE49-F238E27FC236}">
+                <a16:creationId xmlns:a16="http://schemas.microsoft.com/office/drawing/2014/main" id="{01F87068-425F-B74B-85A0-1BB836D7FDC4}"/>
               </a:ext>
             </a:extLst>
           </p:cNvPr>
@@ -7243,14 +6910,37 @@
             <p:ph idx="1"/>
           </p:nvPr>
         </p:nvSpPr>
-        <p:spPr/>
-        <p:txBody>
-          <a:bodyPr/>
+        <p:spPr>
+          <a:xfrm>
+            <a:off x="838200" y="1520687"/>
+            <a:ext cx="10515600" cy="5049078"/>
+          </a:xfrm>
+        </p:spPr>
+        <p:txBody>
+          <a:bodyPr>
+            <a:normAutofit/>
+          </a:bodyPr>
           <a:lstStyle/>
           <a:p>
             <a:r>
               <a:rPr lang="en-US" dirty="0"/>
-              <a:t>We can split a dictionary apart to get the keys and values:</a:t>
+              <a:t>If we arrange two lists side-by-side and kind of glue them together, we get a </a:t>
+            </a:r>
+            <a:r>
+              <a:rPr lang="en-US" b="1" dirty="0"/>
+              <a:t>dictionary</a:t>
+            </a:r>
+          </a:p>
+          <a:p>
+            <a:r>
+              <a:rPr lang="en-US" dirty="0"/>
+              <a:t>Dictionaries map one value to another, just like a dictionary in the real world maps a word to a definition</a:t>
+            </a:r>
+          </a:p>
+          <a:p>
+            <a:r>
+              <a:rPr lang="en-US" dirty="0"/>
+              <a:t>Here are two sample dictionaries:</a:t>
             </a:r>
           </a:p>
           <a:p>
@@ -7263,50 +6953,29 @@
             <a:endParaRPr lang="en-US" dirty="0"/>
           </a:p>
           <a:p>
-            <a:endParaRPr lang="en-US" dirty="0"/>
-          </a:p>
-          <a:p>
             <a:r>
               <a:rPr lang="en-US" dirty="0"/>
-              <a:t>Note: this uses the notation </a:t>
-            </a:r>
-            <a:r>
-              <a:rPr lang="en-US" i="1" dirty="0" err="1"/>
-              <a:t>object.function</a:t>
-            </a:r>
-            <a:r>
-              <a:rPr lang="en-US" i="1" dirty="0"/>
-              <a:t>()</a:t>
-            </a:r>
-            <a:r>
+              <a:t>Index by key to get the value; e.g.,</a:t>
+            </a:r>
+            <a:br>
               <a:rPr lang="en-US" dirty="0"/>
-              <a:t>, which you can think of as </a:t>
-            </a:r>
-            <a:r>
-              <a:rPr lang="en-US" i="1" dirty="0"/>
-              <a:t>function(object)</a:t>
-            </a:r>
-            <a:r>
-              <a:rPr lang="en-US" dirty="0"/>
-              <a:t>;</a:t>
-            </a:r>
-            <a:r>
-              <a:rPr lang="en-US" i="1" dirty="0"/>
-              <a:t> </a:t>
-            </a:r>
-            <a:r>
-              <a:rPr lang="en-US" dirty="0"/>
-              <a:t>we’ll learn more about this later</a:t>
+            </a:br>
+            <a:r>
+              <a:rPr lang="en-US" dirty="0">
+                <a:latin typeface="Consolas" panose="020B0609020204030204" pitchFamily="49" charset="0"/>
+                <a:cs typeface="Consolas" panose="020B0609020204030204" pitchFamily="49" charset="0"/>
+              </a:rPr>
+              <a:t>movies['Amadeus']</a:t>
             </a:r>
           </a:p>
         </p:txBody>
       </p:sp>
       <p:pic>
         <p:nvPicPr>
-          <p:cNvPr id="8" name="Content Placeholder 4" descr="Graphical user interface, text, application, chat or text message&#10;&#10;Description automatically generated">
-            <a:extLst>
-              <a:ext uri="{FF2B5EF4-FFF2-40B4-BE49-F238E27FC236}">
-                <a16:creationId xmlns:a16="http://schemas.microsoft.com/office/drawing/2014/main" id="{D24F5846-B7AE-1C47-AEF5-2BD6558E693C}"/>
+          <p:cNvPr id="5" name="Picture 4" descr="Table&#10;&#10;Description automatically generated">
+            <a:extLst>
+              <a:ext uri="{FF2B5EF4-FFF2-40B4-BE49-F238E27FC236}">
+                <a16:creationId xmlns:a16="http://schemas.microsoft.com/office/drawing/2014/main" id="{656821FC-517D-F749-9A4F-6D7329C5925E}"/>
               </a:ext>
             </a:extLst>
           </p:cNvPr>
@@ -7323,18 +6992,337 @@
         </p:blipFill>
         <p:spPr>
           <a:xfrm>
-            <a:off x="3586151" y="2436155"/>
-            <a:ext cx="5019698" cy="1728339"/>
+            <a:off x="7979587" y="3342096"/>
+            <a:ext cx="3291387" cy="2878489"/>
           </a:xfrm>
           <a:prstGeom prst="rect">
             <a:avLst/>
           </a:prstGeom>
         </p:spPr>
       </p:pic>
+      <p:sp>
+        <p:nvSpPr>
+          <p:cNvPr id="6" name="Rectangle 5">
+            <a:extLst>
+              <a:ext uri="{FF2B5EF4-FFF2-40B4-BE49-F238E27FC236}">
+                <a16:creationId xmlns:a16="http://schemas.microsoft.com/office/drawing/2014/main" id="{2DFA525B-7D42-3745-8834-4D494B50CD04}"/>
+              </a:ext>
+            </a:extLst>
+          </p:cNvPr>
+          <p:cNvSpPr/>
+          <p:nvPr/>
+        </p:nvSpPr>
+        <p:spPr>
+          <a:xfrm>
+            <a:off x="1071087" y="3910257"/>
+            <a:ext cx="5968301" cy="400110"/>
+          </a:xfrm>
+          <a:prstGeom prst="rect">
+            <a:avLst/>
+          </a:prstGeom>
+        </p:spPr>
+        <p:txBody>
+          <a:bodyPr wrap="none">
+            <a:spAutoFit/>
+          </a:bodyPr>
+          <a:lstStyle/>
+          <a:p>
+            <a:r>
+              <a:rPr lang="en-US" sz="2000" dirty="0">
+                <a:latin typeface="Consolas" panose="020B0609020204030204" pitchFamily="49" charset="0"/>
+                <a:cs typeface="Consolas" panose="020B0609020204030204" pitchFamily="49" charset="0"/>
+              </a:rPr>
+              <a:t>movies = {'Amadeus':1984, 'Witness':1985}</a:t>
+            </a:r>
+          </a:p>
+        </p:txBody>
+      </p:sp>
+      <p:pic>
+        <p:nvPicPr>
+          <p:cNvPr id="8" name="Picture 7" descr="Text&#10;&#10;Description automatically generated with medium confidence">
+            <a:extLst>
+              <a:ext uri="{FF2B5EF4-FFF2-40B4-BE49-F238E27FC236}">
+                <a16:creationId xmlns:a16="http://schemas.microsoft.com/office/drawing/2014/main" id="{0A8B9B5D-9038-9C4D-965D-72DF349329ED}"/>
+              </a:ext>
+            </a:extLst>
+          </p:cNvPr>
+          <p:cNvPicPr>
+            <a:picLocks noChangeAspect="1"/>
+          </p:cNvPicPr>
+          <p:nvPr/>
+        </p:nvPicPr>
+        <p:blipFill>
+          <a:blip r:embed="rId3"/>
+          <a:stretch>
+            <a:fillRect/>
+          </a:stretch>
+        </p:blipFill>
+        <p:spPr>
+          <a:xfrm>
+            <a:off x="3001137" y="4386139"/>
+            <a:ext cx="2108200" cy="812800"/>
+          </a:xfrm>
+          <a:prstGeom prst="rect">
+            <a:avLst/>
+          </a:prstGeom>
+        </p:spPr>
+      </p:pic>
+      <p:sp>
+        <p:nvSpPr>
+          <p:cNvPr id="9" name="TextBox 8">
+            <a:extLst>
+              <a:ext uri="{FF2B5EF4-FFF2-40B4-BE49-F238E27FC236}">
+                <a16:creationId xmlns:a16="http://schemas.microsoft.com/office/drawing/2014/main" id="{508564DF-B83E-5E4C-934A-8A3A8C8F4123}"/>
+              </a:ext>
+            </a:extLst>
+          </p:cNvPr>
+          <p:cNvSpPr txBox="1"/>
+          <p:nvPr/>
+        </p:nvSpPr>
+        <p:spPr>
+          <a:xfrm>
+            <a:off x="0" y="6492875"/>
+            <a:ext cx="2877711" cy="369332"/>
+          </a:xfrm>
+          <a:prstGeom prst="rect">
+            <a:avLst/>
+          </a:prstGeom>
+          <a:noFill/>
+        </p:spPr>
+        <p:txBody>
+          <a:bodyPr wrap="none" rtlCol="0">
+            <a:spAutoFit/>
+          </a:bodyPr>
+          <a:lstStyle/>
+          <a:p>
+            <a:r>
+              <a:rPr lang="en-US" dirty="0">
+                <a:hlinkClick r:id="rId4"/>
+              </a:rPr>
+              <a:t>Experiment in </a:t>
+            </a:r>
+            <a:r>
+              <a:rPr lang="en-US" dirty="0" err="1">
+                <a:hlinkClick r:id="rId5"/>
+              </a:rPr>
+              <a:t>pythontutor</a:t>
+            </a:r>
+            <a:endParaRPr lang="en-US" dirty="0"/>
+          </a:p>
+        </p:txBody>
+      </p:sp>
+      <p:sp>
+        <p:nvSpPr>
+          <p:cNvPr id="10" name="Rectangle 9">
+            <a:extLst>
+              <a:ext uri="{FF2B5EF4-FFF2-40B4-BE49-F238E27FC236}">
+                <a16:creationId xmlns:a16="http://schemas.microsoft.com/office/drawing/2014/main" id="{4C705128-242B-E44A-872F-871D35EE4239}"/>
+              </a:ext>
+            </a:extLst>
+          </p:cNvPr>
+          <p:cNvSpPr/>
+          <p:nvPr/>
+        </p:nvSpPr>
+        <p:spPr>
+          <a:xfrm>
+            <a:off x="2399108" y="3948143"/>
+            <a:ext cx="185066" cy="400110"/>
+          </a:xfrm>
+          <a:prstGeom prst="rect">
+            <a:avLst/>
+          </a:prstGeom>
+          <a:noFill/>
+          <a:ln w="9525">
+            <a:solidFill>
+              <a:srgbClr val="E4754F"/>
+            </a:solidFill>
+          </a:ln>
+        </p:spPr>
+        <p:style>
+          <a:lnRef idx="2">
+            <a:schemeClr val="accent1">
+              <a:shade val="50000"/>
+            </a:schemeClr>
+          </a:lnRef>
+          <a:fillRef idx="1">
+            <a:schemeClr val="accent1"/>
+          </a:fillRef>
+          <a:effectRef idx="0">
+            <a:schemeClr val="accent1"/>
+          </a:effectRef>
+          <a:fontRef idx="minor">
+            <a:schemeClr val="lt1"/>
+          </a:fontRef>
+        </p:style>
+        <p:txBody>
+          <a:bodyPr rtlCol="0" anchor="ctr"/>
+          <a:lstStyle/>
+          <a:p>
+            <a:pPr algn="ctr"/>
+            <a:endParaRPr lang="en-US"/>
+          </a:p>
+        </p:txBody>
+      </p:sp>
+      <p:sp>
+        <p:nvSpPr>
+          <p:cNvPr id="11" name="Rectangle 10">
+            <a:extLst>
+              <a:ext uri="{FF2B5EF4-FFF2-40B4-BE49-F238E27FC236}">
+                <a16:creationId xmlns:a16="http://schemas.microsoft.com/office/drawing/2014/main" id="{2CF5C6C6-1F5C-8348-AE8B-5302068848CE}"/>
+              </a:ext>
+            </a:extLst>
+          </p:cNvPr>
+          <p:cNvSpPr/>
+          <p:nvPr/>
+        </p:nvSpPr>
+        <p:spPr>
+          <a:xfrm>
+            <a:off x="3795278" y="3948143"/>
+            <a:ext cx="185066" cy="400110"/>
+          </a:xfrm>
+          <a:prstGeom prst="rect">
+            <a:avLst/>
+          </a:prstGeom>
+          <a:noFill/>
+          <a:ln w="9525">
+            <a:solidFill>
+              <a:srgbClr val="E4754F"/>
+            </a:solidFill>
+          </a:ln>
+        </p:spPr>
+        <p:style>
+          <a:lnRef idx="2">
+            <a:schemeClr val="accent1">
+              <a:shade val="50000"/>
+            </a:schemeClr>
+          </a:lnRef>
+          <a:fillRef idx="1">
+            <a:schemeClr val="accent1"/>
+          </a:fillRef>
+          <a:effectRef idx="0">
+            <a:schemeClr val="accent1"/>
+          </a:effectRef>
+          <a:fontRef idx="minor">
+            <a:schemeClr val="lt1"/>
+          </a:fontRef>
+        </p:style>
+        <p:txBody>
+          <a:bodyPr rtlCol="0" anchor="ctr"/>
+          <a:lstStyle/>
+          <a:p>
+            <a:pPr algn="ctr"/>
+            <a:endParaRPr lang="en-US"/>
+          </a:p>
+        </p:txBody>
+      </p:sp>
+      <p:sp>
+        <p:nvSpPr>
+          <p:cNvPr id="12" name="Rectangle 11">
+            <a:extLst>
+              <a:ext uri="{FF2B5EF4-FFF2-40B4-BE49-F238E27FC236}">
+                <a16:creationId xmlns:a16="http://schemas.microsoft.com/office/drawing/2014/main" id="{43DD2F8B-DC4A-9742-BB66-C83CEA4B8369}"/>
+              </a:ext>
+            </a:extLst>
+          </p:cNvPr>
+          <p:cNvSpPr/>
+          <p:nvPr/>
+        </p:nvSpPr>
+        <p:spPr>
+          <a:xfrm>
+            <a:off x="6745869" y="3948143"/>
+            <a:ext cx="185066" cy="400110"/>
+          </a:xfrm>
+          <a:prstGeom prst="rect">
+            <a:avLst/>
+          </a:prstGeom>
+          <a:noFill/>
+          <a:ln w="9525">
+            <a:solidFill>
+              <a:srgbClr val="E4754F"/>
+            </a:solidFill>
+          </a:ln>
+        </p:spPr>
+        <p:style>
+          <a:lnRef idx="2">
+            <a:schemeClr val="accent1">
+              <a:shade val="50000"/>
+            </a:schemeClr>
+          </a:lnRef>
+          <a:fillRef idx="1">
+            <a:schemeClr val="accent1"/>
+          </a:fillRef>
+          <a:effectRef idx="0">
+            <a:schemeClr val="accent1"/>
+          </a:effectRef>
+          <a:fontRef idx="minor">
+            <a:schemeClr val="lt1"/>
+          </a:fontRef>
+        </p:style>
+        <p:txBody>
+          <a:bodyPr rtlCol="0" anchor="ctr"/>
+          <a:lstStyle/>
+          <a:p>
+            <a:pPr algn="ctr"/>
+            <a:endParaRPr lang="en-US"/>
+          </a:p>
+        </p:txBody>
+      </p:sp>
+      <p:sp>
+        <p:nvSpPr>
+          <p:cNvPr id="13" name="Rectangle 12">
+            <a:extLst>
+              <a:ext uri="{FF2B5EF4-FFF2-40B4-BE49-F238E27FC236}">
+                <a16:creationId xmlns:a16="http://schemas.microsoft.com/office/drawing/2014/main" id="{1CB1F828-A667-A24C-B8EF-9AA1E0E58C8C}"/>
+              </a:ext>
+            </a:extLst>
+          </p:cNvPr>
+          <p:cNvSpPr/>
+          <p:nvPr/>
+        </p:nvSpPr>
+        <p:spPr>
+          <a:xfrm>
+            <a:off x="6025981" y="3948143"/>
+            <a:ext cx="185066" cy="400110"/>
+          </a:xfrm>
+          <a:prstGeom prst="rect">
+            <a:avLst/>
+          </a:prstGeom>
+          <a:noFill/>
+          <a:ln w="9525">
+            <a:solidFill>
+              <a:srgbClr val="E4754F"/>
+            </a:solidFill>
+          </a:ln>
+        </p:spPr>
+        <p:style>
+          <a:lnRef idx="2">
+            <a:schemeClr val="accent1">
+              <a:shade val="50000"/>
+            </a:schemeClr>
+          </a:lnRef>
+          <a:fillRef idx="1">
+            <a:schemeClr val="accent1"/>
+          </a:fillRef>
+          <a:effectRef idx="0">
+            <a:schemeClr val="accent1"/>
+          </a:effectRef>
+          <a:fontRef idx="minor">
+            <a:schemeClr val="lt1"/>
+          </a:fontRef>
+        </p:style>
+        <p:txBody>
+          <a:bodyPr rtlCol="0" anchor="ctr"/>
+          <a:lstStyle/>
+          <a:p>
+            <a:pPr algn="ctr"/>
+            <a:endParaRPr lang="en-US"/>
+          </a:p>
+        </p:txBody>
+      </p:sp>
     </p:spTree>
     <p:extLst>
       <p:ext uri="{BB962C8B-B14F-4D97-AF65-F5344CB8AC3E}">
-        <p14:creationId xmlns:p14="http://schemas.microsoft.com/office/powerpoint/2010/main" val="2286984554"/>
+        <p14:creationId xmlns:p14="http://schemas.microsoft.com/office/powerpoint/2010/main" val="1054202971"/>
       </p:ext>
     </p:extLst>
   </p:cSld>
@@ -7366,7 +7354,7 @@
           <p:cNvPr id="2" name="Title 1">
             <a:extLst>
               <a:ext uri="{FF2B5EF4-FFF2-40B4-BE49-F238E27FC236}">
-                <a16:creationId xmlns:a16="http://schemas.microsoft.com/office/drawing/2014/main" id="{DCC98C75-FEFA-DA4F-9D86-20164BF53C27}"/>
+                <a16:creationId xmlns:a16="http://schemas.microsoft.com/office/drawing/2014/main" id="{EDDD82E2-5F30-694A-9FB0-4B94CBF9CE63}"/>
               </a:ext>
             </a:extLst>
           </p:cNvPr>
@@ -7384,17 +7372,17 @@
           <a:p>
             <a:r>
               <a:rPr lang="en-US" dirty="0"/>
-              <a:t>Iterating through a dictionary</a:t>
-            </a:r>
-          </a:p>
-        </p:txBody>
-      </p:sp>
-      <p:sp>
-        <p:nvSpPr>
-          <p:cNvPr id="3" name="Content Placeholder 2">
-            <a:extLst>
-              <a:ext uri="{FF2B5EF4-FFF2-40B4-BE49-F238E27FC236}">
-                <a16:creationId xmlns:a16="http://schemas.microsoft.com/office/drawing/2014/main" id="{85B16AE7-C71A-A94D-A53F-CCE2CA5226B4}"/>
+              <a:t>Dictionary keys and values</a:t>
+            </a:r>
+          </a:p>
+        </p:txBody>
+      </p:sp>
+      <p:sp>
+        <p:nvSpPr>
+          <p:cNvPr id="7" name="Content Placeholder 6">
+            <a:extLst>
+              <a:ext uri="{FF2B5EF4-FFF2-40B4-BE49-F238E27FC236}">
+                <a16:creationId xmlns:a16="http://schemas.microsoft.com/office/drawing/2014/main" id="{D9651878-4D8F-E241-9550-19FF74352E2E}"/>
               </a:ext>
             </a:extLst>
           </p:cNvPr>
@@ -7405,37 +7393,70 @@
             <p:ph idx="1"/>
           </p:nvPr>
         </p:nvSpPr>
-        <p:spPr>
-          <a:xfrm>
-            <a:off x="838200" y="1825625"/>
-            <a:ext cx="5463209" cy="4351338"/>
-          </a:xfrm>
-        </p:spPr>
+        <p:spPr/>
         <p:txBody>
           <a:bodyPr/>
           <a:lstStyle/>
           <a:p>
             <a:r>
               <a:rPr lang="en-US" dirty="0"/>
-              <a:t>We can walk the keys/values of a dictionary with a </a:t>
+              <a:t>We can split a dictionary apart to get the keys and values:</a:t>
+            </a:r>
+          </a:p>
+          <a:p>
+            <a:endParaRPr lang="en-US" dirty="0"/>
+          </a:p>
+          <a:p>
+            <a:endParaRPr lang="en-US" dirty="0"/>
+          </a:p>
+          <a:p>
+            <a:endParaRPr lang="en-US" dirty="0"/>
+          </a:p>
+          <a:p>
+            <a:endParaRPr lang="en-US" dirty="0"/>
+          </a:p>
+          <a:p>
+            <a:r>
+              <a:rPr lang="en-US" dirty="0"/>
+              <a:t>Note: this uses the notation </a:t>
+            </a:r>
+            <a:r>
+              <a:rPr lang="en-US" i="1" dirty="0" err="1"/>
+              <a:t>object.function</a:t>
             </a:r>
             <a:r>
               <a:rPr lang="en-US" i="1" dirty="0"/>
-              <a:t>for-each</a:t>
+              <a:t>()</a:t>
             </a:r>
             <a:r>
               <a:rPr lang="en-US" dirty="0"/>
-              <a:t> loop</a:t>
+              <a:t>, which you can think of as </a:t>
+            </a:r>
+            <a:r>
+              <a:rPr lang="en-US" i="1" dirty="0"/>
+              <a:t>function(object)</a:t>
+            </a:r>
+            <a:r>
+              <a:rPr lang="en-US" dirty="0"/>
+              <a:t>;</a:t>
+            </a:r>
+            <a:r>
+              <a:rPr lang="en-US" i="1" dirty="0"/>
+              <a:t> </a:t>
+            </a:r>
+            <a:r>
+              <a:rPr lang="en-US" dirty="0"/>
+              <a:t>we’ll learn more about this later</a:t>
             </a:r>
           </a:p>
         </p:txBody>
       </p:sp>
       <p:pic>
         <p:nvPicPr>
-          <p:cNvPr id="6" name="Picture 5" descr="Graphical user interface, text, application, email&#10;&#10;Description automatically generated">
-            <a:extLst>
-              <a:ext uri="{FF2B5EF4-FFF2-40B4-BE49-F238E27FC236}">
-                <a16:creationId xmlns:a16="http://schemas.microsoft.com/office/drawing/2014/main" id="{59303C0E-6AAC-A143-9737-218EA81FBC25}"/>
+          <p:cNvPr id="8" name="Content Placeholder 4" descr="Graphical user interface, text, application, chat or text message&#10;&#10;Description automatically generated">
+            <a:extLst>
+              <a:ext uri="{FF2B5EF4-FFF2-40B4-BE49-F238E27FC236}">
+                <a16:creationId xmlns:a16="http://schemas.microsoft.com/office/drawing/2014/main" id="{D24F5846-B7AE-1C47-AEF5-2BD6558E693C}"/>
               </a:ext>
             </a:extLst>
           </p:cNvPr>
@@ -7452,53 +7473,18 @@
         </p:blipFill>
         <p:spPr>
           <a:xfrm>
-            <a:off x="6301409" y="1690688"/>
-            <a:ext cx="5676653" cy="5140601"/>
+            <a:off x="3586151" y="2436155"/>
+            <a:ext cx="5019698" cy="1728339"/>
           </a:xfrm>
           <a:prstGeom prst="rect">
             <a:avLst/>
           </a:prstGeom>
         </p:spPr>
       </p:pic>
-      <p:sp>
-        <p:nvSpPr>
-          <p:cNvPr id="7" name="TextBox 6">
-            <a:extLst>
-              <a:ext uri="{FF2B5EF4-FFF2-40B4-BE49-F238E27FC236}">
-                <a16:creationId xmlns:a16="http://schemas.microsoft.com/office/drawing/2014/main" id="{2A9B8E69-7875-2145-9ED8-B8FF872E7AB7}"/>
-              </a:ext>
-            </a:extLst>
-          </p:cNvPr>
-          <p:cNvSpPr txBox="1"/>
-          <p:nvPr/>
-        </p:nvSpPr>
-        <p:spPr>
-          <a:xfrm rot="18986076">
-            <a:off x="4174435" y="4778563"/>
-            <a:ext cx="2403222" cy="369332"/>
-          </a:xfrm>
-          <a:prstGeom prst="rect">
-            <a:avLst/>
-          </a:prstGeom>
-          <a:noFill/>
-        </p:spPr>
-        <p:txBody>
-          <a:bodyPr wrap="none" rtlCol="0">
-            <a:spAutoFit/>
-          </a:bodyPr>
-          <a:lstStyle/>
-          <a:p>
-            <a:r>
-              <a:rPr lang="en-US" i="1" dirty="0"/>
-              <a:t>More on looping next!</a:t>
-            </a:r>
-          </a:p>
-        </p:txBody>
-      </p:sp>
     </p:spTree>
     <p:extLst>
       <p:ext uri="{BB962C8B-B14F-4D97-AF65-F5344CB8AC3E}">
-        <p14:creationId xmlns:p14="http://schemas.microsoft.com/office/powerpoint/2010/main" val="545057217"/>
+        <p14:creationId xmlns:p14="http://schemas.microsoft.com/office/powerpoint/2010/main" val="2286984554"/>
       </p:ext>
     </p:extLst>
   </p:cSld>
@@ -7530,7 +7516,7 @@
           <p:cNvPr id="2" name="Title 1">
             <a:extLst>
               <a:ext uri="{FF2B5EF4-FFF2-40B4-BE49-F238E27FC236}">
-                <a16:creationId xmlns:a16="http://schemas.microsoft.com/office/drawing/2014/main" id="{427A9ADF-55F4-8C46-8820-3D2FB2BBBAE7}"/>
+                <a16:creationId xmlns:a16="http://schemas.microsoft.com/office/drawing/2014/main" id="{DCC98C75-FEFA-DA4F-9D86-20164BF53C27}"/>
               </a:ext>
             </a:extLst>
           </p:cNvPr>
@@ -7548,40 +7534,121 @@
           <a:p>
             <a:r>
               <a:rPr lang="en-US" dirty="0"/>
-              <a:t>More on looping</a:t>
-            </a:r>
-          </a:p>
-        </p:txBody>
-      </p:sp>
-      <p:sp>
-        <p:nvSpPr>
-          <p:cNvPr id="3" name="Text Placeholder 2">
-            <a:extLst>
-              <a:ext uri="{FF2B5EF4-FFF2-40B4-BE49-F238E27FC236}">
-                <a16:creationId xmlns:a16="http://schemas.microsoft.com/office/drawing/2014/main" id="{1460E07F-423D-5641-9862-44B8D7A021C4}"/>
-              </a:ext>
-            </a:extLst>
-          </p:cNvPr>
-          <p:cNvSpPr>
-            <a:spLocks noGrp="1"/>
-          </p:cNvSpPr>
-          <p:nvPr>
-            <p:ph type="body" idx="1"/>
-          </p:nvPr>
-        </p:nvSpPr>
-        <p:spPr/>
+              <a:t>Iterating through a dictionary</a:t>
+            </a:r>
+          </a:p>
+        </p:txBody>
+      </p:sp>
+      <p:sp>
+        <p:nvSpPr>
+          <p:cNvPr id="3" name="Content Placeholder 2">
+            <a:extLst>
+              <a:ext uri="{FF2B5EF4-FFF2-40B4-BE49-F238E27FC236}">
+                <a16:creationId xmlns:a16="http://schemas.microsoft.com/office/drawing/2014/main" id="{85B16AE7-C71A-A94D-A53F-CCE2CA5226B4}"/>
+              </a:ext>
+            </a:extLst>
+          </p:cNvPr>
+          <p:cNvSpPr>
+            <a:spLocks noGrp="1"/>
+          </p:cNvSpPr>
+          <p:nvPr>
+            <p:ph idx="1"/>
+          </p:nvPr>
+        </p:nvSpPr>
+        <p:spPr>
+          <a:xfrm>
+            <a:off x="838200" y="1825625"/>
+            <a:ext cx="5463209" cy="4351338"/>
+          </a:xfrm>
+        </p:spPr>
         <p:txBody>
           <a:bodyPr/>
           <a:lstStyle/>
           <a:p>
-            <a:endParaRPr lang="en-US" dirty="0"/>
+            <a:r>
+              <a:rPr lang="en-US" dirty="0"/>
+              <a:t>We can walk the keys/values of a dictionary with a </a:t>
+            </a:r>
+            <a:r>
+              <a:rPr lang="en-US" i="1" dirty="0"/>
+              <a:t>for-each</a:t>
+            </a:r>
+            <a:r>
+              <a:rPr lang="en-US" dirty="0"/>
+              <a:t> loop</a:t>
+            </a:r>
+          </a:p>
+        </p:txBody>
+      </p:sp>
+      <p:pic>
+        <p:nvPicPr>
+          <p:cNvPr id="6" name="Picture 5" descr="Graphical user interface, text, application, email&#10;&#10;Description automatically generated">
+            <a:extLst>
+              <a:ext uri="{FF2B5EF4-FFF2-40B4-BE49-F238E27FC236}">
+                <a16:creationId xmlns:a16="http://schemas.microsoft.com/office/drawing/2014/main" id="{59303C0E-6AAC-A143-9737-218EA81FBC25}"/>
+              </a:ext>
+            </a:extLst>
+          </p:cNvPr>
+          <p:cNvPicPr>
+            <a:picLocks noChangeAspect="1"/>
+          </p:cNvPicPr>
+          <p:nvPr/>
+        </p:nvPicPr>
+        <p:blipFill>
+          <a:blip r:embed="rId2"/>
+          <a:stretch>
+            <a:fillRect/>
+          </a:stretch>
+        </p:blipFill>
+        <p:spPr>
+          <a:xfrm>
+            <a:off x="6301409" y="1690688"/>
+            <a:ext cx="5676653" cy="5140601"/>
+          </a:xfrm>
+          <a:prstGeom prst="rect">
+            <a:avLst/>
+          </a:prstGeom>
+        </p:spPr>
+      </p:pic>
+      <p:sp>
+        <p:nvSpPr>
+          <p:cNvPr id="7" name="TextBox 6">
+            <a:extLst>
+              <a:ext uri="{FF2B5EF4-FFF2-40B4-BE49-F238E27FC236}">
+                <a16:creationId xmlns:a16="http://schemas.microsoft.com/office/drawing/2014/main" id="{2A9B8E69-7875-2145-9ED8-B8FF872E7AB7}"/>
+              </a:ext>
+            </a:extLst>
+          </p:cNvPr>
+          <p:cNvSpPr txBox="1"/>
+          <p:nvPr/>
+        </p:nvSpPr>
+        <p:spPr>
+          <a:xfrm rot="18986076">
+            <a:off x="4174435" y="4778563"/>
+            <a:ext cx="2403222" cy="369332"/>
+          </a:xfrm>
+          <a:prstGeom prst="rect">
+            <a:avLst/>
+          </a:prstGeom>
+          <a:noFill/>
+        </p:spPr>
+        <p:txBody>
+          <a:bodyPr wrap="none" rtlCol="0">
+            <a:spAutoFit/>
+          </a:bodyPr>
+          <a:lstStyle/>
+          <a:p>
+            <a:r>
+              <a:rPr lang="en-US" i="1" dirty="0"/>
+              <a:t>More on looping next!</a:t>
+            </a:r>
           </a:p>
         </p:txBody>
       </p:sp>
     </p:spTree>
     <p:extLst>
       <p:ext uri="{BB962C8B-B14F-4D97-AF65-F5344CB8AC3E}">
-        <p14:creationId xmlns:p14="http://schemas.microsoft.com/office/powerpoint/2010/main" val="2528347990"/>
+        <p14:creationId xmlns:p14="http://schemas.microsoft.com/office/powerpoint/2010/main" val="545057217"/>
       </p:ext>
     </p:extLst>
   </p:cSld>
@@ -7613,7 +7680,7 @@
           <p:cNvPr id="2" name="Title 1">
             <a:extLst>
               <a:ext uri="{FF2B5EF4-FFF2-40B4-BE49-F238E27FC236}">
-                <a16:creationId xmlns:a16="http://schemas.microsoft.com/office/drawing/2014/main" id="{E9982582-411C-8C46-A787-7E357E5B229E}"/>
+                <a16:creationId xmlns:a16="http://schemas.microsoft.com/office/drawing/2014/main" id="{427A9ADF-55F4-8C46-8820-3D2FB2BBBAE7}"/>
               </a:ext>
             </a:extLst>
           </p:cNvPr>
@@ -7631,123 +7698,40 @@
           <a:p>
             <a:r>
               <a:rPr lang="en-US" dirty="0"/>
-              <a:t>For-loops</a:t>
-            </a:r>
-          </a:p>
-        </p:txBody>
-      </p:sp>
-      <p:sp>
-        <p:nvSpPr>
-          <p:cNvPr id="3" name="Content Placeholder 2">
-            <a:extLst>
-              <a:ext uri="{FF2B5EF4-FFF2-40B4-BE49-F238E27FC236}">
-                <a16:creationId xmlns:a16="http://schemas.microsoft.com/office/drawing/2014/main" id="{79CDB372-1D0F-1142-A023-EB0236A7732C}"/>
-              </a:ext>
-            </a:extLst>
-          </p:cNvPr>
-          <p:cNvSpPr>
-            <a:spLocks noGrp="1"/>
-          </p:cNvSpPr>
-          <p:nvPr>
-            <p:ph idx="1"/>
+              <a:t>More on looping</a:t>
+            </a:r>
+          </a:p>
+        </p:txBody>
+      </p:sp>
+      <p:sp>
+        <p:nvSpPr>
+          <p:cNvPr id="3" name="Text Placeholder 2">
+            <a:extLst>
+              <a:ext uri="{FF2B5EF4-FFF2-40B4-BE49-F238E27FC236}">
+                <a16:creationId xmlns:a16="http://schemas.microsoft.com/office/drawing/2014/main" id="{1460E07F-423D-5641-9862-44B8D7A021C4}"/>
+              </a:ext>
+            </a:extLst>
+          </p:cNvPr>
+          <p:cNvSpPr>
+            <a:spLocks noGrp="1"/>
+          </p:cNvSpPr>
+          <p:nvPr>
+            <p:ph type="body" idx="1"/>
           </p:nvPr>
         </p:nvSpPr>
         <p:spPr/>
         <p:txBody>
-          <a:bodyPr>
-            <a:normAutofit/>
-          </a:bodyPr>
-          <a:lstStyle/>
-          <a:p>
-            <a:r>
-              <a:rPr lang="en-US" dirty="0">
-                <a:hlinkClick r:id="rId2"/>
-              </a:rPr>
-              <a:t>range loops</a:t>
-            </a:r>
+          <a:bodyPr/>
+          <a:lstStyle/>
+          <a:p>
             <a:endParaRPr lang="en-US" dirty="0"/>
           </a:p>
-          <a:p>
-            <a:r>
-              <a:rPr lang="en-US" dirty="0">
-                <a:hlinkClick r:id="rId3"/>
-              </a:rPr>
-              <a:t>for-each loops</a:t>
-            </a:r>
-            <a:endParaRPr lang="en-US" dirty="0"/>
-          </a:p>
-          <a:p>
-            <a:r>
-              <a:rPr lang="en-US" dirty="0">
-                <a:hlinkClick r:id="rId4"/>
-              </a:rPr>
-              <a:t>loop with enumerate()</a:t>
-            </a:r>
-            <a:endParaRPr lang="en-US" dirty="0"/>
-          </a:p>
-          <a:p>
-            <a:r>
-              <a:rPr lang="en-US" dirty="0">
-                <a:hlinkClick r:id="rId5"/>
-              </a:rPr>
-              <a:t>watch row var iterate through list-of-list rows</a:t>
-            </a:r>
-            <a:endParaRPr lang="en-US" dirty="0"/>
-          </a:p>
-          <a:p>
-            <a:r>
-              <a:rPr lang="en-US" dirty="0">
-                <a:hlinkClick r:id="rId6"/>
-              </a:rPr>
-              <a:t>indexed loop using range</a:t>
-            </a:r>
-            <a:endParaRPr lang="en-US" dirty="0"/>
-          </a:p>
-          <a:p>
-            <a:r>
-              <a:rPr lang="en-US" dirty="0">
-                <a:hlinkClick r:id="rId7"/>
-              </a:rPr>
-              <a:t>zip'd loop</a:t>
-            </a:r>
-            <a:endParaRPr lang="en-US" dirty="0"/>
-          </a:p>
-        </p:txBody>
-      </p:sp>
-      <p:pic>
-        <p:nvPicPr>
-          <p:cNvPr id="5" name="Picture 4">
-            <a:extLst>
-              <a:ext uri="{FF2B5EF4-FFF2-40B4-BE49-F238E27FC236}">
-                <a16:creationId xmlns:a16="http://schemas.microsoft.com/office/drawing/2014/main" id="{4778C563-7430-2044-A619-4F98E8738B7A}"/>
-              </a:ext>
-            </a:extLst>
-          </p:cNvPr>
-          <p:cNvPicPr>
-            <a:picLocks noChangeAspect="1"/>
-          </p:cNvPicPr>
-          <p:nvPr/>
-        </p:nvPicPr>
-        <p:blipFill>
-          <a:blip r:embed="rId8"/>
-          <a:stretch>
-            <a:fillRect/>
-          </a:stretch>
-        </p:blipFill>
-        <p:spPr>
-          <a:xfrm>
-            <a:off x="5888945" y="495254"/>
-            <a:ext cx="5044410" cy="1671694"/>
-          </a:xfrm>
-          <a:prstGeom prst="rect">
-            <a:avLst/>
-          </a:prstGeom>
-        </p:spPr>
-      </p:pic>
+        </p:txBody>
+      </p:sp>
     </p:spTree>
     <p:extLst>
       <p:ext uri="{BB962C8B-B14F-4D97-AF65-F5344CB8AC3E}">
-        <p14:creationId xmlns:p14="http://schemas.microsoft.com/office/powerpoint/2010/main" val="2685847471"/>
+        <p14:creationId xmlns:p14="http://schemas.microsoft.com/office/powerpoint/2010/main" val="2528347990"/>
       </p:ext>
     </p:extLst>
   </p:cSld>
@@ -7779,7 +7763,7 @@
           <p:cNvPr id="2" name="Title 1">
             <a:extLst>
               <a:ext uri="{FF2B5EF4-FFF2-40B4-BE49-F238E27FC236}">
-                <a16:creationId xmlns:a16="http://schemas.microsoft.com/office/drawing/2014/main" id="{E74290A9-8CE1-944F-A79A-0A9893D50374}"/>
+                <a16:creationId xmlns:a16="http://schemas.microsoft.com/office/drawing/2014/main" id="{E9982582-411C-8C46-A787-7E357E5B229E}"/>
               </a:ext>
             </a:extLst>
           </p:cNvPr>
@@ -7797,7 +7781,7 @@
           <a:p>
             <a:r>
               <a:rPr lang="en-US" dirty="0"/>
-              <a:t>Combined conditional / loop</a:t>
+              <a:t>For-loops</a:t>
             </a:r>
           </a:p>
         </p:txBody>
@@ -7807,7 +7791,7 @@
           <p:cNvPr id="3" name="Content Placeholder 2">
             <a:extLst>
               <a:ext uri="{FF2B5EF4-FFF2-40B4-BE49-F238E27FC236}">
-                <a16:creationId xmlns:a16="http://schemas.microsoft.com/office/drawing/2014/main" id="{EE351ED9-5BDF-7541-95C8-1AFF67BD8FC4}"/>
+                <a16:creationId xmlns:a16="http://schemas.microsoft.com/office/drawing/2014/main" id="{79CDB372-1D0F-1142-A023-EB0236A7732C}"/>
               </a:ext>
             </a:extLst>
           </p:cNvPr>
@@ -7818,162 +7802,65 @@
             <p:ph idx="1"/>
           </p:nvPr>
         </p:nvSpPr>
-        <p:spPr>
-          <a:xfrm>
-            <a:off x="838200" y="1400784"/>
-            <a:ext cx="10515600" cy="4776180"/>
-          </a:xfrm>
-        </p:spPr>
-        <p:txBody>
-          <a:bodyPr/>
-          <a:lstStyle/>
-          <a:p>
-            <a:r>
-              <a:rPr lang="en-US" dirty="0"/>
-              <a:t>Now that we have some basic Python skills, let's look at more complicated loop-related constructions starting with a combination:</a:t>
-            </a:r>
-          </a:p>
-        </p:txBody>
-      </p:sp>
-      <p:sp>
-        <p:nvSpPr>
-          <p:cNvPr id="4" name="TextBox 3">
-            <a:extLst>
-              <a:ext uri="{FF2B5EF4-FFF2-40B4-BE49-F238E27FC236}">
-                <a16:creationId xmlns:a16="http://schemas.microsoft.com/office/drawing/2014/main" id="{C5DC87D9-EA28-1740-B6C9-EF4F3930095D}"/>
-              </a:ext>
-            </a:extLst>
-          </p:cNvPr>
-          <p:cNvSpPr txBox="1"/>
-          <p:nvPr/>
-        </p:nvSpPr>
-        <p:spPr>
-          <a:xfrm>
-            <a:off x="5042233" y="3098308"/>
-            <a:ext cx="4432624" cy="1938992"/>
-          </a:xfrm>
-          <a:prstGeom prst="rect">
-            <a:avLst/>
-          </a:prstGeom>
-          <a:noFill/>
-          <a:ln>
-            <a:solidFill>
-              <a:schemeClr val="accent1"/>
-            </a:solidFill>
-          </a:ln>
-        </p:spPr>
-        <p:txBody>
-          <a:bodyPr wrap="none" rtlCol="0">
-            <a:spAutoFit/>
+        <p:spPr/>
+        <p:txBody>
+          <a:bodyPr>
+            <a:normAutofit/>
           </a:bodyPr>
           <a:lstStyle/>
           <a:p>
             <a:r>
-              <a:rPr lang="en-US" sz="2400" dirty="0" err="1">
-                <a:latin typeface="Consolas" panose="020B0609020204030204" pitchFamily="49" charset="0"/>
-                <a:cs typeface="Consolas" panose="020B0609020204030204" pitchFamily="49" charset="0"/>
+              <a:rPr lang="en-US" dirty="0">
+                <a:hlinkClick r:id="rId2"/>
               </a:rPr>
-              <a:t>i</a:t>
-            </a:r>
-            <a:r>
-              <a:rPr lang="en-US" sz="2400" dirty="0">
-                <a:latin typeface="Consolas" panose="020B0609020204030204" pitchFamily="49" charset="0"/>
-                <a:cs typeface="Consolas" panose="020B0609020204030204" pitchFamily="49" charset="0"/>
+              <a:t>range loops</a:t>
+            </a:r>
+            <a:endParaRPr lang="en-US" dirty="0"/>
+          </a:p>
+          <a:p>
+            <a:r>
+              <a:rPr lang="en-US" dirty="0">
+                <a:hlinkClick r:id="rId3"/>
               </a:rPr>
-              <a:t> = 1</a:t>
-            </a:r>
-          </a:p>
-          <a:p>
-            <a:r>
-              <a:rPr lang="en-US" sz="2400" dirty="0">
-                <a:latin typeface="Consolas" panose="020B0609020204030204" pitchFamily="49" charset="0"/>
-                <a:cs typeface="Consolas" panose="020B0609020204030204" pitchFamily="49" charset="0"/>
+              <a:t>for-each loops</a:t>
+            </a:r>
+            <a:endParaRPr lang="en-US" dirty="0"/>
+          </a:p>
+          <a:p>
+            <a:r>
+              <a:rPr lang="en-US" dirty="0">
+                <a:hlinkClick r:id="rId4"/>
               </a:rPr>
-              <a:t>while </a:t>
-            </a:r>
-            <a:r>
-              <a:rPr lang="en-US" sz="2400" dirty="0" err="1">
-                <a:latin typeface="Consolas" panose="020B0609020204030204" pitchFamily="49" charset="0"/>
-                <a:cs typeface="Consolas" panose="020B0609020204030204" pitchFamily="49" charset="0"/>
+              <a:t>loop with enumerate()</a:t>
+            </a:r>
+            <a:endParaRPr lang="en-US" dirty="0"/>
+          </a:p>
+          <a:p>
+            <a:r>
+              <a:rPr lang="en-US" dirty="0">
+                <a:hlinkClick r:id="rId5"/>
               </a:rPr>
-              <a:t>i</a:t>
-            </a:r>
-            <a:r>
-              <a:rPr lang="en-US" sz="2400" dirty="0">
-                <a:latin typeface="Consolas" panose="020B0609020204030204" pitchFamily="49" charset="0"/>
-                <a:cs typeface="Consolas" panose="020B0609020204030204" pitchFamily="49" charset="0"/>
+              <a:t>watch row var iterate through list-of-list rows</a:t>
+            </a:r>
+            <a:endParaRPr lang="en-US" dirty="0"/>
+          </a:p>
+          <a:p>
+            <a:r>
+              <a:rPr lang="en-US" dirty="0">
+                <a:hlinkClick r:id="rId6"/>
               </a:rPr>
-              <a:t> &lt;= 6:</a:t>
-            </a:r>
-          </a:p>
-          <a:p>
-            <a:r>
-              <a:rPr lang="en-US" sz="2400" dirty="0">
-                <a:latin typeface="Consolas" panose="020B0609020204030204" pitchFamily="49" charset="0"/>
-                <a:cs typeface="Consolas" panose="020B0609020204030204" pitchFamily="49" charset="0"/>
+              <a:t>indexed loop using range</a:t>
+            </a:r>
+            <a:endParaRPr lang="en-US" dirty="0"/>
+          </a:p>
+          <a:p>
+            <a:r>
+              <a:rPr lang="en-US" dirty="0">
+                <a:hlinkClick r:id="rId7"/>
               </a:rPr>
-              <a:t>    if </a:t>
-            </a:r>
-            <a:r>
-              <a:rPr lang="en-US" sz="2400" dirty="0" err="1">
-                <a:latin typeface="Consolas" panose="020B0609020204030204" pitchFamily="49" charset="0"/>
-                <a:cs typeface="Consolas" panose="020B0609020204030204" pitchFamily="49" charset="0"/>
-              </a:rPr>
-              <a:t>i</a:t>
-            </a:r>
-            <a:r>
-              <a:rPr lang="en-US" sz="2400" dirty="0">
-                <a:latin typeface="Consolas" panose="020B0609020204030204" pitchFamily="49" charset="0"/>
-                <a:cs typeface="Consolas" panose="020B0609020204030204" pitchFamily="49" charset="0"/>
-              </a:rPr>
-              <a:t>==3:</a:t>
-            </a:r>
-          </a:p>
-          <a:p>
-            <a:r>
-              <a:rPr lang="en-US" sz="2400" dirty="0">
-                <a:latin typeface="Consolas" panose="020B0609020204030204" pitchFamily="49" charset="0"/>
-                <a:cs typeface="Consolas" panose="020B0609020204030204" pitchFamily="49" charset="0"/>
-              </a:rPr>
-              <a:t>        print("Halfway!")</a:t>
-            </a:r>
-          </a:p>
-          <a:p>
-            <a:r>
-              <a:rPr lang="en-US" sz="2400" dirty="0">
-                <a:latin typeface="Consolas" panose="020B0609020204030204" pitchFamily="49" charset="0"/>
-                <a:cs typeface="Consolas" panose="020B0609020204030204" pitchFamily="49" charset="0"/>
-              </a:rPr>
-              <a:t>    </a:t>
-            </a:r>
-            <a:r>
-              <a:rPr lang="en-US" sz="2400" dirty="0" err="1">
-                <a:latin typeface="Consolas" panose="020B0609020204030204" pitchFamily="49" charset="0"/>
-                <a:cs typeface="Consolas" panose="020B0609020204030204" pitchFamily="49" charset="0"/>
-              </a:rPr>
-              <a:t>i</a:t>
-            </a:r>
-            <a:r>
-              <a:rPr lang="en-US" sz="2400" dirty="0">
-                <a:latin typeface="Consolas" panose="020B0609020204030204" pitchFamily="49" charset="0"/>
-                <a:cs typeface="Consolas" panose="020B0609020204030204" pitchFamily="49" charset="0"/>
-              </a:rPr>
-              <a:t> = </a:t>
-            </a:r>
-            <a:r>
-              <a:rPr lang="en-US" sz="2400" dirty="0" err="1">
-                <a:latin typeface="Consolas" panose="020B0609020204030204" pitchFamily="49" charset="0"/>
-                <a:cs typeface="Consolas" panose="020B0609020204030204" pitchFamily="49" charset="0"/>
-              </a:rPr>
-              <a:t>i</a:t>
-            </a:r>
-            <a:r>
-              <a:rPr lang="en-US" sz="2400" dirty="0">
-                <a:latin typeface="Consolas" panose="020B0609020204030204" pitchFamily="49" charset="0"/>
-                <a:cs typeface="Consolas" panose="020B0609020204030204" pitchFamily="49" charset="0"/>
-              </a:rPr>
-              <a:t> + 1</a:t>
-            </a:r>
+              <a:t>zip'd loop</a:t>
+            </a:r>
+            <a:endParaRPr lang="en-US" dirty="0"/>
           </a:p>
         </p:txBody>
       </p:sp>
@@ -7982,7 +7869,7 @@
           <p:cNvPr id="5" name="Picture 4">
             <a:extLst>
               <a:ext uri="{FF2B5EF4-FFF2-40B4-BE49-F238E27FC236}">
-                <a16:creationId xmlns:a16="http://schemas.microsoft.com/office/drawing/2014/main" id="{B53BD7BC-660F-8542-9391-4E49F182D313}"/>
+                <a16:creationId xmlns:a16="http://schemas.microsoft.com/office/drawing/2014/main" id="{4778C563-7430-2044-A619-4F98E8738B7A}"/>
               </a:ext>
             </a:extLst>
           </p:cNvPr>
@@ -7992,69 +7879,25 @@
           <p:nvPr/>
         </p:nvPicPr>
         <p:blipFill>
-          <a:blip r:embed="rId2"/>
+          <a:blip r:embed="rId8"/>
           <a:stretch>
             <a:fillRect/>
           </a:stretch>
         </p:blipFill>
         <p:spPr>
           <a:xfrm>
-            <a:off x="1998526" y="2846854"/>
-            <a:ext cx="1164763" cy="3551107"/>
+            <a:off x="5888945" y="495254"/>
+            <a:ext cx="5044410" cy="1671694"/>
           </a:xfrm>
           <a:prstGeom prst="rect">
             <a:avLst/>
           </a:prstGeom>
         </p:spPr>
       </p:pic>
-      <p:sp>
-        <p:nvSpPr>
-          <p:cNvPr id="6" name="TextBox 5">
-            <a:extLst>
-              <a:ext uri="{FF2B5EF4-FFF2-40B4-BE49-F238E27FC236}">
-                <a16:creationId xmlns:a16="http://schemas.microsoft.com/office/drawing/2014/main" id="{F5182221-8D99-1D4E-9482-C2502B515596}"/>
-              </a:ext>
-            </a:extLst>
-          </p:cNvPr>
-          <p:cNvSpPr txBox="1"/>
-          <p:nvPr/>
-        </p:nvSpPr>
-        <p:spPr>
-          <a:xfrm>
-            <a:off x="4599483" y="5353475"/>
-            <a:ext cx="5318123" cy="461665"/>
-          </a:xfrm>
-          <a:prstGeom prst="rect">
-            <a:avLst/>
-          </a:prstGeom>
-          <a:noFill/>
-        </p:spPr>
-        <p:txBody>
-          <a:bodyPr wrap="none" rtlCol="0">
-            <a:spAutoFit/>
-          </a:bodyPr>
-          <a:lstStyle/>
-          <a:p>
-            <a:r>
-              <a:rPr lang="en-US" sz="2400" dirty="0">
-                <a:hlinkClick r:id="rId3"/>
-              </a:rPr>
-              <a:t>Step through code at </a:t>
-            </a:r>
-            <a:r>
-              <a:rPr lang="en-US" sz="2400" dirty="0" err="1">
-                <a:hlinkClick r:id="rId3"/>
-              </a:rPr>
-              <a:t>pythontutor.com</a:t>
-            </a:r>
-            <a:endParaRPr lang="en-US" sz="2400" dirty="0"/>
-          </a:p>
-        </p:txBody>
-      </p:sp>
     </p:spTree>
     <p:extLst>
       <p:ext uri="{BB962C8B-B14F-4D97-AF65-F5344CB8AC3E}">
-        <p14:creationId xmlns:p14="http://schemas.microsoft.com/office/powerpoint/2010/main" val="3404399592"/>
+        <p14:creationId xmlns:p14="http://schemas.microsoft.com/office/powerpoint/2010/main" val="2685847471"/>
       </p:ext>
     </p:extLst>
   </p:cSld>
@@ -8086,6 +7929,313 @@
           <p:cNvPr id="2" name="Title 1">
             <a:extLst>
               <a:ext uri="{FF2B5EF4-FFF2-40B4-BE49-F238E27FC236}">
+                <a16:creationId xmlns:a16="http://schemas.microsoft.com/office/drawing/2014/main" id="{E74290A9-8CE1-944F-A79A-0A9893D50374}"/>
+              </a:ext>
+            </a:extLst>
+          </p:cNvPr>
+          <p:cNvSpPr>
+            <a:spLocks noGrp="1"/>
+          </p:cNvSpPr>
+          <p:nvPr>
+            <p:ph type="title"/>
+          </p:nvPr>
+        </p:nvSpPr>
+        <p:spPr/>
+        <p:txBody>
+          <a:bodyPr/>
+          <a:lstStyle/>
+          <a:p>
+            <a:r>
+              <a:rPr lang="en-US" dirty="0"/>
+              <a:t>Combined conditional / loop</a:t>
+            </a:r>
+          </a:p>
+        </p:txBody>
+      </p:sp>
+      <p:sp>
+        <p:nvSpPr>
+          <p:cNvPr id="3" name="Content Placeholder 2">
+            <a:extLst>
+              <a:ext uri="{FF2B5EF4-FFF2-40B4-BE49-F238E27FC236}">
+                <a16:creationId xmlns:a16="http://schemas.microsoft.com/office/drawing/2014/main" id="{EE351ED9-5BDF-7541-95C8-1AFF67BD8FC4}"/>
+              </a:ext>
+            </a:extLst>
+          </p:cNvPr>
+          <p:cNvSpPr>
+            <a:spLocks noGrp="1"/>
+          </p:cNvSpPr>
+          <p:nvPr>
+            <p:ph idx="1"/>
+          </p:nvPr>
+        </p:nvSpPr>
+        <p:spPr>
+          <a:xfrm>
+            <a:off x="838200" y="1400784"/>
+            <a:ext cx="10515600" cy="4776180"/>
+          </a:xfrm>
+        </p:spPr>
+        <p:txBody>
+          <a:bodyPr/>
+          <a:lstStyle/>
+          <a:p>
+            <a:r>
+              <a:rPr lang="en-US" dirty="0"/>
+              <a:t>Now that we have some basic Python skills, let's look at more complicated loop-related constructions starting with a combination:</a:t>
+            </a:r>
+          </a:p>
+        </p:txBody>
+      </p:sp>
+      <p:sp>
+        <p:nvSpPr>
+          <p:cNvPr id="4" name="TextBox 3">
+            <a:extLst>
+              <a:ext uri="{FF2B5EF4-FFF2-40B4-BE49-F238E27FC236}">
+                <a16:creationId xmlns:a16="http://schemas.microsoft.com/office/drawing/2014/main" id="{C5DC87D9-EA28-1740-B6C9-EF4F3930095D}"/>
+              </a:ext>
+            </a:extLst>
+          </p:cNvPr>
+          <p:cNvSpPr txBox="1"/>
+          <p:nvPr/>
+        </p:nvSpPr>
+        <p:spPr>
+          <a:xfrm>
+            <a:off x="5042233" y="3098308"/>
+            <a:ext cx="4432624" cy="1938992"/>
+          </a:xfrm>
+          <a:prstGeom prst="rect">
+            <a:avLst/>
+          </a:prstGeom>
+          <a:noFill/>
+          <a:ln>
+            <a:solidFill>
+              <a:schemeClr val="accent1"/>
+            </a:solidFill>
+          </a:ln>
+        </p:spPr>
+        <p:txBody>
+          <a:bodyPr wrap="none" rtlCol="0">
+            <a:spAutoFit/>
+          </a:bodyPr>
+          <a:lstStyle/>
+          <a:p>
+            <a:r>
+              <a:rPr lang="en-US" sz="2400" dirty="0" err="1">
+                <a:latin typeface="Consolas" panose="020B0609020204030204" pitchFamily="49" charset="0"/>
+                <a:cs typeface="Consolas" panose="020B0609020204030204" pitchFamily="49" charset="0"/>
+              </a:rPr>
+              <a:t>i</a:t>
+            </a:r>
+            <a:r>
+              <a:rPr lang="en-US" sz="2400" dirty="0">
+                <a:latin typeface="Consolas" panose="020B0609020204030204" pitchFamily="49" charset="0"/>
+                <a:cs typeface="Consolas" panose="020B0609020204030204" pitchFamily="49" charset="0"/>
+              </a:rPr>
+              <a:t> = 1</a:t>
+            </a:r>
+          </a:p>
+          <a:p>
+            <a:r>
+              <a:rPr lang="en-US" sz="2400" dirty="0">
+                <a:latin typeface="Consolas" panose="020B0609020204030204" pitchFamily="49" charset="0"/>
+                <a:cs typeface="Consolas" panose="020B0609020204030204" pitchFamily="49" charset="0"/>
+              </a:rPr>
+              <a:t>while </a:t>
+            </a:r>
+            <a:r>
+              <a:rPr lang="en-US" sz="2400" dirty="0" err="1">
+                <a:latin typeface="Consolas" panose="020B0609020204030204" pitchFamily="49" charset="0"/>
+                <a:cs typeface="Consolas" panose="020B0609020204030204" pitchFamily="49" charset="0"/>
+              </a:rPr>
+              <a:t>i</a:t>
+            </a:r>
+            <a:r>
+              <a:rPr lang="en-US" sz="2400" dirty="0">
+                <a:latin typeface="Consolas" panose="020B0609020204030204" pitchFamily="49" charset="0"/>
+                <a:cs typeface="Consolas" panose="020B0609020204030204" pitchFamily="49" charset="0"/>
+              </a:rPr>
+              <a:t> &lt;= 6:</a:t>
+            </a:r>
+          </a:p>
+          <a:p>
+            <a:r>
+              <a:rPr lang="en-US" sz="2400" dirty="0">
+                <a:latin typeface="Consolas" panose="020B0609020204030204" pitchFamily="49" charset="0"/>
+                <a:cs typeface="Consolas" panose="020B0609020204030204" pitchFamily="49" charset="0"/>
+              </a:rPr>
+              <a:t>    if </a:t>
+            </a:r>
+            <a:r>
+              <a:rPr lang="en-US" sz="2400" dirty="0" err="1">
+                <a:latin typeface="Consolas" panose="020B0609020204030204" pitchFamily="49" charset="0"/>
+                <a:cs typeface="Consolas" panose="020B0609020204030204" pitchFamily="49" charset="0"/>
+              </a:rPr>
+              <a:t>i</a:t>
+            </a:r>
+            <a:r>
+              <a:rPr lang="en-US" sz="2400" dirty="0">
+                <a:latin typeface="Consolas" panose="020B0609020204030204" pitchFamily="49" charset="0"/>
+                <a:cs typeface="Consolas" panose="020B0609020204030204" pitchFamily="49" charset="0"/>
+              </a:rPr>
+              <a:t>==3:</a:t>
+            </a:r>
+          </a:p>
+          <a:p>
+            <a:r>
+              <a:rPr lang="en-US" sz="2400" dirty="0">
+                <a:latin typeface="Consolas" panose="020B0609020204030204" pitchFamily="49" charset="0"/>
+                <a:cs typeface="Consolas" panose="020B0609020204030204" pitchFamily="49" charset="0"/>
+              </a:rPr>
+              <a:t>        print("Halfway!")</a:t>
+            </a:r>
+          </a:p>
+          <a:p>
+            <a:r>
+              <a:rPr lang="en-US" sz="2400" dirty="0">
+                <a:latin typeface="Consolas" panose="020B0609020204030204" pitchFamily="49" charset="0"/>
+                <a:cs typeface="Consolas" panose="020B0609020204030204" pitchFamily="49" charset="0"/>
+              </a:rPr>
+              <a:t>    </a:t>
+            </a:r>
+            <a:r>
+              <a:rPr lang="en-US" sz="2400" dirty="0" err="1">
+                <a:latin typeface="Consolas" panose="020B0609020204030204" pitchFamily="49" charset="0"/>
+                <a:cs typeface="Consolas" panose="020B0609020204030204" pitchFamily="49" charset="0"/>
+              </a:rPr>
+              <a:t>i</a:t>
+            </a:r>
+            <a:r>
+              <a:rPr lang="en-US" sz="2400" dirty="0">
+                <a:latin typeface="Consolas" panose="020B0609020204030204" pitchFamily="49" charset="0"/>
+                <a:cs typeface="Consolas" panose="020B0609020204030204" pitchFamily="49" charset="0"/>
+              </a:rPr>
+              <a:t> = </a:t>
+            </a:r>
+            <a:r>
+              <a:rPr lang="en-US" sz="2400" dirty="0" err="1">
+                <a:latin typeface="Consolas" panose="020B0609020204030204" pitchFamily="49" charset="0"/>
+                <a:cs typeface="Consolas" panose="020B0609020204030204" pitchFamily="49" charset="0"/>
+              </a:rPr>
+              <a:t>i</a:t>
+            </a:r>
+            <a:r>
+              <a:rPr lang="en-US" sz="2400" dirty="0">
+                <a:latin typeface="Consolas" panose="020B0609020204030204" pitchFamily="49" charset="0"/>
+                <a:cs typeface="Consolas" panose="020B0609020204030204" pitchFamily="49" charset="0"/>
+              </a:rPr>
+              <a:t> + 1</a:t>
+            </a:r>
+          </a:p>
+        </p:txBody>
+      </p:sp>
+      <p:pic>
+        <p:nvPicPr>
+          <p:cNvPr id="5" name="Picture 4">
+            <a:extLst>
+              <a:ext uri="{FF2B5EF4-FFF2-40B4-BE49-F238E27FC236}">
+                <a16:creationId xmlns:a16="http://schemas.microsoft.com/office/drawing/2014/main" id="{B53BD7BC-660F-8542-9391-4E49F182D313}"/>
+              </a:ext>
+            </a:extLst>
+          </p:cNvPr>
+          <p:cNvPicPr>
+            <a:picLocks noChangeAspect="1"/>
+          </p:cNvPicPr>
+          <p:nvPr/>
+        </p:nvPicPr>
+        <p:blipFill>
+          <a:blip r:embed="rId2"/>
+          <a:stretch>
+            <a:fillRect/>
+          </a:stretch>
+        </p:blipFill>
+        <p:spPr>
+          <a:xfrm>
+            <a:off x="1998526" y="2846854"/>
+            <a:ext cx="1164763" cy="3551107"/>
+          </a:xfrm>
+          <a:prstGeom prst="rect">
+            <a:avLst/>
+          </a:prstGeom>
+        </p:spPr>
+      </p:pic>
+      <p:sp>
+        <p:nvSpPr>
+          <p:cNvPr id="6" name="TextBox 5">
+            <a:extLst>
+              <a:ext uri="{FF2B5EF4-FFF2-40B4-BE49-F238E27FC236}">
+                <a16:creationId xmlns:a16="http://schemas.microsoft.com/office/drawing/2014/main" id="{F5182221-8D99-1D4E-9482-C2502B515596}"/>
+              </a:ext>
+            </a:extLst>
+          </p:cNvPr>
+          <p:cNvSpPr txBox="1"/>
+          <p:nvPr/>
+        </p:nvSpPr>
+        <p:spPr>
+          <a:xfrm>
+            <a:off x="4599483" y="5353475"/>
+            <a:ext cx="5318123" cy="461665"/>
+          </a:xfrm>
+          <a:prstGeom prst="rect">
+            <a:avLst/>
+          </a:prstGeom>
+          <a:noFill/>
+        </p:spPr>
+        <p:txBody>
+          <a:bodyPr wrap="none" rtlCol="0">
+            <a:spAutoFit/>
+          </a:bodyPr>
+          <a:lstStyle/>
+          <a:p>
+            <a:r>
+              <a:rPr lang="en-US" sz="2400" dirty="0">
+                <a:hlinkClick r:id="rId3"/>
+              </a:rPr>
+              <a:t>Step through code at </a:t>
+            </a:r>
+            <a:r>
+              <a:rPr lang="en-US" sz="2400" dirty="0" err="1">
+                <a:hlinkClick r:id="rId3"/>
+              </a:rPr>
+              <a:t>pythontutor.com</a:t>
+            </a:r>
+            <a:endParaRPr lang="en-US" sz="2400" dirty="0"/>
+          </a:p>
+        </p:txBody>
+      </p:sp>
+    </p:spTree>
+    <p:extLst>
+      <p:ext uri="{BB962C8B-B14F-4D97-AF65-F5344CB8AC3E}">
+        <p14:creationId xmlns:p14="http://schemas.microsoft.com/office/powerpoint/2010/main" val="3404399592"/>
+      </p:ext>
+    </p:extLst>
+  </p:cSld>
+  <p:clrMapOvr>
+    <a:masterClrMapping/>
+  </p:clrMapOvr>
+</p:sld>
+</file>
+
+<file path=ppt/slides/slide26.xml><?xml version="1.0" encoding="utf-8"?>
+<p:sld xmlns:a="http://schemas.openxmlformats.org/drawingml/2006/main" xmlns:r="http://schemas.openxmlformats.org/officeDocument/2006/relationships" xmlns:p="http://schemas.openxmlformats.org/presentationml/2006/main">
+  <p:cSld>
+    <p:spTree>
+      <p:nvGrpSpPr>
+        <p:cNvPr id="1" name=""/>
+        <p:cNvGrpSpPr/>
+        <p:nvPr/>
+      </p:nvGrpSpPr>
+      <p:grpSpPr>
+        <a:xfrm>
+          <a:off x="0" y="0"/>
+          <a:ext cx="0" cy="0"/>
+          <a:chOff x="0" y="0"/>
+          <a:chExt cx="0" cy="0"/>
+        </a:xfrm>
+      </p:grpSpPr>
+      <p:sp>
+        <p:nvSpPr>
+          <p:cNvPr id="2" name="Title 1">
+            <a:extLst>
+              <a:ext uri="{FF2B5EF4-FFF2-40B4-BE49-F238E27FC236}">
                 <a16:creationId xmlns:a16="http://schemas.microsoft.com/office/drawing/2014/main" id="{8D22FD87-A4FE-BA41-9EEE-1497E63CE681}"/>
               </a:ext>
             </a:extLst>
@@ -8189,7 +8339,7 @@
 </p:sld>
 </file>
 
-<file path=ppt/slides/slide26.xml><?xml version="1.0" encoding="utf-8"?>
+<file path=ppt/slides/slide27.xml><?xml version="1.0" encoding="utf-8"?>
 <p:sld xmlns:a="http://schemas.openxmlformats.org/drawingml/2006/main" xmlns:r="http://schemas.openxmlformats.org/officeDocument/2006/relationships" xmlns:p="http://schemas.openxmlformats.org/presentationml/2006/main">
   <p:cSld>
     <p:spTree>
@@ -8683,6 +8833,12 @@
           <a:p>
             <a:r>
               <a:rPr lang="en-US" dirty="0"/>
+              <a:t>Batch execution vs interactive execution</a:t>
+            </a:r>
+          </a:p>
+          <a:p>
+            <a:r>
+              <a:rPr lang="en-US" dirty="0"/>
               <a:t>Order of operations (</a:t>
             </a:r>
             <a:r>
@@ -8703,19 +8859,13 @@
           <a:p>
             <a:r>
               <a:rPr lang="en-US" dirty="0"/>
-              <a:t>Batch execution vs interactive execution</a:t>
+              <a:t>Aggregating instructions into reusable functions</a:t>
             </a:r>
           </a:p>
           <a:p>
             <a:r>
               <a:rPr lang="en-US" dirty="0"/>
-              <a:t>Aggregating instructions into reusable methods</a:t>
-            </a:r>
-          </a:p>
-          <a:p>
-            <a:r>
-              <a:rPr lang="en-US" dirty="0"/>
-              <a:t>Aggregating instructions and methods into modules (.</a:t>
+              <a:t>Aggregating instructions and functions into modules (.</a:t>
             </a:r>
             <a:r>
               <a:rPr lang="en-US" dirty="0" err="1"/>
@@ -9025,6 +9175,41 @@
           </a:p>
         </p:txBody>
       </p:sp>
+      <p:sp>
+        <p:nvSpPr>
+          <p:cNvPr id="5" name="TextBox 4">
+            <a:extLst>
+              <a:ext uri="{FF2B5EF4-FFF2-40B4-BE49-F238E27FC236}">
+                <a16:creationId xmlns:a16="http://schemas.microsoft.com/office/drawing/2014/main" id="{931FE782-9355-F848-BEFF-01D7058D5481}"/>
+              </a:ext>
+            </a:extLst>
+          </p:cNvPr>
+          <p:cNvSpPr txBox="1"/>
+          <p:nvPr/>
+        </p:nvSpPr>
+        <p:spPr>
+          <a:xfrm>
+            <a:off x="9067915" y="2168055"/>
+            <a:ext cx="3196644" cy="307777"/>
+          </a:xfrm>
+          <a:prstGeom prst="rect">
+            <a:avLst/>
+          </a:prstGeom>
+          <a:noFill/>
+        </p:spPr>
+        <p:txBody>
+          <a:bodyPr wrap="none" rtlCol="0">
+            <a:spAutoFit/>
+          </a:bodyPr>
+          <a:lstStyle/>
+          <a:p>
+            <a:r>
+              <a:rPr lang="en-US" sz="1400" dirty="0"/>
+              <a:t>Big Bang theory’s friendship algorithm</a:t>
+            </a:r>
+          </a:p>
+        </p:txBody>
+      </p:sp>
     </p:spTree>
     <p:extLst>
       <p:ext uri="{BB962C8B-B14F-4D97-AF65-F5344CB8AC3E}">
@@ -9150,10 +9335,10 @@
       </p:pic>
       <p:pic>
         <p:nvPicPr>
-          <p:cNvPr id="7" name="Picture 6">
-            <a:extLst>
-              <a:ext uri="{FF2B5EF4-FFF2-40B4-BE49-F238E27FC236}">
-                <a16:creationId xmlns:a16="http://schemas.microsoft.com/office/drawing/2014/main" id="{AC41118B-0447-5C4A-BB51-73E8F263FC44}"/>
+          <p:cNvPr id="13" name="Picture 12">
+            <a:extLst>
+              <a:ext uri="{FF2B5EF4-FFF2-40B4-BE49-F238E27FC236}">
+                <a16:creationId xmlns:a16="http://schemas.microsoft.com/office/drawing/2014/main" id="{6323B325-5A96-D14B-9C09-8346BB6F067D}"/>
               </a:ext>
             </a:extLst>
           </p:cNvPr>
@@ -9170,8 +9355,8 @@
         </p:blipFill>
         <p:spPr>
           <a:xfrm>
-            <a:off x="756619" y="5169855"/>
-            <a:ext cx="6911387" cy="1502475"/>
+            <a:off x="8091659" y="4326863"/>
+            <a:ext cx="3935702" cy="1239420"/>
           </a:xfrm>
           <a:prstGeom prst="rect">
             <a:avLst/>
@@ -9180,10 +9365,10 @@
       </p:pic>
       <p:pic>
         <p:nvPicPr>
-          <p:cNvPr id="8" name="Picture 7">
-            <a:extLst>
-              <a:ext uri="{FF2B5EF4-FFF2-40B4-BE49-F238E27FC236}">
-                <a16:creationId xmlns:a16="http://schemas.microsoft.com/office/drawing/2014/main" id="{835F88B2-A00C-0A46-A213-6F54D3510890}"/>
+          <p:cNvPr id="14" name="Picture 13">
+            <a:extLst>
+              <a:ext uri="{FF2B5EF4-FFF2-40B4-BE49-F238E27FC236}">
+                <a16:creationId xmlns:a16="http://schemas.microsoft.com/office/drawing/2014/main" id="{6564C5FE-45E5-2843-A2CD-FAA240DD59D4}"/>
               </a:ext>
             </a:extLst>
           </p:cNvPr>
@@ -9200,8 +9385,8 @@
         </p:blipFill>
         <p:spPr>
           <a:xfrm>
-            <a:off x="756619" y="1337851"/>
-            <a:ext cx="3195958" cy="1587801"/>
+            <a:off x="838200" y="3429000"/>
+            <a:ext cx="4421097" cy="1921318"/>
           </a:xfrm>
           <a:prstGeom prst="rect">
             <a:avLst/>
@@ -9210,10 +9395,10 @@
       </p:pic>
       <p:pic>
         <p:nvPicPr>
-          <p:cNvPr id="13" name="Picture 12">
-            <a:extLst>
-              <a:ext uri="{FF2B5EF4-FFF2-40B4-BE49-F238E27FC236}">
-                <a16:creationId xmlns:a16="http://schemas.microsoft.com/office/drawing/2014/main" id="{6323B325-5A96-D14B-9C09-8346BB6F067D}"/>
+          <p:cNvPr id="3" name="Picture 2">
+            <a:extLst>
+              <a:ext uri="{FF2B5EF4-FFF2-40B4-BE49-F238E27FC236}">
+                <a16:creationId xmlns:a16="http://schemas.microsoft.com/office/drawing/2014/main" id="{AFD4FD64-2761-E542-B04C-6F0E28F71CBF}"/>
               </a:ext>
             </a:extLst>
           </p:cNvPr>
@@ -9230,8 +9415,8 @@
         </p:blipFill>
         <p:spPr>
           <a:xfrm>
-            <a:off x="8091659" y="4326863"/>
-            <a:ext cx="3935702" cy="1239420"/>
+            <a:off x="752856" y="1242610"/>
+            <a:ext cx="3187116" cy="2050310"/>
           </a:xfrm>
           <a:prstGeom prst="rect">
             <a:avLst/>
@@ -9240,10 +9425,10 @@
       </p:pic>
       <p:pic>
         <p:nvPicPr>
-          <p:cNvPr id="14" name="Picture 13">
-            <a:extLst>
-              <a:ext uri="{FF2B5EF4-FFF2-40B4-BE49-F238E27FC236}">
-                <a16:creationId xmlns:a16="http://schemas.microsoft.com/office/drawing/2014/main" id="{6564C5FE-45E5-2843-A2CD-FAA240DD59D4}"/>
+          <p:cNvPr id="4" name="Picture 3">
+            <a:extLst>
+              <a:ext uri="{FF2B5EF4-FFF2-40B4-BE49-F238E27FC236}">
+                <a16:creationId xmlns:a16="http://schemas.microsoft.com/office/drawing/2014/main" id="{10E81EFB-689F-6E4E-98B0-EE2019F5F89A}"/>
               </a:ext>
             </a:extLst>
           </p:cNvPr>
@@ -9260,8 +9445,8 @@
         </p:blipFill>
         <p:spPr>
           <a:xfrm>
-            <a:off x="932682" y="3051006"/>
-            <a:ext cx="4421097" cy="1921318"/>
+            <a:off x="759244" y="5486398"/>
+            <a:ext cx="6500161" cy="1110276"/>
           </a:xfrm>
           <a:prstGeom prst="rect">
             <a:avLst/>
